--- a/02_analysis/04_sv/03_figures/ig_2023_08_18_fig_genes.pptx
+++ b/02_analysis/04_sv/03_figures/ig_2023_08_18_fig_genes.pptx
@@ -5,8 +5,9 @@
     <p:sldMasterId id="2147483708" r:id="rId1"/>
   </p:sldMasterIdLst>
   <p:sldIdLst>
-    <p:sldId id="256" r:id="rId2"/>
+    <p:sldId id="258" r:id="rId2"/>
     <p:sldId id="257" r:id="rId3"/>
+    <p:sldId id="256" r:id="rId4"/>
   </p:sldIdLst>
   <p:sldSz cx="18000663" cy="25199975"/>
   <p:notesSz cx="6858000" cy="9144000"/>
@@ -116,7 +117,7 @@
 <file path=ppt/revisionInfo.xml><?xml version="1.0" encoding="utf-8"?>
 <p1510:revInfo xmlns:a="http://schemas.openxmlformats.org/drawingml/2006/main" xmlns:r="http://schemas.openxmlformats.org/officeDocument/2006/relationships" xmlns:p1510="http://schemas.microsoft.com/office/powerpoint/2015/10/main">
   <p1510:revLst>
-    <p1510:client id="{9BA1C2E2-C1C6-0E41-8DB5-E37CFFBFF203}" v="17" dt="2023-09-01T10:57:39.251"/>
+    <p1510:client id="{9BA1C2E2-C1C6-0E41-8DB5-E37CFFBFF203}" v="59" dt="2023-09-05T11:36:43.182"/>
   </p1510:revLst>
 </p1510:revInfo>
 </file>
@@ -782,13 +783,13 @@
   </pc:docChgLst>
   <pc:docChgLst>
     <pc:chgData name="Ann Igolkina" userId="4d1b5d7ddf2bbc78" providerId="LiveId" clId="{9BA1C2E2-C1C6-0E41-8DB5-E37CFFBFF203}"/>
-    <pc:docChg chg="undo custSel modSld">
-      <pc:chgData name="Ann Igolkina" userId="4d1b5d7ddf2bbc78" providerId="LiveId" clId="{9BA1C2E2-C1C6-0E41-8DB5-E37CFFBFF203}" dt="2023-09-01T10:57:45.404" v="56" actId="1076"/>
+    <pc:docChg chg="undo custSel addSld delSld modSld sldOrd">
+      <pc:chgData name="Ann Igolkina" userId="4d1b5d7ddf2bbc78" providerId="LiveId" clId="{9BA1C2E2-C1C6-0E41-8DB5-E37CFFBFF203}" dt="2023-09-07T14:53:14.989" v="624" actId="478"/>
       <pc:docMkLst>
         <pc:docMk/>
       </pc:docMkLst>
       <pc:sldChg chg="addSp delSp modSp mod">
-        <pc:chgData name="Ann Igolkina" userId="4d1b5d7ddf2bbc78" providerId="LiveId" clId="{9BA1C2E2-C1C6-0E41-8DB5-E37CFFBFF203}" dt="2023-09-01T10:57:45.404" v="56" actId="1076"/>
+        <pc:chgData name="Ann Igolkina" userId="4d1b5d7ddf2bbc78" providerId="LiveId" clId="{9BA1C2E2-C1C6-0E41-8DB5-E37CFFBFF203}" dt="2023-09-04T09:10:51.401" v="80" actId="1076"/>
         <pc:sldMkLst>
           <pc:docMk/>
           <pc:sldMk cId="3114100624" sldId="256"/>
@@ -849,6 +850,14 @@
             <ac:picMk id="7" creationId="{33A3DD90-38AD-8463-F657-B9BF0BC83A59}"/>
           </ac:picMkLst>
         </pc:picChg>
+        <pc:picChg chg="add del mod">
+          <ac:chgData name="Ann Igolkina" userId="4d1b5d7ddf2bbc78" providerId="LiveId" clId="{9BA1C2E2-C1C6-0E41-8DB5-E37CFFBFF203}" dt="2023-09-04T08:50:35.608" v="59" actId="21"/>
+          <ac:picMkLst>
+            <pc:docMk/>
+            <pc:sldMk cId="3114100624" sldId="256"/>
+            <ac:picMk id="7" creationId="{58829B1C-3E69-1228-A126-C3E9BBC3B765}"/>
+          </ac:picMkLst>
+        </pc:picChg>
         <pc:picChg chg="add mod">
           <ac:chgData name="Ann Igolkina" userId="4d1b5d7ddf2bbc78" providerId="LiveId" clId="{9BA1C2E2-C1C6-0E41-8DB5-E37CFFBFF203}" dt="2023-08-29T11:19:55.717" v="23" actId="1076"/>
           <ac:picMkLst>
@@ -865,6 +874,14 @@
             <ac:picMk id="9" creationId="{B3CD9E71-3BFB-6731-C575-81AED1D8E2E9}"/>
           </ac:picMkLst>
         </pc:picChg>
+        <pc:picChg chg="add mod">
+          <ac:chgData name="Ann Igolkina" userId="4d1b5d7ddf2bbc78" providerId="LiveId" clId="{9BA1C2E2-C1C6-0E41-8DB5-E37CFFBFF203}" dt="2023-09-04T09:10:51.401" v="80" actId="1076"/>
+          <ac:picMkLst>
+            <pc:docMk/>
+            <pc:sldMk cId="3114100624" sldId="256"/>
+            <ac:picMk id="10" creationId="{2AB74D90-545E-5CDB-6175-B5A78B623436}"/>
+          </ac:picMkLst>
+        </pc:picChg>
         <pc:picChg chg="del">
           <ac:chgData name="Ann Igolkina" userId="4d1b5d7ddf2bbc78" providerId="LiveId" clId="{9BA1C2E2-C1C6-0E41-8DB5-E37CFFBFF203}" dt="2023-08-29T10:54:33.674" v="2" actId="478"/>
           <ac:picMkLst>
@@ -873,6 +890,14 @@
             <ac:picMk id="11" creationId="{2F931816-C181-E126-ADA2-83DC2D3C23D9}"/>
           </ac:picMkLst>
         </pc:picChg>
+        <pc:picChg chg="add mod">
+          <ac:chgData name="Ann Igolkina" userId="4d1b5d7ddf2bbc78" providerId="LiveId" clId="{9BA1C2E2-C1C6-0E41-8DB5-E37CFFBFF203}" dt="2023-09-04T09:10:51.401" v="80" actId="1076"/>
+          <ac:picMkLst>
+            <pc:docMk/>
+            <pc:sldMk cId="3114100624" sldId="256"/>
+            <ac:picMk id="11" creationId="{FF09CAE4-8266-4D78-7540-202B3C403125}"/>
+          </ac:picMkLst>
+        </pc:picChg>
         <pc:picChg chg="del mod">
           <ac:chgData name="Ann Igolkina" userId="4d1b5d7ddf2bbc78" providerId="LiveId" clId="{9BA1C2E2-C1C6-0E41-8DB5-E37CFFBFF203}" dt="2023-08-29T10:54:53.123" v="7" actId="21"/>
           <ac:picMkLst>
@@ -986,12 +1011,28 @@
           </ac:picMkLst>
         </pc:picChg>
       </pc:sldChg>
-      <pc:sldChg chg="addSp delSp modSp mod">
-        <pc:chgData name="Ann Igolkina" userId="4d1b5d7ddf2bbc78" providerId="LiveId" clId="{9BA1C2E2-C1C6-0E41-8DB5-E37CFFBFF203}" dt="2023-08-29T11:35:11.579" v="30" actId="1076"/>
+      <pc:sldChg chg="addSp delSp modSp mod ord">
+        <pc:chgData name="Ann Igolkina" userId="4d1b5d7ddf2bbc78" providerId="LiveId" clId="{9BA1C2E2-C1C6-0E41-8DB5-E37CFFBFF203}" dt="2023-09-04T12:36:45.094" v="487" actId="1076"/>
         <pc:sldMkLst>
           <pc:docMk/>
           <pc:sldMk cId="2173907528" sldId="257"/>
         </pc:sldMkLst>
+        <pc:spChg chg="add del mod">
+          <ac:chgData name="Ann Igolkina" userId="4d1b5d7ddf2bbc78" providerId="LiveId" clId="{9BA1C2E2-C1C6-0E41-8DB5-E37CFFBFF203}" dt="2023-09-04T11:27:12.860" v="470" actId="21"/>
+          <ac:spMkLst>
+            <pc:docMk/>
+            <pc:sldMk cId="2173907528" sldId="257"/>
+            <ac:spMk id="5" creationId="{1BAC7878-0A01-C4DF-A098-C19B219FEABC}"/>
+          </ac:spMkLst>
+        </pc:spChg>
+        <pc:picChg chg="add mod">
+          <ac:chgData name="Ann Igolkina" userId="4d1b5d7ddf2bbc78" providerId="LiveId" clId="{9BA1C2E2-C1C6-0E41-8DB5-E37CFFBFF203}" dt="2023-09-04T09:10:58.578" v="82" actId="1076"/>
+          <ac:picMkLst>
+            <pc:docMk/>
+            <pc:sldMk cId="2173907528" sldId="257"/>
+            <ac:picMk id="2" creationId="{BE6F32DE-0166-36A0-3CD9-7BE308908DCD}"/>
+          </ac:picMkLst>
+        </pc:picChg>
         <pc:picChg chg="del">
           <ac:chgData name="Ann Igolkina" userId="4d1b5d7ddf2bbc78" providerId="LiveId" clId="{9BA1C2E2-C1C6-0E41-8DB5-E37CFFBFF203}" dt="2023-08-29T10:54:45.300" v="5" actId="478"/>
           <ac:picMkLst>
@@ -1008,8 +1049,16 @@
             <ac:picMk id="3" creationId="{708ADC91-0644-D46A-D734-F6809B347472}"/>
           </ac:picMkLst>
         </pc:picChg>
-        <pc:picChg chg="add mod">
-          <ac:chgData name="Ann Igolkina" userId="4d1b5d7ddf2bbc78" providerId="LiveId" clId="{9BA1C2E2-C1C6-0E41-8DB5-E37CFFBFF203}" dt="2023-08-29T11:20:02.620" v="24" actId="1076"/>
+        <pc:picChg chg="add del mod">
+          <ac:chgData name="Ann Igolkina" userId="4d1b5d7ddf2bbc78" providerId="LiveId" clId="{9BA1C2E2-C1C6-0E41-8DB5-E37CFFBFF203}" dt="2023-09-04T11:27:12.860" v="470" actId="21"/>
+          <ac:picMkLst>
+            <pc:docMk/>
+            <pc:sldMk cId="2173907528" sldId="257"/>
+            <ac:picMk id="3" creationId="{EADD9021-DFBB-D5C3-CF54-E57291572A8E}"/>
+          </ac:picMkLst>
+        </pc:picChg>
+        <pc:picChg chg="add del mod">
+          <ac:chgData name="Ann Igolkina" userId="4d1b5d7ddf2bbc78" providerId="LiveId" clId="{9BA1C2E2-C1C6-0E41-8DB5-E37CFFBFF203}" dt="2023-09-04T09:10:45.071" v="77" actId="21"/>
           <ac:picMkLst>
             <pc:docMk/>
             <pc:sldMk cId="2173907528" sldId="257"/>
@@ -1024,8 +1073,8 @@
             <ac:picMk id="5" creationId="{2BBF8FFE-A2B4-2999-1CAB-77C012577B49}"/>
           </ac:picMkLst>
         </pc:picChg>
-        <pc:picChg chg="add mod">
-          <ac:chgData name="Ann Igolkina" userId="4d1b5d7ddf2bbc78" providerId="LiveId" clId="{9BA1C2E2-C1C6-0E41-8DB5-E37CFFBFF203}" dt="2023-08-29T11:35:11.579" v="30" actId="1076"/>
+        <pc:picChg chg="add del mod">
+          <ac:chgData name="Ann Igolkina" userId="4d1b5d7ddf2bbc78" providerId="LiveId" clId="{9BA1C2E2-C1C6-0E41-8DB5-E37CFFBFF203}" dt="2023-09-04T09:10:45.071" v="77" actId="21"/>
           <ac:picMkLst>
             <pc:docMk/>
             <pc:sldMk cId="2173907528" sldId="257"/>
@@ -1040,12 +1089,322 @@
             <ac:picMk id="7" creationId="{C77D82E0-93C6-D293-AA6D-0B69ED8A731A}"/>
           </ac:picMkLst>
         </pc:picChg>
+        <pc:picChg chg="add mod">
+          <ac:chgData name="Ann Igolkina" userId="4d1b5d7ddf2bbc78" providerId="LiveId" clId="{9BA1C2E2-C1C6-0E41-8DB5-E37CFFBFF203}" dt="2023-09-04T12:36:45.094" v="487" actId="1076"/>
+          <ac:picMkLst>
+            <pc:docMk/>
+            <pc:sldMk cId="2173907528" sldId="257"/>
+            <ac:picMk id="7" creationId="{E3835081-7A04-3BEC-8051-937245474B0D}"/>
+          </ac:picMkLst>
+        </pc:picChg>
         <pc:picChg chg="del">
           <ac:chgData name="Ann Igolkina" userId="4d1b5d7ddf2bbc78" providerId="LiveId" clId="{9BA1C2E2-C1C6-0E41-8DB5-E37CFFBFF203}" dt="2023-08-29T10:54:45.300" v="5" actId="478"/>
           <ac:picMkLst>
             <pc:docMk/>
             <pc:sldMk cId="2173907528" sldId="257"/>
             <ac:picMk id="9" creationId="{DCA4F71B-867A-A5C9-69C1-511B9CCEA3EA}"/>
+          </ac:picMkLst>
+        </pc:picChg>
+      </pc:sldChg>
+      <pc:sldChg chg="new del">
+        <pc:chgData name="Ann Igolkina" userId="4d1b5d7ddf2bbc78" providerId="LiveId" clId="{9BA1C2E2-C1C6-0E41-8DB5-E37CFFBFF203}" dt="2023-09-04T08:50:38.350" v="61" actId="680"/>
+        <pc:sldMkLst>
+          <pc:docMk/>
+          <pc:sldMk cId="3162807807" sldId="258"/>
+        </pc:sldMkLst>
+      </pc:sldChg>
+      <pc:sldChg chg="addSp delSp modSp new mod ord">
+        <pc:chgData name="Ann Igolkina" userId="4d1b5d7ddf2bbc78" providerId="LiveId" clId="{9BA1C2E2-C1C6-0E41-8DB5-E37CFFBFF203}" dt="2023-09-07T14:53:14.989" v="624" actId="478"/>
+        <pc:sldMkLst>
+          <pc:docMk/>
+          <pc:sldMk cId="3329085091" sldId="258"/>
+        </pc:sldMkLst>
+        <pc:spChg chg="add mod">
+          <ac:chgData name="Ann Igolkina" userId="4d1b5d7ddf2bbc78" providerId="LiveId" clId="{9BA1C2E2-C1C6-0E41-8DB5-E37CFFBFF203}" dt="2023-09-05T11:40:35.283" v="621" actId="1076"/>
+          <ac:spMkLst>
+            <pc:docMk/>
+            <pc:sldMk cId="3329085091" sldId="258"/>
+            <ac:spMk id="2" creationId="{75998935-6326-9863-7AC2-C28A3705A13C}"/>
+          </ac:spMkLst>
+        </pc:spChg>
+        <pc:spChg chg="add mod">
+          <ac:chgData name="Ann Igolkina" userId="4d1b5d7ddf2bbc78" providerId="LiveId" clId="{9BA1C2E2-C1C6-0E41-8DB5-E37CFFBFF203}" dt="2023-09-05T11:40:41.832" v="623" actId="1076"/>
+          <ac:spMkLst>
+            <pc:docMk/>
+            <pc:sldMk cId="3329085091" sldId="258"/>
+            <ac:spMk id="3" creationId="{5667FA5E-8E58-C325-2ECD-D32982A22052}"/>
+          </ac:spMkLst>
+        </pc:spChg>
+        <pc:spChg chg="add mod">
+          <ac:chgData name="Ann Igolkina" userId="4d1b5d7ddf2bbc78" providerId="LiveId" clId="{9BA1C2E2-C1C6-0E41-8DB5-E37CFFBFF203}" dt="2023-09-05T11:40:37.787" v="622" actId="1076"/>
+          <ac:spMkLst>
+            <pc:docMk/>
+            <pc:sldMk cId="3329085091" sldId="258"/>
+            <ac:spMk id="50" creationId="{313F7F50-87C2-CF68-C3E2-79F1053F8360}"/>
+          </ac:spMkLst>
+        </pc:spChg>
+        <pc:spChg chg="add del mod">
+          <ac:chgData name="Ann Igolkina" userId="4d1b5d7ddf2bbc78" providerId="LiveId" clId="{9BA1C2E2-C1C6-0E41-8DB5-E37CFFBFF203}" dt="2023-09-04T14:07:22.360" v="561" actId="478"/>
+          <ac:spMkLst>
+            <pc:docMk/>
+            <pc:sldMk cId="3329085091" sldId="258"/>
+            <ac:spMk id="51" creationId="{629575FA-51B0-3528-7FC9-4E66348587D3}"/>
+          </ac:spMkLst>
+        </pc:spChg>
+        <pc:spChg chg="add del mod">
+          <ac:chgData name="Ann Igolkina" userId="4d1b5d7ddf2bbc78" providerId="LiveId" clId="{9BA1C2E2-C1C6-0E41-8DB5-E37CFFBFF203}" dt="2023-09-04T14:31:22.584" v="569" actId="478"/>
+          <ac:spMkLst>
+            <pc:docMk/>
+            <pc:sldMk cId="3329085091" sldId="258"/>
+            <ac:spMk id="52" creationId="{25DBDF68-151D-AA0F-0B1E-53427DD81DE3}"/>
+          </ac:spMkLst>
+        </pc:spChg>
+        <pc:picChg chg="add del mod">
+          <ac:chgData name="Ann Igolkina" userId="4d1b5d7ddf2bbc78" providerId="LiveId" clId="{9BA1C2E2-C1C6-0E41-8DB5-E37CFFBFF203}" dt="2023-09-04T09:05:32.322" v="69" actId="478"/>
+          <ac:picMkLst>
+            <pc:docMk/>
+            <pc:sldMk cId="3329085091" sldId="258"/>
+            <ac:picMk id="2" creationId="{7986816A-D810-6545-4EBB-BC684A66674F}"/>
+          </ac:picMkLst>
+        </pc:picChg>
+        <pc:picChg chg="add mod">
+          <ac:chgData name="Ann Igolkina" userId="4d1b5d7ddf2bbc78" providerId="LiveId" clId="{9BA1C2E2-C1C6-0E41-8DB5-E37CFFBFF203}" dt="2023-09-04T09:11:10.482" v="84" actId="1076"/>
+          <ac:picMkLst>
+            <pc:docMk/>
+            <pc:sldMk cId="3329085091" sldId="258"/>
+            <ac:picMk id="4" creationId="{53292D80-91CC-BB13-27C4-3BD420ABBA19}"/>
+          </ac:picMkLst>
+        </pc:picChg>
+        <pc:picChg chg="add del mod">
+          <ac:chgData name="Ann Igolkina" userId="4d1b5d7ddf2bbc78" providerId="LiveId" clId="{9BA1C2E2-C1C6-0E41-8DB5-E37CFFBFF203}" dt="2023-09-04T09:10:28.138" v="72" actId="21"/>
+          <ac:picMkLst>
+            <pc:docMk/>
+            <pc:sldMk cId="3329085091" sldId="258"/>
+            <ac:picMk id="6" creationId="{F1E3258E-C967-5766-5978-1EF9A6A787FD}"/>
+          </ac:picMkLst>
+        </pc:picChg>
+        <pc:picChg chg="add del mod">
+          <ac:chgData name="Ann Igolkina" userId="4d1b5d7ddf2bbc78" providerId="LiveId" clId="{9BA1C2E2-C1C6-0E41-8DB5-E37CFFBFF203}" dt="2023-09-04T09:17:53.171" v="90" actId="478"/>
+          <ac:picMkLst>
+            <pc:docMk/>
+            <pc:sldMk cId="3329085091" sldId="258"/>
+            <ac:picMk id="8" creationId="{6A15549A-F4F5-0601-240A-E25F412AF9AC}"/>
+          </ac:picMkLst>
+        </pc:picChg>
+        <pc:picChg chg="add mod">
+          <ac:chgData name="Ann Igolkina" userId="4d1b5d7ddf2bbc78" providerId="LiveId" clId="{9BA1C2E2-C1C6-0E41-8DB5-E37CFFBFF203}" dt="2023-09-04T09:17:58.238" v="91" actId="1076"/>
+          <ac:picMkLst>
+            <pc:docMk/>
+            <pc:sldMk cId="3329085091" sldId="258"/>
+            <ac:picMk id="10" creationId="{B5A9F227-244D-2BA8-FFE0-CB3BAD449F8A}"/>
+          </ac:picMkLst>
+        </pc:picChg>
+        <pc:picChg chg="add del mod">
+          <ac:chgData name="Ann Igolkina" userId="4d1b5d7ddf2bbc78" providerId="LiveId" clId="{9BA1C2E2-C1C6-0E41-8DB5-E37CFFBFF203}" dt="2023-09-04T09:23:59.840" v="100" actId="478"/>
+          <ac:picMkLst>
+            <pc:docMk/>
+            <pc:sldMk cId="3329085091" sldId="258"/>
+            <ac:picMk id="12" creationId="{C46D4512-53DE-D3E6-9B0E-EB1E4934DD35}"/>
+          </ac:picMkLst>
+        </pc:picChg>
+        <pc:picChg chg="add del mod">
+          <ac:chgData name="Ann Igolkina" userId="4d1b5d7ddf2bbc78" providerId="LiveId" clId="{9BA1C2E2-C1C6-0E41-8DB5-E37CFFBFF203}" dt="2023-09-04T09:24:53.434" v="103" actId="478"/>
+          <ac:picMkLst>
+            <pc:docMk/>
+            <pc:sldMk cId="3329085091" sldId="258"/>
+            <ac:picMk id="14" creationId="{BF753D7E-1F82-B0EF-1CC6-004F12163BED}"/>
+          </ac:picMkLst>
+        </pc:picChg>
+        <pc:picChg chg="add del mod">
+          <ac:chgData name="Ann Igolkina" userId="4d1b5d7ddf2bbc78" providerId="LiveId" clId="{9BA1C2E2-C1C6-0E41-8DB5-E37CFFBFF203}" dt="2023-09-04T09:31:30.657" v="118" actId="478"/>
+          <ac:picMkLst>
+            <pc:docMk/>
+            <pc:sldMk cId="3329085091" sldId="258"/>
+            <ac:picMk id="16" creationId="{43FEBE1D-A71E-B9BF-78F5-D54D8DE2423B}"/>
+          </ac:picMkLst>
+        </pc:picChg>
+        <pc:picChg chg="add del mod">
+          <ac:chgData name="Ann Igolkina" userId="4d1b5d7ddf2bbc78" providerId="LiveId" clId="{9BA1C2E2-C1C6-0E41-8DB5-E37CFFBFF203}" dt="2023-09-04T09:30:53.658" v="114" actId="478"/>
+          <ac:picMkLst>
+            <pc:docMk/>
+            <pc:sldMk cId="3329085091" sldId="258"/>
+            <ac:picMk id="18" creationId="{C5323863-7ED6-C339-0D20-FAA855AF192F}"/>
+          </ac:picMkLst>
+        </pc:picChg>
+        <pc:picChg chg="add del mod">
+          <ac:chgData name="Ann Igolkina" userId="4d1b5d7ddf2bbc78" providerId="LiveId" clId="{9BA1C2E2-C1C6-0E41-8DB5-E37CFFBFF203}" dt="2023-09-04T09:30:24.840" v="111" actId="478"/>
+          <ac:picMkLst>
+            <pc:docMk/>
+            <pc:sldMk cId="3329085091" sldId="258"/>
+            <ac:picMk id="20" creationId="{45C19894-0CF5-BEF1-269B-E0C02C584CE7}"/>
+          </ac:picMkLst>
+        </pc:picChg>
+        <pc:picChg chg="add del mod">
+          <ac:chgData name="Ann Igolkina" userId="4d1b5d7ddf2bbc78" providerId="LiveId" clId="{9BA1C2E2-C1C6-0E41-8DB5-E37CFFBFF203}" dt="2023-09-04T09:30:23.706" v="110" actId="478"/>
+          <ac:picMkLst>
+            <pc:docMk/>
+            <pc:sldMk cId="3329085091" sldId="258"/>
+            <ac:picMk id="22" creationId="{6889687F-5E0D-548A-8B95-67A8BC96CA8B}"/>
+          </ac:picMkLst>
+        </pc:picChg>
+        <pc:picChg chg="add del mod">
+          <ac:chgData name="Ann Igolkina" userId="4d1b5d7ddf2bbc78" providerId="LiveId" clId="{9BA1C2E2-C1C6-0E41-8DB5-E37CFFBFF203}" dt="2023-09-04T09:34:31.026" v="135" actId="478"/>
+          <ac:picMkLst>
+            <pc:docMk/>
+            <pc:sldMk cId="3329085091" sldId="258"/>
+            <ac:picMk id="24" creationId="{6B6BDA82-EEE9-4D04-5B8C-D9C430DA7CEE}"/>
+          </ac:picMkLst>
+        </pc:picChg>
+        <pc:picChg chg="add del mod">
+          <ac:chgData name="Ann Igolkina" userId="4d1b5d7ddf2bbc78" providerId="LiveId" clId="{9BA1C2E2-C1C6-0E41-8DB5-E37CFFBFF203}" dt="2023-09-04T09:32:06.622" v="122" actId="478"/>
+          <ac:picMkLst>
+            <pc:docMk/>
+            <pc:sldMk cId="3329085091" sldId="258"/>
+            <ac:picMk id="26" creationId="{34C56794-99C5-2157-439A-4B7F2DC8C7BB}"/>
+          </ac:picMkLst>
+        </pc:picChg>
+        <pc:picChg chg="add del mod">
+          <ac:chgData name="Ann Igolkina" userId="4d1b5d7ddf2bbc78" providerId="LiveId" clId="{9BA1C2E2-C1C6-0E41-8DB5-E37CFFBFF203}" dt="2023-09-04T11:19:07.438" v="189" actId="478"/>
+          <ac:picMkLst>
+            <pc:docMk/>
+            <pc:sldMk cId="3329085091" sldId="258"/>
+            <ac:picMk id="28" creationId="{41FE5D96-290E-ED95-9545-D3094AD39E86}"/>
+          </ac:picMkLst>
+        </pc:picChg>
+        <pc:picChg chg="add del mod">
+          <ac:chgData name="Ann Igolkina" userId="4d1b5d7ddf2bbc78" providerId="LiveId" clId="{9BA1C2E2-C1C6-0E41-8DB5-E37CFFBFF203}" dt="2023-09-04T09:33:57.970" v="131" actId="478"/>
+          <ac:picMkLst>
+            <pc:docMk/>
+            <pc:sldMk cId="3329085091" sldId="258"/>
+            <ac:picMk id="30" creationId="{354A4FDE-730D-FEE1-745F-6D74ECA3BFF5}"/>
+          </ac:picMkLst>
+        </pc:picChg>
+        <pc:picChg chg="add mod">
+          <ac:chgData name="Ann Igolkina" userId="4d1b5d7ddf2bbc78" providerId="LiveId" clId="{9BA1C2E2-C1C6-0E41-8DB5-E37CFFBFF203}" dt="2023-09-04T09:34:34.586" v="136" actId="1076"/>
+          <ac:picMkLst>
+            <pc:docMk/>
+            <pc:sldMk cId="3329085091" sldId="258"/>
+            <ac:picMk id="32" creationId="{DBDC6E48-5BDC-04D6-555B-AA76BFA64679}"/>
+          </ac:picMkLst>
+        </pc:picChg>
+        <pc:picChg chg="add del mod">
+          <ac:chgData name="Ann Igolkina" userId="4d1b5d7ddf2bbc78" providerId="LiveId" clId="{9BA1C2E2-C1C6-0E41-8DB5-E37CFFBFF203}" dt="2023-09-04T11:18:07.082" v="180" actId="478"/>
+          <ac:picMkLst>
+            <pc:docMk/>
+            <pc:sldMk cId="3329085091" sldId="258"/>
+            <ac:picMk id="34" creationId="{3872B122-9E64-25F8-8A64-C615580CBC54}"/>
+          </ac:picMkLst>
+        </pc:picChg>
+        <pc:picChg chg="add del mod">
+          <ac:chgData name="Ann Igolkina" userId="4d1b5d7ddf2bbc78" providerId="LiveId" clId="{9BA1C2E2-C1C6-0E41-8DB5-E37CFFBFF203}" dt="2023-09-04T11:19:05.391" v="187" actId="478"/>
+          <ac:picMkLst>
+            <pc:docMk/>
+            <pc:sldMk cId="3329085091" sldId="258"/>
+            <ac:picMk id="36" creationId="{D4D9BC93-AB0A-AB44-F912-615BF3870DC1}"/>
+          </ac:picMkLst>
+        </pc:picChg>
+        <pc:picChg chg="add del mod">
+          <ac:chgData name="Ann Igolkina" userId="4d1b5d7ddf2bbc78" providerId="LiveId" clId="{9BA1C2E2-C1C6-0E41-8DB5-E37CFFBFF203}" dt="2023-09-04T12:45:43.402" v="491" actId="478"/>
+          <ac:picMkLst>
+            <pc:docMk/>
+            <pc:sldMk cId="3329085091" sldId="258"/>
+            <ac:picMk id="38" creationId="{2F664AE6-7071-90E6-6301-735085768CF6}"/>
+          </ac:picMkLst>
+        </pc:picChg>
+        <pc:picChg chg="add del mod">
+          <ac:chgData name="Ann Igolkina" userId="4d1b5d7ddf2bbc78" providerId="LiveId" clId="{9BA1C2E2-C1C6-0E41-8DB5-E37CFFBFF203}" dt="2023-09-04T11:22:35.716" v="192" actId="21"/>
+          <ac:picMkLst>
+            <pc:docMk/>
+            <pc:sldMk cId="3329085091" sldId="258"/>
+            <ac:picMk id="40" creationId="{7E6F2ED8-4BFD-E8BA-A5E5-DC1FDE591AC0}"/>
+          </ac:picMkLst>
+        </pc:picChg>
+        <pc:picChg chg="add del mod">
+          <ac:chgData name="Ann Igolkina" userId="4d1b5d7ddf2bbc78" providerId="LiveId" clId="{9BA1C2E2-C1C6-0E41-8DB5-E37CFFBFF203}" dt="2023-09-04T12:36:42.134" v="485" actId="21"/>
+          <ac:picMkLst>
+            <pc:docMk/>
+            <pc:sldMk cId="3329085091" sldId="258"/>
+            <ac:picMk id="41" creationId="{E36B9AC3-C273-8521-03AD-B99D8D645CD3}"/>
+          </ac:picMkLst>
+        </pc:picChg>
+        <pc:picChg chg="add del mod">
+          <ac:chgData name="Ann Igolkina" userId="4d1b5d7ddf2bbc78" providerId="LiveId" clId="{9BA1C2E2-C1C6-0E41-8DB5-E37CFFBFF203}" dt="2023-09-04T12:36:21.321" v="476" actId="478"/>
+          <ac:picMkLst>
+            <pc:docMk/>
+            <pc:sldMk cId="3329085091" sldId="258"/>
+            <ac:picMk id="43" creationId="{08415320-71EC-C12C-4C42-B2FC8306B16B}"/>
+          </ac:picMkLst>
+        </pc:picChg>
+        <pc:picChg chg="add mod">
+          <ac:chgData name="Ann Igolkina" userId="4d1b5d7ddf2bbc78" providerId="LiveId" clId="{9BA1C2E2-C1C6-0E41-8DB5-E37CFFBFF203}" dt="2023-09-04T12:36:33.065" v="481" actId="1076"/>
+          <ac:picMkLst>
+            <pc:docMk/>
+            <pc:sldMk cId="3329085091" sldId="258"/>
+            <ac:picMk id="45" creationId="{33BCCE85-7CA8-6708-D1F9-F54AD732DCB7}"/>
+          </ac:picMkLst>
+        </pc:picChg>
+        <pc:picChg chg="add del mod">
+          <ac:chgData name="Ann Igolkina" userId="4d1b5d7ddf2bbc78" providerId="LiveId" clId="{9BA1C2E2-C1C6-0E41-8DB5-E37CFFBFF203}" dt="2023-09-04T12:46:48.811" v="497" actId="478"/>
+          <ac:picMkLst>
+            <pc:docMk/>
+            <pc:sldMk cId="3329085091" sldId="258"/>
+            <ac:picMk id="47" creationId="{3C56D794-83CB-7E53-BB27-B6B06D9E4C68}"/>
+          </ac:picMkLst>
+        </pc:picChg>
+        <pc:picChg chg="add mod">
+          <ac:chgData name="Ann Igolkina" userId="4d1b5d7ddf2bbc78" providerId="LiveId" clId="{9BA1C2E2-C1C6-0E41-8DB5-E37CFFBFF203}" dt="2023-09-04T12:46:51.786" v="498" actId="1076"/>
+          <ac:picMkLst>
+            <pc:docMk/>
+            <pc:sldMk cId="3329085091" sldId="258"/>
+            <ac:picMk id="49" creationId="{1BAF26D8-A85F-4F54-6890-5F7D6DBBE7A0}"/>
+          </ac:picMkLst>
+        </pc:picChg>
+        <pc:picChg chg="add del mod">
+          <ac:chgData name="Ann Igolkina" userId="4d1b5d7ddf2bbc78" providerId="LiveId" clId="{9BA1C2E2-C1C6-0E41-8DB5-E37CFFBFF203}" dt="2023-09-04T14:07:17.153" v="557" actId="478"/>
+          <ac:picMkLst>
+            <pc:docMk/>
+            <pc:sldMk cId="3329085091" sldId="258"/>
+            <ac:picMk id="54" creationId="{367687B7-C78B-6CE9-AFAE-80CE8DE44A36}"/>
+          </ac:picMkLst>
+        </pc:picChg>
+        <pc:picChg chg="add del mod">
+          <ac:chgData name="Ann Igolkina" userId="4d1b5d7ddf2bbc78" providerId="LiveId" clId="{9BA1C2E2-C1C6-0E41-8DB5-E37CFFBFF203}" dt="2023-09-04T14:07:16.168" v="556" actId="478"/>
+          <ac:picMkLst>
+            <pc:docMk/>
+            <pc:sldMk cId="3329085091" sldId="258"/>
+            <ac:picMk id="56" creationId="{20326E35-5B49-77E7-AF19-92F9C6E0FF2E}"/>
+          </ac:picMkLst>
+        </pc:picChg>
+        <pc:picChg chg="add del mod">
+          <ac:chgData name="Ann Igolkina" userId="4d1b5d7ddf2bbc78" providerId="LiveId" clId="{9BA1C2E2-C1C6-0E41-8DB5-E37CFFBFF203}" dt="2023-09-04T14:09:17.255" v="566" actId="478"/>
+          <ac:picMkLst>
+            <pc:docMk/>
+            <pc:sldMk cId="3329085091" sldId="258"/>
+            <ac:picMk id="58" creationId="{D9DD07ED-9381-BF3B-DA1A-1A5252BEFDFD}"/>
+          </ac:picMkLst>
+        </pc:picChg>
+        <pc:picChg chg="add del mod">
+          <ac:chgData name="Ann Igolkina" userId="4d1b5d7ddf2bbc78" providerId="LiveId" clId="{9BA1C2E2-C1C6-0E41-8DB5-E37CFFBFF203}" dt="2023-09-07T14:53:14.989" v="624" actId="478"/>
+          <ac:picMkLst>
+            <pc:docMk/>
+            <pc:sldMk cId="3329085091" sldId="258"/>
+            <ac:picMk id="60" creationId="{527F69A7-0CDE-E042-A9B8-CFC44BB922E2}"/>
+          </ac:picMkLst>
+        </pc:picChg>
+        <pc:picChg chg="add del mod">
+          <ac:chgData name="Ann Igolkina" userId="4d1b5d7ddf2bbc78" providerId="LiveId" clId="{9BA1C2E2-C1C6-0E41-8DB5-E37CFFBFF203}" dt="2023-09-07T14:53:14.989" v="624" actId="478"/>
+          <ac:picMkLst>
+            <pc:docMk/>
+            <pc:sldMk cId="3329085091" sldId="258"/>
+            <ac:picMk id="62" creationId="{AF1F0033-0B53-AB6D-1C84-C007BA3359F2}"/>
+          </ac:picMkLst>
+        </pc:picChg>
+        <pc:picChg chg="add del">
+          <ac:chgData name="Ann Igolkina" userId="4d1b5d7ddf2bbc78" providerId="LiveId" clId="{9BA1C2E2-C1C6-0E41-8DB5-E37CFFBFF203}" dt="2023-09-04T13:19:03.768" v="548" actId="478"/>
+          <ac:picMkLst>
+            <pc:docMk/>
+            <pc:sldMk cId="3329085091" sldId="258"/>
+            <ac:picMk id="1026" creationId="{EB7C5D73-3ADF-12E6-33E4-BBE640D8A3C4}"/>
           </ac:picMkLst>
         </pc:picChg>
       </pc:sldChg>
@@ -1185,7 +1544,7 @@
           <a:p>
             <a:fld id="{54B5EF71-3848-8048-B7D2-636D112955BB}" type="datetimeFigureOut">
               <a:rPr lang="en-AT" smtClean="0"/>
-              <a:t>01.09.23</a:t>
+              <a:t>07.09.23</a:t>
             </a:fld>
             <a:endParaRPr lang="en-AT"/>
           </a:p>
@@ -1355,7 +1714,7 @@
           <a:p>
             <a:fld id="{54B5EF71-3848-8048-B7D2-636D112955BB}" type="datetimeFigureOut">
               <a:rPr lang="en-AT" smtClean="0"/>
-              <a:t>01.09.23</a:t>
+              <a:t>07.09.23</a:t>
             </a:fld>
             <a:endParaRPr lang="en-AT"/>
           </a:p>
@@ -1535,7 +1894,7 @@
           <a:p>
             <a:fld id="{54B5EF71-3848-8048-B7D2-636D112955BB}" type="datetimeFigureOut">
               <a:rPr lang="en-AT" smtClean="0"/>
-              <a:t>01.09.23</a:t>
+              <a:t>07.09.23</a:t>
             </a:fld>
             <a:endParaRPr lang="en-AT"/>
           </a:p>
@@ -1705,7 +2064,7 @@
           <a:p>
             <a:fld id="{54B5EF71-3848-8048-B7D2-636D112955BB}" type="datetimeFigureOut">
               <a:rPr lang="en-AT" smtClean="0"/>
-              <a:t>01.09.23</a:t>
+              <a:t>07.09.23</a:t>
             </a:fld>
             <a:endParaRPr lang="en-AT"/>
           </a:p>
@@ -1949,7 +2308,7 @@
           <a:p>
             <a:fld id="{54B5EF71-3848-8048-B7D2-636D112955BB}" type="datetimeFigureOut">
               <a:rPr lang="en-AT" smtClean="0"/>
-              <a:t>01.09.23</a:t>
+              <a:t>07.09.23</a:t>
             </a:fld>
             <a:endParaRPr lang="en-AT"/>
           </a:p>
@@ -2181,7 +2540,7 @@
           <a:p>
             <a:fld id="{54B5EF71-3848-8048-B7D2-636D112955BB}" type="datetimeFigureOut">
               <a:rPr lang="en-AT" smtClean="0"/>
-              <a:t>01.09.23</a:t>
+              <a:t>07.09.23</a:t>
             </a:fld>
             <a:endParaRPr lang="en-AT"/>
           </a:p>
@@ -2548,7 +2907,7 @@
           <a:p>
             <a:fld id="{54B5EF71-3848-8048-B7D2-636D112955BB}" type="datetimeFigureOut">
               <a:rPr lang="en-AT" smtClean="0"/>
-              <a:t>01.09.23</a:t>
+              <a:t>07.09.23</a:t>
             </a:fld>
             <a:endParaRPr lang="en-AT"/>
           </a:p>
@@ -2666,7 +3025,7 @@
           <a:p>
             <a:fld id="{54B5EF71-3848-8048-B7D2-636D112955BB}" type="datetimeFigureOut">
               <a:rPr lang="en-AT" smtClean="0"/>
-              <a:t>01.09.23</a:t>
+              <a:t>07.09.23</a:t>
             </a:fld>
             <a:endParaRPr lang="en-AT"/>
           </a:p>
@@ -2761,7 +3120,7 @@
           <a:p>
             <a:fld id="{54B5EF71-3848-8048-B7D2-636D112955BB}" type="datetimeFigureOut">
               <a:rPr lang="en-AT" smtClean="0"/>
-              <a:t>01.09.23</a:t>
+              <a:t>07.09.23</a:t>
             </a:fld>
             <a:endParaRPr lang="en-AT"/>
           </a:p>
@@ -3038,7 +3397,7 @@
           <a:p>
             <a:fld id="{54B5EF71-3848-8048-B7D2-636D112955BB}" type="datetimeFigureOut">
               <a:rPr lang="en-AT" smtClean="0"/>
-              <a:t>01.09.23</a:t>
+              <a:t>07.09.23</a:t>
             </a:fld>
             <a:endParaRPr lang="en-AT"/>
           </a:p>
@@ -3295,7 +3654,7 @@
           <a:p>
             <a:fld id="{54B5EF71-3848-8048-B7D2-636D112955BB}" type="datetimeFigureOut">
               <a:rPr lang="en-AT" smtClean="0"/>
-              <a:t>01.09.23</a:t>
+              <a:t>07.09.23</a:t>
             </a:fld>
             <a:endParaRPr lang="en-AT"/>
           </a:p>
@@ -3508,7 +3867,7 @@
           <a:p>
             <a:fld id="{54B5EF71-3848-8048-B7D2-636D112955BB}" type="datetimeFigureOut">
               <a:rPr lang="en-AT" smtClean="0"/>
-              <a:t>01.09.23</a:t>
+              <a:t>07.09.23</a:t>
             </a:fld>
             <a:endParaRPr lang="en-AT"/>
           </a:p>
@@ -3915,6 +4274,381 @@
       </p:grpSpPr>
       <p:pic>
         <p:nvPicPr>
+          <p:cNvPr id="4" name="Picture 3">
+            <a:extLst>
+              <a:ext uri="{FF2B5EF4-FFF2-40B4-BE49-F238E27FC236}">
+                <a16:creationId xmlns:a16="http://schemas.microsoft.com/office/drawing/2014/main" id="{53292D80-91CC-BB13-27C4-3BD420ABBA19}"/>
+              </a:ext>
+            </a:extLst>
+          </p:cNvPr>
+          <p:cNvPicPr>
+            <a:picLocks noChangeAspect="1"/>
+          </p:cNvPicPr>
+          <p:nvPr/>
+        </p:nvPicPr>
+        <p:blipFill>
+          <a:blip r:embed="rId2"/>
+          <a:stretch>
+            <a:fillRect/>
+          </a:stretch>
+        </p:blipFill>
+        <p:spPr>
+          <a:xfrm>
+            <a:off x="0" y="0"/>
+            <a:ext cx="4572000" cy="3657600"/>
+          </a:xfrm>
+          <a:prstGeom prst="rect">
+            <a:avLst/>
+          </a:prstGeom>
+        </p:spPr>
+      </p:pic>
+      <p:pic>
+        <p:nvPicPr>
+          <p:cNvPr id="10" name="Picture 9">
+            <a:extLst>
+              <a:ext uri="{FF2B5EF4-FFF2-40B4-BE49-F238E27FC236}">
+                <a16:creationId xmlns:a16="http://schemas.microsoft.com/office/drawing/2014/main" id="{B5A9F227-244D-2BA8-FFE0-CB3BAD449F8A}"/>
+              </a:ext>
+            </a:extLst>
+          </p:cNvPr>
+          <p:cNvPicPr>
+            <a:picLocks noChangeAspect="1"/>
+          </p:cNvPicPr>
+          <p:nvPr/>
+        </p:nvPicPr>
+        <p:blipFill>
+          <a:blip r:embed="rId3"/>
+          <a:stretch>
+            <a:fillRect/>
+          </a:stretch>
+        </p:blipFill>
+        <p:spPr>
+          <a:xfrm>
+            <a:off x="4572000" y="0"/>
+            <a:ext cx="4572000" cy="3657600"/>
+          </a:xfrm>
+          <a:prstGeom prst="rect">
+            <a:avLst/>
+          </a:prstGeom>
+        </p:spPr>
+      </p:pic>
+      <p:pic>
+        <p:nvPicPr>
+          <p:cNvPr id="32" name="Picture 31">
+            <a:extLst>
+              <a:ext uri="{FF2B5EF4-FFF2-40B4-BE49-F238E27FC236}">
+                <a16:creationId xmlns:a16="http://schemas.microsoft.com/office/drawing/2014/main" id="{DBDC6E48-5BDC-04D6-555B-AA76BFA64679}"/>
+              </a:ext>
+            </a:extLst>
+          </p:cNvPr>
+          <p:cNvPicPr>
+            <a:picLocks noChangeAspect="1"/>
+          </p:cNvPicPr>
+          <p:nvPr/>
+        </p:nvPicPr>
+        <p:blipFill>
+          <a:blip r:embed="rId4"/>
+          <a:stretch>
+            <a:fillRect/>
+          </a:stretch>
+        </p:blipFill>
+        <p:spPr>
+          <a:xfrm>
+            <a:off x="9144000" y="1371600"/>
+            <a:ext cx="2743200" cy="2286000"/>
+          </a:xfrm>
+          <a:prstGeom prst="rect">
+            <a:avLst/>
+          </a:prstGeom>
+        </p:spPr>
+      </p:pic>
+      <p:pic>
+        <p:nvPicPr>
+          <p:cNvPr id="45" name="Picture 44">
+            <a:extLst>
+              <a:ext uri="{FF2B5EF4-FFF2-40B4-BE49-F238E27FC236}">
+                <a16:creationId xmlns:a16="http://schemas.microsoft.com/office/drawing/2014/main" id="{33BCCE85-7CA8-6708-D1F9-F54AD732DCB7}"/>
+              </a:ext>
+            </a:extLst>
+          </p:cNvPr>
+          <p:cNvPicPr>
+            <a:picLocks noChangeAspect="1"/>
+          </p:cNvPicPr>
+          <p:nvPr/>
+        </p:nvPicPr>
+        <p:blipFill>
+          <a:blip r:embed="rId5"/>
+          <a:stretch>
+            <a:fillRect/>
+          </a:stretch>
+        </p:blipFill>
+        <p:spPr>
+          <a:xfrm>
+            <a:off x="0" y="3657600"/>
+            <a:ext cx="4572000" cy="3200400"/>
+          </a:xfrm>
+          <a:prstGeom prst="rect">
+            <a:avLst/>
+          </a:prstGeom>
+        </p:spPr>
+      </p:pic>
+      <p:pic>
+        <p:nvPicPr>
+          <p:cNvPr id="49" name="Picture 48">
+            <a:extLst>
+              <a:ext uri="{FF2B5EF4-FFF2-40B4-BE49-F238E27FC236}">
+                <a16:creationId xmlns:a16="http://schemas.microsoft.com/office/drawing/2014/main" id="{1BAF26D8-A85F-4F54-6890-5F7D6DBBE7A0}"/>
+              </a:ext>
+            </a:extLst>
+          </p:cNvPr>
+          <p:cNvPicPr>
+            <a:picLocks noChangeAspect="1"/>
+          </p:cNvPicPr>
+          <p:nvPr/>
+        </p:nvPicPr>
+        <p:blipFill>
+          <a:blip r:embed="rId6"/>
+          <a:stretch>
+            <a:fillRect/>
+          </a:stretch>
+        </p:blipFill>
+        <p:spPr>
+          <a:xfrm>
+            <a:off x="9144000" y="0"/>
+            <a:ext cx="2743200" cy="1371600"/>
+          </a:xfrm>
+          <a:prstGeom prst="rect">
+            <a:avLst/>
+          </a:prstGeom>
+        </p:spPr>
+      </p:pic>
+      <p:sp>
+        <p:nvSpPr>
+          <p:cNvPr id="50" name="TextBox 49">
+            <a:extLst>
+              <a:ext uri="{FF2B5EF4-FFF2-40B4-BE49-F238E27FC236}">
+                <a16:creationId xmlns:a16="http://schemas.microsoft.com/office/drawing/2014/main" id="{313F7F50-87C2-CF68-C3E2-79F1053F8360}"/>
+              </a:ext>
+            </a:extLst>
+          </p:cNvPr>
+          <p:cNvSpPr txBox="1"/>
+          <p:nvPr/>
+        </p:nvSpPr>
+        <p:spPr>
+          <a:xfrm>
+            <a:off x="6249564" y="4672034"/>
+            <a:ext cx="1216872" cy="369332"/>
+          </a:xfrm>
+          <a:prstGeom prst="rect">
+            <a:avLst/>
+          </a:prstGeom>
+          <a:noFill/>
+        </p:spPr>
+        <p:txBody>
+          <a:bodyPr wrap="none" rtlCol="0">
+            <a:spAutoFit/>
+          </a:bodyPr>
+          <a:lstStyle/>
+          <a:p>
+            <a:r>
+              <a:rPr lang="en-AT" dirty="0"/>
+              <a:t>annotation</a:t>
+            </a:r>
+          </a:p>
+        </p:txBody>
+      </p:sp>
+      <p:sp>
+        <p:nvSpPr>
+          <p:cNvPr id="2" name="TextBox 1">
+            <a:extLst>
+              <a:ext uri="{FF2B5EF4-FFF2-40B4-BE49-F238E27FC236}">
+                <a16:creationId xmlns:a16="http://schemas.microsoft.com/office/drawing/2014/main" id="{75998935-6326-9863-7AC2-C28A3705A13C}"/>
+              </a:ext>
+            </a:extLst>
+          </p:cNvPr>
+          <p:cNvSpPr txBox="1"/>
+          <p:nvPr/>
+        </p:nvSpPr>
+        <p:spPr>
+          <a:xfrm>
+            <a:off x="715762" y="7703064"/>
+            <a:ext cx="3140475" cy="369332"/>
+          </a:xfrm>
+          <a:prstGeom prst="rect">
+            <a:avLst/>
+          </a:prstGeom>
+          <a:noFill/>
+        </p:spPr>
+        <p:txBody>
+          <a:bodyPr wrap="none" rtlCol="0">
+            <a:spAutoFit/>
+          </a:bodyPr>
+          <a:lstStyle/>
+          <a:p>
+            <a:r>
+              <a:rPr lang="en-AT" dirty="0"/>
+              <a:t>frequency of presence/absence</a:t>
+            </a:r>
+          </a:p>
+        </p:txBody>
+      </p:sp>
+      <p:sp>
+        <p:nvSpPr>
+          <p:cNvPr id="3" name="TextBox 2">
+            <a:extLst>
+              <a:ext uri="{FF2B5EF4-FFF2-40B4-BE49-F238E27FC236}">
+                <a16:creationId xmlns:a16="http://schemas.microsoft.com/office/drawing/2014/main" id="{5667FA5E-8E58-C325-2ECD-D32982A22052}"/>
+              </a:ext>
+            </a:extLst>
+          </p:cNvPr>
+          <p:cNvSpPr txBox="1"/>
+          <p:nvPr/>
+        </p:nvSpPr>
+        <p:spPr>
+          <a:xfrm>
+            <a:off x="6139051" y="7703064"/>
+            <a:ext cx="1186479" cy="369332"/>
+          </a:xfrm>
+          <a:prstGeom prst="rect">
+            <a:avLst/>
+          </a:prstGeom>
+          <a:noFill/>
+        </p:spPr>
+        <p:txBody>
+          <a:bodyPr wrap="none" rtlCol="0">
+            <a:spAutoFit/>
+          </a:bodyPr>
+          <a:lstStyle/>
+          <a:p>
+            <a:r>
+              <a:rPr lang="en-AT" dirty="0"/>
+              <a:t>expression</a:t>
+            </a:r>
+          </a:p>
+        </p:txBody>
+      </p:sp>
+    </p:spTree>
+    <p:extLst>
+      <p:ext uri="{BB962C8B-B14F-4D97-AF65-F5344CB8AC3E}">
+        <p14:creationId xmlns:p14="http://schemas.microsoft.com/office/powerpoint/2010/main" val="3329085091"/>
+      </p:ext>
+    </p:extLst>
+  </p:cSld>
+  <p:clrMapOvr>
+    <a:masterClrMapping/>
+  </p:clrMapOvr>
+</p:sld>
+</file>
+
+<file path=ppt/slides/slide2.xml><?xml version="1.0" encoding="utf-8"?>
+<p:sld xmlns:a="http://schemas.openxmlformats.org/drawingml/2006/main" xmlns:r="http://schemas.openxmlformats.org/officeDocument/2006/relationships" xmlns:p="http://schemas.openxmlformats.org/presentationml/2006/main">
+  <p:cSld>
+    <p:spTree>
+      <p:nvGrpSpPr>
+        <p:cNvPr id="1" name=""/>
+        <p:cNvGrpSpPr/>
+        <p:nvPr/>
+      </p:nvGrpSpPr>
+      <p:grpSpPr>
+        <a:xfrm>
+          <a:off x="0" y="0"/>
+          <a:ext cx="0" cy="0"/>
+          <a:chOff x="0" y="0"/>
+          <a:chExt cx="0" cy="0"/>
+        </a:xfrm>
+      </p:grpSpPr>
+      <p:pic>
+        <p:nvPicPr>
+          <p:cNvPr id="2" name="Picture 1">
+            <a:extLst>
+              <a:ext uri="{FF2B5EF4-FFF2-40B4-BE49-F238E27FC236}">
+                <a16:creationId xmlns:a16="http://schemas.microsoft.com/office/drawing/2014/main" id="{BE6F32DE-0166-36A0-3CD9-7BE308908DCD}"/>
+              </a:ext>
+            </a:extLst>
+          </p:cNvPr>
+          <p:cNvPicPr>
+            <a:picLocks noChangeAspect="1"/>
+          </p:cNvPicPr>
+          <p:nvPr/>
+        </p:nvPicPr>
+        <p:blipFill>
+          <a:blip r:embed="rId2"/>
+          <a:stretch>
+            <a:fillRect/>
+          </a:stretch>
+        </p:blipFill>
+        <p:spPr>
+          <a:xfrm>
+            <a:off x="0" y="0"/>
+            <a:ext cx="4572000" cy="3657600"/>
+          </a:xfrm>
+          <a:prstGeom prst="rect">
+            <a:avLst/>
+          </a:prstGeom>
+        </p:spPr>
+      </p:pic>
+      <p:pic>
+        <p:nvPicPr>
+          <p:cNvPr id="7" name="Picture 6">
+            <a:extLst>
+              <a:ext uri="{FF2B5EF4-FFF2-40B4-BE49-F238E27FC236}">
+                <a16:creationId xmlns:a16="http://schemas.microsoft.com/office/drawing/2014/main" id="{E3835081-7A04-3BEC-8051-937245474B0D}"/>
+              </a:ext>
+            </a:extLst>
+          </p:cNvPr>
+          <p:cNvPicPr>
+            <a:picLocks noChangeAspect="1"/>
+          </p:cNvPicPr>
+          <p:nvPr/>
+        </p:nvPicPr>
+        <p:blipFill>
+          <a:blip r:embed="rId3"/>
+          <a:stretch>
+            <a:fillRect/>
+          </a:stretch>
+        </p:blipFill>
+        <p:spPr>
+          <a:xfrm>
+            <a:off x="457200" y="3657600"/>
+            <a:ext cx="3657600" cy="2743200"/>
+          </a:xfrm>
+          <a:prstGeom prst="rect">
+            <a:avLst/>
+          </a:prstGeom>
+        </p:spPr>
+      </p:pic>
+    </p:spTree>
+    <p:extLst>
+      <p:ext uri="{BB962C8B-B14F-4D97-AF65-F5344CB8AC3E}">
+        <p14:creationId xmlns:p14="http://schemas.microsoft.com/office/powerpoint/2010/main" val="2173907528"/>
+      </p:ext>
+    </p:extLst>
+  </p:cSld>
+  <p:clrMapOvr>
+    <a:masterClrMapping/>
+  </p:clrMapOvr>
+</p:sld>
+</file>
+
+<file path=ppt/slides/slide3.xml><?xml version="1.0" encoding="utf-8"?>
+<p:sld xmlns:a="http://schemas.openxmlformats.org/drawingml/2006/main" xmlns:r="http://schemas.openxmlformats.org/officeDocument/2006/relationships" xmlns:p="http://schemas.openxmlformats.org/presentationml/2006/main">
+  <p:cSld>
+    <p:spTree>
+      <p:nvGrpSpPr>
+        <p:cNvPr id="1" name=""/>
+        <p:cNvGrpSpPr/>
+        <p:nvPr/>
+      </p:nvGrpSpPr>
+      <p:grpSpPr>
+        <a:xfrm>
+          <a:off x="0" y="0"/>
+          <a:ext cx="0" cy="0"/>
+          <a:chOff x="0" y="0"/>
+          <a:chExt cx="0" cy="0"/>
+        </a:xfrm>
+      </p:grpSpPr>
+      <p:pic>
+        <p:nvPicPr>
           <p:cNvPr id="8" name="Picture 7">
             <a:extLst>
               <a:ext uri="{FF2B5EF4-FFF2-40B4-BE49-F238E27FC236}">
@@ -4123,42 +4857,12 @@
           </a:prstGeom>
         </p:spPr>
       </p:pic>
-    </p:spTree>
-    <p:extLst>
-      <p:ext uri="{BB962C8B-B14F-4D97-AF65-F5344CB8AC3E}">
-        <p14:creationId xmlns:p14="http://schemas.microsoft.com/office/powerpoint/2010/main" val="3114100624"/>
-      </p:ext>
-    </p:extLst>
-  </p:cSld>
-  <p:clrMapOvr>
-    <a:masterClrMapping/>
-  </p:clrMapOvr>
-</p:sld>
-</file>
-
-<file path=ppt/slides/slide2.xml><?xml version="1.0" encoding="utf-8"?>
-<p:sld xmlns:a="http://schemas.openxmlformats.org/drawingml/2006/main" xmlns:r="http://schemas.openxmlformats.org/officeDocument/2006/relationships" xmlns:p="http://schemas.openxmlformats.org/presentationml/2006/main">
-  <p:cSld>
-    <p:spTree>
-      <p:nvGrpSpPr>
-        <p:cNvPr id="1" name=""/>
-        <p:cNvGrpSpPr/>
-        <p:nvPr/>
-      </p:nvGrpSpPr>
-      <p:grpSpPr>
-        <a:xfrm>
-          <a:off x="0" y="0"/>
-          <a:ext cx="0" cy="0"/>
-          <a:chOff x="0" y="0"/>
-          <a:chExt cx="0" cy="0"/>
-        </a:xfrm>
-      </p:grpSpPr>
       <p:pic>
         <p:nvPicPr>
-          <p:cNvPr id="4" name="Picture 3">
+          <p:cNvPr id="10" name="Picture 9">
             <a:extLst>
               <a:ext uri="{FF2B5EF4-FFF2-40B4-BE49-F238E27FC236}">
-                <a16:creationId xmlns:a16="http://schemas.microsoft.com/office/drawing/2014/main" id="{DA1627D1-4207-1DBC-269B-F81EDF7A271A}"/>
+                <a16:creationId xmlns:a16="http://schemas.microsoft.com/office/drawing/2014/main" id="{2AB74D90-545E-5CDB-6175-B5A78B623436}"/>
               </a:ext>
             </a:extLst>
           </p:cNvPr>
@@ -4168,14 +4872,14 @@
           <p:nvPr/>
         </p:nvPicPr>
         <p:blipFill>
-          <a:blip r:embed="rId2"/>
+          <a:blip r:embed="rId9"/>
           <a:stretch>
             <a:fillRect/>
           </a:stretch>
         </p:blipFill>
         <p:spPr>
           <a:xfrm>
-            <a:off x="0" y="0"/>
+            <a:off x="12722087" y="159026"/>
             <a:ext cx="2743200" cy="1828800"/>
           </a:xfrm>
           <a:prstGeom prst="rect">
@@ -4185,10 +4889,10 @@
       </p:pic>
       <p:pic>
         <p:nvPicPr>
-          <p:cNvPr id="6" name="Picture 5">
+          <p:cNvPr id="11" name="Picture 10">
             <a:extLst>
               <a:ext uri="{FF2B5EF4-FFF2-40B4-BE49-F238E27FC236}">
-                <a16:creationId xmlns:a16="http://schemas.microsoft.com/office/drawing/2014/main" id="{BF4AFFE8-FFD1-D174-3093-3400E75CBAA2}"/>
+                <a16:creationId xmlns:a16="http://schemas.microsoft.com/office/drawing/2014/main" id="{FF09CAE4-8266-4D78-7540-202B3C403125}"/>
               </a:ext>
             </a:extLst>
           </p:cNvPr>
@@ -4198,14 +4902,14 @@
           <p:nvPr/>
         </p:nvPicPr>
         <p:blipFill>
-          <a:blip r:embed="rId3"/>
+          <a:blip r:embed="rId10"/>
           <a:stretch>
             <a:fillRect/>
           </a:stretch>
         </p:blipFill>
         <p:spPr>
           <a:xfrm>
-            <a:off x="0" y="1828800"/>
+            <a:off x="12722087" y="1987826"/>
             <a:ext cx="4572000" cy="3657600"/>
           </a:xfrm>
           <a:prstGeom prst="rect">
@@ -4216,7 +4920,7 @@
     </p:spTree>
     <p:extLst>
       <p:ext uri="{BB962C8B-B14F-4D97-AF65-F5344CB8AC3E}">
-        <p14:creationId xmlns:p14="http://schemas.microsoft.com/office/powerpoint/2010/main" val="2173907528"/>
+        <p14:creationId xmlns:p14="http://schemas.microsoft.com/office/powerpoint/2010/main" val="3114100624"/>
       </p:ext>
     </p:extLst>
   </p:cSld>

--- a/02_analysis/04_sv/03_figures/ig_2023_08_18_fig_genes.pptx
+++ b/02_analysis/04_sv/03_figures/ig_2023_08_18_fig_genes.pptx
@@ -7,7 +7,8 @@
   <p:sldIdLst>
     <p:sldId id="258" r:id="rId2"/>
     <p:sldId id="257" r:id="rId3"/>
-    <p:sldId id="256" r:id="rId4"/>
+    <p:sldId id="259" r:id="rId4"/>
+    <p:sldId id="256" r:id="rId5"/>
   </p:sldIdLst>
   <p:sldSz cx="18000663" cy="25199975"/>
   <p:notesSz cx="6858000" cy="9144000"/>
@@ -117,7 +118,7 @@
 <file path=ppt/revisionInfo.xml><?xml version="1.0" encoding="utf-8"?>
 <p1510:revInfo xmlns:a="http://schemas.openxmlformats.org/drawingml/2006/main" xmlns:r="http://schemas.openxmlformats.org/officeDocument/2006/relationships" xmlns:p1510="http://schemas.microsoft.com/office/powerpoint/2015/10/main">
   <p1510:revLst>
-    <p1510:client id="{9BA1C2E2-C1C6-0E41-8DB5-E37CFFBFF203}" v="59" dt="2023-09-05T11:36:43.182"/>
+    <p1510:client id="{9BA1C2E2-C1C6-0E41-8DB5-E37CFFBFF203}" v="154" dt="2023-09-26T12:18:32.493"/>
   </p1510:revLst>
 </p1510:revInfo>
 </file>
@@ -783,19 +784,19 @@
   </pc:docChgLst>
   <pc:docChgLst>
     <pc:chgData name="Ann Igolkina" userId="4d1b5d7ddf2bbc78" providerId="LiveId" clId="{9BA1C2E2-C1C6-0E41-8DB5-E37CFFBFF203}"/>
-    <pc:docChg chg="undo custSel addSld delSld modSld sldOrd">
-      <pc:chgData name="Ann Igolkina" userId="4d1b5d7ddf2bbc78" providerId="LiveId" clId="{9BA1C2E2-C1C6-0E41-8DB5-E37CFFBFF203}" dt="2023-09-07T14:53:14.989" v="624" actId="478"/>
+    <pc:docChg chg="undo redo custSel addSld delSld modSld sldOrd">
+      <pc:chgData name="Ann Igolkina" userId="4d1b5d7ddf2bbc78" providerId="LiveId" clId="{9BA1C2E2-C1C6-0E41-8DB5-E37CFFBFF203}" dt="2023-09-26T12:20:05.753" v="1293" actId="9405"/>
       <pc:docMkLst>
         <pc:docMk/>
       </pc:docMkLst>
       <pc:sldChg chg="addSp delSp modSp mod">
-        <pc:chgData name="Ann Igolkina" userId="4d1b5d7ddf2bbc78" providerId="LiveId" clId="{9BA1C2E2-C1C6-0E41-8DB5-E37CFFBFF203}" dt="2023-09-04T09:10:51.401" v="80" actId="1076"/>
+        <pc:chgData name="Ann Igolkina" userId="4d1b5d7ddf2bbc78" providerId="LiveId" clId="{9BA1C2E2-C1C6-0E41-8DB5-E37CFFBFF203}" dt="2023-09-18T19:08:58.535" v="786" actId="1076"/>
         <pc:sldMkLst>
           <pc:docMk/>
           <pc:sldMk cId="3114100624" sldId="256"/>
         </pc:sldMkLst>
         <pc:picChg chg="add mod">
-          <ac:chgData name="Ann Igolkina" userId="4d1b5d7ddf2bbc78" providerId="LiveId" clId="{9BA1C2E2-C1C6-0E41-8DB5-E37CFFBFF203}" dt="2023-09-01T10:57:45.404" v="56" actId="1076"/>
+          <ac:chgData name="Ann Igolkina" userId="4d1b5d7ddf2bbc78" providerId="LiveId" clId="{9BA1C2E2-C1C6-0E41-8DB5-E37CFFBFF203}" dt="2023-09-18T19:07:21.978" v="778" actId="1076"/>
           <ac:picMkLst>
             <pc:docMk/>
             <pc:sldMk cId="3114100624" sldId="256"/>
@@ -803,7 +804,7 @@
           </ac:picMkLst>
         </pc:picChg>
         <pc:picChg chg="add mod">
-          <ac:chgData name="Ann Igolkina" userId="4d1b5d7ddf2bbc78" providerId="LiveId" clId="{9BA1C2E2-C1C6-0E41-8DB5-E37CFFBFF203}" dt="2023-09-01T10:57:45.404" v="56" actId="1076"/>
+          <ac:chgData name="Ann Igolkina" userId="4d1b5d7ddf2bbc78" providerId="LiveId" clId="{9BA1C2E2-C1C6-0E41-8DB5-E37CFFBFF203}" dt="2023-09-18T19:07:21.978" v="778" actId="1076"/>
           <ac:picMkLst>
             <pc:docMk/>
             <pc:sldMk cId="3114100624" sldId="256"/>
@@ -819,7 +820,7 @@
           </ac:picMkLst>
         </pc:picChg>
         <pc:picChg chg="add mod">
-          <ac:chgData name="Ann Igolkina" userId="4d1b5d7ddf2bbc78" providerId="LiveId" clId="{9BA1C2E2-C1C6-0E41-8DB5-E37CFFBFF203}" dt="2023-09-01T10:57:45.404" v="56" actId="1076"/>
+          <ac:chgData name="Ann Igolkina" userId="4d1b5d7ddf2bbc78" providerId="LiveId" clId="{9BA1C2E2-C1C6-0E41-8DB5-E37CFFBFF203}" dt="2023-09-18T19:07:21.978" v="778" actId="1076"/>
           <ac:picMkLst>
             <pc:docMk/>
             <pc:sldMk cId="3114100624" sldId="256"/>
@@ -835,7 +836,7 @@
           </ac:picMkLst>
         </pc:picChg>
         <pc:picChg chg="add mod">
-          <ac:chgData name="Ann Igolkina" userId="4d1b5d7ddf2bbc78" providerId="LiveId" clId="{9BA1C2E2-C1C6-0E41-8DB5-E37CFFBFF203}" dt="2023-09-01T10:57:45.404" v="56" actId="1076"/>
+          <ac:chgData name="Ann Igolkina" userId="4d1b5d7ddf2bbc78" providerId="LiveId" clId="{9BA1C2E2-C1C6-0E41-8DB5-E37CFFBFF203}" dt="2023-09-18T19:07:21.978" v="778" actId="1076"/>
           <ac:picMkLst>
             <pc:docMk/>
             <pc:sldMk cId="3114100624" sldId="256"/>
@@ -843,6 +844,22 @@
           </ac:picMkLst>
         </pc:picChg>
         <pc:picChg chg="add del mod">
+          <ac:chgData name="Ann Igolkina" userId="4d1b5d7ddf2bbc78" providerId="LiveId" clId="{9BA1C2E2-C1C6-0E41-8DB5-E37CFFBFF203}" dt="2023-09-18T19:03:20.282" v="752" actId="21"/>
+          <ac:picMkLst>
+            <pc:docMk/>
+            <pc:sldMk cId="3114100624" sldId="256"/>
+            <ac:picMk id="6" creationId="{B1174D4B-B032-48EA-559B-D4CB7C94D380}"/>
+          </ac:picMkLst>
+        </pc:picChg>
+        <pc:picChg chg="add mod">
+          <ac:chgData name="Ann Igolkina" userId="4d1b5d7ddf2bbc78" providerId="LiveId" clId="{9BA1C2E2-C1C6-0E41-8DB5-E37CFFBFF203}" dt="2023-09-18T19:08:58.535" v="786" actId="1076"/>
+          <ac:picMkLst>
+            <pc:docMk/>
+            <pc:sldMk cId="3114100624" sldId="256"/>
+            <ac:picMk id="7" creationId="{30B05F9B-8499-A960-AF39-1A36656D9B13}"/>
+          </ac:picMkLst>
+        </pc:picChg>
+        <pc:picChg chg="add del mod">
           <ac:chgData name="Ann Igolkina" userId="4d1b5d7ddf2bbc78" providerId="LiveId" clId="{9BA1C2E2-C1C6-0E41-8DB5-E37CFFBFF203}" dt="2023-08-29T11:18:47.775" v="21" actId="21"/>
           <ac:picMkLst>
             <pc:docMk/>
@@ -858,16 +875,16 @@
             <ac:picMk id="7" creationId="{58829B1C-3E69-1228-A126-C3E9BBC3B765}"/>
           </ac:picMkLst>
         </pc:picChg>
-        <pc:picChg chg="add mod">
-          <ac:chgData name="Ann Igolkina" userId="4d1b5d7ddf2bbc78" providerId="LiveId" clId="{9BA1C2E2-C1C6-0E41-8DB5-E37CFFBFF203}" dt="2023-08-29T11:19:55.717" v="23" actId="1076"/>
+        <pc:picChg chg="add del mod">
+          <ac:chgData name="Ann Igolkina" userId="4d1b5d7ddf2bbc78" providerId="LiveId" clId="{9BA1C2E2-C1C6-0E41-8DB5-E37CFFBFF203}" dt="2023-09-18T19:03:55.677" v="755" actId="21"/>
           <ac:picMkLst>
             <pc:docMk/>
             <pc:sldMk cId="3114100624" sldId="256"/>
             <ac:picMk id="8" creationId="{78C5AEB0-F6CC-1AB9-E0CE-9F4D43A2CFDA}"/>
           </ac:picMkLst>
         </pc:picChg>
-        <pc:picChg chg="add mod">
-          <ac:chgData name="Ann Igolkina" userId="4d1b5d7ddf2bbc78" providerId="LiveId" clId="{9BA1C2E2-C1C6-0E41-8DB5-E37CFFBFF203}" dt="2023-08-29T11:50:59.763" v="51" actId="1076"/>
+        <pc:picChg chg="add del mod">
+          <ac:chgData name="Ann Igolkina" userId="4d1b5d7ddf2bbc78" providerId="LiveId" clId="{9BA1C2E2-C1C6-0E41-8DB5-E37CFFBFF203}" dt="2023-09-18T19:03:55.677" v="755" actId="21"/>
           <ac:picMkLst>
             <pc:docMk/>
             <pc:sldMk cId="3114100624" sldId="256"/>
@@ -875,7 +892,7 @@
           </ac:picMkLst>
         </pc:picChg>
         <pc:picChg chg="add mod">
-          <ac:chgData name="Ann Igolkina" userId="4d1b5d7ddf2bbc78" providerId="LiveId" clId="{9BA1C2E2-C1C6-0E41-8DB5-E37CFFBFF203}" dt="2023-09-04T09:10:51.401" v="80" actId="1076"/>
+          <ac:chgData name="Ann Igolkina" userId="4d1b5d7ddf2bbc78" providerId="LiveId" clId="{9BA1C2E2-C1C6-0E41-8DB5-E37CFFBFF203}" dt="2023-09-18T19:08:48.189" v="781" actId="1076"/>
           <ac:picMkLst>
             <pc:docMk/>
             <pc:sldMk cId="3114100624" sldId="256"/>
@@ -891,13 +908,21 @@
           </ac:picMkLst>
         </pc:picChg>
         <pc:picChg chg="add mod">
-          <ac:chgData name="Ann Igolkina" userId="4d1b5d7ddf2bbc78" providerId="LiveId" clId="{9BA1C2E2-C1C6-0E41-8DB5-E37CFFBFF203}" dt="2023-09-04T09:10:51.401" v="80" actId="1076"/>
+          <ac:chgData name="Ann Igolkina" userId="4d1b5d7ddf2bbc78" providerId="LiveId" clId="{9BA1C2E2-C1C6-0E41-8DB5-E37CFFBFF203}" dt="2023-09-18T19:08:48.189" v="781" actId="1076"/>
           <ac:picMkLst>
             <pc:docMk/>
             <pc:sldMk cId="3114100624" sldId="256"/>
             <ac:picMk id="11" creationId="{FF09CAE4-8266-4D78-7540-202B3C403125}"/>
           </ac:picMkLst>
         </pc:picChg>
+        <pc:picChg chg="add mod">
+          <ac:chgData name="Ann Igolkina" userId="4d1b5d7ddf2bbc78" providerId="LiveId" clId="{9BA1C2E2-C1C6-0E41-8DB5-E37CFFBFF203}" dt="2023-09-18T19:08:58.535" v="786" actId="1076"/>
+          <ac:picMkLst>
+            <pc:docMk/>
+            <pc:sldMk cId="3114100624" sldId="256"/>
+            <ac:picMk id="12" creationId="{5035152E-3365-44FA-0881-9E1C86137C53}"/>
+          </ac:picMkLst>
+        </pc:picChg>
         <pc:picChg chg="del mod">
           <ac:chgData name="Ann Igolkina" userId="4d1b5d7ddf2bbc78" providerId="LiveId" clId="{9BA1C2E2-C1C6-0E41-8DB5-E37CFFBFF203}" dt="2023-08-29T10:54:53.123" v="7" actId="21"/>
           <ac:picMkLst>
@@ -906,6 +931,14 @@
             <ac:picMk id="12" creationId="{D4F514ED-2BD4-39E3-D1C5-F78E7E514176}"/>
           </ac:picMkLst>
         </pc:picChg>
+        <pc:picChg chg="add mod">
+          <ac:chgData name="Ann Igolkina" userId="4d1b5d7ddf2bbc78" providerId="LiveId" clId="{9BA1C2E2-C1C6-0E41-8DB5-E37CFFBFF203}" dt="2023-09-18T19:08:58.535" v="786" actId="1076"/>
+          <ac:picMkLst>
+            <pc:docMk/>
+            <pc:sldMk cId="3114100624" sldId="256"/>
+            <ac:picMk id="13" creationId="{6807A128-ED8D-B65A-5E62-D22B913F3652}"/>
+          </ac:picMkLst>
+        </pc:picChg>
         <pc:picChg chg="add del mod">
           <ac:chgData name="Ann Igolkina" userId="4d1b5d7ddf2bbc78" providerId="LiveId" clId="{9BA1C2E2-C1C6-0E41-8DB5-E37CFFBFF203}" dt="2023-08-29T11:34:51.563" v="26" actId="478"/>
           <ac:picMkLst>
@@ -962,8 +995,8 @@
             <ac:picMk id="23" creationId="{A336CE0E-69CE-6B9B-BDCB-8183E5097BE6}"/>
           </ac:picMkLst>
         </pc:picChg>
-        <pc:picChg chg="add mod">
-          <ac:chgData name="Ann Igolkina" userId="4d1b5d7ddf2bbc78" providerId="LiveId" clId="{9BA1C2E2-C1C6-0E41-8DB5-E37CFFBFF203}" dt="2023-08-29T11:51:02.671" v="52" actId="1076"/>
+        <pc:picChg chg="add del mod">
+          <ac:chgData name="Ann Igolkina" userId="4d1b5d7ddf2bbc78" providerId="LiveId" clId="{9BA1C2E2-C1C6-0E41-8DB5-E37CFFBFF203}" dt="2023-09-18T19:03:55.677" v="755" actId="21"/>
           <ac:picMkLst>
             <pc:docMk/>
             <pc:sldMk cId="3114100624" sldId="256"/>
@@ -1012,11 +1045,19 @@
         </pc:picChg>
       </pc:sldChg>
       <pc:sldChg chg="addSp delSp modSp mod ord">
-        <pc:chgData name="Ann Igolkina" userId="4d1b5d7ddf2bbc78" providerId="LiveId" clId="{9BA1C2E2-C1C6-0E41-8DB5-E37CFFBFF203}" dt="2023-09-04T12:36:45.094" v="487" actId="1076"/>
+        <pc:chgData name="Ann Igolkina" userId="4d1b5d7ddf2bbc78" providerId="LiveId" clId="{9BA1C2E2-C1C6-0E41-8DB5-E37CFFBFF203}" dt="2023-09-26T07:04:06.806" v="1114" actId="207"/>
         <pc:sldMkLst>
           <pc:docMk/>
           <pc:sldMk cId="2173907528" sldId="257"/>
         </pc:sldMkLst>
+        <pc:spChg chg="add mod">
+          <ac:chgData name="Ann Igolkina" userId="4d1b5d7ddf2bbc78" providerId="LiveId" clId="{9BA1C2E2-C1C6-0E41-8DB5-E37CFFBFF203}" dt="2023-09-26T07:04:06.806" v="1114" actId="207"/>
+          <ac:spMkLst>
+            <pc:docMk/>
+            <pc:sldMk cId="2173907528" sldId="257"/>
+            <ac:spMk id="3" creationId="{2CADAC81-2D67-E84B-EA62-12E279A86ACE}"/>
+          </ac:spMkLst>
+        </pc:spChg>
         <pc:spChg chg="add del mod">
           <ac:chgData name="Ann Igolkina" userId="4d1b5d7ddf2bbc78" providerId="LiveId" clId="{9BA1C2E2-C1C6-0E41-8DB5-E37CFFBFF203}" dt="2023-09-04T11:27:12.860" v="470" actId="21"/>
           <ac:spMkLst>
@@ -1025,6 +1066,38 @@
             <ac:spMk id="5" creationId="{1BAC7878-0A01-C4DF-A098-C19B219FEABC}"/>
           </ac:spMkLst>
         </pc:spChg>
+        <pc:grpChg chg="del mod">
+          <ac:chgData name="Ann Igolkina" userId="4d1b5d7ddf2bbc78" providerId="LiveId" clId="{9BA1C2E2-C1C6-0E41-8DB5-E37CFFBFF203}" dt="2023-09-20T15:01:31.363" v="1041"/>
+          <ac:grpSpMkLst>
+            <pc:docMk/>
+            <pc:sldMk cId="2173907528" sldId="257"/>
+            <ac:grpSpMk id="13" creationId="{F419600C-726E-1C9F-2D9F-969FCCC39B25}"/>
+          </ac:grpSpMkLst>
+        </pc:grpChg>
+        <pc:grpChg chg="del mod">
+          <ac:chgData name="Ann Igolkina" userId="4d1b5d7ddf2bbc78" providerId="LiveId" clId="{9BA1C2E2-C1C6-0E41-8DB5-E37CFFBFF203}" dt="2023-09-20T15:01:33.380" v="1043"/>
+          <ac:grpSpMkLst>
+            <pc:docMk/>
+            <pc:sldMk cId="2173907528" sldId="257"/>
+            <ac:grpSpMk id="16" creationId="{389B9EB8-3746-3D14-FEFB-3C393EB92E40}"/>
+          </ac:grpSpMkLst>
+        </pc:grpChg>
+        <pc:grpChg chg="mod">
+          <ac:chgData name="Ann Igolkina" userId="4d1b5d7ddf2bbc78" providerId="LiveId" clId="{9BA1C2E2-C1C6-0E41-8DB5-E37CFFBFF203}" dt="2023-09-20T15:01:33.380" v="1043"/>
+          <ac:grpSpMkLst>
+            <pc:docMk/>
+            <pc:sldMk cId="2173907528" sldId="257"/>
+            <ac:grpSpMk id="18" creationId="{BF19A6DC-4EEA-DFA8-047E-DCC6724EF028}"/>
+          </ac:grpSpMkLst>
+        </pc:grpChg>
+        <pc:grpChg chg="mod">
+          <ac:chgData name="Ann Igolkina" userId="4d1b5d7ddf2bbc78" providerId="LiveId" clId="{9BA1C2E2-C1C6-0E41-8DB5-E37CFFBFF203}" dt="2023-09-20T15:11:40.112" v="1047"/>
+          <ac:grpSpMkLst>
+            <pc:docMk/>
+            <pc:sldMk cId="2173907528" sldId="257"/>
+            <ac:grpSpMk id="22" creationId="{7415A52E-CCF8-B296-E71C-211D29547CD3}"/>
+          </ac:grpSpMkLst>
+        </pc:grpChg>
         <pc:picChg chg="add mod">
           <ac:chgData name="Ann Igolkina" userId="4d1b5d7ddf2bbc78" providerId="LiveId" clId="{9BA1C2E2-C1C6-0E41-8DB5-E37CFFBFF203}" dt="2023-09-04T09:10:58.578" v="82" actId="1076"/>
           <ac:picMkLst>
@@ -1065,6 +1138,14 @@
             <ac:picMk id="4" creationId="{DA1627D1-4207-1DBC-269B-F81EDF7A271A}"/>
           </ac:picMkLst>
         </pc:picChg>
+        <pc:picChg chg="add mod">
+          <ac:chgData name="Ann Igolkina" userId="4d1b5d7ddf2bbc78" providerId="LiveId" clId="{9BA1C2E2-C1C6-0E41-8DB5-E37CFFBFF203}" dt="2023-09-19T08:54:07.547" v="924" actId="1076"/>
+          <ac:picMkLst>
+            <pc:docMk/>
+            <pc:sldMk cId="2173907528" sldId="257"/>
+            <ac:picMk id="4" creationId="{E3CA38C1-3D06-C9B7-D489-2C0C4B1CF18B}"/>
+          </ac:picMkLst>
+        </pc:picChg>
         <pc:picChg chg="del">
           <ac:chgData name="Ann Igolkina" userId="4d1b5d7ddf2bbc78" providerId="LiveId" clId="{9BA1C2E2-C1C6-0E41-8DB5-E37CFFBFF203}" dt="2023-08-29T10:54:45.300" v="5" actId="478"/>
           <ac:picMkLst>
@@ -1073,6 +1154,14 @@
             <ac:picMk id="5" creationId="{2BBF8FFE-A2B4-2999-1CAB-77C012577B49}"/>
           </ac:picMkLst>
         </pc:picChg>
+        <pc:picChg chg="add mod">
+          <ac:chgData name="Ann Igolkina" userId="4d1b5d7ddf2bbc78" providerId="LiveId" clId="{9BA1C2E2-C1C6-0E41-8DB5-E37CFFBFF203}" dt="2023-09-19T08:54:29.384" v="928" actId="1076"/>
+          <ac:picMkLst>
+            <pc:docMk/>
+            <pc:sldMk cId="2173907528" sldId="257"/>
+            <ac:picMk id="6" creationId="{ACBDFD58-E430-53EE-CEC3-C07AA7CC00E4}"/>
+          </ac:picMkLst>
+        </pc:picChg>
         <pc:picChg chg="add del mod">
           <ac:chgData name="Ann Igolkina" userId="4d1b5d7ddf2bbc78" providerId="LiveId" clId="{9BA1C2E2-C1C6-0E41-8DB5-E37CFFBFF203}" dt="2023-09-04T09:10:45.071" v="77" actId="21"/>
           <ac:picMkLst>
@@ -1097,6 +1186,22 @@
             <ac:picMk id="7" creationId="{E3835081-7A04-3BEC-8051-937245474B0D}"/>
           </ac:picMkLst>
         </pc:picChg>
+        <pc:picChg chg="add mod">
+          <ac:chgData name="Ann Igolkina" userId="4d1b5d7ddf2bbc78" providerId="LiveId" clId="{9BA1C2E2-C1C6-0E41-8DB5-E37CFFBFF203}" dt="2023-09-19T08:56:54.791" v="944" actId="1076"/>
+          <ac:picMkLst>
+            <pc:docMk/>
+            <pc:sldMk cId="2173907528" sldId="257"/>
+            <ac:picMk id="8" creationId="{1A0D3D69-8FE6-07D3-3F05-130B2D1EFBF3}"/>
+          </ac:picMkLst>
+        </pc:picChg>
+        <pc:picChg chg="add del mod">
+          <ac:chgData name="Ann Igolkina" userId="4d1b5d7ddf2bbc78" providerId="LiveId" clId="{9BA1C2E2-C1C6-0E41-8DB5-E37CFFBFF203}" dt="2023-09-19T08:59:10.405" v="949" actId="478"/>
+          <ac:picMkLst>
+            <pc:docMk/>
+            <pc:sldMk cId="2173907528" sldId="257"/>
+            <ac:picMk id="9" creationId="{DBCAB372-767C-31E2-1007-4CE2B82937D4}"/>
+          </ac:picMkLst>
+        </pc:picChg>
         <pc:picChg chg="del">
           <ac:chgData name="Ann Igolkina" userId="4d1b5d7ddf2bbc78" providerId="LiveId" clId="{9BA1C2E2-C1C6-0E41-8DB5-E37CFFBFF203}" dt="2023-08-29T10:54:45.300" v="5" actId="478"/>
           <ac:picMkLst>
@@ -1105,6 +1210,118 @@
             <ac:picMk id="9" creationId="{DCA4F71B-867A-A5C9-69C1-511B9CCEA3EA}"/>
           </ac:picMkLst>
         </pc:picChg>
+        <pc:picChg chg="add mod">
+          <ac:chgData name="Ann Igolkina" userId="4d1b5d7ddf2bbc78" providerId="LiveId" clId="{9BA1C2E2-C1C6-0E41-8DB5-E37CFFBFF203}" dt="2023-09-20T14:42:24.047" v="1028" actId="1076"/>
+          <ac:picMkLst>
+            <pc:docMk/>
+            <pc:sldMk cId="2173907528" sldId="257"/>
+            <ac:picMk id="11" creationId="{5AD298ED-8458-FD20-8579-B24DB4B8D6F5}"/>
+          </ac:picMkLst>
+        </pc:picChg>
+        <pc:picChg chg="add del mod">
+          <ac:chgData name="Ann Igolkina" userId="4d1b5d7ddf2bbc78" providerId="LiveId" clId="{9BA1C2E2-C1C6-0E41-8DB5-E37CFFBFF203}" dt="2023-09-19T09:05:27.748" v="955" actId="21"/>
+          <ac:picMkLst>
+            <pc:docMk/>
+            <pc:sldMk cId="2173907528" sldId="257"/>
+            <ac:picMk id="13" creationId="{B6470E10-240E-334E-4F62-AC06DE02167C}"/>
+          </ac:picMkLst>
+        </pc:picChg>
+        <pc:picChg chg="add mod">
+          <ac:chgData name="Ann Igolkina" userId="4d1b5d7ddf2bbc78" providerId="LiveId" clId="{9BA1C2E2-C1C6-0E41-8DB5-E37CFFBFF203}" dt="2023-09-19T09:08:54.978" v="974" actId="14100"/>
+          <ac:picMkLst>
+            <pc:docMk/>
+            <pc:sldMk cId="2173907528" sldId="257"/>
+            <ac:picMk id="14" creationId="{44D7C083-026D-AE25-00DA-5D12929BF7CB}"/>
+          </ac:picMkLst>
+        </pc:picChg>
+        <pc:picChg chg="add del mod">
+          <ac:chgData name="Ann Igolkina" userId="4d1b5d7ddf2bbc78" providerId="LiveId" clId="{9BA1C2E2-C1C6-0E41-8DB5-E37CFFBFF203}" dt="2023-09-19T09:48:32.280" v="978" actId="21"/>
+          <ac:picMkLst>
+            <pc:docMk/>
+            <pc:sldMk cId="2173907528" sldId="257"/>
+            <ac:picMk id="16" creationId="{97D4112D-14F2-BACE-8EBD-451FFE6553D1}"/>
+          </ac:picMkLst>
+        </pc:picChg>
+        <pc:inkChg chg="add del">
+          <ac:chgData name="Ann Igolkina" userId="4d1b5d7ddf2bbc78" providerId="LiveId" clId="{9BA1C2E2-C1C6-0E41-8DB5-E37CFFBFF203}" dt="2023-09-20T14:56:31.258" v="1035" actId="9405"/>
+          <ac:inkMkLst>
+            <pc:docMk/>
+            <pc:sldMk cId="2173907528" sldId="257"/>
+            <ac:inkMk id="5" creationId="{5ECA71AD-E29C-4AFD-D101-01CD3FA39CF9}"/>
+          </ac:inkMkLst>
+        </pc:inkChg>
+        <pc:inkChg chg="add">
+          <ac:chgData name="Ann Igolkina" userId="4d1b5d7ddf2bbc78" providerId="LiveId" clId="{9BA1C2E2-C1C6-0E41-8DB5-E37CFFBFF203}" dt="2023-09-20T14:56:32.962" v="1036" actId="9405"/>
+          <ac:inkMkLst>
+            <pc:docMk/>
+            <pc:sldMk cId="2173907528" sldId="257"/>
+            <ac:inkMk id="9" creationId="{63E6E49F-585D-DF6A-1465-C9E9E2A5D681}"/>
+          </ac:inkMkLst>
+        </pc:inkChg>
+        <pc:inkChg chg="add mod">
+          <ac:chgData name="Ann Igolkina" userId="4d1b5d7ddf2bbc78" providerId="LiveId" clId="{9BA1C2E2-C1C6-0E41-8DB5-E37CFFBFF203}" dt="2023-09-20T15:01:33.380" v="1043"/>
+          <ac:inkMkLst>
+            <pc:docMk/>
+            <pc:sldMk cId="2173907528" sldId="257"/>
+            <ac:inkMk id="10" creationId="{431736B7-79F1-216A-AB82-62FEEAC186B7}"/>
+          </ac:inkMkLst>
+        </pc:inkChg>
+        <pc:inkChg chg="add mod">
+          <ac:chgData name="Ann Igolkina" userId="4d1b5d7ddf2bbc78" providerId="LiveId" clId="{9BA1C2E2-C1C6-0E41-8DB5-E37CFFBFF203}" dt="2023-09-20T15:01:33.380" v="1043"/>
+          <ac:inkMkLst>
+            <pc:docMk/>
+            <pc:sldMk cId="2173907528" sldId="257"/>
+            <ac:inkMk id="12" creationId="{ED8AE3B6-33D8-E6A4-B9CF-E721A47DC4EA}"/>
+          </ac:inkMkLst>
+        </pc:inkChg>
+        <pc:inkChg chg="add mod">
+          <ac:chgData name="Ann Igolkina" userId="4d1b5d7ddf2bbc78" providerId="LiveId" clId="{9BA1C2E2-C1C6-0E41-8DB5-E37CFFBFF203}" dt="2023-09-20T15:01:33.380" v="1043"/>
+          <ac:inkMkLst>
+            <pc:docMk/>
+            <pc:sldMk cId="2173907528" sldId="257"/>
+            <ac:inkMk id="15" creationId="{4F8C872A-529B-7653-CA97-BB7079A16A77}"/>
+          </ac:inkMkLst>
+        </pc:inkChg>
+        <pc:inkChg chg="add mod">
+          <ac:chgData name="Ann Igolkina" userId="4d1b5d7ddf2bbc78" providerId="LiveId" clId="{9BA1C2E2-C1C6-0E41-8DB5-E37CFFBFF203}" dt="2023-09-20T15:01:33.380" v="1043"/>
+          <ac:inkMkLst>
+            <pc:docMk/>
+            <pc:sldMk cId="2173907528" sldId="257"/>
+            <ac:inkMk id="17" creationId="{1B16055F-6336-F87A-9B39-F85FF8280078}"/>
+          </ac:inkMkLst>
+        </pc:inkChg>
+        <pc:inkChg chg="add">
+          <ac:chgData name="Ann Igolkina" userId="4d1b5d7ddf2bbc78" providerId="LiveId" clId="{9BA1C2E2-C1C6-0E41-8DB5-E37CFFBFF203}" dt="2023-09-20T15:01:53.031" v="1044" actId="9405"/>
+          <ac:inkMkLst>
+            <pc:docMk/>
+            <pc:sldMk cId="2173907528" sldId="257"/>
+            <ac:inkMk id="19" creationId="{424939BE-59F8-D5D9-A5FD-8EC87B0CC460}"/>
+          </ac:inkMkLst>
+        </pc:inkChg>
+        <pc:inkChg chg="add mod">
+          <ac:chgData name="Ann Igolkina" userId="4d1b5d7ddf2bbc78" providerId="LiveId" clId="{9BA1C2E2-C1C6-0E41-8DB5-E37CFFBFF203}" dt="2023-09-20T15:11:40.112" v="1047"/>
+          <ac:inkMkLst>
+            <pc:docMk/>
+            <pc:sldMk cId="2173907528" sldId="257"/>
+            <ac:inkMk id="20" creationId="{02CB39BA-A62E-F5C0-C6BA-CF6C1283BBA3}"/>
+          </ac:inkMkLst>
+        </pc:inkChg>
+        <pc:inkChg chg="add mod">
+          <ac:chgData name="Ann Igolkina" userId="4d1b5d7ddf2bbc78" providerId="LiveId" clId="{9BA1C2E2-C1C6-0E41-8DB5-E37CFFBFF203}" dt="2023-09-20T15:11:40.112" v="1047"/>
+          <ac:inkMkLst>
+            <pc:docMk/>
+            <pc:sldMk cId="2173907528" sldId="257"/>
+            <ac:inkMk id="21" creationId="{CD743D92-BB8C-72E9-7A23-9686FF632208}"/>
+          </ac:inkMkLst>
+        </pc:inkChg>
+        <pc:inkChg chg="add">
+          <ac:chgData name="Ann Igolkina" userId="4d1b5d7ddf2bbc78" providerId="LiveId" clId="{9BA1C2E2-C1C6-0E41-8DB5-E37CFFBFF203}" dt="2023-09-20T15:11:41.062" v="1048" actId="9405"/>
+          <ac:inkMkLst>
+            <pc:docMk/>
+            <pc:sldMk cId="2173907528" sldId="257"/>
+            <ac:inkMk id="23" creationId="{82583154-C4EA-D0E7-89D7-6C13D78088A5}"/>
+          </ac:inkMkLst>
+        </pc:inkChg>
       </pc:sldChg>
       <pc:sldChg chg="new del">
         <pc:chgData name="Ann Igolkina" userId="4d1b5d7ddf2bbc78" providerId="LiveId" clId="{9BA1C2E2-C1C6-0E41-8DB5-E37CFFBFF203}" dt="2023-09-04T08:50:38.350" v="61" actId="680"/>
@@ -1114,13 +1331,13 @@
         </pc:sldMkLst>
       </pc:sldChg>
       <pc:sldChg chg="addSp delSp modSp new mod ord">
-        <pc:chgData name="Ann Igolkina" userId="4d1b5d7ddf2bbc78" providerId="LiveId" clId="{9BA1C2E2-C1C6-0E41-8DB5-E37CFFBFF203}" dt="2023-09-07T14:53:14.989" v="624" actId="478"/>
+        <pc:chgData name="Ann Igolkina" userId="4d1b5d7ddf2bbc78" providerId="LiveId" clId="{9BA1C2E2-C1C6-0E41-8DB5-E37CFFBFF203}" dt="2023-09-26T12:20:05.753" v="1293" actId="9405"/>
         <pc:sldMkLst>
           <pc:docMk/>
           <pc:sldMk cId="3329085091" sldId="258"/>
         </pc:sldMkLst>
-        <pc:spChg chg="add mod">
-          <ac:chgData name="Ann Igolkina" userId="4d1b5d7ddf2bbc78" providerId="LiveId" clId="{9BA1C2E2-C1C6-0E41-8DB5-E37CFFBFF203}" dt="2023-09-05T11:40:35.283" v="621" actId="1076"/>
+        <pc:spChg chg="add del mod">
+          <ac:chgData name="Ann Igolkina" userId="4d1b5d7ddf2bbc78" providerId="LiveId" clId="{9BA1C2E2-C1C6-0E41-8DB5-E37CFFBFF203}" dt="2023-09-18T15:02:54.180" v="713" actId="478"/>
           <ac:spMkLst>
             <pc:docMk/>
             <pc:sldMk cId="3329085091" sldId="258"/>
@@ -1128,7 +1345,7 @@
           </ac:spMkLst>
         </pc:spChg>
         <pc:spChg chg="add mod">
-          <ac:chgData name="Ann Igolkina" userId="4d1b5d7ddf2bbc78" providerId="LiveId" clId="{9BA1C2E2-C1C6-0E41-8DB5-E37CFFBFF203}" dt="2023-09-05T11:40:41.832" v="623" actId="1076"/>
+          <ac:chgData name="Ann Igolkina" userId="4d1b5d7ddf2bbc78" providerId="LiveId" clId="{9BA1C2E2-C1C6-0E41-8DB5-E37CFFBFF203}" dt="2023-09-18T19:32:42.067" v="797" actId="1076"/>
           <ac:spMkLst>
             <pc:docMk/>
             <pc:sldMk cId="3329085091" sldId="258"/>
@@ -1136,7 +1353,31 @@
           </ac:spMkLst>
         </pc:spChg>
         <pc:spChg chg="add mod">
-          <ac:chgData name="Ann Igolkina" userId="4d1b5d7ddf2bbc78" providerId="LiveId" clId="{9BA1C2E2-C1C6-0E41-8DB5-E37CFFBFF203}" dt="2023-09-05T11:40:37.787" v="622" actId="1076"/>
+          <ac:chgData name="Ann Igolkina" userId="4d1b5d7ddf2bbc78" providerId="LiveId" clId="{9BA1C2E2-C1C6-0E41-8DB5-E37CFFBFF203}" dt="2023-09-26T07:22:47.893" v="1159" actId="1076"/>
+          <ac:spMkLst>
+            <pc:docMk/>
+            <pc:sldMk cId="3329085091" sldId="258"/>
+            <ac:spMk id="11" creationId="{6CA8330B-73C1-09C3-7D7A-803EE5663FB5}"/>
+          </ac:spMkLst>
+        </pc:spChg>
+        <pc:spChg chg="add mod">
+          <ac:chgData name="Ann Igolkina" userId="4d1b5d7ddf2bbc78" providerId="LiveId" clId="{9BA1C2E2-C1C6-0E41-8DB5-E37CFFBFF203}" dt="2023-09-26T06:53:49.533" v="1111" actId="1076"/>
+          <ac:spMkLst>
+            <pc:docMk/>
+            <pc:sldMk cId="3329085091" sldId="258"/>
+            <ac:spMk id="13" creationId="{3A8FB6CF-F116-441B-16DB-27CA48F82EDC}"/>
+          </ac:spMkLst>
+        </pc:spChg>
+        <pc:spChg chg="add mod">
+          <ac:chgData name="Ann Igolkina" userId="4d1b5d7ddf2bbc78" providerId="LiveId" clId="{9BA1C2E2-C1C6-0E41-8DB5-E37CFFBFF203}" dt="2023-09-26T07:23:48.593" v="1192" actId="1076"/>
+          <ac:spMkLst>
+            <pc:docMk/>
+            <pc:sldMk cId="3329085091" sldId="258"/>
+            <ac:spMk id="20" creationId="{D3D538E0-39B6-CBFE-6983-0D8C7350F027}"/>
+          </ac:spMkLst>
+        </pc:spChg>
+        <pc:spChg chg="add del mod">
+          <ac:chgData name="Ann Igolkina" userId="4d1b5d7ddf2bbc78" providerId="LiveId" clId="{9BA1C2E2-C1C6-0E41-8DB5-E37CFFBFF203}" dt="2023-09-18T14:20:15.388" v="656" actId="478"/>
           <ac:spMkLst>
             <pc:docMk/>
             <pc:sldMk cId="3329085091" sldId="258"/>
@@ -1151,6 +1392,14 @@
             <ac:spMk id="51" creationId="{629575FA-51B0-3528-7FC9-4E66348587D3}"/>
           </ac:spMkLst>
         </pc:spChg>
+        <pc:spChg chg="add mod">
+          <ac:chgData name="Ann Igolkina" userId="4d1b5d7ddf2bbc78" providerId="LiveId" clId="{9BA1C2E2-C1C6-0E41-8DB5-E37CFFBFF203}" dt="2023-09-26T12:19:29.719" v="1291" actId="20577"/>
+          <ac:spMkLst>
+            <pc:docMk/>
+            <pc:sldMk cId="3329085091" sldId="258"/>
+            <ac:spMk id="51" creationId="{F6281AB6-A030-B5E5-ABDD-F9653384B2B6}"/>
+          </ac:spMkLst>
+        </pc:spChg>
         <pc:spChg chg="add del mod">
           <ac:chgData name="Ann Igolkina" userId="4d1b5d7ddf2bbc78" providerId="LiveId" clId="{9BA1C2E2-C1C6-0E41-8DB5-E37CFFBFF203}" dt="2023-09-04T14:31:22.584" v="569" actId="478"/>
           <ac:spMkLst>
@@ -1159,6 +1408,198 @@
             <ac:spMk id="52" creationId="{25DBDF68-151D-AA0F-0B1E-53427DD81DE3}"/>
           </ac:spMkLst>
         </pc:spChg>
+        <pc:spChg chg="add mod">
+          <ac:chgData name="Ann Igolkina" userId="4d1b5d7ddf2bbc78" providerId="LiveId" clId="{9BA1C2E2-C1C6-0E41-8DB5-E37CFFBFF203}" dt="2023-09-26T12:18:07.628" v="1284" actId="1076"/>
+          <ac:spMkLst>
+            <pc:docMk/>
+            <pc:sldMk cId="3329085091" sldId="258"/>
+            <ac:spMk id="59" creationId="{45E7C264-F129-49CC-C85C-6F601F761F5D}"/>
+          </ac:spMkLst>
+        </pc:spChg>
+        <pc:grpChg chg="del mod">
+          <ac:chgData name="Ann Igolkina" userId="4d1b5d7ddf2bbc78" providerId="LiveId" clId="{9BA1C2E2-C1C6-0E41-8DB5-E37CFFBFF203}" dt="2023-09-19T07:21:12.774" v="852"/>
+          <ac:grpSpMkLst>
+            <pc:docMk/>
+            <pc:sldMk cId="3329085091" sldId="258"/>
+            <ac:grpSpMk id="6" creationId="{F2F5D87A-FC58-1B2D-4EE5-31CF6C008BF1}"/>
+          </ac:grpSpMkLst>
+        </pc:grpChg>
+        <pc:grpChg chg="add del mod">
+          <ac:chgData name="Ann Igolkina" userId="4d1b5d7ddf2bbc78" providerId="LiveId" clId="{9BA1C2E2-C1C6-0E41-8DB5-E37CFFBFF203}" dt="2023-09-26T07:21:11.435" v="1123"/>
+          <ac:grpSpMkLst>
+            <pc:docMk/>
+            <pc:sldMk cId="3329085091" sldId="258"/>
+            <ac:grpSpMk id="6" creationId="{F7A045E1-9A31-A24C-D3CD-2D706D0E15CC}"/>
+          </ac:grpSpMkLst>
+        </pc:grpChg>
+        <pc:grpChg chg="mod">
+          <ac:chgData name="Ann Igolkina" userId="4d1b5d7ddf2bbc78" providerId="LiveId" clId="{9BA1C2E2-C1C6-0E41-8DB5-E37CFFBFF203}" dt="2023-09-26T07:21:11.006" v="1121"/>
+          <ac:grpSpMkLst>
+            <pc:docMk/>
+            <pc:sldMk cId="3329085091" sldId="258"/>
+            <ac:grpSpMk id="8" creationId="{5D41B537-6349-C803-55A2-6AE1F25E1C29}"/>
+          </ac:grpSpMkLst>
+        </pc:grpChg>
+        <pc:grpChg chg="del mod">
+          <ac:chgData name="Ann Igolkina" userId="4d1b5d7ddf2bbc78" providerId="LiveId" clId="{9BA1C2E2-C1C6-0E41-8DB5-E37CFFBFF203}" dt="2023-09-19T07:21:14.265" v="854"/>
+          <ac:grpSpMkLst>
+            <pc:docMk/>
+            <pc:sldMk cId="3329085091" sldId="258"/>
+            <ac:grpSpMk id="8" creationId="{61640A2C-07A9-AF67-FD31-5F3914DE30B3}"/>
+          </ac:grpSpMkLst>
+        </pc:grpChg>
+        <pc:grpChg chg="add del mod">
+          <ac:chgData name="Ann Igolkina" userId="4d1b5d7ddf2bbc78" providerId="LiveId" clId="{9BA1C2E2-C1C6-0E41-8DB5-E37CFFBFF203}" dt="2023-09-26T12:16:27.711" v="1241"/>
+          <ac:grpSpMkLst>
+            <pc:docMk/>
+            <pc:sldMk cId="3329085091" sldId="258"/>
+            <ac:grpSpMk id="8" creationId="{D916BE0A-606D-5D47-7F5B-0CBCEF5F155C}"/>
+          </ac:grpSpMkLst>
+        </pc:grpChg>
+        <pc:grpChg chg="del mod">
+          <ac:chgData name="Ann Igolkina" userId="4d1b5d7ddf2bbc78" providerId="LiveId" clId="{9BA1C2E2-C1C6-0E41-8DB5-E37CFFBFF203}" dt="2023-09-19T09:07:49.022" v="970" actId="478"/>
+          <ac:grpSpMkLst>
+            <pc:docMk/>
+            <pc:sldMk cId="3329085091" sldId="258"/>
+            <ac:grpSpMk id="11" creationId="{94276F6F-31CA-6CBB-FB81-CB399AA9B214}"/>
+          </ac:grpSpMkLst>
+        </pc:grpChg>
+        <pc:grpChg chg="del mod">
+          <ac:chgData name="Ann Igolkina" userId="4d1b5d7ddf2bbc78" providerId="LiveId" clId="{9BA1C2E2-C1C6-0E41-8DB5-E37CFFBFF203}" dt="2023-09-26T07:25:13.835" v="1203"/>
+          <ac:grpSpMkLst>
+            <pc:docMk/>
+            <pc:sldMk cId="3329085091" sldId="258"/>
+            <ac:grpSpMk id="23" creationId="{3C73F682-DF62-EC7F-CEB2-0A20A3CC6D2D}"/>
+          </ac:grpSpMkLst>
+        </pc:grpChg>
+        <pc:grpChg chg="del mod">
+          <ac:chgData name="Ann Igolkina" userId="4d1b5d7ddf2bbc78" providerId="LiveId" clId="{9BA1C2E2-C1C6-0E41-8DB5-E37CFFBFF203}" dt="2023-09-26T07:25:13.835" v="1203"/>
+          <ac:grpSpMkLst>
+            <pc:docMk/>
+            <pc:sldMk cId="3329085091" sldId="258"/>
+            <ac:grpSpMk id="26" creationId="{863BB7F0-89CC-63E6-2560-EC8F7D22AE16}"/>
+          </ac:grpSpMkLst>
+        </pc:grpChg>
+        <pc:grpChg chg="add del mod">
+          <ac:chgData name="Ann Igolkina" userId="4d1b5d7ddf2bbc78" providerId="LiveId" clId="{9BA1C2E2-C1C6-0E41-8DB5-E37CFFBFF203}" dt="2023-09-26T12:16:27.587" v="1239"/>
+          <ac:grpSpMkLst>
+            <pc:docMk/>
+            <pc:sldMk cId="3329085091" sldId="258"/>
+            <ac:grpSpMk id="26" creationId="{CB3769CF-681E-C427-8C8A-5F646432DAC1}"/>
+          </ac:grpSpMkLst>
+        </pc:grpChg>
+        <pc:grpChg chg="del mod">
+          <ac:chgData name="Ann Igolkina" userId="4d1b5d7ddf2bbc78" providerId="LiveId" clId="{9BA1C2E2-C1C6-0E41-8DB5-E37CFFBFF203}" dt="2023-09-26T07:25:13.835" v="1203"/>
+          <ac:grpSpMkLst>
+            <pc:docMk/>
+            <pc:sldMk cId="3329085091" sldId="258"/>
+            <ac:grpSpMk id="29" creationId="{E24F0D03-F074-3EFE-4F30-D371C2F1FAD7}"/>
+          </ac:grpSpMkLst>
+        </pc:grpChg>
+        <pc:grpChg chg="del mod">
+          <ac:chgData name="Ann Igolkina" userId="4d1b5d7ddf2bbc78" providerId="LiveId" clId="{9BA1C2E2-C1C6-0E41-8DB5-E37CFFBFF203}" dt="2023-09-26T07:28:09.900" v="1217"/>
+          <ac:grpSpMkLst>
+            <pc:docMk/>
+            <pc:sldMk cId="3329085091" sldId="258"/>
+            <ac:grpSpMk id="31" creationId="{14FC7625-1CEE-D992-1C07-1E998FCB33DE}"/>
+          </ac:grpSpMkLst>
+        </pc:grpChg>
+        <pc:grpChg chg="mod">
+          <ac:chgData name="Ann Igolkina" userId="4d1b5d7ddf2bbc78" providerId="LiveId" clId="{9BA1C2E2-C1C6-0E41-8DB5-E37CFFBFF203}" dt="2023-09-26T12:16:27.036" v="1237"/>
+          <ac:grpSpMkLst>
+            <pc:docMk/>
+            <pc:sldMk cId="3329085091" sldId="258"/>
+            <ac:grpSpMk id="31" creationId="{D3E82D36-7422-7B92-9D0F-6AD642319FF7}"/>
+          </ac:grpSpMkLst>
+        </pc:grpChg>
+        <pc:grpChg chg="del mod">
+          <ac:chgData name="Ann Igolkina" userId="4d1b5d7ddf2bbc78" providerId="LiveId" clId="{9BA1C2E2-C1C6-0E41-8DB5-E37CFFBFF203}" dt="2023-09-26T07:28:09.900" v="1217"/>
+          <ac:grpSpMkLst>
+            <pc:docMk/>
+            <pc:sldMk cId="3329085091" sldId="258"/>
+            <ac:grpSpMk id="36" creationId="{866EAEF2-C590-67D2-7848-BF95DC34A652}"/>
+          </ac:grpSpMkLst>
+        </pc:grpChg>
+        <pc:grpChg chg="del mod">
+          <ac:chgData name="Ann Igolkina" userId="4d1b5d7ddf2bbc78" providerId="LiveId" clId="{9BA1C2E2-C1C6-0E41-8DB5-E37CFFBFF203}" dt="2023-09-26T07:28:09.900" v="1217"/>
+          <ac:grpSpMkLst>
+            <pc:docMk/>
+            <pc:sldMk cId="3329085091" sldId="258"/>
+            <ac:grpSpMk id="39" creationId="{1A39151C-A36E-FAE0-8574-35BCED8F8523}"/>
+          </ac:grpSpMkLst>
+        </pc:grpChg>
+        <pc:grpChg chg="mod">
+          <ac:chgData name="Ann Igolkina" userId="4d1b5d7ddf2bbc78" providerId="LiveId" clId="{9BA1C2E2-C1C6-0E41-8DB5-E37CFFBFF203}" dt="2023-09-26T07:28:09.900" v="1217"/>
+          <ac:grpSpMkLst>
+            <pc:docMk/>
+            <pc:sldMk cId="3329085091" sldId="258"/>
+            <ac:grpSpMk id="47" creationId="{6C127903-5B03-92DE-2476-5C799082BCC5}"/>
+          </ac:grpSpMkLst>
+        </pc:grpChg>
+        <pc:grpChg chg="mod">
+          <ac:chgData name="Ann Igolkina" userId="4d1b5d7ddf2bbc78" providerId="LiveId" clId="{9BA1C2E2-C1C6-0E41-8DB5-E37CFFBFF203}" dt="2023-09-26T12:16:26.570" v="1233"/>
+          <ac:grpSpMkLst>
+            <pc:docMk/>
+            <pc:sldMk cId="3329085091" sldId="258"/>
+            <ac:grpSpMk id="50" creationId="{F67AD6E6-F709-D676-F456-29066B7C62BF}"/>
+          </ac:grpSpMkLst>
+        </pc:grpChg>
+        <pc:grpChg chg="add del mod">
+          <ac:chgData name="Ann Igolkina" userId="4d1b5d7ddf2bbc78" providerId="LiveId" clId="{9BA1C2E2-C1C6-0E41-8DB5-E37CFFBFF203}" dt="2023-09-26T12:17:49.996" v="1264"/>
+          <ac:grpSpMkLst>
+            <pc:docMk/>
+            <pc:sldMk cId="3329085091" sldId="258"/>
+            <ac:grpSpMk id="56" creationId="{206099CA-D01A-7FFC-1D52-659A94F0576A}"/>
+          </ac:grpSpMkLst>
+        </pc:grpChg>
+        <pc:grpChg chg="mod">
+          <ac:chgData name="Ann Igolkina" userId="4d1b5d7ddf2bbc78" providerId="LiveId" clId="{9BA1C2E2-C1C6-0E41-8DB5-E37CFFBFF203}" dt="2023-09-26T12:17:49.895" v="1262"/>
+          <ac:grpSpMkLst>
+            <pc:docMk/>
+            <pc:sldMk cId="3329085091" sldId="258"/>
+            <ac:grpSpMk id="58" creationId="{4DEAAD9C-3A4E-4C92-E3E3-DE63BFD4D11A}"/>
+          </ac:grpSpMkLst>
+        </pc:grpChg>
+        <pc:grpChg chg="del mod">
+          <ac:chgData name="Ann Igolkina" userId="4d1b5d7ddf2bbc78" providerId="LiveId" clId="{9BA1C2E2-C1C6-0E41-8DB5-E37CFFBFF203}" dt="2023-09-19T08:52:32.897" v="916" actId="478"/>
+          <ac:grpSpMkLst>
+            <pc:docMk/>
+            <pc:sldMk cId="3329085091" sldId="258"/>
+            <ac:grpSpMk id="58" creationId="{9945CC1D-8002-CD5D-FE61-24E1FBE8DCE1}"/>
+          </ac:grpSpMkLst>
+        </pc:grpChg>
+        <pc:grpChg chg="del mod">
+          <ac:chgData name="Ann Igolkina" userId="4d1b5d7ddf2bbc78" providerId="LiveId" clId="{9BA1C2E2-C1C6-0E41-8DB5-E37CFFBFF203}" dt="2023-09-19T08:56:17.174" v="937" actId="478"/>
+          <ac:grpSpMkLst>
+            <pc:docMk/>
+            <pc:sldMk cId="3329085091" sldId="258"/>
+            <ac:grpSpMk id="62" creationId="{6761F78B-A630-F3A5-4415-BE8767B7BCFA}"/>
+          </ac:grpSpMkLst>
+        </pc:grpChg>
+        <pc:grpChg chg="del mod">
+          <ac:chgData name="Ann Igolkina" userId="4d1b5d7ddf2bbc78" providerId="LiveId" clId="{9BA1C2E2-C1C6-0E41-8DB5-E37CFFBFF203}" dt="2023-09-19T08:56:17.174" v="937" actId="478"/>
+          <ac:grpSpMkLst>
+            <pc:docMk/>
+            <pc:sldMk cId="3329085091" sldId="258"/>
+            <ac:grpSpMk id="65" creationId="{22D05A95-2947-D343-8F0E-A2F60FED2C88}"/>
+          </ac:grpSpMkLst>
+        </pc:grpChg>
+        <pc:grpChg chg="del mod">
+          <ac:chgData name="Ann Igolkina" userId="4d1b5d7ddf2bbc78" providerId="LiveId" clId="{9BA1C2E2-C1C6-0E41-8DB5-E37CFFBFF203}" dt="2023-09-19T08:56:17.174" v="937" actId="478"/>
+          <ac:grpSpMkLst>
+            <pc:docMk/>
+            <pc:sldMk cId="3329085091" sldId="258"/>
+            <ac:grpSpMk id="71" creationId="{BC4E110C-4E5B-71D6-5C46-4BDD434E6B42}"/>
+          </ac:grpSpMkLst>
+        </pc:grpChg>
+        <pc:grpChg chg="del mod">
+          <ac:chgData name="Ann Igolkina" userId="4d1b5d7ddf2bbc78" providerId="LiveId" clId="{9BA1C2E2-C1C6-0E41-8DB5-E37CFFBFF203}" dt="2023-09-19T08:52:05.956" v="913" actId="478"/>
+          <ac:grpSpMkLst>
+            <pc:docMk/>
+            <pc:sldMk cId="3329085091" sldId="258"/>
+            <ac:grpSpMk id="77" creationId="{175A8172-1689-9538-BA0F-159A90B35B8F}"/>
+          </ac:grpSpMkLst>
+        </pc:grpChg>
         <pc:picChg chg="add del mod">
           <ac:chgData name="Ann Igolkina" userId="4d1b5d7ddf2bbc78" providerId="LiveId" clId="{9BA1C2E2-C1C6-0E41-8DB5-E37CFFBFF203}" dt="2023-09-04T09:05:32.322" v="69" actId="478"/>
           <ac:picMkLst>
@@ -1168,11 +1609,19 @@
           </ac:picMkLst>
         </pc:picChg>
         <pc:picChg chg="add mod">
-          <ac:chgData name="Ann Igolkina" userId="4d1b5d7ddf2bbc78" providerId="LiveId" clId="{9BA1C2E2-C1C6-0E41-8DB5-E37CFFBFF203}" dt="2023-09-04T09:11:10.482" v="84" actId="1076"/>
+          <ac:chgData name="Ann Igolkina" userId="4d1b5d7ddf2bbc78" providerId="LiveId" clId="{9BA1C2E2-C1C6-0E41-8DB5-E37CFFBFF203}" dt="2023-09-18T18:33:08.538" v="714" actId="2085"/>
           <ac:picMkLst>
             <pc:docMk/>
             <pc:sldMk cId="3329085091" sldId="258"/>
             <ac:picMk id="4" creationId="{53292D80-91CC-BB13-27C4-3BD420ABBA19}"/>
+          </ac:picMkLst>
+        </pc:picChg>
+        <pc:picChg chg="add del mod">
+          <ac:chgData name="Ann Igolkina" userId="4d1b5d7ddf2bbc78" providerId="LiveId" clId="{9BA1C2E2-C1C6-0E41-8DB5-E37CFFBFF203}" dt="2023-09-18T14:17:01.054" v="626" actId="21"/>
+          <ac:picMkLst>
+            <pc:docMk/>
+            <pc:sldMk cId="3329085091" sldId="258"/>
+            <ac:picMk id="6" creationId="{CEE4C797-457A-0919-F231-C10F8BCE22CB}"/>
           </ac:picMkLst>
         </pc:picChg>
         <pc:picChg chg="add del mod">
@@ -1184,6 +1633,14 @@
           </ac:picMkLst>
         </pc:picChg>
         <pc:picChg chg="add del mod">
+          <ac:chgData name="Ann Igolkina" userId="4d1b5d7ddf2bbc78" providerId="LiveId" clId="{9BA1C2E2-C1C6-0E41-8DB5-E37CFFBFF203}" dt="2023-09-18T14:22:38.017" v="660" actId="478"/>
+          <ac:picMkLst>
+            <pc:docMk/>
+            <pc:sldMk cId="3329085091" sldId="258"/>
+            <ac:picMk id="8" creationId="{45FBAD51-9BCA-CCC5-3B06-B96ACFCB75C7}"/>
+          </ac:picMkLst>
+        </pc:picChg>
+        <pc:picChg chg="add del mod">
           <ac:chgData name="Ann Igolkina" userId="4d1b5d7ddf2bbc78" providerId="LiveId" clId="{9BA1C2E2-C1C6-0E41-8DB5-E37CFFBFF203}" dt="2023-09-04T09:17:53.171" v="90" actId="478"/>
           <ac:picMkLst>
             <pc:docMk/>
@@ -1200,11 +1657,27 @@
           </ac:picMkLst>
         </pc:picChg>
         <pc:picChg chg="add del mod">
+          <ac:chgData name="Ann Igolkina" userId="4d1b5d7ddf2bbc78" providerId="LiveId" clId="{9BA1C2E2-C1C6-0E41-8DB5-E37CFFBFF203}" dt="2023-09-18T15:00:45.875" v="703" actId="478"/>
+          <ac:picMkLst>
+            <pc:docMk/>
+            <pc:sldMk cId="3329085091" sldId="258"/>
+            <ac:picMk id="11" creationId="{35C34D0A-9A24-55B1-6EC9-473CF0BFCA03}"/>
+          </ac:picMkLst>
+        </pc:picChg>
+        <pc:picChg chg="add del mod">
           <ac:chgData name="Ann Igolkina" userId="4d1b5d7ddf2bbc78" providerId="LiveId" clId="{9BA1C2E2-C1C6-0E41-8DB5-E37CFFBFF203}" dt="2023-09-04T09:23:59.840" v="100" actId="478"/>
           <ac:picMkLst>
             <pc:docMk/>
             <pc:sldMk cId="3329085091" sldId="258"/>
             <ac:picMk id="12" creationId="{C46D4512-53DE-D3E6-9B0E-EB1E4934DD35}"/>
+          </ac:picMkLst>
+        </pc:picChg>
+        <pc:picChg chg="add del mod">
+          <ac:chgData name="Ann Igolkina" userId="4d1b5d7ddf2bbc78" providerId="LiveId" clId="{9BA1C2E2-C1C6-0E41-8DB5-E37CFFBFF203}" dt="2023-09-18T14:34:09.012" v="679" actId="478"/>
+          <ac:picMkLst>
+            <pc:docMk/>
+            <pc:sldMk cId="3329085091" sldId="258"/>
+            <ac:picMk id="13" creationId="{B501366C-B6E5-35B3-B096-C9757EDCBC55}"/>
           </ac:picMkLst>
         </pc:picChg>
         <pc:picChg chg="add del mod">
@@ -1216,11 +1689,43 @@
           </ac:picMkLst>
         </pc:picChg>
         <pc:picChg chg="add del mod">
+          <ac:chgData name="Ann Igolkina" userId="4d1b5d7ddf2bbc78" providerId="LiveId" clId="{9BA1C2E2-C1C6-0E41-8DB5-E37CFFBFF203}" dt="2023-09-18T14:35:01.698" v="685" actId="478"/>
+          <ac:picMkLst>
+            <pc:docMk/>
+            <pc:sldMk cId="3329085091" sldId="258"/>
+            <ac:picMk id="15" creationId="{B05A34F4-5283-2A65-0C96-E0A66EAA0DE3}"/>
+          </ac:picMkLst>
+        </pc:picChg>
+        <pc:picChg chg="add mod">
+          <ac:chgData name="Ann Igolkina" userId="4d1b5d7ddf2bbc78" providerId="LiveId" clId="{9BA1C2E2-C1C6-0E41-8DB5-E37CFFBFF203}" dt="2023-09-19T08:52:24.248" v="914" actId="1076"/>
+          <ac:picMkLst>
+            <pc:docMk/>
+            <pc:sldMk cId="3329085091" sldId="258"/>
+            <ac:picMk id="15" creationId="{D31E7252-898D-7428-587C-BA7317322818}"/>
+          </ac:picMkLst>
+        </pc:picChg>
+        <pc:picChg chg="add del mod">
           <ac:chgData name="Ann Igolkina" userId="4d1b5d7ddf2bbc78" providerId="LiveId" clId="{9BA1C2E2-C1C6-0E41-8DB5-E37CFFBFF203}" dt="2023-09-04T09:31:30.657" v="118" actId="478"/>
           <ac:picMkLst>
             <pc:docMk/>
             <pc:sldMk cId="3329085091" sldId="258"/>
             <ac:picMk id="16" creationId="{43FEBE1D-A71E-B9BF-78F5-D54D8DE2423B}"/>
+          </ac:picMkLst>
+        </pc:picChg>
+        <pc:picChg chg="add del mod">
+          <ac:chgData name="Ann Igolkina" userId="4d1b5d7ddf2bbc78" providerId="LiveId" clId="{9BA1C2E2-C1C6-0E41-8DB5-E37CFFBFF203}" dt="2023-09-18T14:34:53.258" v="682" actId="478"/>
+          <ac:picMkLst>
+            <pc:docMk/>
+            <pc:sldMk cId="3329085091" sldId="258"/>
+            <ac:picMk id="17" creationId="{2065579D-D39B-8DEE-3DC6-C2819F98BE53}"/>
+          </ac:picMkLst>
+        </pc:picChg>
+        <pc:picChg chg="add del mod">
+          <ac:chgData name="Ann Igolkina" userId="4d1b5d7ddf2bbc78" providerId="LiveId" clId="{9BA1C2E2-C1C6-0E41-8DB5-E37CFFBFF203}" dt="2023-09-19T08:56:46.053" v="942" actId="21"/>
+          <ac:picMkLst>
+            <pc:docMk/>
+            <pc:sldMk cId="3329085091" sldId="258"/>
+            <ac:picMk id="17" creationId="{E3B77072-E3DC-BB6F-5A9C-345C2C30B688}"/>
           </ac:picMkLst>
         </pc:picChg>
         <pc:picChg chg="add del mod">
@@ -1232,11 +1737,43 @@
           </ac:picMkLst>
         </pc:picChg>
         <pc:picChg chg="add del mod">
+          <ac:chgData name="Ann Igolkina" userId="4d1b5d7ddf2bbc78" providerId="LiveId" clId="{9BA1C2E2-C1C6-0E41-8DB5-E37CFFBFF203}" dt="2023-09-19T08:51:51.844" v="909" actId="478"/>
+          <ac:picMkLst>
+            <pc:docMk/>
+            <pc:sldMk cId="3329085091" sldId="258"/>
+            <ac:picMk id="19" creationId="{14174CC0-6272-B1C8-83F9-52E1C35F40B9}"/>
+          </ac:picMkLst>
+        </pc:picChg>
+        <pc:picChg chg="add del mod">
           <ac:chgData name="Ann Igolkina" userId="4d1b5d7ddf2bbc78" providerId="LiveId" clId="{9BA1C2E2-C1C6-0E41-8DB5-E37CFFBFF203}" dt="2023-09-04T09:30:24.840" v="111" actId="478"/>
           <ac:picMkLst>
             <pc:docMk/>
             <pc:sldMk cId="3329085091" sldId="258"/>
             <ac:picMk id="20" creationId="{45C19894-0CF5-BEF1-269B-E0C02C584CE7}"/>
+          </ac:picMkLst>
+        </pc:picChg>
+        <pc:picChg chg="add del mod">
+          <ac:chgData name="Ann Igolkina" userId="4d1b5d7ddf2bbc78" providerId="LiveId" clId="{9BA1C2E2-C1C6-0E41-8DB5-E37CFFBFF203}" dt="2023-09-19T09:07:08.576" v="966" actId="21"/>
+          <ac:picMkLst>
+            <pc:docMk/>
+            <pc:sldMk cId="3329085091" sldId="258"/>
+            <ac:picMk id="20" creationId="{B733EAFF-53E2-3C76-78C4-957D60E4642E}"/>
+          </ac:picMkLst>
+        </pc:picChg>
+        <pc:picChg chg="add del mod">
+          <ac:chgData name="Ann Igolkina" userId="4d1b5d7ddf2bbc78" providerId="LiveId" clId="{9BA1C2E2-C1C6-0E41-8DB5-E37CFFBFF203}" dt="2023-09-18T15:02:18.353" v="707" actId="478"/>
+          <ac:picMkLst>
+            <pc:docMk/>
+            <pc:sldMk cId="3329085091" sldId="258"/>
+            <ac:picMk id="21" creationId="{983E0BEC-1B6A-BD5C-0483-F6EE339E210E}"/>
+          </ac:picMkLst>
+        </pc:picChg>
+        <pc:picChg chg="add del mod">
+          <ac:chgData name="Ann Igolkina" userId="4d1b5d7ddf2bbc78" providerId="LiveId" clId="{9BA1C2E2-C1C6-0E41-8DB5-E37CFFBFF203}" dt="2023-09-19T08:59:03.557" v="946" actId="21"/>
+          <ac:picMkLst>
+            <pc:docMk/>
+            <pc:sldMk cId="3329085091" sldId="258"/>
+            <ac:picMk id="22" creationId="{4B1D0B3B-2D89-96B6-1054-7AABF1909D39}"/>
           </ac:picMkLst>
         </pc:picChg>
         <pc:picChg chg="add del mod">
@@ -1248,11 +1785,35 @@
           </ac:picMkLst>
         </pc:picChg>
         <pc:picChg chg="add del mod">
+          <ac:chgData name="Ann Igolkina" userId="4d1b5d7ddf2bbc78" providerId="LiveId" clId="{9BA1C2E2-C1C6-0E41-8DB5-E37CFFBFF203}" dt="2023-09-18T18:47:43.528" v="717" actId="478"/>
+          <ac:picMkLst>
+            <pc:docMk/>
+            <pc:sldMk cId="3329085091" sldId="258"/>
+            <ac:picMk id="23" creationId="{16244958-D32B-1F41-F3FE-B7E1FCC3561E}"/>
+          </ac:picMkLst>
+        </pc:picChg>
+        <pc:picChg chg="add del mod">
+          <ac:chgData name="Ann Igolkina" userId="4d1b5d7ddf2bbc78" providerId="LiveId" clId="{9BA1C2E2-C1C6-0E41-8DB5-E37CFFBFF203}" dt="2023-09-19T09:05:32.326" v="958" actId="478"/>
+          <ac:picMkLst>
+            <pc:docMk/>
+            <pc:sldMk cId="3329085091" sldId="258"/>
+            <ac:picMk id="23" creationId="{55CF2FC7-011B-1568-61DC-4196E0EC176D}"/>
+          </ac:picMkLst>
+        </pc:picChg>
+        <pc:picChg chg="add del mod">
           <ac:chgData name="Ann Igolkina" userId="4d1b5d7ddf2bbc78" providerId="LiveId" clId="{9BA1C2E2-C1C6-0E41-8DB5-E37CFFBFF203}" dt="2023-09-04T09:34:31.026" v="135" actId="478"/>
           <ac:picMkLst>
             <pc:docMk/>
             <pc:sldMk cId="3329085091" sldId="258"/>
             <ac:picMk id="24" creationId="{6B6BDA82-EEE9-4D04-5B8C-D9C430DA7CEE}"/>
+          </ac:picMkLst>
+        </pc:picChg>
+        <pc:picChg chg="add del mod">
+          <ac:chgData name="Ann Igolkina" userId="4d1b5d7ddf2bbc78" providerId="LiveId" clId="{9BA1C2E2-C1C6-0E41-8DB5-E37CFFBFF203}" dt="2023-09-19T08:52:30.672" v="915" actId="478"/>
+          <ac:picMkLst>
+            <pc:docMk/>
+            <pc:sldMk cId="3329085091" sldId="258"/>
+            <ac:picMk id="25" creationId="{B4F88827-B1C0-6154-3685-2C1542CDE7EF}"/>
           </ac:picMkLst>
         </pc:picChg>
         <pc:picChg chg="add del mod">
@@ -1264,6 +1825,14 @@
           </ac:picMkLst>
         </pc:picChg>
         <pc:picChg chg="add del mod">
+          <ac:chgData name="Ann Igolkina" userId="4d1b5d7ddf2bbc78" providerId="LiveId" clId="{9BA1C2E2-C1C6-0E41-8DB5-E37CFFBFF203}" dt="2023-09-19T09:06:50.038" v="964" actId="478"/>
+          <ac:picMkLst>
+            <pc:docMk/>
+            <pc:sldMk cId="3329085091" sldId="258"/>
+            <ac:picMk id="26" creationId="{7723229D-1251-1551-F4A6-AA3277E1E862}"/>
+          </ac:picMkLst>
+        </pc:picChg>
+        <pc:picChg chg="add del mod">
           <ac:chgData name="Ann Igolkina" userId="4d1b5d7ddf2bbc78" providerId="LiveId" clId="{9BA1C2E2-C1C6-0E41-8DB5-E37CFFBFF203}" dt="2023-09-04T11:19:07.438" v="189" actId="478"/>
           <ac:picMkLst>
             <pc:docMk/>
@@ -1280,7 +1849,7 @@
           </ac:picMkLst>
         </pc:picChg>
         <pc:picChg chg="add mod">
-          <ac:chgData name="Ann Igolkina" userId="4d1b5d7ddf2bbc78" providerId="LiveId" clId="{9BA1C2E2-C1C6-0E41-8DB5-E37CFFBFF203}" dt="2023-09-04T09:34:34.586" v="136" actId="1076"/>
+          <ac:chgData name="Ann Igolkina" userId="4d1b5d7ddf2bbc78" providerId="LiveId" clId="{9BA1C2E2-C1C6-0E41-8DB5-E37CFFBFF203}" dt="2023-09-18T14:24:03.835" v="663" actId="208"/>
           <ac:picMkLst>
             <pc:docMk/>
             <pc:sldMk cId="3329085091" sldId="258"/>
@@ -1312,11 +1881,43 @@
           </ac:picMkLst>
         </pc:picChg>
         <pc:picChg chg="add del mod">
+          <ac:chgData name="Ann Igolkina" userId="4d1b5d7ddf2bbc78" providerId="LiveId" clId="{9BA1C2E2-C1C6-0E41-8DB5-E37CFFBFF203}" dt="2023-09-19T09:50:26.654" v="988" actId="478"/>
+          <ac:picMkLst>
+            <pc:docMk/>
+            <pc:sldMk cId="3329085091" sldId="258"/>
+            <ac:picMk id="38" creationId="{671A0A95-8699-CBF4-D50B-C35A3E947586}"/>
+          </ac:picMkLst>
+        </pc:picChg>
+        <pc:picChg chg="add del mod">
+          <ac:chgData name="Ann Igolkina" userId="4d1b5d7ddf2bbc78" providerId="LiveId" clId="{9BA1C2E2-C1C6-0E41-8DB5-E37CFFBFF203}" dt="2023-09-19T09:50:24.718" v="987" actId="478"/>
+          <ac:picMkLst>
+            <pc:docMk/>
+            <pc:sldMk cId="3329085091" sldId="258"/>
+            <ac:picMk id="39" creationId="{D0D0EB5B-6037-13C1-1716-40736EEDE88E}"/>
+          </ac:picMkLst>
+        </pc:picChg>
+        <pc:picChg chg="add del mod">
           <ac:chgData name="Ann Igolkina" userId="4d1b5d7ddf2bbc78" providerId="LiveId" clId="{9BA1C2E2-C1C6-0E41-8DB5-E37CFFBFF203}" dt="2023-09-04T11:22:35.716" v="192" actId="21"/>
           <ac:picMkLst>
             <pc:docMk/>
             <pc:sldMk cId="3329085091" sldId="258"/>
             <ac:picMk id="40" creationId="{7E6F2ED8-4BFD-E8BA-A5E5-DC1FDE591AC0}"/>
+          </ac:picMkLst>
+        </pc:picChg>
+        <pc:picChg chg="add del mod">
+          <ac:chgData name="Ann Igolkina" userId="4d1b5d7ddf2bbc78" providerId="LiveId" clId="{9BA1C2E2-C1C6-0E41-8DB5-E37CFFBFF203}" dt="2023-09-18T19:01:49.271" v="742" actId="478"/>
+          <ac:picMkLst>
+            <pc:docMk/>
+            <pc:sldMk cId="3329085091" sldId="258"/>
+            <ac:picMk id="40" creationId="{9E3C7644-170E-3C4A-E052-DD61F874F70E}"/>
+          </ac:picMkLst>
+        </pc:picChg>
+        <pc:picChg chg="add del mod">
+          <ac:chgData name="Ann Igolkina" userId="4d1b5d7ddf2bbc78" providerId="LiveId" clId="{9BA1C2E2-C1C6-0E41-8DB5-E37CFFBFF203}" dt="2023-09-19T09:50:47.603" v="992" actId="478"/>
+          <ac:picMkLst>
+            <pc:docMk/>
+            <pc:sldMk cId="3329085091" sldId="258"/>
+            <ac:picMk id="41" creationId="{E29BCF03-BB77-FA24-DCC0-9D17D28A1E68}"/>
           </ac:picMkLst>
         </pc:picChg>
         <pc:picChg chg="add del mod">
@@ -1328,6 +1929,14 @@
           </ac:picMkLst>
         </pc:picChg>
         <pc:picChg chg="add del mod">
+          <ac:chgData name="Ann Igolkina" userId="4d1b5d7ddf2bbc78" providerId="LiveId" clId="{9BA1C2E2-C1C6-0E41-8DB5-E37CFFBFF203}" dt="2023-09-18T19:04:28.068" v="761" actId="478"/>
+          <ac:picMkLst>
+            <pc:docMk/>
+            <pc:sldMk cId="3329085091" sldId="258"/>
+            <ac:picMk id="42" creationId="{653D5226-94A0-4B3D-350D-F62893BE2358}"/>
+          </ac:picMkLst>
+        </pc:picChg>
+        <pc:picChg chg="add del mod">
           <ac:chgData name="Ann Igolkina" userId="4d1b5d7ddf2bbc78" providerId="LiveId" clId="{9BA1C2E2-C1C6-0E41-8DB5-E37CFFBFF203}" dt="2023-09-04T12:36:21.321" v="476" actId="478"/>
           <ac:picMkLst>
             <pc:docMk/>
@@ -1336,11 +1945,59 @@
           </ac:picMkLst>
         </pc:picChg>
         <pc:picChg chg="add mod">
-          <ac:chgData name="Ann Igolkina" userId="4d1b5d7ddf2bbc78" providerId="LiveId" clId="{9BA1C2E2-C1C6-0E41-8DB5-E37CFFBFF203}" dt="2023-09-04T12:36:33.065" v="481" actId="1076"/>
+          <ac:chgData name="Ann Igolkina" userId="4d1b5d7ddf2bbc78" providerId="LiveId" clId="{9BA1C2E2-C1C6-0E41-8DB5-E37CFFBFF203}" dt="2023-09-19T09:07:55.154" v="972" actId="1076"/>
+          <ac:picMkLst>
+            <pc:docMk/>
+            <pc:sldMk cId="3329085091" sldId="258"/>
+            <ac:picMk id="43" creationId="{F69FEBE4-ADFF-E01D-482E-C853F7081EF4}"/>
+          </ac:picMkLst>
+        </pc:picChg>
+        <pc:picChg chg="add del mod">
+          <ac:chgData name="Ann Igolkina" userId="4d1b5d7ddf2bbc78" providerId="LiveId" clId="{9BA1C2E2-C1C6-0E41-8DB5-E37CFFBFF203}" dt="2023-09-19T09:51:21.807" v="998" actId="478"/>
+          <ac:picMkLst>
+            <pc:docMk/>
+            <pc:sldMk cId="3329085091" sldId="258"/>
+            <ac:picMk id="44" creationId="{437E93E8-0AC0-0798-3FF2-0698930C66D1}"/>
+          </ac:picMkLst>
+        </pc:picChg>
+        <pc:picChg chg="add del mod">
+          <ac:chgData name="Ann Igolkina" userId="4d1b5d7ddf2bbc78" providerId="LiveId" clId="{9BA1C2E2-C1C6-0E41-8DB5-E37CFFBFF203}" dt="2023-09-18T19:08:41.244" v="780" actId="21"/>
+          <ac:picMkLst>
+            <pc:docMk/>
+            <pc:sldMk cId="3329085091" sldId="258"/>
+            <ac:picMk id="44" creationId="{74763092-2C30-8D07-3237-9DA98D29D984}"/>
+          </ac:picMkLst>
+        </pc:picChg>
+        <pc:picChg chg="add del mod">
+          <ac:chgData name="Ann Igolkina" userId="4d1b5d7ddf2bbc78" providerId="LiveId" clId="{9BA1C2E2-C1C6-0E41-8DB5-E37CFFBFF203}" dt="2023-09-18T19:02:43.909" v="749" actId="21"/>
           <ac:picMkLst>
             <pc:docMk/>
             <pc:sldMk cId="3329085091" sldId="258"/>
             <ac:picMk id="45" creationId="{33BCCE85-7CA8-6708-D1F9-F54AD732DCB7}"/>
+          </ac:picMkLst>
+        </pc:picChg>
+        <pc:picChg chg="add del mod">
+          <ac:chgData name="Ann Igolkina" userId="4d1b5d7ddf2bbc78" providerId="LiveId" clId="{9BA1C2E2-C1C6-0E41-8DB5-E37CFFBFF203}" dt="2023-09-18T19:08:41.244" v="780" actId="21"/>
+          <ac:picMkLst>
+            <pc:docMk/>
+            <pc:sldMk cId="3329085091" sldId="258"/>
+            <ac:picMk id="46" creationId="{8F90F218-6223-6334-7AAD-B706550E3288}"/>
+          </ac:picMkLst>
+        </pc:picChg>
+        <pc:picChg chg="add del mod">
+          <ac:chgData name="Ann Igolkina" userId="4d1b5d7ddf2bbc78" providerId="LiveId" clId="{9BA1C2E2-C1C6-0E41-8DB5-E37CFFBFF203}" dt="2023-09-19T09:54:40.358" v="1002" actId="478"/>
+          <ac:picMkLst>
+            <pc:docMk/>
+            <pc:sldMk cId="3329085091" sldId="258"/>
+            <ac:picMk id="46" creationId="{CF0FF803-1949-6887-0622-626063EEFB3E}"/>
+          </ac:picMkLst>
+        </pc:picChg>
+        <pc:picChg chg="add del mod">
+          <ac:chgData name="Ann Igolkina" userId="4d1b5d7ddf2bbc78" providerId="LiveId" clId="{9BA1C2E2-C1C6-0E41-8DB5-E37CFFBFF203}" dt="2023-09-18T19:08:41.244" v="780" actId="21"/>
+          <ac:picMkLst>
+            <pc:docMk/>
+            <pc:sldMk cId="3329085091" sldId="258"/>
+            <ac:picMk id="47" creationId="{2A7F9C4A-68D3-42A2-88C6-48D9C3FBB6A3}"/>
           </ac:picMkLst>
         </pc:picChg>
         <pc:picChg chg="add del mod">
@@ -1351,6 +2008,14 @@
             <ac:picMk id="47" creationId="{3C56D794-83CB-7E53-BB27-B6B06D9E4C68}"/>
           </ac:picMkLst>
         </pc:picChg>
+        <pc:picChg chg="add del mod">
+          <ac:chgData name="Ann Igolkina" userId="4d1b5d7ddf2bbc78" providerId="LiveId" clId="{9BA1C2E2-C1C6-0E41-8DB5-E37CFFBFF203}" dt="2023-09-19T10:00:43.805" v="1006" actId="478"/>
+          <ac:picMkLst>
+            <pc:docMk/>
+            <pc:sldMk cId="3329085091" sldId="258"/>
+            <ac:picMk id="48" creationId="{CB7C84B2-9AF5-4CA1-1E2E-ED8FE8306F04}"/>
+          </ac:picMkLst>
+        </pc:picChg>
         <pc:picChg chg="add mod">
           <ac:chgData name="Ann Igolkina" userId="4d1b5d7ddf2bbc78" providerId="LiveId" clId="{9BA1C2E2-C1C6-0E41-8DB5-E37CFFBFF203}" dt="2023-09-04T12:46:51.786" v="498" actId="1076"/>
           <ac:picMkLst>
@@ -1360,11 +2025,43 @@
           </ac:picMkLst>
         </pc:picChg>
         <pc:picChg chg="add del mod">
+          <ac:chgData name="Ann Igolkina" userId="4d1b5d7ddf2bbc78" providerId="LiveId" clId="{9BA1C2E2-C1C6-0E41-8DB5-E37CFFBFF203}" dt="2023-09-19T08:53:48.986" v="920" actId="478"/>
+          <ac:picMkLst>
+            <pc:docMk/>
+            <pc:sldMk cId="3329085091" sldId="258"/>
+            <ac:picMk id="51" creationId="{FAE3E339-BFEA-30DC-4720-18A8CF3EA61B}"/>
+          </ac:picMkLst>
+        </pc:picChg>
+        <pc:picChg chg="add del mod">
+          <ac:chgData name="Ann Igolkina" userId="4d1b5d7ddf2bbc78" providerId="LiveId" clId="{9BA1C2E2-C1C6-0E41-8DB5-E37CFFBFF203}" dt="2023-09-19T10:04:22.286" v="1010" actId="478"/>
+          <ac:picMkLst>
+            <pc:docMk/>
+            <pc:sldMk cId="3329085091" sldId="258"/>
+            <ac:picMk id="52" creationId="{009DFE47-99B9-66DA-7C0A-31638C36569F}"/>
+          </ac:picMkLst>
+        </pc:picChg>
+        <pc:picChg chg="add del mod">
+          <ac:chgData name="Ann Igolkina" userId="4d1b5d7ddf2bbc78" providerId="LiveId" clId="{9BA1C2E2-C1C6-0E41-8DB5-E37CFFBFF203}" dt="2023-09-19T08:56:14.182" v="936" actId="478"/>
+          <ac:picMkLst>
+            <pc:docMk/>
+            <pc:sldMk cId="3329085091" sldId="258"/>
+            <ac:picMk id="53" creationId="{A3B067B3-0650-3A87-7A8D-0CAAEDEF17B7}"/>
+          </ac:picMkLst>
+        </pc:picChg>
+        <pc:picChg chg="add del mod">
           <ac:chgData name="Ann Igolkina" userId="4d1b5d7ddf2bbc78" providerId="LiveId" clId="{9BA1C2E2-C1C6-0E41-8DB5-E37CFFBFF203}" dt="2023-09-04T14:07:17.153" v="557" actId="478"/>
           <ac:picMkLst>
             <pc:docMk/>
             <pc:sldMk cId="3329085091" sldId="258"/>
             <ac:picMk id="54" creationId="{367687B7-C78B-6CE9-AFAE-80CE8DE44A36}"/>
+          </ac:picMkLst>
+        </pc:picChg>
+        <pc:picChg chg="add del mod">
+          <ac:chgData name="Ann Igolkina" userId="4d1b5d7ddf2bbc78" providerId="LiveId" clId="{9BA1C2E2-C1C6-0E41-8DB5-E37CFFBFF203}" dt="2023-09-19T08:56:18.769" v="938" actId="478"/>
+          <ac:picMkLst>
+            <pc:docMk/>
+            <pc:sldMk cId="3329085091" sldId="258"/>
+            <ac:picMk id="55" creationId="{2614A4F6-B409-93D1-AD7B-C7BDC8FB51E0}"/>
           </ac:picMkLst>
         </pc:picChg>
         <pc:picChg chg="add del mod">
@@ -1384,11 +2081,11 @@
           </ac:picMkLst>
         </pc:picChg>
         <pc:picChg chg="add del mod">
-          <ac:chgData name="Ann Igolkina" userId="4d1b5d7ddf2bbc78" providerId="LiveId" clId="{9BA1C2E2-C1C6-0E41-8DB5-E37CFFBFF203}" dt="2023-09-07T14:53:14.989" v="624" actId="478"/>
-          <ac:picMkLst>
-            <pc:docMk/>
-            <pc:sldMk cId="3329085091" sldId="258"/>
-            <ac:picMk id="60" creationId="{527F69A7-0CDE-E042-A9B8-CFC44BB922E2}"/>
+          <ac:chgData name="Ann Igolkina" userId="4d1b5d7ddf2bbc78" providerId="LiveId" clId="{9BA1C2E2-C1C6-0E41-8DB5-E37CFFBFF203}" dt="2023-09-19T10:05:20.935" v="1012" actId="478"/>
+          <ac:picMkLst>
+            <pc:docMk/>
+            <pc:sldMk cId="3329085091" sldId="258"/>
+            <ac:picMk id="59" creationId="{3A426422-3C8D-B59B-F225-F7C1F7B35C26}"/>
           </ac:picMkLst>
         </pc:picChg>
         <pc:picChg chg="add del mod">
@@ -1396,7 +2093,47 @@
           <ac:picMkLst>
             <pc:docMk/>
             <pc:sldMk cId="3329085091" sldId="258"/>
+            <ac:picMk id="60" creationId="{527F69A7-0CDE-E042-A9B8-CFC44BB922E2}"/>
+          </ac:picMkLst>
+        </pc:picChg>
+        <pc:picChg chg="add del mod">
+          <ac:chgData name="Ann Igolkina" userId="4d1b5d7ddf2bbc78" providerId="LiveId" clId="{9BA1C2E2-C1C6-0E41-8DB5-E37CFFBFF203}" dt="2023-09-07T14:53:14.989" v="624" actId="478"/>
+          <ac:picMkLst>
+            <pc:docMk/>
+            <pc:sldMk cId="3329085091" sldId="258"/>
             <ac:picMk id="62" creationId="{AF1F0033-0B53-AB6D-1C84-C007BA3359F2}"/>
+          </ac:picMkLst>
+        </pc:picChg>
+        <pc:picChg chg="add del mod">
+          <ac:chgData name="Ann Igolkina" userId="4d1b5d7ddf2bbc78" providerId="LiveId" clId="{9BA1C2E2-C1C6-0E41-8DB5-E37CFFBFF203}" dt="2023-09-19T10:29:27.778" v="1023" actId="478"/>
+          <ac:picMkLst>
+            <pc:docMk/>
+            <pc:sldMk cId="3329085091" sldId="258"/>
+            <ac:picMk id="67" creationId="{BD3CD230-748D-6C16-8D8C-3DFEF1C49062}"/>
+          </ac:picMkLst>
+        </pc:picChg>
+        <pc:picChg chg="add mod">
+          <ac:chgData name="Ann Igolkina" userId="4d1b5d7ddf2bbc78" providerId="LiveId" clId="{9BA1C2E2-C1C6-0E41-8DB5-E37CFFBFF203}" dt="2023-09-19T10:29:41.070" v="1025" actId="1076"/>
+          <ac:picMkLst>
+            <pc:docMk/>
+            <pc:sldMk cId="3329085091" sldId="258"/>
+            <ac:picMk id="72" creationId="{75F30569-0FB7-17A2-7EDE-A890989CBF11}"/>
+          </ac:picMkLst>
+        </pc:picChg>
+        <pc:picChg chg="add del mod">
+          <ac:chgData name="Ann Igolkina" userId="4d1b5d7ddf2bbc78" providerId="LiveId" clId="{9BA1C2E2-C1C6-0E41-8DB5-E37CFFBFF203}" dt="2023-09-18T19:58:40.187" v="835" actId="478"/>
+          <ac:picMkLst>
+            <pc:docMk/>
+            <pc:sldMk cId="3329085091" sldId="258"/>
+            <ac:picMk id="73" creationId="{30D40069-6898-9526-E4A6-1FE7A698B175}"/>
+          </ac:picMkLst>
+        </pc:picChg>
+        <pc:picChg chg="add del mod">
+          <ac:chgData name="Ann Igolkina" userId="4d1b5d7ddf2bbc78" providerId="LiveId" clId="{9BA1C2E2-C1C6-0E41-8DB5-E37CFFBFF203}" dt="2023-09-19T08:56:29.517" v="940" actId="478"/>
+          <ac:picMkLst>
+            <pc:docMk/>
+            <pc:sldMk cId="3329085091" sldId="258"/>
+            <ac:picMk id="79" creationId="{20FF0025-7750-E42F-9360-0639A1953EB0}"/>
           </ac:picMkLst>
         </pc:picChg>
         <pc:picChg chg="add del">
@@ -1407,10 +2144,2313 @@
             <ac:picMk id="1026" creationId="{EB7C5D73-3ADF-12E6-33E4-BBE640D8A3C4}"/>
           </ac:picMkLst>
         </pc:picChg>
+        <pc:inkChg chg="add mod">
+          <ac:chgData name="Ann Igolkina" userId="4d1b5d7ddf2bbc78" providerId="LiveId" clId="{9BA1C2E2-C1C6-0E41-8DB5-E37CFFBFF203}" dt="2023-09-19T07:21:14.265" v="854"/>
+          <ac:inkMkLst>
+            <pc:docMk/>
+            <pc:sldMk cId="3329085091" sldId="258"/>
+            <ac:inkMk id="2" creationId="{639A4FA7-4C35-8406-D352-9F7D3BF1A026}"/>
+          </ac:inkMkLst>
+        </pc:inkChg>
+        <pc:inkChg chg="add del">
+          <ac:chgData name="Ann Igolkina" userId="4d1b5d7ddf2bbc78" providerId="LiveId" clId="{9BA1C2E2-C1C6-0E41-8DB5-E37CFFBFF203}" dt="2023-09-26T12:15:12.694" v="1219" actId="9405"/>
+          <ac:inkMkLst>
+            <pc:docMk/>
+            <pc:sldMk cId="3329085091" sldId="258"/>
+            <ac:inkMk id="2" creationId="{DEA9863C-EE33-9865-740B-376B7BB431CB}"/>
+          </ac:inkMkLst>
+        </pc:inkChg>
+        <pc:inkChg chg="add del mod">
+          <ac:chgData name="Ann Igolkina" userId="4d1b5d7ddf2bbc78" providerId="LiveId" clId="{9BA1C2E2-C1C6-0E41-8DB5-E37CFFBFF203}" dt="2023-09-26T07:21:13.054" v="1124" actId="9405"/>
+          <ac:inkMkLst>
+            <pc:docMk/>
+            <pc:sldMk cId="3329085091" sldId="258"/>
+            <ac:inkMk id="2" creationId="{ED270166-289A-633F-B3FB-81C7863E72D8}"/>
+          </ac:inkMkLst>
+        </pc:inkChg>
+        <pc:inkChg chg="add mod">
+          <ac:chgData name="Ann Igolkina" userId="4d1b5d7ddf2bbc78" providerId="LiveId" clId="{9BA1C2E2-C1C6-0E41-8DB5-E37CFFBFF203}" dt="2023-09-19T07:21:14.265" v="854"/>
+          <ac:inkMkLst>
+            <pc:docMk/>
+            <pc:sldMk cId="3329085091" sldId="258"/>
+            <ac:inkMk id="5" creationId="{4A4A70BC-D0EE-6995-83CD-3654E9D0656E}"/>
+          </ac:inkMkLst>
+        </pc:inkChg>
+        <pc:inkChg chg="add">
+          <ac:chgData name="Ann Igolkina" userId="4d1b5d7ddf2bbc78" providerId="LiveId" clId="{9BA1C2E2-C1C6-0E41-8DB5-E37CFFBFF203}" dt="2023-09-26T12:15:56.609" v="1220" actId="9405"/>
+          <ac:inkMkLst>
+            <pc:docMk/>
+            <pc:sldMk cId="3329085091" sldId="258"/>
+            <ac:inkMk id="5" creationId="{92DE555D-4C47-57BA-C389-90AC0F68E18F}"/>
+          </ac:inkMkLst>
+        </pc:inkChg>
+        <pc:inkChg chg="add del mod">
+          <ac:chgData name="Ann Igolkina" userId="4d1b5d7ddf2bbc78" providerId="LiveId" clId="{9BA1C2E2-C1C6-0E41-8DB5-E37CFFBFF203}" dt="2023-09-26T07:21:11.435" v="1123"/>
+          <ac:inkMkLst>
+            <pc:docMk/>
+            <pc:sldMk cId="3329085091" sldId="258"/>
+            <ac:inkMk id="5" creationId="{BDB58069-9D5B-1406-4E02-6E59C0EC982C}"/>
+          </ac:inkMkLst>
+        </pc:inkChg>
+        <pc:inkChg chg="add del mod">
+          <ac:chgData name="Ann Igolkina" userId="4d1b5d7ddf2bbc78" providerId="LiveId" clId="{9BA1C2E2-C1C6-0E41-8DB5-E37CFFBFF203}" dt="2023-09-26T12:16:28.985" v="1243" actId="9405"/>
+          <ac:inkMkLst>
+            <pc:docMk/>
+            <pc:sldMk cId="3329085091" sldId="258"/>
+            <ac:inkMk id="6" creationId="{DBEC3E16-BA86-0CDC-4D4F-BC6A9264ECBE}"/>
+          </ac:inkMkLst>
+        </pc:inkChg>
+        <pc:inkChg chg="add del mod">
+          <ac:chgData name="Ann Igolkina" userId="4d1b5d7ddf2bbc78" providerId="LiveId" clId="{9BA1C2E2-C1C6-0E41-8DB5-E37CFFBFF203}" dt="2023-09-26T07:21:11.006" v="1121"/>
+          <ac:inkMkLst>
+            <pc:docMk/>
+            <pc:sldMk cId="3329085091" sldId="258"/>
+            <ac:inkMk id="7" creationId="{41C2D622-B688-2DAF-C0C6-6A84DC9FB3EB}"/>
+          </ac:inkMkLst>
+        </pc:inkChg>
+        <pc:inkChg chg="add mod">
+          <ac:chgData name="Ann Igolkina" userId="4d1b5d7ddf2bbc78" providerId="LiveId" clId="{9BA1C2E2-C1C6-0E41-8DB5-E37CFFBFF203}" dt="2023-09-19T07:21:14.265" v="854"/>
+          <ac:inkMkLst>
+            <pc:docMk/>
+            <pc:sldMk cId="3329085091" sldId="258"/>
+            <ac:inkMk id="7" creationId="{B67B64F4-BA20-DFD9-54DE-AB0F7F5B8345}"/>
+          </ac:inkMkLst>
+        </pc:inkChg>
+        <pc:inkChg chg="add del mod">
+          <ac:chgData name="Ann Igolkina" userId="4d1b5d7ddf2bbc78" providerId="LiveId" clId="{9BA1C2E2-C1C6-0E41-8DB5-E37CFFBFF203}" dt="2023-09-26T12:16:27.711" v="1241"/>
+          <ac:inkMkLst>
+            <pc:docMk/>
+            <pc:sldMk cId="3329085091" sldId="258"/>
+            <ac:inkMk id="7" creationId="{EB659E5D-E071-4F12-D7E1-C062E51415A5}"/>
+          </ac:inkMkLst>
+        </pc:inkChg>
+        <pc:inkChg chg="add">
+          <ac:chgData name="Ann Igolkina" userId="4d1b5d7ddf2bbc78" providerId="LiveId" clId="{9BA1C2E2-C1C6-0E41-8DB5-E37CFFBFF203}" dt="2023-09-26T07:22:07.243" v="1125" actId="9405"/>
+          <ac:inkMkLst>
+            <pc:docMk/>
+            <pc:sldMk cId="3329085091" sldId="258"/>
+            <ac:inkMk id="9" creationId="{05DA83DB-0E31-8F74-1490-4FF6BE0315E9}"/>
+          </ac:inkMkLst>
+        </pc:inkChg>
+        <pc:inkChg chg="add mod">
+          <ac:chgData name="Ann Igolkina" userId="4d1b5d7ddf2bbc78" providerId="LiveId" clId="{9BA1C2E2-C1C6-0E41-8DB5-E37CFFBFF203}" dt="2023-09-19T07:21:14.265" v="854"/>
+          <ac:inkMkLst>
+            <pc:docMk/>
+            <pc:sldMk cId="3329085091" sldId="258"/>
+            <ac:inkMk id="9" creationId="{6D8422E1-7D5F-D4B3-7E34-43F9D93E69CE}"/>
+          </ac:inkMkLst>
+        </pc:inkChg>
+        <pc:inkChg chg="add">
+          <ac:chgData name="Ann Igolkina" userId="4d1b5d7ddf2bbc78" providerId="LiveId" clId="{9BA1C2E2-C1C6-0E41-8DB5-E37CFFBFF203}" dt="2023-09-19T07:21:35.493" v="855" actId="9405"/>
+          <ac:inkMkLst>
+            <pc:docMk/>
+            <pc:sldMk cId="3329085091" sldId="258"/>
+            <ac:inkMk id="12" creationId="{70F2B238-E71E-9929-050F-069D6AC7962A}"/>
+          </ac:inkMkLst>
+        </pc:inkChg>
+        <pc:inkChg chg="add">
+          <ac:chgData name="Ann Igolkina" userId="4d1b5d7ddf2bbc78" providerId="LiveId" clId="{9BA1C2E2-C1C6-0E41-8DB5-E37CFFBFF203}" dt="2023-09-26T07:22:23.469" v="1139" actId="9405"/>
+          <ac:inkMkLst>
+            <pc:docMk/>
+            <pc:sldMk cId="3329085091" sldId="258"/>
+            <ac:inkMk id="14" creationId="{5E42F244-3AFD-2E47-4326-B9CA910CD9B1}"/>
+          </ac:inkMkLst>
+        </pc:inkChg>
+        <pc:inkChg chg="add">
+          <ac:chgData name="Ann Igolkina" userId="4d1b5d7ddf2bbc78" providerId="LiveId" clId="{9BA1C2E2-C1C6-0E41-8DB5-E37CFFBFF203}" dt="2023-09-26T07:22:27.278" v="1140" actId="9405"/>
+          <ac:inkMkLst>
+            <pc:docMk/>
+            <pc:sldMk cId="3329085091" sldId="258"/>
+            <ac:inkMk id="16" creationId="{0EBB8432-7150-6532-5100-781E8C692405}"/>
+          </ac:inkMkLst>
+        </pc:inkChg>
+        <pc:inkChg chg="add">
+          <ac:chgData name="Ann Igolkina" userId="4d1b5d7ddf2bbc78" providerId="LiveId" clId="{9BA1C2E2-C1C6-0E41-8DB5-E37CFFBFF203}" dt="2023-09-26T07:22:29.193" v="1141" actId="9405"/>
+          <ac:inkMkLst>
+            <pc:docMk/>
+            <pc:sldMk cId="3329085091" sldId="258"/>
+            <ac:inkMk id="17" creationId="{5E7AA802-841D-EE2B-CDD6-87940DAB9328}"/>
+          </ac:inkMkLst>
+        </pc:inkChg>
+        <pc:inkChg chg="add">
+          <ac:chgData name="Ann Igolkina" userId="4d1b5d7ddf2bbc78" providerId="LiveId" clId="{9BA1C2E2-C1C6-0E41-8DB5-E37CFFBFF203}" dt="2023-09-26T07:23:09.042" v="1160" actId="9405"/>
+          <ac:inkMkLst>
+            <pc:docMk/>
+            <pc:sldMk cId="3329085091" sldId="258"/>
+            <ac:inkMk id="18" creationId="{B5C0B82C-5960-C161-0C69-B0C76293F1FE}"/>
+          </ac:inkMkLst>
+        </pc:inkChg>
+        <pc:inkChg chg="add">
+          <ac:chgData name="Ann Igolkina" userId="4d1b5d7ddf2bbc78" providerId="LiveId" clId="{9BA1C2E2-C1C6-0E41-8DB5-E37CFFBFF203}" dt="2023-09-26T07:23:14.767" v="1161" actId="9405"/>
+          <ac:inkMkLst>
+            <pc:docMk/>
+            <pc:sldMk cId="3329085091" sldId="258"/>
+            <ac:inkMk id="19" creationId="{504E6B48-39D3-8035-2521-BEE3088791FF}"/>
+          </ac:inkMkLst>
+        </pc:inkChg>
+        <pc:inkChg chg="add mod">
+          <ac:chgData name="Ann Igolkina" userId="4d1b5d7ddf2bbc78" providerId="LiveId" clId="{9BA1C2E2-C1C6-0E41-8DB5-E37CFFBFF203}" dt="2023-09-26T07:28:09.900" v="1217"/>
+          <ac:inkMkLst>
+            <pc:docMk/>
+            <pc:sldMk cId="3329085091" sldId="258"/>
+            <ac:inkMk id="21" creationId="{47952172-02D8-A3F1-55EB-FBB9DC2C683F}"/>
+          </ac:inkMkLst>
+        </pc:inkChg>
+        <pc:inkChg chg="add mod">
+          <ac:chgData name="Ann Igolkina" userId="4d1b5d7ddf2bbc78" providerId="LiveId" clId="{9BA1C2E2-C1C6-0E41-8DB5-E37CFFBFF203}" dt="2023-09-26T07:28:09.900" v="1217"/>
+          <ac:inkMkLst>
+            <pc:docMk/>
+            <pc:sldMk cId="3329085091" sldId="258"/>
+            <ac:inkMk id="22" creationId="{F7EF22D1-BF6D-BB1F-CE73-161836A10E06}"/>
+          </ac:inkMkLst>
+        </pc:inkChg>
+        <pc:inkChg chg="add del mod">
+          <ac:chgData name="Ann Igolkina" userId="4d1b5d7ddf2bbc78" providerId="LiveId" clId="{9BA1C2E2-C1C6-0E41-8DB5-E37CFFBFF203}" dt="2023-09-26T12:16:27.587" v="1239"/>
+          <ac:inkMkLst>
+            <pc:docMk/>
+            <pc:sldMk cId="3329085091" sldId="258"/>
+            <ac:inkMk id="23" creationId="{DEDF55E2-C48F-2F1C-D542-AF208815E81B}"/>
+          </ac:inkMkLst>
+        </pc:inkChg>
+        <pc:inkChg chg="add mod">
+          <ac:chgData name="Ann Igolkina" userId="4d1b5d7ddf2bbc78" providerId="LiveId" clId="{9BA1C2E2-C1C6-0E41-8DB5-E37CFFBFF203}" dt="2023-09-26T07:28:09.900" v="1217"/>
+          <ac:inkMkLst>
+            <pc:docMk/>
+            <pc:sldMk cId="3329085091" sldId="258"/>
+            <ac:inkMk id="24" creationId="{0F949BE6-16A3-291F-1DB4-5C6969402197}"/>
+          </ac:inkMkLst>
+        </pc:inkChg>
+        <pc:inkChg chg="add mod">
+          <ac:chgData name="Ann Igolkina" userId="4d1b5d7ddf2bbc78" providerId="LiveId" clId="{9BA1C2E2-C1C6-0E41-8DB5-E37CFFBFF203}" dt="2023-09-26T07:28:09.900" v="1217"/>
+          <ac:inkMkLst>
+            <pc:docMk/>
+            <pc:sldMk cId="3329085091" sldId="258"/>
+            <ac:inkMk id="25" creationId="{DF188CD3-6EAE-6CB3-F257-A4E86673C142}"/>
+          </ac:inkMkLst>
+        </pc:inkChg>
+        <pc:inkChg chg="add del">
+          <ac:chgData name="Ann Igolkina" userId="4d1b5d7ddf2bbc78" providerId="LiveId" clId="{9BA1C2E2-C1C6-0E41-8DB5-E37CFFBFF203}" dt="2023-09-18T18:48:22.179" v="720" actId="9405"/>
+          <ac:inkMkLst>
+            <pc:docMk/>
+            <pc:sldMk cId="3329085091" sldId="258"/>
+            <ac:inkMk id="26" creationId="{86C6E84E-01BA-D19A-16A6-16DD3C14413A}"/>
+          </ac:inkMkLst>
+        </pc:inkChg>
+        <pc:inkChg chg="add del">
+          <ac:chgData name="Ann Igolkina" userId="4d1b5d7ddf2bbc78" providerId="LiveId" clId="{9BA1C2E2-C1C6-0E41-8DB5-E37CFFBFF203}" dt="2023-09-19T08:52:32.897" v="916" actId="478"/>
+          <ac:inkMkLst>
+            <pc:docMk/>
+            <pc:sldMk cId="3329085091" sldId="258"/>
+            <ac:inkMk id="27" creationId="{27A66713-2F89-1061-9BDE-F7F126EC6A50}"/>
+          </ac:inkMkLst>
+        </pc:inkChg>
+        <pc:inkChg chg="add mod">
+          <ac:chgData name="Ann Igolkina" userId="4d1b5d7ddf2bbc78" providerId="LiveId" clId="{9BA1C2E2-C1C6-0E41-8DB5-E37CFFBFF203}" dt="2023-09-26T07:28:09.900" v="1217"/>
+          <ac:inkMkLst>
+            <pc:docMk/>
+            <pc:sldMk cId="3329085091" sldId="258"/>
+            <ac:inkMk id="27" creationId="{7FE62DBA-6FFA-A22F-F32E-0D513226E7EF}"/>
+          </ac:inkMkLst>
+        </pc:inkChg>
+        <pc:inkChg chg="add mod">
+          <ac:chgData name="Ann Igolkina" userId="4d1b5d7ddf2bbc78" providerId="LiveId" clId="{9BA1C2E2-C1C6-0E41-8DB5-E37CFFBFF203}" dt="2023-09-26T07:28:09.900" v="1217"/>
+          <ac:inkMkLst>
+            <pc:docMk/>
+            <pc:sldMk cId="3329085091" sldId="258"/>
+            <ac:inkMk id="28" creationId="{0A7B6E20-BE35-9151-3BB1-585E1E2BEDCE}"/>
+          </ac:inkMkLst>
+        </pc:inkChg>
+        <pc:inkChg chg="add del">
+          <ac:chgData name="Ann Igolkina" userId="4d1b5d7ddf2bbc78" providerId="LiveId" clId="{9BA1C2E2-C1C6-0E41-8DB5-E37CFFBFF203}" dt="2023-09-19T08:52:32.897" v="916" actId="478"/>
+          <ac:inkMkLst>
+            <pc:docMk/>
+            <pc:sldMk cId="3329085091" sldId="258"/>
+            <ac:inkMk id="28" creationId="{56C887B9-71FE-BFE6-978E-CCFD7AFAAC20}"/>
+          </ac:inkMkLst>
+        </pc:inkChg>
+        <pc:inkChg chg="add del">
+          <ac:chgData name="Ann Igolkina" userId="4d1b5d7ddf2bbc78" providerId="LiveId" clId="{9BA1C2E2-C1C6-0E41-8DB5-E37CFFBFF203}" dt="2023-09-19T08:52:32.897" v="916" actId="478"/>
+          <ac:inkMkLst>
+            <pc:docMk/>
+            <pc:sldMk cId="3329085091" sldId="258"/>
+            <ac:inkMk id="29" creationId="{32EE99DE-6193-AD2F-CFC8-F5A21939418D}"/>
+          </ac:inkMkLst>
+        </pc:inkChg>
+        <pc:inkChg chg="add del mod">
+          <ac:chgData name="Ann Igolkina" userId="4d1b5d7ddf2bbc78" providerId="LiveId" clId="{9BA1C2E2-C1C6-0E41-8DB5-E37CFFBFF203}" dt="2023-09-26T12:16:27.036" v="1237"/>
+          <ac:inkMkLst>
+            <pc:docMk/>
+            <pc:sldMk cId="3329085091" sldId="258"/>
+            <ac:inkMk id="29" creationId="{F7C6F139-85A0-A117-FD8D-B8ECEC847A82}"/>
+          </ac:inkMkLst>
+        </pc:inkChg>
+        <pc:inkChg chg="add mod">
+          <ac:chgData name="Ann Igolkina" userId="4d1b5d7ddf2bbc78" providerId="LiveId" clId="{9BA1C2E2-C1C6-0E41-8DB5-E37CFFBFF203}" dt="2023-09-26T07:28:09.900" v="1217"/>
+          <ac:inkMkLst>
+            <pc:docMk/>
+            <pc:sldMk cId="3329085091" sldId="258"/>
+            <ac:inkMk id="30" creationId="{0A63D2F6-00AB-F2BF-93CC-0BBDF61E4B87}"/>
+          </ac:inkMkLst>
+        </pc:inkChg>
+        <pc:inkChg chg="add del">
+          <ac:chgData name="Ann Igolkina" userId="4d1b5d7ddf2bbc78" providerId="LiveId" clId="{9BA1C2E2-C1C6-0E41-8DB5-E37CFFBFF203}" dt="2023-09-19T08:52:32.897" v="916" actId="478"/>
+          <ac:inkMkLst>
+            <pc:docMk/>
+            <pc:sldMk cId="3329085091" sldId="258"/>
+            <ac:inkMk id="30" creationId="{5687B715-9D22-623C-EAC1-A99FE934DA74}"/>
+          </ac:inkMkLst>
+        </pc:inkChg>
+        <pc:inkChg chg="add del">
+          <ac:chgData name="Ann Igolkina" userId="4d1b5d7ddf2bbc78" providerId="LiveId" clId="{9BA1C2E2-C1C6-0E41-8DB5-E37CFFBFF203}" dt="2023-09-19T08:52:32.897" v="916" actId="478"/>
+          <ac:inkMkLst>
+            <pc:docMk/>
+            <pc:sldMk cId="3329085091" sldId="258"/>
+            <ac:inkMk id="31" creationId="{8F00653A-6090-49AE-662F-CBBDD2C2EDE7}"/>
+          </ac:inkMkLst>
+        </pc:inkChg>
+        <pc:inkChg chg="add mod">
+          <ac:chgData name="Ann Igolkina" userId="4d1b5d7ddf2bbc78" providerId="LiveId" clId="{9BA1C2E2-C1C6-0E41-8DB5-E37CFFBFF203}" dt="2023-09-26T07:28:09.900" v="1217"/>
+          <ac:inkMkLst>
+            <pc:docMk/>
+            <pc:sldMk cId="3329085091" sldId="258"/>
+            <ac:inkMk id="33" creationId="{63EC90BA-429F-E573-8DCC-B88930F64AA1}"/>
+          </ac:inkMkLst>
+        </pc:inkChg>
+        <pc:inkChg chg="add del">
+          <ac:chgData name="Ann Igolkina" userId="4d1b5d7ddf2bbc78" providerId="LiveId" clId="{9BA1C2E2-C1C6-0E41-8DB5-E37CFFBFF203}" dt="2023-09-18T18:48:50.608" v="727" actId="9405"/>
+          <ac:inkMkLst>
+            <pc:docMk/>
+            <pc:sldMk cId="3329085091" sldId="258"/>
+            <ac:inkMk id="33" creationId="{85F541C1-903E-4A2B-F141-803B56A8CB54}"/>
+          </ac:inkMkLst>
+        </pc:inkChg>
+        <pc:inkChg chg="add mod">
+          <ac:chgData name="Ann Igolkina" userId="4d1b5d7ddf2bbc78" providerId="LiveId" clId="{9BA1C2E2-C1C6-0E41-8DB5-E37CFFBFF203}" dt="2023-09-26T07:28:09.900" v="1217"/>
+          <ac:inkMkLst>
+            <pc:docMk/>
+            <pc:sldMk cId="3329085091" sldId="258"/>
+            <ac:inkMk id="34" creationId="{2FE7C504-02EA-3B80-B425-7727762F1683}"/>
+          </ac:inkMkLst>
+        </pc:inkChg>
+        <pc:inkChg chg="add del">
+          <ac:chgData name="Ann Igolkina" userId="4d1b5d7ddf2bbc78" providerId="LiveId" clId="{9BA1C2E2-C1C6-0E41-8DB5-E37CFFBFF203}" dt="2023-09-19T08:52:32.897" v="916" actId="478"/>
+          <ac:inkMkLst>
+            <pc:docMk/>
+            <pc:sldMk cId="3329085091" sldId="258"/>
+            <ac:inkMk id="34" creationId="{63490434-5E26-3EF3-7D1A-03F55AD12817}"/>
+          </ac:inkMkLst>
+        </pc:inkChg>
+        <pc:inkChg chg="add del">
+          <ac:chgData name="Ann Igolkina" userId="4d1b5d7ddf2bbc78" providerId="LiveId" clId="{9BA1C2E2-C1C6-0E41-8DB5-E37CFFBFF203}" dt="2023-09-19T08:52:32.897" v="916" actId="478"/>
+          <ac:inkMkLst>
+            <pc:docMk/>
+            <pc:sldMk cId="3329085091" sldId="258"/>
+            <ac:inkMk id="35" creationId="{A41220BD-3029-231F-A6D5-3E9C594F305D}"/>
+          </ac:inkMkLst>
+        </pc:inkChg>
+        <pc:inkChg chg="add mod">
+          <ac:chgData name="Ann Igolkina" userId="4d1b5d7ddf2bbc78" providerId="LiveId" clId="{9BA1C2E2-C1C6-0E41-8DB5-E37CFFBFF203}" dt="2023-09-26T12:16:56.836" v="1253" actId="1076"/>
+          <ac:inkMkLst>
+            <pc:docMk/>
+            <pc:sldMk cId="3329085091" sldId="258"/>
+            <ac:inkMk id="35" creationId="{D6805F6D-B0EC-E159-E275-BF047E9F299E}"/>
+          </ac:inkMkLst>
+        </pc:inkChg>
+        <pc:inkChg chg="add del mod">
+          <ac:chgData name="Ann Igolkina" userId="4d1b5d7ddf2bbc78" providerId="LiveId" clId="{9BA1C2E2-C1C6-0E41-8DB5-E37CFFBFF203}" dt="2023-09-26T12:16:26.804" v="1235" actId="9405"/>
+          <ac:inkMkLst>
+            <pc:docMk/>
+            <pc:sldMk cId="3329085091" sldId="258"/>
+            <ac:inkMk id="36" creationId="{AD50A38E-7957-3770-7D9D-9C7B3EF0E9B7}"/>
+          </ac:inkMkLst>
+        </pc:inkChg>
+        <pc:inkChg chg="add del">
+          <ac:chgData name="Ann Igolkina" userId="4d1b5d7ddf2bbc78" providerId="LiveId" clId="{9BA1C2E2-C1C6-0E41-8DB5-E37CFFBFF203}" dt="2023-09-19T08:52:32.897" v="916" actId="478"/>
+          <ac:inkMkLst>
+            <pc:docMk/>
+            <pc:sldMk cId="3329085091" sldId="258"/>
+            <ac:inkMk id="36" creationId="{EBD52D6E-241F-F77D-A0A7-2BA9CE684343}"/>
+          </ac:inkMkLst>
+        </pc:inkChg>
+        <pc:inkChg chg="add del">
+          <ac:chgData name="Ann Igolkina" userId="4d1b5d7ddf2bbc78" providerId="LiveId" clId="{9BA1C2E2-C1C6-0E41-8DB5-E37CFFBFF203}" dt="2023-09-19T08:52:32.897" v="916" actId="478"/>
+          <ac:inkMkLst>
+            <pc:docMk/>
+            <pc:sldMk cId="3329085091" sldId="258"/>
+            <ac:inkMk id="37" creationId="{A9F2899A-C37E-14E7-A810-6150D8946A10}"/>
+          </ac:inkMkLst>
+        </pc:inkChg>
+        <pc:inkChg chg="add mod">
+          <ac:chgData name="Ann Igolkina" userId="4d1b5d7ddf2bbc78" providerId="LiveId" clId="{9BA1C2E2-C1C6-0E41-8DB5-E37CFFBFF203}" dt="2023-09-26T07:28:09.900" v="1217"/>
+          <ac:inkMkLst>
+            <pc:docMk/>
+            <pc:sldMk cId="3329085091" sldId="258"/>
+            <ac:inkMk id="37" creationId="{D3DA804A-9754-F3A1-660C-680223F1F029}"/>
+          </ac:inkMkLst>
+        </pc:inkChg>
+        <pc:inkChg chg="add del">
+          <ac:chgData name="Ann Igolkina" userId="4d1b5d7ddf2bbc78" providerId="LiveId" clId="{9BA1C2E2-C1C6-0E41-8DB5-E37CFFBFF203}" dt="2023-09-18T19:00:37.740" v="733" actId="9405"/>
+          <ac:inkMkLst>
+            <pc:docMk/>
+            <pc:sldMk cId="3329085091" sldId="258"/>
+            <ac:inkMk id="38" creationId="{EE4ADDE0-7D2B-7D45-7C9D-D2E9333D9AFC}"/>
+          </ac:inkMkLst>
+        </pc:inkChg>
+        <pc:inkChg chg="add mod">
+          <ac:chgData name="Ann Igolkina" userId="4d1b5d7ddf2bbc78" providerId="LiveId" clId="{9BA1C2E2-C1C6-0E41-8DB5-E37CFFBFF203}" dt="2023-09-26T07:28:09.900" v="1217"/>
+          <ac:inkMkLst>
+            <pc:docMk/>
+            <pc:sldMk cId="3329085091" sldId="258"/>
+            <ac:inkMk id="38" creationId="{F1EAB231-DB74-DF8E-9A47-CC84FD0F05C8}"/>
+          </ac:inkMkLst>
+        </pc:inkChg>
+        <pc:inkChg chg="add del mod">
+          <ac:chgData name="Ann Igolkina" userId="4d1b5d7ddf2bbc78" providerId="LiveId" clId="{9BA1C2E2-C1C6-0E41-8DB5-E37CFFBFF203}" dt="2023-09-26T12:16:26.693" v="1234" actId="9405"/>
+          <ac:inkMkLst>
+            <pc:docMk/>
+            <pc:sldMk cId="3329085091" sldId="258"/>
+            <ac:inkMk id="39" creationId="{6D86CB08-E0DD-A571-2DC1-F0C4108A93BA}"/>
+          </ac:inkMkLst>
+        </pc:inkChg>
+        <pc:inkChg chg="add">
+          <ac:chgData name="Ann Igolkina" userId="4d1b5d7ddf2bbc78" providerId="LiveId" clId="{9BA1C2E2-C1C6-0E41-8DB5-E37CFFBFF203}" dt="2023-09-26T07:25:57.993" v="1211" actId="9405"/>
+          <ac:inkMkLst>
+            <pc:docMk/>
+            <pc:sldMk cId="3329085091" sldId="258"/>
+            <ac:inkMk id="40" creationId="{239AA63F-6856-CEB6-04D5-6FCD40555E6A}"/>
+          </ac:inkMkLst>
+        </pc:inkChg>
+        <pc:inkChg chg="add">
+          <ac:chgData name="Ann Igolkina" userId="4d1b5d7ddf2bbc78" providerId="LiveId" clId="{9BA1C2E2-C1C6-0E41-8DB5-E37CFFBFF203}" dt="2023-09-26T07:27:07.643" v="1212" actId="9405"/>
+          <ac:inkMkLst>
+            <pc:docMk/>
+            <pc:sldMk cId="3329085091" sldId="258"/>
+            <ac:inkMk id="41" creationId="{47E3324E-817B-614C-0848-8EA3619C46A3}"/>
+          </ac:inkMkLst>
+        </pc:inkChg>
+        <pc:inkChg chg="add">
+          <ac:chgData name="Ann Igolkina" userId="4d1b5d7ddf2bbc78" providerId="LiveId" clId="{9BA1C2E2-C1C6-0E41-8DB5-E37CFFBFF203}" dt="2023-09-26T07:27:11.174" v="1213" actId="9405"/>
+          <ac:inkMkLst>
+            <pc:docMk/>
+            <pc:sldMk cId="3329085091" sldId="258"/>
+            <ac:inkMk id="42" creationId="{B2713B7E-A7F5-7151-94CF-F30E458E668A}"/>
+          </ac:inkMkLst>
+        </pc:inkChg>
+        <pc:inkChg chg="add">
+          <ac:chgData name="Ann Igolkina" userId="4d1b5d7ddf2bbc78" providerId="LiveId" clId="{9BA1C2E2-C1C6-0E41-8DB5-E37CFFBFF203}" dt="2023-09-26T07:27:13.813" v="1214" actId="9405"/>
+          <ac:inkMkLst>
+            <pc:docMk/>
+            <pc:sldMk cId="3329085091" sldId="258"/>
+            <ac:inkMk id="44" creationId="{E8EBDCCE-8117-434A-3087-1FD68BEB29F1}"/>
+          </ac:inkMkLst>
+        </pc:inkChg>
+        <pc:inkChg chg="add">
+          <ac:chgData name="Ann Igolkina" userId="4d1b5d7ddf2bbc78" providerId="LiveId" clId="{9BA1C2E2-C1C6-0E41-8DB5-E37CFFBFF203}" dt="2023-09-26T07:27:22.257" v="1215" actId="9405"/>
+          <ac:inkMkLst>
+            <pc:docMk/>
+            <pc:sldMk cId="3329085091" sldId="258"/>
+            <ac:inkMk id="45" creationId="{4620DADF-7CF8-E3E1-BB63-3D9160D7CD84}"/>
+          </ac:inkMkLst>
+        </pc:inkChg>
+        <pc:inkChg chg="add mod">
+          <ac:chgData name="Ann Igolkina" userId="4d1b5d7ddf2bbc78" providerId="LiveId" clId="{9BA1C2E2-C1C6-0E41-8DB5-E37CFFBFF203}" dt="2023-09-26T07:28:09.900" v="1217"/>
+          <ac:inkMkLst>
+            <pc:docMk/>
+            <pc:sldMk cId="3329085091" sldId="258"/>
+            <ac:inkMk id="46" creationId="{D42C66D2-1757-2A9F-72DD-FA858497A6A9}"/>
+          </ac:inkMkLst>
+        </pc:inkChg>
+        <pc:inkChg chg="add del mod">
+          <ac:chgData name="Ann Igolkina" userId="4d1b5d7ddf2bbc78" providerId="LiveId" clId="{9BA1C2E2-C1C6-0E41-8DB5-E37CFFBFF203}" dt="2023-09-26T12:16:26.570" v="1233"/>
+          <ac:inkMkLst>
+            <pc:docMk/>
+            <pc:sldMk cId="3329085091" sldId="258"/>
+            <ac:inkMk id="48" creationId="{09621D22-AF56-5BE0-0C91-BBB36B1784BA}"/>
+          </ac:inkMkLst>
+        </pc:inkChg>
+        <pc:inkChg chg="add del">
+          <ac:chgData name="Ann Igolkina" userId="4d1b5d7ddf2bbc78" providerId="LiveId" clId="{9BA1C2E2-C1C6-0E41-8DB5-E37CFFBFF203}" dt="2023-09-26T12:17:52.069" v="1268" actId="9405"/>
+          <ac:inkMkLst>
+            <pc:docMk/>
+            <pc:sldMk cId="3329085091" sldId="258"/>
+            <ac:inkMk id="52" creationId="{8C2710FD-FB6D-1F68-A9AF-20EE5588FD93}"/>
+          </ac:inkMkLst>
+        </pc:inkChg>
+        <pc:inkChg chg="add del mod">
+          <ac:chgData name="Ann Igolkina" userId="4d1b5d7ddf2bbc78" providerId="LiveId" clId="{9BA1C2E2-C1C6-0E41-8DB5-E37CFFBFF203}" dt="2023-09-26T12:17:50.930" v="1266" actId="9405"/>
+          <ac:inkMkLst>
+            <pc:docMk/>
+            <pc:sldMk cId="3329085091" sldId="258"/>
+            <ac:inkMk id="53" creationId="{72774939-9EF5-3184-1304-6D8753079C4E}"/>
+          </ac:inkMkLst>
+        </pc:inkChg>
+        <pc:inkChg chg="add del mod">
+          <ac:chgData name="Ann Igolkina" userId="4d1b5d7ddf2bbc78" providerId="LiveId" clId="{9BA1C2E2-C1C6-0E41-8DB5-E37CFFBFF203}" dt="2023-09-26T12:17:50.463" v="1265" actId="9405"/>
+          <ac:inkMkLst>
+            <pc:docMk/>
+            <pc:sldMk cId="3329085091" sldId="258"/>
+            <ac:inkMk id="54" creationId="{A5D05651-D6B9-F2FE-6B91-816A5C836A08}"/>
+          </ac:inkMkLst>
+        </pc:inkChg>
+        <pc:inkChg chg="add del mod">
+          <ac:chgData name="Ann Igolkina" userId="4d1b5d7ddf2bbc78" providerId="LiveId" clId="{9BA1C2E2-C1C6-0E41-8DB5-E37CFFBFF203}" dt="2023-09-26T12:17:49.996" v="1264"/>
+          <ac:inkMkLst>
+            <pc:docMk/>
+            <pc:sldMk cId="3329085091" sldId="258"/>
+            <ac:inkMk id="55" creationId="{EB11721D-AE78-D242-FA40-9410CAAD3992}"/>
+          </ac:inkMkLst>
+        </pc:inkChg>
+        <pc:inkChg chg="add mod">
+          <ac:chgData name="Ann Igolkina" userId="4d1b5d7ddf2bbc78" providerId="LiveId" clId="{9BA1C2E2-C1C6-0E41-8DB5-E37CFFBFF203}" dt="2023-09-18T19:34:58.147" v="804"/>
+          <ac:inkMkLst>
+            <pc:docMk/>
+            <pc:sldMk cId="3329085091" sldId="258"/>
+            <ac:inkMk id="56" creationId="{205A1EEE-9411-E660-D458-26C7C6152095}"/>
+          </ac:inkMkLst>
+        </pc:inkChg>
+        <pc:inkChg chg="add mod">
+          <ac:chgData name="Ann Igolkina" userId="4d1b5d7ddf2bbc78" providerId="LiveId" clId="{9BA1C2E2-C1C6-0E41-8DB5-E37CFFBFF203}" dt="2023-09-18T19:34:58.147" v="804"/>
+          <ac:inkMkLst>
+            <pc:docMk/>
+            <pc:sldMk cId="3329085091" sldId="258"/>
+            <ac:inkMk id="57" creationId="{102D44DD-D245-6148-7F49-A93A4C17F531}"/>
+          </ac:inkMkLst>
+        </pc:inkChg>
+        <pc:inkChg chg="add del mod">
+          <ac:chgData name="Ann Igolkina" userId="4d1b5d7ddf2bbc78" providerId="LiveId" clId="{9BA1C2E2-C1C6-0E41-8DB5-E37CFFBFF203}" dt="2023-09-26T12:17:49.895" v="1262"/>
+          <ac:inkMkLst>
+            <pc:docMk/>
+            <pc:sldMk cId="3329085091" sldId="258"/>
+            <ac:inkMk id="57" creationId="{48BACE93-5264-10B8-9702-4CD7128EF6EB}"/>
+          </ac:inkMkLst>
+        </pc:inkChg>
+        <pc:inkChg chg="add del">
+          <ac:chgData name="Ann Igolkina" userId="4d1b5d7ddf2bbc78" providerId="LiveId" clId="{9BA1C2E2-C1C6-0E41-8DB5-E37CFFBFF203}" dt="2023-09-18T19:35:29.321" v="806" actId="9405"/>
+          <ac:inkMkLst>
+            <pc:docMk/>
+            <pc:sldMk cId="3329085091" sldId="258"/>
+            <ac:inkMk id="59" creationId="{70069A5A-8859-E6C6-01B8-95D28DD13409}"/>
+          </ac:inkMkLst>
+        </pc:inkChg>
+        <pc:inkChg chg="add del mod">
+          <ac:chgData name="Ann Igolkina" userId="4d1b5d7ddf2bbc78" providerId="LiveId" clId="{9BA1C2E2-C1C6-0E41-8DB5-E37CFFBFF203}" dt="2023-09-26T12:18:32.492" v="1288"/>
+          <ac:inkMkLst>
+            <pc:docMk/>
+            <pc:sldMk cId="3329085091" sldId="258"/>
+            <ac:inkMk id="60" creationId="{0EAB620B-6500-D3A5-91CC-44E52A4A98E4}"/>
+          </ac:inkMkLst>
+        </pc:inkChg>
+        <pc:inkChg chg="add mod">
+          <ac:chgData name="Ann Igolkina" userId="4d1b5d7ddf2bbc78" providerId="LiveId" clId="{9BA1C2E2-C1C6-0E41-8DB5-E37CFFBFF203}" dt="2023-09-18T19:35:32.405" v="809"/>
+          <ac:inkMkLst>
+            <pc:docMk/>
+            <pc:sldMk cId="3329085091" sldId="258"/>
+            <ac:inkMk id="60" creationId="{4D54025A-D92E-9AAE-F4D1-37E0D394BCDE}"/>
+          </ac:inkMkLst>
+        </pc:inkChg>
+        <pc:inkChg chg="add">
+          <ac:chgData name="Ann Igolkina" userId="4d1b5d7ddf2bbc78" providerId="LiveId" clId="{9BA1C2E2-C1C6-0E41-8DB5-E37CFFBFF203}" dt="2023-09-26T12:20:01.621" v="1292" actId="9405"/>
+          <ac:inkMkLst>
+            <pc:docMk/>
+            <pc:sldMk cId="3329085091" sldId="258"/>
+            <ac:inkMk id="61" creationId="{6BA87B59-5ACB-9A8E-2D1A-0B209B975848}"/>
+          </ac:inkMkLst>
+        </pc:inkChg>
+        <pc:inkChg chg="add mod">
+          <ac:chgData name="Ann Igolkina" userId="4d1b5d7ddf2bbc78" providerId="LiveId" clId="{9BA1C2E2-C1C6-0E41-8DB5-E37CFFBFF203}" dt="2023-09-18T19:35:32.405" v="809"/>
+          <ac:inkMkLst>
+            <pc:docMk/>
+            <pc:sldMk cId="3329085091" sldId="258"/>
+            <ac:inkMk id="61" creationId="{BB207F5A-F56A-837C-6B5A-3E27E5C651CD}"/>
+          </ac:inkMkLst>
+        </pc:inkChg>
+        <pc:inkChg chg="add">
+          <ac:chgData name="Ann Igolkina" userId="4d1b5d7ddf2bbc78" providerId="LiveId" clId="{9BA1C2E2-C1C6-0E41-8DB5-E37CFFBFF203}" dt="2023-09-26T12:20:05.753" v="1293" actId="9405"/>
+          <ac:inkMkLst>
+            <pc:docMk/>
+            <pc:sldMk cId="3329085091" sldId="258"/>
+            <ac:inkMk id="62" creationId="{E4298024-7A25-408C-CE7C-0C51EA5BD125}"/>
+          </ac:inkMkLst>
+        </pc:inkChg>
+        <pc:inkChg chg="add mod">
+          <ac:chgData name="Ann Igolkina" userId="4d1b5d7ddf2bbc78" providerId="LiveId" clId="{9BA1C2E2-C1C6-0E41-8DB5-E37CFFBFF203}" dt="2023-09-18T19:35:35.546" v="812"/>
+          <ac:inkMkLst>
+            <pc:docMk/>
+            <pc:sldMk cId="3329085091" sldId="258"/>
+            <ac:inkMk id="63" creationId="{A042DB95-6342-D9F4-0B00-EAF0586BA260}"/>
+          </ac:inkMkLst>
+        </pc:inkChg>
+        <pc:inkChg chg="add mod">
+          <ac:chgData name="Ann Igolkina" userId="4d1b5d7ddf2bbc78" providerId="LiveId" clId="{9BA1C2E2-C1C6-0E41-8DB5-E37CFFBFF203}" dt="2023-09-18T19:35:35.546" v="812"/>
+          <ac:inkMkLst>
+            <pc:docMk/>
+            <pc:sldMk cId="3329085091" sldId="258"/>
+            <ac:inkMk id="64" creationId="{E53828DD-E8E7-28F3-C7D6-40EAEFEC400A}"/>
+          </ac:inkMkLst>
+        </pc:inkChg>
+        <pc:inkChg chg="add del">
+          <ac:chgData name="Ann Igolkina" userId="4d1b5d7ddf2bbc78" providerId="LiveId" clId="{9BA1C2E2-C1C6-0E41-8DB5-E37CFFBFF203}" dt="2023-09-18T19:35:38.438" v="816" actId="9405"/>
+          <ac:inkMkLst>
+            <pc:docMk/>
+            <pc:sldMk cId="3329085091" sldId="258"/>
+            <ac:inkMk id="66" creationId="{F1808767-A08A-F555-72ED-944E0731686C}"/>
+          </ac:inkMkLst>
+        </pc:inkChg>
+        <pc:inkChg chg="add del">
+          <ac:chgData name="Ann Igolkina" userId="4d1b5d7ddf2bbc78" providerId="LiveId" clId="{9BA1C2E2-C1C6-0E41-8DB5-E37CFFBFF203}" dt="2023-09-18T19:35:37.525" v="815" actId="9405"/>
+          <ac:inkMkLst>
+            <pc:docMk/>
+            <pc:sldMk cId="3329085091" sldId="258"/>
+            <ac:inkMk id="67" creationId="{46BE4C80-1F3D-F94D-FA0C-A9D7D10EB621}"/>
+          </ac:inkMkLst>
+        </pc:inkChg>
+        <pc:inkChg chg="add del">
+          <ac:chgData name="Ann Igolkina" userId="4d1b5d7ddf2bbc78" providerId="LiveId" clId="{9BA1C2E2-C1C6-0E41-8DB5-E37CFFBFF203}" dt="2023-09-18T19:35:40.148" v="818" actId="9405"/>
+          <ac:inkMkLst>
+            <pc:docMk/>
+            <pc:sldMk cId="3329085091" sldId="258"/>
+            <ac:inkMk id="68" creationId="{732D509B-641E-45D3-1EDF-00B256CB0EC9}"/>
+          </ac:inkMkLst>
+        </pc:inkChg>
+        <pc:inkChg chg="add mod">
+          <ac:chgData name="Ann Igolkina" userId="4d1b5d7ddf2bbc78" providerId="LiveId" clId="{9BA1C2E2-C1C6-0E41-8DB5-E37CFFBFF203}" dt="2023-09-18T19:35:43.948" v="821"/>
+          <ac:inkMkLst>
+            <pc:docMk/>
+            <pc:sldMk cId="3329085091" sldId="258"/>
+            <ac:inkMk id="69" creationId="{5A1078F5-0DB9-2473-8D8E-C7178ED22146}"/>
+          </ac:inkMkLst>
+        </pc:inkChg>
+        <pc:inkChg chg="add mod">
+          <ac:chgData name="Ann Igolkina" userId="4d1b5d7ddf2bbc78" providerId="LiveId" clId="{9BA1C2E2-C1C6-0E41-8DB5-E37CFFBFF203}" dt="2023-09-18T19:35:43.948" v="821"/>
+          <ac:inkMkLst>
+            <pc:docMk/>
+            <pc:sldMk cId="3329085091" sldId="258"/>
+            <ac:inkMk id="70" creationId="{E8566799-5A8F-D1E6-9462-3608B132D903}"/>
+          </ac:inkMkLst>
+        </pc:inkChg>
+        <pc:inkChg chg="add del">
+          <ac:chgData name="Ann Igolkina" userId="4d1b5d7ddf2bbc78" providerId="LiveId" clId="{9BA1C2E2-C1C6-0E41-8DB5-E37CFFBFF203}" dt="2023-09-18T19:44:54.156" v="824" actId="9405"/>
+          <ac:inkMkLst>
+            <pc:docMk/>
+            <pc:sldMk cId="3329085091" sldId="258"/>
+            <ac:inkMk id="74" creationId="{3069B3A8-3EA1-E8FD-5EC0-AB9676107FBC}"/>
+          </ac:inkMkLst>
+        </pc:inkChg>
+        <pc:inkChg chg="add mod">
+          <ac:chgData name="Ann Igolkina" userId="4d1b5d7ddf2bbc78" providerId="LiveId" clId="{9BA1C2E2-C1C6-0E41-8DB5-E37CFFBFF203}" dt="2023-09-18T19:47:17.615" v="830"/>
+          <ac:inkMkLst>
+            <pc:docMk/>
+            <pc:sldMk cId="3329085091" sldId="258"/>
+            <ac:inkMk id="75" creationId="{E6B292FD-D17F-6618-AD6C-327ED3CCF1AD}"/>
+          </ac:inkMkLst>
+        </pc:inkChg>
+        <pc:inkChg chg="add mod">
+          <ac:chgData name="Ann Igolkina" userId="4d1b5d7ddf2bbc78" providerId="LiveId" clId="{9BA1C2E2-C1C6-0E41-8DB5-E37CFFBFF203}" dt="2023-09-18T19:47:17.615" v="830"/>
+          <ac:inkMkLst>
+            <pc:docMk/>
+            <pc:sldMk cId="3329085091" sldId="258"/>
+            <ac:inkMk id="76" creationId="{1C650D6C-41B3-45B2-0033-F9CD08B3D40B}"/>
+          </ac:inkMkLst>
+        </pc:inkChg>
+      </pc:sldChg>
+      <pc:sldChg chg="addSp delSp modSp new mod">
+        <pc:chgData name="Ann Igolkina" userId="4d1b5d7ddf2bbc78" providerId="LiveId" clId="{9BA1C2E2-C1C6-0E41-8DB5-E37CFFBFF203}" dt="2023-09-18T14:19:03.303" v="651"/>
+        <pc:sldMkLst>
+          <pc:docMk/>
+          <pc:sldMk cId="3839781994" sldId="259"/>
+        </pc:sldMkLst>
+        <pc:grpChg chg="mod">
+          <ac:chgData name="Ann Igolkina" userId="4d1b5d7ddf2bbc78" providerId="LiveId" clId="{9BA1C2E2-C1C6-0E41-8DB5-E37CFFBFF203}" dt="2023-09-18T14:17:33.888" v="633"/>
+          <ac:grpSpMkLst>
+            <pc:docMk/>
+            <pc:sldMk cId="3839781994" sldId="259"/>
+            <ac:grpSpMk id="5" creationId="{CDAAE080-CCB4-BCCB-67C8-75F4BE603F36}"/>
+          </ac:grpSpMkLst>
+        </pc:grpChg>
+        <pc:grpChg chg="mod">
+          <ac:chgData name="Ann Igolkina" userId="4d1b5d7ddf2bbc78" providerId="LiveId" clId="{9BA1C2E2-C1C6-0E41-8DB5-E37CFFBFF203}" dt="2023-09-18T14:17:40.292" v="637"/>
+          <ac:grpSpMkLst>
+            <pc:docMk/>
+            <pc:sldMk cId="3839781994" sldId="259"/>
+            <ac:grpSpMk id="9" creationId="{1521F520-039E-78F7-CDA2-9F88630E03BC}"/>
+          </ac:grpSpMkLst>
+        </pc:grpChg>
+        <pc:grpChg chg="mod">
+          <ac:chgData name="Ann Igolkina" userId="4d1b5d7ddf2bbc78" providerId="LiveId" clId="{9BA1C2E2-C1C6-0E41-8DB5-E37CFFBFF203}" dt="2023-09-18T14:18:10.716" v="640"/>
+          <ac:grpSpMkLst>
+            <pc:docMk/>
+            <pc:sldMk cId="3839781994" sldId="259"/>
+            <ac:grpSpMk id="12" creationId="{A4E4438F-77FF-AB1F-51EE-DBB1D9FEC24E}"/>
+          </ac:grpSpMkLst>
+        </pc:grpChg>
+        <pc:grpChg chg="del mod">
+          <ac:chgData name="Ann Igolkina" userId="4d1b5d7ddf2bbc78" providerId="LiveId" clId="{9BA1C2E2-C1C6-0E41-8DB5-E37CFFBFF203}" dt="2023-09-18T14:18:15.666" v="646"/>
+          <ac:grpSpMkLst>
+            <pc:docMk/>
+            <pc:sldMk cId="3839781994" sldId="259"/>
+            <ac:grpSpMk id="16" creationId="{2253781B-7ED7-437B-9F45-DACD49BD5628}"/>
+          </ac:grpSpMkLst>
+        </pc:grpChg>
+        <pc:grpChg chg="mod">
+          <ac:chgData name="Ann Igolkina" userId="4d1b5d7ddf2bbc78" providerId="LiveId" clId="{9BA1C2E2-C1C6-0E41-8DB5-E37CFFBFF203}" dt="2023-09-18T14:18:15.666" v="646"/>
+          <ac:grpSpMkLst>
+            <pc:docMk/>
+            <pc:sldMk cId="3839781994" sldId="259"/>
+            <ac:grpSpMk id="18" creationId="{ED10AF6E-1F23-1B7F-730C-1DC9047B4AC6}"/>
+          </ac:grpSpMkLst>
+        </pc:grpChg>
+        <pc:grpChg chg="mod">
+          <ac:chgData name="Ann Igolkina" userId="4d1b5d7ddf2bbc78" providerId="LiveId" clId="{9BA1C2E2-C1C6-0E41-8DB5-E37CFFBFF203}" dt="2023-09-18T14:19:03.303" v="651"/>
+          <ac:grpSpMkLst>
+            <pc:docMk/>
+            <pc:sldMk cId="3839781994" sldId="259"/>
+            <ac:grpSpMk id="23" creationId="{464443A2-532E-C6DD-9B54-CF671E820082}"/>
+          </ac:grpSpMkLst>
+        </pc:grpChg>
+        <pc:picChg chg="add mod modCrop">
+          <ac:chgData name="Ann Igolkina" userId="4d1b5d7ddf2bbc78" providerId="LiveId" clId="{9BA1C2E2-C1C6-0E41-8DB5-E37CFFBFF203}" dt="2023-09-18T14:17:12.752" v="630" actId="732"/>
+          <ac:picMkLst>
+            <pc:docMk/>
+            <pc:sldMk cId="3839781994" sldId="259"/>
+            <ac:picMk id="2" creationId="{CC0ACFD5-1E70-3445-D7BD-B06294097730}"/>
+          </ac:picMkLst>
+        </pc:picChg>
+        <pc:inkChg chg="add mod">
+          <ac:chgData name="Ann Igolkina" userId="4d1b5d7ddf2bbc78" providerId="LiveId" clId="{9BA1C2E2-C1C6-0E41-8DB5-E37CFFBFF203}" dt="2023-09-18T14:17:33.888" v="633"/>
+          <ac:inkMkLst>
+            <pc:docMk/>
+            <pc:sldMk cId="3839781994" sldId="259"/>
+            <ac:inkMk id="3" creationId="{FC97B648-D3A5-7381-D694-6358CF87DD7E}"/>
+          </ac:inkMkLst>
+        </pc:inkChg>
+        <pc:inkChg chg="add mod">
+          <ac:chgData name="Ann Igolkina" userId="4d1b5d7ddf2bbc78" providerId="LiveId" clId="{9BA1C2E2-C1C6-0E41-8DB5-E37CFFBFF203}" dt="2023-09-18T14:17:33.888" v="633"/>
+          <ac:inkMkLst>
+            <pc:docMk/>
+            <pc:sldMk cId="3839781994" sldId="259"/>
+            <ac:inkMk id="4" creationId="{D17BFA34-AB08-79BE-475E-69250301FD02}"/>
+          </ac:inkMkLst>
+        </pc:inkChg>
+        <pc:inkChg chg="add">
+          <ac:chgData name="Ann Igolkina" userId="4d1b5d7ddf2bbc78" providerId="LiveId" clId="{9BA1C2E2-C1C6-0E41-8DB5-E37CFFBFF203}" dt="2023-09-18T14:17:35.368" v="634" actId="9405"/>
+          <ac:inkMkLst>
+            <pc:docMk/>
+            <pc:sldMk cId="3839781994" sldId="259"/>
+            <ac:inkMk id="6" creationId="{B7532DD1-A825-7917-F423-EE2115E30734}"/>
+          </ac:inkMkLst>
+        </pc:inkChg>
+        <pc:inkChg chg="add mod">
+          <ac:chgData name="Ann Igolkina" userId="4d1b5d7ddf2bbc78" providerId="LiveId" clId="{9BA1C2E2-C1C6-0E41-8DB5-E37CFFBFF203}" dt="2023-09-18T14:17:40.292" v="637"/>
+          <ac:inkMkLst>
+            <pc:docMk/>
+            <pc:sldMk cId="3839781994" sldId="259"/>
+            <ac:inkMk id="7" creationId="{2B0BF627-9207-D7D3-EC89-6E540B68AFF8}"/>
+          </ac:inkMkLst>
+        </pc:inkChg>
+        <pc:inkChg chg="add mod">
+          <ac:chgData name="Ann Igolkina" userId="4d1b5d7ddf2bbc78" providerId="LiveId" clId="{9BA1C2E2-C1C6-0E41-8DB5-E37CFFBFF203}" dt="2023-09-18T14:17:40.292" v="637"/>
+          <ac:inkMkLst>
+            <pc:docMk/>
+            <pc:sldMk cId="3839781994" sldId="259"/>
+            <ac:inkMk id="8" creationId="{2E2939BC-B2FC-2265-CC47-1B56C91B1B5C}"/>
+          </ac:inkMkLst>
+        </pc:inkChg>
+        <pc:inkChg chg="add mod">
+          <ac:chgData name="Ann Igolkina" userId="4d1b5d7ddf2bbc78" providerId="LiveId" clId="{9BA1C2E2-C1C6-0E41-8DB5-E37CFFBFF203}" dt="2023-09-18T14:18:10.716" v="640"/>
+          <ac:inkMkLst>
+            <pc:docMk/>
+            <pc:sldMk cId="3839781994" sldId="259"/>
+            <ac:inkMk id="10" creationId="{A418AFA3-67A3-36FD-4DDB-4C9EBA41E43B}"/>
+          </ac:inkMkLst>
+        </pc:inkChg>
+        <pc:inkChg chg="add mod">
+          <ac:chgData name="Ann Igolkina" userId="4d1b5d7ddf2bbc78" providerId="LiveId" clId="{9BA1C2E2-C1C6-0E41-8DB5-E37CFFBFF203}" dt="2023-09-18T14:18:10.716" v="640"/>
+          <ac:inkMkLst>
+            <pc:docMk/>
+            <pc:sldMk cId="3839781994" sldId="259"/>
+            <ac:inkMk id="11" creationId="{541211C6-E122-FFA0-AE41-4C8A97FF2947}"/>
+          </ac:inkMkLst>
+        </pc:inkChg>
+        <pc:inkChg chg="add mod">
+          <ac:chgData name="Ann Igolkina" userId="4d1b5d7ddf2bbc78" providerId="LiveId" clId="{9BA1C2E2-C1C6-0E41-8DB5-E37CFFBFF203}" dt="2023-09-18T14:18:15.666" v="646"/>
+          <ac:inkMkLst>
+            <pc:docMk/>
+            <pc:sldMk cId="3839781994" sldId="259"/>
+            <ac:inkMk id="13" creationId="{9F968AB2-FDC5-BDB0-C36A-9FDCF9B48826}"/>
+          </ac:inkMkLst>
+        </pc:inkChg>
+        <pc:inkChg chg="add mod">
+          <ac:chgData name="Ann Igolkina" userId="4d1b5d7ddf2bbc78" providerId="LiveId" clId="{9BA1C2E2-C1C6-0E41-8DB5-E37CFFBFF203}" dt="2023-09-18T14:18:15.666" v="646"/>
+          <ac:inkMkLst>
+            <pc:docMk/>
+            <pc:sldMk cId="3839781994" sldId="259"/>
+            <ac:inkMk id="14" creationId="{32C3D588-30A4-D287-440A-03B82DADF8EC}"/>
+          </ac:inkMkLst>
+        </pc:inkChg>
+        <pc:inkChg chg="add mod">
+          <ac:chgData name="Ann Igolkina" userId="4d1b5d7ddf2bbc78" providerId="LiveId" clId="{9BA1C2E2-C1C6-0E41-8DB5-E37CFFBFF203}" dt="2023-09-18T14:18:15.666" v="646"/>
+          <ac:inkMkLst>
+            <pc:docMk/>
+            <pc:sldMk cId="3839781994" sldId="259"/>
+            <ac:inkMk id="15" creationId="{17A00EFB-56E5-168D-D39B-330BE95D1C44}"/>
+          </ac:inkMkLst>
+        </pc:inkChg>
+        <pc:inkChg chg="add mod">
+          <ac:chgData name="Ann Igolkina" userId="4d1b5d7ddf2bbc78" providerId="LiveId" clId="{9BA1C2E2-C1C6-0E41-8DB5-E37CFFBFF203}" dt="2023-09-18T14:18:15.666" v="646"/>
+          <ac:inkMkLst>
+            <pc:docMk/>
+            <pc:sldMk cId="3839781994" sldId="259"/>
+            <ac:inkMk id="17" creationId="{1570457C-ACDC-30FC-081C-6D56F801FB7E}"/>
+          </ac:inkMkLst>
+        </pc:inkChg>
+        <pc:inkChg chg="add">
+          <ac:chgData name="Ann Igolkina" userId="4d1b5d7ddf2bbc78" providerId="LiveId" clId="{9BA1C2E2-C1C6-0E41-8DB5-E37CFFBFF203}" dt="2023-09-18T14:18:59.801" v="647" actId="9405"/>
+          <ac:inkMkLst>
+            <pc:docMk/>
+            <pc:sldMk cId="3839781994" sldId="259"/>
+            <ac:inkMk id="19" creationId="{AB049068-E5DD-0315-C175-7F5588715F5C}"/>
+          </ac:inkMkLst>
+        </pc:inkChg>
+        <pc:inkChg chg="add">
+          <ac:chgData name="Ann Igolkina" userId="4d1b5d7ddf2bbc78" providerId="LiveId" clId="{9BA1C2E2-C1C6-0E41-8DB5-E37CFFBFF203}" dt="2023-09-18T14:19:00.228" v="648" actId="9405"/>
+          <ac:inkMkLst>
+            <pc:docMk/>
+            <pc:sldMk cId="3839781994" sldId="259"/>
+            <ac:inkMk id="20" creationId="{766EB02D-8E01-565F-D008-D236010CFF97}"/>
+          </ac:inkMkLst>
+        </pc:inkChg>
+        <pc:inkChg chg="add mod">
+          <ac:chgData name="Ann Igolkina" userId="4d1b5d7ddf2bbc78" providerId="LiveId" clId="{9BA1C2E2-C1C6-0E41-8DB5-E37CFFBFF203}" dt="2023-09-18T14:19:03.303" v="651"/>
+          <ac:inkMkLst>
+            <pc:docMk/>
+            <pc:sldMk cId="3839781994" sldId="259"/>
+            <ac:inkMk id="21" creationId="{9CBA4B11-1B23-E36D-2AE9-1B828FE645F8}"/>
+          </ac:inkMkLst>
+        </pc:inkChg>
+        <pc:inkChg chg="add mod">
+          <ac:chgData name="Ann Igolkina" userId="4d1b5d7ddf2bbc78" providerId="LiveId" clId="{9BA1C2E2-C1C6-0E41-8DB5-E37CFFBFF203}" dt="2023-09-18T14:19:03.303" v="651"/>
+          <ac:inkMkLst>
+            <pc:docMk/>
+            <pc:sldMk cId="3839781994" sldId="259"/>
+            <ac:inkMk id="22" creationId="{83A8D080-7F0C-1FC7-3067-D1367E58CCF8}"/>
+          </ac:inkMkLst>
+        </pc:inkChg>
       </pc:sldChg>
     </pc:docChg>
   </pc:docChgLst>
 </pc:chgInfo>
+</file>
+
+<file path=ppt/ink/ink1.xml><?xml version="1.0" encoding="utf-8"?>
+<inkml:ink xmlns:inkml="http://www.w3.org/2003/InkML">
+  <inkml:definitions>
+    <inkml:context xml:id="ctx0">
+      <inkml:inkSource xml:id="inkSrc0">
+        <inkml:traceFormat>
+          <inkml:channel name="X" type="integer" min="-2.14748E9" max="2.14748E9" units="cm"/>
+          <inkml:channel name="Y" type="integer" min="-2.14748E9" max="2.14748E9" units="cm"/>
+          <inkml:channel name="F" type="integer" max="32767" units="dev"/>
+        </inkml:traceFormat>
+        <inkml:channelProperties>
+          <inkml:channelProperty channel="X" name="resolution" value="1000" units="1/cm"/>
+          <inkml:channelProperty channel="Y" name="resolution" value="1000" units="1/cm"/>
+          <inkml:channelProperty channel="F" name="resolution" value="0" units="1/dev"/>
+        </inkml:channelProperties>
+      </inkml:inkSource>
+      <inkml:timestamp xml:id="ts0" timeString="2023-09-19T07:21:35.491"/>
+    </inkml:context>
+    <inkml:brush xml:id="br0">
+      <inkml:brushProperty name="width" value="0.05" units="cm"/>
+      <inkml:brushProperty name="height" value="0.05" units="cm"/>
+      <inkml:brushProperty name="color" value="#CC0066"/>
+    </inkml:brush>
+  </inkml:definitions>
+  <inkml:trace contextRef="#ctx0" brushRef="#br0">1 0 24575,'0'0'0</inkml:trace>
+</inkml:ink>
+</file>
+
+<file path=ppt/ink/ink10.xml><?xml version="1.0" encoding="utf-8"?>
+<inkml:ink xmlns:inkml="http://www.w3.org/2003/InkML">
+  <inkml:definitions>
+    <inkml:context xml:id="ctx0">
+      <inkml:inkSource xml:id="inkSrc0">
+        <inkml:traceFormat>
+          <inkml:channel name="X" type="integer" min="-2.14748E9" max="2.14748E9" units="cm"/>
+          <inkml:channel name="Y" type="integer" min="-2.14748E9" max="2.14748E9" units="cm"/>
+          <inkml:channel name="F" type="integer" max="32767" units="dev"/>
+        </inkml:traceFormat>
+        <inkml:channelProperties>
+          <inkml:channelProperty channel="X" name="resolution" value="1000" units="1/cm"/>
+          <inkml:channelProperty channel="Y" name="resolution" value="1000" units="1/cm"/>
+          <inkml:channelProperty channel="F" name="resolution" value="0" units="1/dev"/>
+        </inkml:channelProperties>
+      </inkml:inkSource>
+      <inkml:timestamp xml:id="ts0" timeString="2023-09-26T07:27:11.172"/>
+    </inkml:context>
+    <inkml:brush xml:id="br0">
+      <inkml:brushProperty name="width" value="0.05" units="cm"/>
+      <inkml:brushProperty name="height" value="0.05" units="cm"/>
+      <inkml:brushProperty name="color" value="#CC0066"/>
+    </inkml:brush>
+  </inkml:definitions>
+  <inkml:trace contextRef="#ctx0" brushRef="#br0">0 0 24575,'0'16'0,"0"6"0,0 10 0,0 62 0,0-27 0,0-9 0,0-1 0,0 11 0,0 22 0,4-25 0,7 29 0,1-46 0,8 13 0,-3-20 0,3-4 0,-2-7 0,1-8 0,0-6 0,5-5 0,6 1 0,6 1 0,3-1 0,2-1 0,3-3 0,2-4 0,3-2 0,0-2 0,-8 0 0,-9 0 0,-10-2 0,-7-5 0,-1-6 0,2-7 0,2-4 0,3-8 0,2-5 0,3-6 0,0-2 0,-4 3 0,-3 3 0,-4 3 0,-1 0 0,1-1 0,-3-4 0,-1-7 0,0-4 0,-1-7 0,0 2 0,-1 6 0,-4 8 0,-1 13 0,-2 10 0,-2 10 0,0 5 0,0 3 0</inkml:trace>
+</inkml:ink>
+</file>
+
+<file path=ppt/ink/ink11.xml><?xml version="1.0" encoding="utf-8"?>
+<inkml:ink xmlns:inkml="http://www.w3.org/2003/InkML">
+  <inkml:definitions>
+    <inkml:context xml:id="ctx0">
+      <inkml:inkSource xml:id="inkSrc0">
+        <inkml:traceFormat>
+          <inkml:channel name="X" type="integer" min="-2.14748E9" max="2.14748E9" units="cm"/>
+          <inkml:channel name="Y" type="integer" min="-2.14748E9" max="2.14748E9" units="cm"/>
+          <inkml:channel name="F" type="integer" max="32767" units="dev"/>
+        </inkml:traceFormat>
+        <inkml:channelProperties>
+          <inkml:channelProperty channel="X" name="resolution" value="1000" units="1/cm"/>
+          <inkml:channelProperty channel="Y" name="resolution" value="1000" units="1/cm"/>
+          <inkml:channelProperty channel="F" name="resolution" value="0" units="1/dev"/>
+        </inkml:channelProperties>
+      </inkml:inkSource>
+      <inkml:timestamp xml:id="ts0" timeString="2023-09-26T07:27:13.811"/>
+    </inkml:context>
+    <inkml:brush xml:id="br0">
+      <inkml:brushProperty name="width" value="0.05" units="cm"/>
+      <inkml:brushProperty name="height" value="0.05" units="cm"/>
+      <inkml:brushProperty name="color" value="#CC0066"/>
+    </inkml:brush>
+  </inkml:definitions>
+  <inkml:trace contextRef="#ctx0" brushRef="#br0">0 1 24575,'69'0'0,"-12"0"0,8 0 0,4 0 0,21 0 0,-6 0 0,0 0 0,-30 0 0,-2 0 0,18 0 0,-3 0 0,13 0 0,-14 0 0,7 0 0,-19 0 0,18 1 0,-18 3 0,-2 0 0,-3 1 0,-3-1 0,0-2 0,0 0 0,-2-1 0,-3 1 0,-5 0 0,-3-2 0,-4 0 0,2 0 0,-3 0 0,0 0 0,8 0 0,-13 0 0,7 1 0,-13 1 0,0 0 0,-1 1 0,-1-1 0,-3-1 0,-3 2 0,-3 0 0,-3 0 0,-3 1 0,0 0 0,0 2 0,0-4 0,0 2 0</inkml:trace>
+</inkml:ink>
+</file>
+
+<file path=ppt/ink/ink12.xml><?xml version="1.0" encoding="utf-8"?>
+<inkml:ink xmlns:inkml="http://www.w3.org/2003/InkML">
+  <inkml:definitions>
+    <inkml:context xml:id="ctx0">
+      <inkml:inkSource xml:id="inkSrc0">
+        <inkml:traceFormat>
+          <inkml:channel name="X" type="integer" min="-2.14748E9" max="2.14748E9" units="cm"/>
+          <inkml:channel name="Y" type="integer" min="-2.14748E9" max="2.14748E9" units="cm"/>
+          <inkml:channel name="F" type="integer" max="32767" units="dev"/>
+        </inkml:traceFormat>
+        <inkml:channelProperties>
+          <inkml:channelProperty channel="X" name="resolution" value="1000" units="1/cm"/>
+          <inkml:channelProperty channel="Y" name="resolution" value="1000" units="1/cm"/>
+          <inkml:channelProperty channel="F" name="resolution" value="0" units="1/dev"/>
+        </inkml:channelProperties>
+      </inkml:inkSource>
+      <inkml:timestamp xml:id="ts0" timeString="2023-09-26T07:27:22.255"/>
+    </inkml:context>
+    <inkml:brush xml:id="br0">
+      <inkml:brushProperty name="width" value="0.05" units="cm"/>
+      <inkml:brushProperty name="height" value="0.05" units="cm"/>
+      <inkml:brushProperty name="color" value="#CC0066"/>
+    </inkml:brush>
+  </inkml:definitions>
+  <inkml:trace contextRef="#ctx0" brushRef="#br0">800 0 24575,'-26'0'0,"-6"0"0,-10 0 0,-10 2 0,-29 20 0,23 1 0,0 3 0,-27 15 0,35-13 0,5 0 0,11-4 0,-6 4 0,-1 0 0,4-2 0,7-3 0,8-6 0,6-4 0,6-6 0,7-5 0,12-12 0,2-2 0,8-7 0,-4 1 0,0 1 0,-1 0 0,-1 1 0,-3 3 0,-3 3 0,-2 2 0,-1 1 0,-2 0 0,0 0 0,0 0 0,0-1 0,-1 1 0,1 0 0,-2 0 0,0 2 0,1 1 0,0 2 0,1 0 0,-1 0 0,-4 5 0,-1 2 0,-6 6 0,-2 2 0,-4 2 0,0 0 0,0-1 0,2-2 0,2 0 0,0 0 0,1 2 0,0 0 0,2 0 0,1-1 0,1-1 0,2 0 0,1-2 0,1-2 0,1-2 0,2-3 0,0 0 0,1-2 0,2 1 0,3-2 0,3 0 0,2 0 0,1 0 0,2 0 0,0 0 0,0 0 0,6 0 0,-4 0 0,6 0 0,-4 0 0,0 0 0,-1 0 0,-2 0 0,-3 0 0,-3 0 0,-3-2 0,-4 0 0,-2-4 0,-3 1 0,-2-3 0,-1 0 0,-1-1 0,1 0 0,0 0 0,1 1 0,-1 1 0,0 1 0,0-1 0,2 0 0,-1 0 0,2 4 0,1 4 0,0 5 0,-1 3 0,-1-1 0,-1-1 0,0-4 0,1-1 0,1-2 0,1 0 0,1 0 0</inkml:trace>
+</inkml:ink>
+</file>
+
+<file path=ppt/ink/ink13.xml><?xml version="1.0" encoding="utf-8"?>
+<inkml:ink xmlns:inkml="http://www.w3.org/2003/InkML">
+  <inkml:definitions>
+    <inkml:context xml:id="ctx0">
+      <inkml:inkSource xml:id="inkSrc0">
+        <inkml:traceFormat>
+          <inkml:channel name="X" type="integer" min="-2.14748E9" max="2.14748E9" units="cm"/>
+          <inkml:channel name="Y" type="integer" min="-2.14748E9" max="2.14748E9" units="cm"/>
+          <inkml:channel name="F" type="integer" max="32767" units="dev"/>
+        </inkml:traceFormat>
+        <inkml:channelProperties>
+          <inkml:channelProperty channel="X" name="resolution" value="1000" units="1/cm"/>
+          <inkml:channelProperty channel="Y" name="resolution" value="1000" units="1/cm"/>
+          <inkml:channelProperty channel="F" name="resolution" value="0" units="1/dev"/>
+        </inkml:channelProperties>
+      </inkml:inkSource>
+      <inkml:timestamp xml:id="ts0" timeString="2023-09-26T07:25:03.155"/>
+    </inkml:context>
+    <inkml:brush xml:id="br0">
+      <inkml:brushProperty name="width" value="0.05" units="cm"/>
+      <inkml:brushProperty name="height" value="0.05" units="cm"/>
+      <inkml:brushProperty name="color" value="#CC0066"/>
+    </inkml:brush>
+  </inkml:definitions>
+  <inkml:trace contextRef="#ctx0" brushRef="#br0">1 0 24575,'0'50'0,"0"10"0,0 21 0,0 9 0,0-4 0,0-7 0,0-2 0,0 5 0,0 11-942,0-18 0,0 8 0,0 7 0,0 5 0,0 1 0,0 1 0,0-2 0,0-5 0,0-5 942,0 9 0,0-5 0,0-3 0,0 0 0,0 2 0,0 7 0,0-2 0,0 7 0,0 5 0,0 0 0,0 0 0,0-4 0,0-7 0,0-9 298,0 17 0,0-10 1,0-6-1,0 3-298,0 4 0,0 2 0,0-5 0,0-15 766,0-7 1,0-13-767,0 6 0,0-37 0,0-27 0,0 0 0,0-7 0</inkml:trace>
+</inkml:ink>
+</file>
+
+<file path=ppt/ink/ink14.xml><?xml version="1.0" encoding="utf-8"?>
+<inkml:ink xmlns:inkml="http://www.w3.org/2003/InkML">
+  <inkml:definitions>
+    <inkml:context xml:id="ctx0">
+      <inkml:inkSource xml:id="inkSrc0">
+        <inkml:traceFormat>
+          <inkml:channel name="X" type="integer" min="-2.14748E9" max="2.14748E9" units="cm"/>
+          <inkml:channel name="Y" type="integer" min="-2.14748E9" max="2.14748E9" units="cm"/>
+          <inkml:channel name="F" type="integer" max="32767" units="dev"/>
+        </inkml:traceFormat>
+        <inkml:channelProperties>
+          <inkml:channelProperty channel="X" name="resolution" value="1000" units="1/cm"/>
+          <inkml:channelProperty channel="Y" name="resolution" value="1000" units="1/cm"/>
+          <inkml:channelProperty channel="F" name="resolution" value="0" units="1/dev"/>
+        </inkml:channelProperties>
+      </inkml:inkSource>
+      <inkml:timestamp xml:id="ts0" timeString="2023-09-26T07:25:04.774"/>
+    </inkml:context>
+    <inkml:brush xml:id="br0">
+      <inkml:brushProperty name="width" value="0.05" units="cm"/>
+      <inkml:brushProperty name="height" value="0.05" units="cm"/>
+      <inkml:brushProperty name="color" value="#CC0066"/>
+    </inkml:brush>
+  </inkml:definitions>
+  <inkml:trace contextRef="#ctx0" brushRef="#br0">1 0 24575,'6'5'0,"7"-3"0,19 0 0,16-2 0,13 0 0,-8 0 0,-21 8 0,-17 30 0,-13 57 0,-2-22 0,0 6 0,0 17 0,2 4 0,0-29 0,1 0 0,1 1-179,1 0 1,1 1-1,1 0 179,1 0 0,1 1 0,0 0 0,1 4 0,1 2 0,0 0-386,1 8 1,1 1 0,-1 1 385,1 2 0,0 1 0,0 0 0,1 5 0,1 1 0,-1-2 0,0-4 0,0-1 0,0-3 0,-1-7 0,-1-2 0,0-2-21,-1-8 0,0-1 0,0-3 21,2 20 0,0-4 0,-2-8 0,-1-3 0,-2-6 0,-1-3 251,-1-6 1,-1-3-252,2 34 1183,-3-20-1183,-2-18 69,-2-10-69,-1 1 0,-9 4 0,-12 9 0,-16 3 0,-8-5 0,-1-9 0,4-14 0,11-13 0,3-8 0,14-5 0,1-3 0,-2-10 0,11 8 0,-8-8 0</inkml:trace>
+</inkml:ink>
+</file>
+
+<file path=ppt/ink/ink15.xml><?xml version="1.0" encoding="utf-8"?>
+<inkml:ink xmlns:inkml="http://www.w3.org/2003/InkML">
+  <inkml:definitions>
+    <inkml:context xml:id="ctx0">
+      <inkml:inkSource xml:id="inkSrc0">
+        <inkml:traceFormat>
+          <inkml:channel name="X" type="integer" min="-2.14748E9" max="2.14748E9" units="cm"/>
+          <inkml:channel name="Y" type="integer" min="-2.14748E9" max="2.14748E9" units="cm"/>
+          <inkml:channel name="F" type="integer" max="32767" units="dev"/>
+        </inkml:traceFormat>
+        <inkml:channelProperties>
+          <inkml:channelProperty channel="X" name="resolution" value="1000" units="1/cm"/>
+          <inkml:channelProperty channel="Y" name="resolution" value="1000" units="1/cm"/>
+          <inkml:channelProperty channel="F" name="resolution" value="0" units="1/dev"/>
+        </inkml:channelProperties>
+      </inkml:inkSource>
+      <inkml:timestamp xml:id="ts0" timeString="2023-09-26T07:25:06.056"/>
+    </inkml:context>
+    <inkml:brush xml:id="br0">
+      <inkml:brushProperty name="width" value="0.05" units="cm"/>
+      <inkml:brushProperty name="height" value="0.05" units="cm"/>
+      <inkml:brushProperty name="color" value="#CC0066"/>
+    </inkml:brush>
+  </inkml:definitions>
+  <inkml:trace contextRef="#ctx0" brushRef="#br0">1 1 24575,'0'67'0,"0"-13"0,0 9 0,0 25 0,0 9-649,0-21 0,0 3 1,0 2 648,0 6 0,0 2 0,0 2 0,0 5 0,0 3 0,1 1-503,0-18 1,1 0 0,0 2 0,1 2 502,2 9 0,1 2 0,0 1 0,0 0 0,1 0 0,0 0 0,0-1 0,0-1 0,1-5 0,0-1 0,0-2 0,-1-3 130,2 15 0,-2-4 1,1-4-131,-2-19 0,-1-4 0,1-1 0,5 23 0,1-1-27,-2-6 0,1 0 27,1 2 0,0 0 431,-1-5 1,0-1-432,-2-9 0,-1-4 1040,-1-13 1,-1-5-1041,0 14 608,-4-22-608,-2-1 0,0-23 0,0 7 0</inkml:trace>
+</inkml:ink>
+</file>
+
+<file path=ppt/ink/ink16.xml><?xml version="1.0" encoding="utf-8"?>
+<inkml:ink xmlns:inkml="http://www.w3.org/2003/InkML">
+  <inkml:definitions>
+    <inkml:context xml:id="ctx0">
+      <inkml:inkSource xml:id="inkSrc0">
+        <inkml:traceFormat>
+          <inkml:channel name="X" type="integer" min="-2.14748E9" max="2.14748E9" units="cm"/>
+          <inkml:channel name="Y" type="integer" min="-2.14748E9" max="2.14748E9" units="cm"/>
+          <inkml:channel name="F" type="integer" max="32767" units="dev"/>
+        </inkml:traceFormat>
+        <inkml:channelProperties>
+          <inkml:channelProperty channel="X" name="resolution" value="1000" units="1/cm"/>
+          <inkml:channelProperty channel="Y" name="resolution" value="1000" units="1/cm"/>
+          <inkml:channelProperty channel="F" name="resolution" value="0" units="1/dev"/>
+        </inkml:channelProperties>
+      </inkml:inkSource>
+      <inkml:timestamp xml:id="ts0" timeString="2023-09-26T07:25:07.723"/>
+    </inkml:context>
+    <inkml:brush xml:id="br0">
+      <inkml:brushProperty name="width" value="0.05" units="cm"/>
+      <inkml:brushProperty name="height" value="0.05" units="cm"/>
+      <inkml:brushProperty name="color" value="#CC0066"/>
+    </inkml:brush>
+  </inkml:definitions>
+  <inkml:trace contextRef="#ctx0" brushRef="#br0">1 1 24575,'13'0'0,"26"0"0,33 0 0,22 0 0,-41 0 0,3 0 0,10 0 0,-3 0 0,14 4 0,9 10 0,-60 21 0,-6 44 0,-11-17 0,-3 8 0,1 25 0,-2 9-489,0-19 0,0 4 0,0 3 489,-2-16 0,-1 1 0,1 1 0,0 1 0,0 3 0,0 2 0,0-1 0,0 1 0,-1-2 0,1 0 0,-1 1 0,-1-2 0,1 0 0,-1-1 0,0 0 0,0-1 0,0-2 0,-1 0 0,1 0 0,-1 0 0,0 0 0,0-1 0,0 0 0,0 1 0,0 1 0,0 0 0,0 0 0,0-1 0,0 23 0,0-1 0,1-1 0,0-4 0,0 0 0,1-3-181,0-7 1,0-3 0,1-1 180,0-6 0,0-2 0,1-1 0,0-2 0,0-1 0,0-1 0,3 32 0,0-1 0,0 0 0,1 0 0,-1-6 0,-1-3 0,0-5 0,0-5 0,-2-12 0,0-5 0,0 27 0,-1-36 0,-3-26 1424,-3-14-1424,-14-7 584,-25-5-584,-30-6 0,-2-12 0,-3-6 0,24 7 0,1-4 0,-20-12 0,7-9 0,7-38 0,35 30 0,5 0 0,-4-16 0,11 8 0</inkml:trace>
+</inkml:ink>
+</file>
+
+<file path=ppt/ink/ink17.xml><?xml version="1.0" encoding="utf-8"?>
+<inkml:ink xmlns:inkml="http://www.w3.org/2003/InkML">
+  <inkml:definitions>
+    <inkml:context xml:id="ctx0">
+      <inkml:inkSource xml:id="inkSrc0">
+        <inkml:traceFormat>
+          <inkml:channel name="X" type="integer" min="-2.14748E9" max="2.14748E9" units="cm"/>
+          <inkml:channel name="Y" type="integer" min="-2.14748E9" max="2.14748E9" units="cm"/>
+          <inkml:channel name="F" type="integer" max="32767" units="dev"/>
+        </inkml:traceFormat>
+        <inkml:channelProperties>
+          <inkml:channelProperty channel="X" name="resolution" value="1000" units="1/cm"/>
+          <inkml:channelProperty channel="Y" name="resolution" value="1000" units="1/cm"/>
+          <inkml:channelProperty channel="F" name="resolution" value="0" units="1/dev"/>
+        </inkml:channelProperties>
+      </inkml:inkSource>
+      <inkml:timestamp xml:id="ts0" timeString="2023-09-26T07:25:08.691"/>
+    </inkml:context>
+    <inkml:brush xml:id="br0">
+      <inkml:brushProperty name="width" value="0.05" units="cm"/>
+      <inkml:brushProperty name="height" value="0.05" units="cm"/>
+      <inkml:brushProperty name="color" value="#CC0066"/>
+    </inkml:brush>
+  </inkml:definitions>
+  <inkml:trace contextRef="#ctx0" brushRef="#br0">1 0 24575,'0'56'0,"0"-2"0,2 11 0,3 8 0,3 9 0,1 5-1147,0-5 1,0 3 0,2 4 0,-1 1 1146,0-7 0,1 2 0,0 2 0,0 1 0,0-1 0,1 1 0,0 1 0,1 0 0,-1-1 0,-1-1 0,0 14 0,0-1 0,0-1 0,-1-2-96,-1-5 0,0-2 1,0-1-1,0-2 96,0-7 0,0-1 0,0-2 0,0-1 0,2 20 0,1-2 0,0-3 278,0-9 1,0-2-1,1-2-278,3 21 0,0-5 0,-4-20 0,0-8 0,7 22 2209,-4-34-2209,-5-32 394,-5-29 1,-3 4 0,-2-11-1</inkml:trace>
+</inkml:ink>
+</file>
+
+<file path=ppt/ink/ink18.xml><?xml version="1.0" encoding="utf-8"?>
+<inkml:ink xmlns:inkml="http://www.w3.org/2003/InkML">
+  <inkml:definitions>
+    <inkml:context xml:id="ctx0">
+      <inkml:inkSource xml:id="inkSrc0">
+        <inkml:traceFormat>
+          <inkml:channel name="X" type="integer" min="-2.14748E9" max="2.14748E9" units="cm"/>
+          <inkml:channel name="Y" type="integer" min="-2.14748E9" max="2.14748E9" units="cm"/>
+          <inkml:channel name="F" type="integer" max="32767" units="dev"/>
+        </inkml:traceFormat>
+        <inkml:channelProperties>
+          <inkml:channelProperty channel="X" name="resolution" value="1000" units="1/cm"/>
+          <inkml:channelProperty channel="Y" name="resolution" value="1000" units="1/cm"/>
+          <inkml:channelProperty channel="F" name="resolution" value="0" units="1/dev"/>
+        </inkml:channelProperties>
+      </inkml:inkSource>
+      <inkml:timestamp xml:id="ts0" timeString="2023-09-26T07:25:10.309"/>
+    </inkml:context>
+    <inkml:brush xml:id="br0">
+      <inkml:brushProperty name="width" value="0.05" units="cm"/>
+      <inkml:brushProperty name="height" value="0.05" units="cm"/>
+      <inkml:brushProperty name="color" value="#CC0066"/>
+    </inkml:brush>
+  </inkml:definitions>
+  <inkml:trace contextRef="#ctx0" brushRef="#br0">0 9 24575,'37'-5'0,"62"2"0,-11 3 0,-25 0 0,-3 0 0,-3 0 0,-20 0 0,-18 1 0,-6 21 0,2 31 0,-1-1 0,3 8 0,8 28 0,3 8-465,-6-17 0,1 4 0,0 3 465,-4-13 0,1 2 0,-1 2 0,0-1 0,-1 0 0,-1 2 0,0-1 0,-1 0 0,0-2 0,-1 0 0,-1 0 0,0-1 0,4 23 0,-2-2 0,0 2 0,-2 0 0,0 1 0,-1 1 0,-3-21 0,0 1 0,-1 1 0,1 1 0,-1 3 0,0 1 0,0 0 0,0-1 0,0-4 0,0-1 0,0-1 0,-1-1 0,3 16 0,-1-3 0,-1-2-3,0-14 1,-2-3 0,1-3 2,1 11 0,-1-5 0,-2-11 0,-1-4 0,3 33 0,-2-18 0,-3-10 1395,-2-14-1395,-1-16 7,0-13-7,-4-11 0,-11-5 0,-24-4 0,-28-1 0,-21 0 0,-6-2 0,18-3 0,23-5 0,25-8 0,18-9 0,7 11 0,3-1 0</inkml:trace>
+</inkml:ink>
+</file>
+
+<file path=ppt/ink/ink19.xml><?xml version="1.0" encoding="utf-8"?>
+<inkml:ink xmlns:inkml="http://www.w3.org/2003/InkML">
+  <inkml:definitions>
+    <inkml:context xml:id="ctx0">
+      <inkml:inkSource xml:id="inkSrc0">
+        <inkml:traceFormat>
+          <inkml:channel name="X" type="integer" min="-2.14748E9" max="2.14748E9" units="cm"/>
+          <inkml:channel name="Y" type="integer" min="-2.14748E9" max="2.14748E9" units="cm"/>
+          <inkml:channel name="F" type="integer" max="32767" units="dev"/>
+        </inkml:traceFormat>
+        <inkml:channelProperties>
+          <inkml:channelProperty channel="X" name="resolution" value="1000" units="1/cm"/>
+          <inkml:channelProperty channel="Y" name="resolution" value="1000" units="1/cm"/>
+          <inkml:channelProperty channel="F" name="resolution" value="0" units="1/dev"/>
+        </inkml:channelProperties>
+      </inkml:inkSource>
+      <inkml:timestamp xml:id="ts0" timeString="2023-09-26T07:25:13.291"/>
+    </inkml:context>
+    <inkml:brush xml:id="br0">
+      <inkml:brushProperty name="width" value="0.05" units="cm"/>
+      <inkml:brushProperty name="height" value="0.05" units="cm"/>
+      <inkml:brushProperty name="color" value="#CC0066"/>
+    </inkml:brush>
+  </inkml:definitions>
+  <inkml:trace contextRef="#ctx0" brushRef="#br0">1 1630 24575,'36'-18'0,"8"-4"0,11-4 0,3-3 0,8-2 0,7-2-1508,5-1 1,8-3 0,4 0 0,4-1 1507,-18 8 0,4 0 0,2 0 0,1 0 0,2-1 0,1 1-446,-3 1 0,0-1 1,2 1-1,1-1 1,1 1-1,1 0 1,1 0 445,-7 2 0,2 1 0,1 0 0,0-1 0,1 2 0,-1-1 0,1 1 0,0 0 0,0 0 0,0 1 0,0-1 0,0 1 0,0 1 0,1 0 0,-1 0 0,-1 0 0,11-2 0,1 0 0,-1 0 0,0 1 0,-1 1 0,0 0 0,0 1-116,-5 1 1,1 1 0,-1 0 0,-1 1 0,0 1 0,0 0-1,0 0 116,9 0 0,0 0 0,-1 1 0,0 0 0,-1 2 0,-1 0-269,-5 2 1,-1 1 0,-1 0-1,-1 1 1,0 1 0,0 0 268,11 0 0,-1 1 0,-1 1 0,-1 0 0,0 1 106,-7 2 0,-1 0 0,-1 1 1,0 0-1,-2 1-106,13 0 0,-1 0 0,-2 0 0,0 3 0,-4 0 0,-1 1 0,-1 2 0,-1 2 498,-3 1 1,-1 3-1,0 2 1,-2 2-499,-3 2 0,-1 2 0,0 2 0,-2 3 0,-2 3 0,-1 2 0,-2 2 0,0 2 0,-1 2 0,-1 3 0,-1 1 0,0 1 0,-2 1 0,0 2 0,-1 0 0,-2 1 0,17 11 0,-2 1 0,0 1 739,-3 1 1,0 0-1,-3 0-739,-7-6 0,-2 0 0,-3 0 786,-5-4 0,-3 0 0,-1 0-786,20 20 0,-6 0 989,-14-12 1,-3-1-990,-4 0 0,-3 1 729,-4-3 1,-3 0-730,-2-1 0,-2 1 443,-2-3 0,-1 0-443,14 32 140,-9-20-140,-12-21 0,-12-17 0,-9-11 0,-11-11 0,-10-10 0,-11-5 0,-18-6 0,-14-1 0,-8-1 0,4 2 0,15 3 0,20 6 0,19 5 0,14 4 0,10 5 0,7 5 0,9 7 0,10 5 0,12 10 0,16 7 0,7 5 0,2-3 0,-7-6 0,-18-8 0,-13-8 0,-14-8 0,-10-8 0,-5-11 0,-4-7 0,0-9 0,0-18 0,0-18 0,0-16 0,1-5 0,1 14 0,3 22 0,0 20 0,-1 16 0,-2 7 0</inkml:trace>
+</inkml:ink>
+</file>
+
+<file path=ppt/ink/ink2.xml><?xml version="1.0" encoding="utf-8"?>
+<inkml:ink xmlns:inkml="http://www.w3.org/2003/InkML">
+  <inkml:definitions>
+    <inkml:context xml:id="ctx0">
+      <inkml:inkSource xml:id="inkSrc0">
+        <inkml:traceFormat>
+          <inkml:channel name="X" type="integer" min="-2.14748E9" max="2.14748E9" units="cm"/>
+          <inkml:channel name="Y" type="integer" min="-2.14748E9" max="2.14748E9" units="cm"/>
+          <inkml:channel name="F" type="integer" max="32767" units="dev"/>
+        </inkml:traceFormat>
+        <inkml:channelProperties>
+          <inkml:channelProperty channel="X" name="resolution" value="1000" units="1/cm"/>
+          <inkml:channelProperty channel="Y" name="resolution" value="1000" units="1/cm"/>
+          <inkml:channelProperty channel="F" name="resolution" value="0" units="1/dev"/>
+        </inkml:channelProperties>
+      </inkml:inkSource>
+      <inkml:timestamp xml:id="ts0" timeString="2023-09-26T07:22:07.219"/>
+    </inkml:context>
+    <inkml:brush xml:id="br0">
+      <inkml:brushProperty name="width" value="0.1" units="cm"/>
+      <inkml:brushProperty name="height" value="0.1" units="cm"/>
+      <inkml:brushProperty name="color" value="#008C3A"/>
+    </inkml:brush>
+  </inkml:definitions>
+  <inkml:trace contextRef="#ctx0" brushRef="#br0">4652 115 24575,'-21'0'0,"-67"0"0,-8 0 0,10 0 0,-5 0 0,8 0 0,-1 0 0,-7-1 0,-6 2 0,2 4 0,-8 3 0,6 2 0,23-1 0,4 1 0,-3 2-239,-23 4 1,-5 4-1,8 2 239,0 11 0,6 3 0,-1 2 0,1 3 0,28-12 0,-1 2 0,1 0 0,-3 3 0,-1 1 0,1 1 0,2 1 0,0 0 0,-4 5 0,-2 5 0,-4 6 0,0 1 0,4-2 0,-2 3 0,4-1 0,-2 3-255,0 0 1,-3 4-1,1 0 1,5-3 254,1 2 0,5-3 0,0 2 0,-1 3 0,0 1 0,2 0-187,4-2 0,1 0 0,1 1 187,3-1 0,1 0 0,2 1 0,2 0 0,2 1 0,2 0 0,2-1 0,1 0 0,1 1 0,1 3 0,1 1 0,2 0 0,1 2 0,2 0 0,0 1 0,0 1 0,1 1 0,1 0 0,-1 3 0,1 0 0,1 2 0,-1 3 0,1 0 0,0 2 0,1 2 0,0 0 0,2 2-301,1 0 1,1 1 0,2 0 300,1 2 0,2 0 0,2 1 0,2-1 0,2 1 0,2-1 0,1-4 0,1 0 0,1-2 0,1-2 0,1-2 0,0-1 109,1-7 1,0-1-1,2-2-109,3 22 0,5-2 0,7-4 0,7-1 0,9-5 0,6-1 0,11 3 0,6 0 0,-14-23 0,4-1 0,0 1 163,3 1 1,1 0-1,2-1-163,2 2 0,2 0 0,1-2 0,-1-2 0,1-1 0,1-1 0,-2-3 0,1-2 0,1-1 0,1-2 0,0-2 0,0-2 0,1-3 0,-1-2 0,2-1 0,3 0 0,0-3 0,2 0 0,2-3 0,1-1 0,1-2 0,4-1 0,1-2 0,1-1 0,-1-1 0,1-1 0,1-2 0,4 0 0,1-2 0,0-1 0,0 0 0,-1-2 0,0 0 0,-1-1 0,-1-1 0,0-1 0,0-2 0,0 0 0,-2-1 0,-6-2 0,0 0 0,-2-2 0,-1 0 0,-1-1 0,-1 0 277,28-1 0,-2 0-277,-6-1 0,0 0 0,3-1 0,0-2 0,-1-1 0,0-2 0,2-2 0,1-2 0,-1-3 0,0-3 0,-7-1 0,-1-2 0,1-2 0,-1-1 486,-4-2 0,-1-1-486,-1 0 0,0-1 77,-1 0 1,0 1-78,-2 0 0,-2-1 346,-1 1 0,-1-1-346,-5 0 0,-2-2 2,-4-1 1,-2-2-3,-3-1 0,-2-2 0,1-4 0,-1-3 0,6-8 0,2-2 0,8-10 0,2-4-258,-19 17 1,1-2-1,1-2 258,5-5 0,0-3 0,0-2 0,1-4 0,0-1 0,-1-2 0,1-3 0,0-1 0,-2-2 0,-2-2 0,-2-1 0,-2 0 0,-2 2 0,-2 1 0,-1 0 0,-3 1 0,-1 1 0,-1-1 0,-2 4 0,-1 0 0,-1 1 0,0 1 0,0 0 0,-2-1 0,-2-1 0,-1-2 0,-1 1 0,-3 4 0,0 0 0,-3 0-92,-2 2 1,-2 0 0,-2 0 91,-1-1 0,-2 0 0,-2 0 0,3-31 0,-4 0 0,-5 29 0,-1 0 0,-2-1 0,0 1 0,-2 0 0,-1 1 0,-4-28 0,-4 2 0,-4 4 0,-4 2 0,-5 3 0,-6 0 0,-6-2 0,-4 1 0,-4-4 0,-2-2 0,11 25 0,-1-1 0,-1 1 0,1-1 0,-1 1 0,-1 0 0,1 1 0,-1 1 0,-1 0 0,-3-2 0,-1 1 0,-1 0-238,-3 1 0,-2 2 0,-1-1 238,-3-2 0,-3 0 0,0 1 0,-1 2 0,-1 1 0,-1 1 0,2 4 0,0 2 0,-1 0 0,3 4 0,0 1 0,1 1 0,-21-16 0,0 3 0,6 7 0,1 3 367,7 8 0,0 3-367,0 3 0,-2 3 137,-1 3 1,-1 1-138,-4 0 0,0 3 376,-2 2 0,1 2-376,2 2 0,2 2 0,7 3 0,2 1 0,-40-7 0,14 4 0,9 3 0,-6 1 0,-7-2 0,-11-3 0,44 11 0,-1 0 0,0 1 0,0 1 0,-47-2 0,7 5 0,6 1 0,39 2 0,11 0 0</inkml:trace>
+</inkml:ink>
+</file>
+
+<file path=ppt/ink/ink20.xml><?xml version="1.0" encoding="utf-8"?>
+<inkml:ink xmlns:inkml="http://www.w3.org/2003/InkML">
+  <inkml:definitions>
+    <inkml:context xml:id="ctx0">
+      <inkml:inkSource xml:id="inkSrc0">
+        <inkml:traceFormat>
+          <inkml:channel name="X" type="integer" min="-2.14748E9" max="2.14748E9" units="cm"/>
+          <inkml:channel name="Y" type="integer" min="-2.14748E9" max="2.14748E9" units="cm"/>
+          <inkml:channel name="F" type="integer" max="32767" units="dev"/>
+        </inkml:traceFormat>
+        <inkml:channelProperties>
+          <inkml:channelProperty channel="X" name="resolution" value="1000" units="1/cm"/>
+          <inkml:channelProperty channel="Y" name="resolution" value="1000" units="1/cm"/>
+          <inkml:channelProperty channel="F" name="resolution" value="0" units="1/dev"/>
+        </inkml:channelProperties>
+      </inkml:inkSource>
+      <inkml:timestamp xml:id="ts0" timeString="2023-09-26T07:25:22.187"/>
+    </inkml:context>
+    <inkml:brush xml:id="br0">
+      <inkml:brushProperty name="width" value="0.05" units="cm"/>
+      <inkml:brushProperty name="height" value="0.05" units="cm"/>
+      <inkml:brushProperty name="color" value="#CC0066"/>
+    </inkml:brush>
+  </inkml:definitions>
+  <inkml:trace contextRef="#ctx0" brushRef="#br0">1 1 24575,'0'21'0,"0"0"0,0 2 0,0 2 0,0 10 0,0-2 0,0 2 0,0-13 0,0 2 0,2-5 0,1 9 0,2-12 0,-1-6 0,-2-8 0</inkml:trace>
+</inkml:ink>
+</file>
+
+<file path=ppt/ink/ink21.xml><?xml version="1.0" encoding="utf-8"?>
+<inkml:ink xmlns:inkml="http://www.w3.org/2003/InkML">
+  <inkml:definitions>
+    <inkml:context xml:id="ctx0">
+      <inkml:inkSource xml:id="inkSrc0">
+        <inkml:traceFormat>
+          <inkml:channel name="X" type="integer" min="-2.14748E9" max="2.14748E9" units="cm"/>
+          <inkml:channel name="Y" type="integer" min="-2.14748E9" max="2.14748E9" units="cm"/>
+          <inkml:channel name="F" type="integer" max="32767" units="dev"/>
+        </inkml:traceFormat>
+        <inkml:channelProperties>
+          <inkml:channelProperty channel="X" name="resolution" value="1000" units="1/cm"/>
+          <inkml:channelProperty channel="Y" name="resolution" value="1000" units="1/cm"/>
+          <inkml:channelProperty channel="F" name="resolution" value="0" units="1/dev"/>
+        </inkml:channelProperties>
+      </inkml:inkSource>
+      <inkml:timestamp xml:id="ts0" timeString="2023-09-26T07:25:24.384"/>
+    </inkml:context>
+    <inkml:brush xml:id="br0">
+      <inkml:brushProperty name="width" value="0.05" units="cm"/>
+      <inkml:brushProperty name="height" value="0.05" units="cm"/>
+      <inkml:brushProperty name="color" value="#CC0066"/>
+    </inkml:brush>
+  </inkml:definitions>
+  <inkml:trace contextRef="#ctx0" brushRef="#br0">9 145 24575,'-5'-8'0,"2"-26"0,3 9 0,3-19 0,5 28 0,5 3 0,8 10 0,9 1 0,7 2 0,5 0 0,0 0 0,-9 0 0,-6 0 0,-5 0 0,-3 0 0,-2 2 0,0 2 0,-2 5 0,-3 3 0,-1 3 0,-2 1 0,-2 1 0,-2 2 0,-3-1 0,-2-1 0,-1-1 0,-3-2 0,-4 1 0,-6 1 0,-6 2 0,-3 2 0,-1 2 0,-2 0 0,1 2 0,-2 1 0,2 0 0,1 3 0,1 1 0,-1 2 0,1-1 0,2-2 0,5-3 0,7-6 0,5-5 0,2-4 0,3-5 0,3-2 0,5-1 0,6-2 0,5 0 0,5 0 0,21 0 0,11 0 0,-3 0 0,5 0 0,-31 0 0,4 4 0,-16-3 0,1 4 0,-7-4 0,-4 0 0,-2 1 0</inkml:trace>
+</inkml:ink>
+</file>
+
+<file path=ppt/ink/ink22.xml><?xml version="1.0" encoding="utf-8"?>
+<inkml:ink xmlns:inkml="http://www.w3.org/2003/InkML">
+  <inkml:definitions>
+    <inkml:context xml:id="ctx0">
+      <inkml:inkSource xml:id="inkSrc0">
+        <inkml:traceFormat>
+          <inkml:channel name="X" type="integer" min="-2.14748E9" max="2.14748E9" units="cm"/>
+          <inkml:channel name="Y" type="integer" min="-2.14748E9" max="2.14748E9" units="cm"/>
+          <inkml:channel name="F" type="integer" max="32767" units="dev"/>
+        </inkml:traceFormat>
+        <inkml:channelProperties>
+          <inkml:channelProperty channel="X" name="resolution" value="1000" units="1/cm"/>
+          <inkml:channelProperty channel="Y" name="resolution" value="1000" units="1/cm"/>
+          <inkml:channelProperty channel="F" name="resolution" value="0" units="1/dev"/>
+        </inkml:channelProperties>
+      </inkml:inkSource>
+      <inkml:timestamp xml:id="ts0" timeString="2023-09-26T07:25:26.790"/>
+    </inkml:context>
+    <inkml:brush xml:id="br0">
+      <inkml:brushProperty name="width" value="0.05" units="cm"/>
+      <inkml:brushProperty name="height" value="0.05" units="cm"/>
+      <inkml:brushProperty name="color" value="#CC0066"/>
+    </inkml:brush>
+  </inkml:definitions>
+  <inkml:trace contextRef="#ctx0" brushRef="#br0">166 0 24575,'20'0'0,"3"0"0,3 0 0,16 0 0,-16 0 0,8 0 0,-21 1 0,-5 6 0,-6 0 0,-1 4 0,-1-3 0,0 1 0,0 0 0,-5 0 0,-8 2 0,-7 1 0,-6 3 0,0 3 0,3 1 0,-1 1 0,-1 2 0,0 0 0,0 3 0,4 0 0,1-3 0,3-2 0,5-7 0,4-3 0,6-4 0,9-1 0,1-2 0,7-1 0,1-2 0,0 0 0,4 0 0,12-4 0,3 3 0,3-3 0,-3 4 0,-9 0 0,-1 0 0,0 4 0,0 4 0,-3 2 0,-1 4 0,-2-2 0,-1 3 0,-2 0 0,-6 0 0,-2 2 0,-4 8 0,1-3 0,-1 5 0,-1-5 0,-1 3 0,-2 2 0,-2 0 0,-4 0 0,-18 12 0,0-12 0,-14 11 0,4-15 0,0 0 0,-3-5 0,-2-4 0,-1-2 0,0-4 0,4-3 0,2-3 0,5-2 0,2 0 0,2 0 0,4 0 0,3 0 0,8 0 0,5 0 0</inkml:trace>
+</inkml:ink>
+</file>
+
+<file path=ppt/ink/ink23.xml><?xml version="1.0" encoding="utf-8"?>
+<inkml:ink xmlns:inkml="http://www.w3.org/2003/InkML">
+  <inkml:definitions>
+    <inkml:context xml:id="ctx0">
+      <inkml:inkSource xml:id="inkSrc0">
+        <inkml:traceFormat>
+          <inkml:channel name="X" type="integer" min="-2.14748E9" max="2.14748E9" units="cm"/>
+          <inkml:channel name="Y" type="integer" min="-2.14748E9" max="2.14748E9" units="cm"/>
+          <inkml:channel name="F" type="integer" max="32767" units="dev"/>
+        </inkml:traceFormat>
+        <inkml:channelProperties>
+          <inkml:channelProperty channel="X" name="resolution" value="1000" units="1/cm"/>
+          <inkml:channelProperty channel="Y" name="resolution" value="1000" units="1/cm"/>
+          <inkml:channelProperty channel="F" name="resolution" value="0" units="1/dev"/>
+        </inkml:channelProperties>
+      </inkml:inkSource>
+      <inkml:timestamp xml:id="ts0" timeString="2023-09-26T07:25:34.501"/>
+    </inkml:context>
+    <inkml:brush xml:id="br0">
+      <inkml:brushProperty name="width" value="0.05" units="cm"/>
+      <inkml:brushProperty name="height" value="0.05" units="cm"/>
+      <inkml:brushProperty name="color" value="#CC0066"/>
+    </inkml:brush>
+  </inkml:definitions>
+  <inkml:trace contextRef="#ctx0" brushRef="#br0">1 352 24575,'18'-21'0,"-4"5"0,13-18 0,25-28 0,-9 12 0,11-14 0,-26 32 0,-18 19 0,-5 2 0,-1 0 0,-2 2 0,-1 1 0,-1 1 0,0 1 0,-1 1 0,-5 3 0,-5 2 0,-4 2 0,1 9 0,2 11 0,3 8 0,1 6 0,0-1 0,1-2 0,0-3 0,2-3 0,0-3 0,2 0 0,1-1 0,2-1 0,-3 0 0,1-1 0,-1 1 0,2 0 0,1 0 0,0 0 0,0 0 0,0 0 0,0 0 0,0-3 0,0-1 0,0-1 0,0-4 0,0-3 0,0-5 0,0-2 0</inkml:trace>
+</inkml:ink>
+</file>
+
+<file path=ppt/ink/ink24.xml><?xml version="1.0" encoding="utf-8"?>
+<inkml:ink xmlns:inkml="http://www.w3.org/2003/InkML">
+  <inkml:definitions>
+    <inkml:context xml:id="ctx0">
+      <inkml:inkSource xml:id="inkSrc0">
+        <inkml:traceFormat>
+          <inkml:channel name="X" type="integer" min="-2.14748E9" max="2.14748E9" units="cm"/>
+          <inkml:channel name="Y" type="integer" min="-2.14748E9" max="2.14748E9" units="cm"/>
+          <inkml:channel name="F" type="integer" max="32767" units="dev"/>
+        </inkml:traceFormat>
+        <inkml:channelProperties>
+          <inkml:channelProperty channel="X" name="resolution" value="1000" units="1/cm"/>
+          <inkml:channelProperty channel="Y" name="resolution" value="1000" units="1/cm"/>
+          <inkml:channelProperty channel="F" name="resolution" value="0" units="1/dev"/>
+        </inkml:channelProperties>
+      </inkml:inkSource>
+      <inkml:timestamp xml:id="ts0" timeString="2023-09-26T07:25:36.036"/>
+    </inkml:context>
+    <inkml:brush xml:id="br0">
+      <inkml:brushProperty name="width" value="0.05" units="cm"/>
+      <inkml:brushProperty name="height" value="0.05" units="cm"/>
+      <inkml:brushProperty name="color" value="#CC0066"/>
+    </inkml:brush>
+  </inkml:definitions>
+  <inkml:trace contextRef="#ctx0" brushRef="#br0">0 1 24575,'52'0'0,"-19"0"0,21 0 0,-20 0 0,-15 0 0,3 0 0,-12 0 0,-2 0 0,-2 0 0,1 0 0,10 0 0,0 0 0,-3 0 0,-3 0 0</inkml:trace>
+</inkml:ink>
+</file>
+
+<file path=ppt/ink/ink25.xml><?xml version="1.0" encoding="utf-8"?>
+<inkml:ink xmlns:inkml="http://www.w3.org/2003/InkML">
+  <inkml:definitions>
+    <inkml:context xml:id="ctx0">
+      <inkml:inkSource xml:id="inkSrc0">
+        <inkml:traceFormat>
+          <inkml:channel name="X" type="integer" min="-2.14748E9" max="2.14748E9" units="cm"/>
+          <inkml:channel name="Y" type="integer" min="-2.14748E9" max="2.14748E9" units="cm"/>
+          <inkml:channel name="F" type="integer" max="32767" units="dev"/>
+        </inkml:traceFormat>
+        <inkml:channelProperties>
+          <inkml:channelProperty channel="X" name="resolution" value="1000" units="1/cm"/>
+          <inkml:channelProperty channel="Y" name="resolution" value="1000" units="1/cm"/>
+          <inkml:channelProperty channel="F" name="resolution" value="0" units="1/dev"/>
+        </inkml:channelProperties>
+      </inkml:inkSource>
+      <inkml:timestamp xml:id="ts0" timeString="2023-09-26T07:28:09.351"/>
+    </inkml:context>
+    <inkml:brush xml:id="br0">
+      <inkml:brushProperty name="width" value="0.05" units="cm"/>
+      <inkml:brushProperty name="height" value="0.05" units="cm"/>
+      <inkml:brushProperty name="color" value="#CC0066"/>
+    </inkml:brush>
+  </inkml:definitions>
+  <inkml:trace contextRef="#ctx0" brushRef="#br0">1 305 24575,'63'-8'0,"-1"-14"0,29 0 0,-24-8 0,-14 5 0,-15 6 0,3-1 0,-5 0 0,1-1 0,-2 1 0,-3 2 0,-17 11 0,-4 2 0,-6 1 0,-6 2 0,-6-2 0,-4 2 0,-3-1 0,-2 2 0,3 4 0,0 7 0,-1 9 0,-1 6 0,0 2 0,1-2 0,3-4 0,4-2 0,0-1 0,3-2 0,1-2 0,1-2 0,2-3 0,0 0 0,0 0 0,0-1 0,0 2 0,0-2 0,-1-1 0,-2 0 0,-1-3 0,-2-1 0,-3-2 0,-3-1 0,-4 0 0,-2 0 0,-1 0 0,0 0 0,1-3 0,0-2 0,2 0 0,0 0 0,1 2 0,3 0 0,1 1 0,2 2 0,3-1 0,1-1 0,3-2 0,2-1 0,0 1 0,2 0 0,7-2 0,7-4 0,7-3 0,3-3 0,-2-4 0,-2-2 0,-1 1 0,-2 0 0,-1 2 0,-1 2 0,-2 2 0,-2 2 0,-3 3 0,1 1 0,0 1 0,-1 1 0,0-1 0,-1 1 0,-1-1 0,1 0 0,-3 0 0,2 1 0,-2 1 0,2 1 0,1 2 0,-1 1 0,-4 4 0,-8 4 0,-7 5 0,-6 5 0,-1 4 0,1 1 0,2 2 0,3 1 0,1 2 0,1-2 0,3-1 0,1-2 0,2-3 0,2 1 0,-1-3 0,0-3 0,1-3 0,-3-4 0,-3-2 0,-1-2 0,-3-2 0,-3 0 0,0 0 0,-1 0 0,1 0 0,2 0 0,2 0 0,3 0 0,2 0 0,-1 0 0,0 0 0,-2 0 0,4 0 0,2 0 0</inkml:trace>
+</inkml:ink>
+</file>
+
+<file path=ppt/ink/ink26.xml><?xml version="1.0" encoding="utf-8"?>
+<inkml:ink xmlns:inkml="http://www.w3.org/2003/InkML">
+  <inkml:definitions>
+    <inkml:context xml:id="ctx0">
+      <inkml:inkSource xml:id="inkSrc0">
+        <inkml:traceFormat>
+          <inkml:channel name="X" type="integer" min="-2.14748E9" max="2.14748E9" units="cm"/>
+          <inkml:channel name="Y" type="integer" min="-2.14748E9" max="2.14748E9" units="cm"/>
+          <inkml:channel name="F" type="integer" max="32767" units="dev"/>
+        </inkml:traceFormat>
+        <inkml:channelProperties>
+          <inkml:channelProperty channel="X" name="resolution" value="1000" units="1/cm"/>
+          <inkml:channelProperty channel="Y" name="resolution" value="1000" units="1/cm"/>
+          <inkml:channelProperty channel="F" name="resolution" value="0" units="1/dev"/>
+        </inkml:channelProperties>
+      </inkml:inkSource>
+      <inkml:timestamp xml:id="ts0" timeString="2023-09-26T12:15:56.608"/>
+    </inkml:context>
+    <inkml:brush xml:id="br0">
+      <inkml:brushProperty name="width" value="0.05" units="cm"/>
+      <inkml:brushProperty name="height" value="0.05" units="cm"/>
+      <inkml:brushProperty name="color" value="#CC0066"/>
+    </inkml:brush>
+  </inkml:definitions>
+  <inkml:trace contextRef="#ctx0" brushRef="#br0">0 13 24575,'19'0'0,"8"0"0,24 0 0,3 0 0,-4 0 0,-2 0 0,-5 0 0,0 0 0,5 0 0,0 0 0,2 0 0,1 0 0,0-2 0,4-1 0,-1-1 0,0 1 0,-3 2 0,-3 1 0,-2 0 0,-4 0 0,-3 0 0,-5 0 0,-6 0 0,-4 0 0,-5 0 0,-5 0 0,-5 0 0,-5 0 0,-1 0 0</inkml:trace>
+</inkml:ink>
+</file>
+
+<file path=ppt/ink/ink27.xml><?xml version="1.0" encoding="utf-8"?>
+<inkml:ink xmlns:inkml="http://www.w3.org/2003/InkML">
+  <inkml:definitions>
+    <inkml:context xml:id="ctx0">
+      <inkml:inkSource xml:id="inkSrc0">
+        <inkml:traceFormat>
+          <inkml:channel name="X" type="integer" min="-2.14748E9" max="2.14748E9" units="cm"/>
+          <inkml:channel name="Y" type="integer" min="-2.14748E9" max="2.14748E9" units="cm"/>
+          <inkml:channel name="F" type="integer" max="32767" units="dev"/>
+        </inkml:traceFormat>
+        <inkml:channelProperties>
+          <inkml:channelProperty channel="X" name="resolution" value="1000" units="1/cm"/>
+          <inkml:channelProperty channel="Y" name="resolution" value="1000" units="1/cm"/>
+          <inkml:channelProperty channel="F" name="resolution" value="0" units="1/dev"/>
+        </inkml:channelProperties>
+      </inkml:inkSource>
+      <inkml:timestamp xml:id="ts0" timeString="2023-09-26T12:16:16.091"/>
+    </inkml:context>
+    <inkml:brush xml:id="br0">
+      <inkml:brushProperty name="width" value="0.05" units="cm"/>
+      <inkml:brushProperty name="height" value="0.05" units="cm"/>
+      <inkml:brushProperty name="color" value="#CC0066"/>
+    </inkml:brush>
+  </inkml:definitions>
+  <inkml:trace contextRef="#ctx0" brushRef="#br0">0 1 24575,'0'21'0,"1"18"0,6 23 0,5 23 0,8 11 0,-7-44 0,0 0 0,-1 4 0,1 0 0,1 3 0,0 0 0,0 5 0,1 0 0,1 5 0,-1 1 0,2 4 0,0 2 0,0 8 0,1 0 0,1 5 0,1 0 0,1 2 0,0 1 0,1 0 0,0-1 0,0-2 0,-1 1 0,0 0 0,1 2 0,-7-27 0,0 1 0,1 0-136,0 1 0,-1 1 0,0 0 136,1 2 0,-1 0 0,1 1 0,-1 0 0,1 0 0,-1 0 0,6 26 0,0-2 0,-1-4 0,0-2 0,-1-11 0,0-3 0,-2-9 0,-1-1 0,0-4 0,0-2 0,-1-2 0,1-2 0,-2 0 0,0-2 0,0-4 0,-1 0 408,9 34-408,-3-14 0,-3-13 0,-3-5 0,-1 0 0,1 0 0,0 0 0,-1-2 0,1-2 0,-1-3 0,4 3 0,1 2 0,-1-1 0,0-2 0,-3-5 0,-3-5 0,-1-4 0,-1-4 0,-1-7 0,-1-4 0,-1-5 0,-1-2 0,-1 1 0,2 0 0,-1 4 0,-1 1 0,-1 2 0,0 3 0,1 0 0,1 0 0,-2-3 0,-1-3 0,2-2 0,0-1 0,0 0 0,0-1 0,0 0 0,-2-4 0,1-3 0</inkml:trace>
+</inkml:ink>
+</file>
+
+<file path=ppt/ink/ink28.xml><?xml version="1.0" encoding="utf-8"?>
+<inkml:ink xmlns:inkml="http://www.w3.org/2003/InkML">
+  <inkml:definitions>
+    <inkml:context xml:id="ctx0">
+      <inkml:inkSource xml:id="inkSrc0">
+        <inkml:traceFormat>
+          <inkml:channel name="X" type="integer" min="-2.14748E9" max="2.14748E9" units="cm"/>
+          <inkml:channel name="Y" type="integer" min="-2.14748E9" max="2.14748E9" units="cm"/>
+          <inkml:channel name="F" type="integer" max="32767" units="dev"/>
+        </inkml:traceFormat>
+        <inkml:channelProperties>
+          <inkml:channelProperty channel="X" name="resolution" value="1000" units="1/cm"/>
+          <inkml:channelProperty channel="Y" name="resolution" value="1000" units="1/cm"/>
+          <inkml:channelProperty channel="F" name="resolution" value="0" units="1/dev"/>
+        </inkml:channelProperties>
+      </inkml:inkSource>
+      <inkml:timestamp xml:id="ts0" timeString="2023-09-26T12:17:03.125"/>
+    </inkml:context>
+    <inkml:brush xml:id="br0">
+      <inkml:brushProperty name="width" value="0.05" units="cm"/>
+      <inkml:brushProperty name="height" value="0.05" units="cm"/>
+      <inkml:brushProperty name="color" value="#CC0066"/>
+    </inkml:brush>
+  </inkml:definitions>
+  <inkml:trace contextRef="#ctx0" brushRef="#br0">1 0 24575,'0'67'0,"0"0"0,0 0 0,0 18 0,0-18 0,0-35 0,2-24 0,1-1 0,5-6 0,5-1 0,18 0 0,-7 0 0,8 0 0,-16 0 0,-4 0 0,-2-1 0,-1-1 0,1-4 0,-1-3 0,1-5 0,2-6 0,2-6 0,-1-1 0,1 0 0,-6 5 0,-2 4 0,-4 4 0,-2 4 0,0 4 0,-1 3 0,-1 1 0,0 1 0,-1 2 0,1 2 0,1 4 0,-1 5 0,0 7 0,1 10 0,0 12 0,1 13 0,0 15 0,2 6 0,5 2 0,3-5 0,3-10 0,-3-12 0,-1-13 0,-4-14 0,-3-11 0,-1-6 0,-1-4 0</inkml:trace>
+</inkml:ink>
+</file>
+
+<file path=ppt/ink/ink29.xml><?xml version="1.0" encoding="utf-8"?>
+<inkml:ink xmlns:inkml="http://www.w3.org/2003/InkML">
+  <inkml:definitions>
+    <inkml:context xml:id="ctx0">
+      <inkml:inkSource xml:id="inkSrc0">
+        <inkml:traceFormat>
+          <inkml:channel name="X" type="integer" min="-2.14748E9" max="2.14748E9" units="cm"/>
+          <inkml:channel name="Y" type="integer" min="-2.14748E9" max="2.14748E9" units="cm"/>
+          <inkml:channel name="F" type="integer" max="32767" units="dev"/>
+        </inkml:traceFormat>
+        <inkml:channelProperties>
+          <inkml:channelProperty channel="X" name="resolution" value="1000" units="1/cm"/>
+          <inkml:channelProperty channel="Y" name="resolution" value="1000" units="1/cm"/>
+          <inkml:channelProperty channel="F" name="resolution" value="0" units="1/dev"/>
+        </inkml:channelProperties>
+      </inkml:inkSource>
+      <inkml:timestamp xml:id="ts0" timeString="2023-09-26T12:20:01.619"/>
+    </inkml:context>
+    <inkml:brush xml:id="br0">
+      <inkml:brushProperty name="width" value="0.05" units="cm"/>
+      <inkml:brushProperty name="height" value="0.05" units="cm"/>
+      <inkml:brushProperty name="color" value="#CC0066"/>
+    </inkml:brush>
+  </inkml:definitions>
+  <inkml:trace contextRef="#ctx0" brushRef="#br0">38 87 24575,'0'26'0,"0"31"0,0-4 0,0 8 0,0 21 0,0 7 0,0-19 0,0 3 0,0 2-468,0 10 1,0 3 0,0 0 467,0 3 0,0 0 0,0 0 0,0 0 0,0 1 0,0-1 0,0-2 0,0-1 0,0-2 0,0-2 0,0-1 0,0-1 0,0-3 0,0-1 0,0 0 9,0-5 1,0-1 0,0 0-10,0-3 0,0-2 0,0-1 0,0 23 0,0-3 0,0-3 0,-1-2 0,0-6 0,-1-2 0,-1-5 0,1 0 0,-2-3 0,1-1 522,0-2 0,0-2-522,0-4 0,1-1 329,-3 40-329,2-18 0,0-20 0,3-9 0,0-7 0,0 1 0,0 0 0,0-2 0,0-3 0,0-2 0,0 2 0,2 1 0,3-4 0,3-5 0,2-9 0,0-8 0,1-5 0,1-5 0,4-2 0,3 0 0,9 0 0,9 0 0,14 0 0,11 0 0,4 0 0,-1 0 0,-6 0 0,-8 0 0,-6 0 0,-8 0 0,-8 0 0,-8 0 0,-8 0 0,-6-2 0,-4-6 0,-3-12 0,0-18 0,0-24 0,0-29 0,0 34 0,0-1 0,0-6 0,0-1 0,0-2 0,0 1 0,-1 4 0,-1 1 0,0 3 0,0 2 0,1 3 0,-1 0 0,0 2 0,1 1 0,0-1 0,0 1 0,-1-3 0,1 0 0,-1-2 0,0 0 0,1-2 0,-1-1 0,2-1 0,0 0 0,0 3 0,0 0 0,0 3 0,0 0 0,0-46 0,0 5 0,0-4 0,-1 42 0,2-1 0,0-4 0,1-1 0,1-5 0,0-1 0,2-3 0,1 0 0,1 2 0,0 1 0,0 3 0,-1 1 0,0 6 0,-1 1 0,0 4 0,0 1 0,-1 2 0,1-1 0,-1 1 0,1-1 0,1-2 0,-1 0 0,5-46 0,-1 5 0,-3 8 0,1 9 0,1 1 0,1 8 0,-1 6 0,0 7 0,-3 12 0,-2 10 0,-1 6 0,-2 7 0,0 2 0,0 2 0,0 3 0,0 2 0,-4 4 0,-6 1 0,-11 2 0,-11-2 0,-7 0 0,-7-2 0,-6 2 0,-3-3 0,-3 0 0,0 0 0,4 0 0,7 1 0,8 4 0,9 1 0,7 2 0,3 1 0,3 0 0,1 0 0,0 0 0,5 0 0,2 0 0,3-1 0,0-4 0,-1-2 0,5 2 0,-1 0 0</inkml:trace>
+</inkml:ink>
+</file>
+
+<file path=ppt/ink/ink3.xml><?xml version="1.0" encoding="utf-8"?>
+<inkml:ink xmlns:inkml="http://www.w3.org/2003/InkML">
+  <inkml:definitions>
+    <inkml:context xml:id="ctx0">
+      <inkml:inkSource xml:id="inkSrc0">
+        <inkml:traceFormat>
+          <inkml:channel name="X" type="integer" min="-2.14748E9" max="2.14748E9" units="cm"/>
+          <inkml:channel name="Y" type="integer" min="-2.14748E9" max="2.14748E9" units="cm"/>
+          <inkml:channel name="F" type="integer" max="32767" units="dev"/>
+        </inkml:traceFormat>
+        <inkml:channelProperties>
+          <inkml:channelProperty channel="X" name="resolution" value="1000" units="1/cm"/>
+          <inkml:channelProperty channel="Y" name="resolution" value="1000" units="1/cm"/>
+          <inkml:channelProperty channel="F" name="resolution" value="0" units="1/dev"/>
+        </inkml:channelProperties>
+      </inkml:inkSource>
+      <inkml:timestamp xml:id="ts0" timeString="2023-09-26T07:22:23.468"/>
+    </inkml:context>
+    <inkml:brush xml:id="br0">
+      <inkml:brushProperty name="width" value="0.1" units="cm"/>
+      <inkml:brushProperty name="height" value="0.1" units="cm"/>
+      <inkml:brushProperty name="color" value="#008C3A"/>
+    </inkml:brush>
+  </inkml:definitions>
+  <inkml:trace contextRef="#ctx0" brushRef="#br0">1 0 24575,'67'0'0,"0"0"0,1 0 0,20 0 0,10 0 0,2 0 0,-3 0 0,-15 0 0,-3 0 0,2 0 0,4 0-188,3 0 1,5 0 0,2 0-1,1 0 1,-2 0 187,-5 0 0,2 0 0,-2 0 0,-2 0 0,-5 0-383,-1 0 0,-5 0 0,-1 0 0,4 0 383,14 0 0,5 0 0,-2 0 0,-7 0 0,-7 0 0,-6 0 0,-1 0 26,3 0 0,0 0 1,-1 0-27,-1 0 0,0 0 0,-2 0 0,-5 0 0,-2 0 0,0 0 0,0 0 0,0 0 0,-1 0 0,30 0 0,-2 0-10,-6 0 1,-1 0 9,-3 0 0,-1 0 214,-6 0 0,-1 0-214,-3 0 0,0 0 699,-2 0 1,0 0-700,0 0 0,0 0 280,0 0 0,-1 0-280,-4 0 0,-2 0 11,-4 0 0,-1 0-11,-7 0 0,-2 0 0,35 0 0,-16 0 0,-9 0 0,-11 0 0,-12 0 0,-7 0 0,-12 0 0,-4 0 0,-4 0 0,8 0 0,12 0 0,17 0 0,12 0 0,14 0 0,-27 0 0,-2 0 0,-32 0 0,0 0 0,34 0 0,-17 0 0,24 0 0,-34 2 0,-8 0 0,-6 2 0,-7-1 0,0 0 0</inkml:trace>
+</inkml:ink>
+</file>
+
+<file path=ppt/ink/ink30.xml><?xml version="1.0" encoding="utf-8"?>
+<inkml:ink xmlns:inkml="http://www.w3.org/2003/InkML">
+  <inkml:definitions>
+    <inkml:context xml:id="ctx0">
+      <inkml:inkSource xml:id="inkSrc0">
+        <inkml:traceFormat>
+          <inkml:channel name="X" type="integer" min="-2.14748E9" max="2.14748E9" units="cm"/>
+          <inkml:channel name="Y" type="integer" min="-2.14748E9" max="2.14748E9" units="cm"/>
+          <inkml:channel name="F" type="integer" max="32767" units="dev"/>
+        </inkml:traceFormat>
+        <inkml:channelProperties>
+          <inkml:channelProperty channel="X" name="resolution" value="1000" units="1/cm"/>
+          <inkml:channelProperty channel="Y" name="resolution" value="1000" units="1/cm"/>
+          <inkml:channelProperty channel="F" name="resolution" value="0" units="1/dev"/>
+        </inkml:channelProperties>
+      </inkml:inkSource>
+      <inkml:timestamp xml:id="ts0" timeString="2023-09-26T12:20:05.751"/>
+    </inkml:context>
+    <inkml:brush xml:id="br0">
+      <inkml:brushProperty name="width" value="0.05" units="cm"/>
+      <inkml:brushProperty name="height" value="0.05" units="cm"/>
+      <inkml:brushProperty name="color" value="#CC0066"/>
+    </inkml:brush>
+  </inkml:definitions>
+  <inkml:trace contextRef="#ctx0" brushRef="#br0">0 1 24575,'13'0'0,"1"0"0,7 0 0,2 0 0,0 0 0,0 0 0,-4 0 0,-3 0 0,-3 0 0,-5 0 0,-2 0 0,-1 0 0,-1 0 0,0 0 0,0 0 0,1 0 0,-3 0 0,0 0 0</inkml:trace>
+</inkml:ink>
+</file>
+
+<file path=ppt/ink/ink31.xml><?xml version="1.0" encoding="utf-8"?>
+<inkml:ink xmlns:inkml="http://www.w3.org/2003/InkML">
+  <inkml:definitions>
+    <inkml:context xml:id="ctx0">
+      <inkml:inkSource xml:id="inkSrc0">
+        <inkml:traceFormat>
+          <inkml:channel name="X" type="integer" min="-2.14748E9" max="2.14748E9" units="cm"/>
+          <inkml:channel name="Y" type="integer" min="-2.14748E9" max="2.14748E9" units="cm"/>
+        </inkml:traceFormat>
+        <inkml:channelProperties>
+          <inkml:channelProperty channel="X" name="resolution" value="1000" units="1/cm"/>
+          <inkml:channelProperty channel="Y" name="resolution" value="1000" units="1/cm"/>
+        </inkml:channelProperties>
+      </inkml:inkSource>
+      <inkml:timestamp xml:id="ts0" timeString="2023-09-20T14:56:32.961"/>
+    </inkml:context>
+    <inkml:brush xml:id="br0">
+      <inkml:brushProperty name="width" value="0.2" units="cm"/>
+      <inkml:brushProperty name="height" value="0.4" units="cm"/>
+      <inkml:brushProperty name="color" value="#FFACD5"/>
+      <inkml:brushProperty name="tip" value="rectangle"/>
+      <inkml:brushProperty name="rasterOp" value="maskPen"/>
+    </inkml:brush>
+  </inkml:definitions>
+  <inkml:trace contextRef="#ctx0" brushRef="#br0">1 1368,'56'-58,"5"-5,-1-2,2-5,-2-1,-2-2,2-1,2 2,2 1,3 3,-1 3,-2 5,-1 6,-5 5,-1 3,-3 2,-1 2,-6 1,-5 5,-5 3,-6 2,0 1,0-3,0-1,-2 4,-6 6,-5 8,-8 7,-4 5,-3 3</inkml:trace>
+</inkml:ink>
+</file>
+
+<file path=ppt/ink/ink32.xml><?xml version="1.0" encoding="utf-8"?>
+<inkml:ink xmlns:inkml="http://www.w3.org/2003/InkML">
+  <inkml:definitions>
+    <inkml:context xml:id="ctx0">
+      <inkml:inkSource xml:id="inkSrc0">
+        <inkml:traceFormat>
+          <inkml:channel name="X" type="integer" min="-2.14748E9" max="2.14748E9" units="cm"/>
+          <inkml:channel name="Y" type="integer" min="-2.14748E9" max="2.14748E9" units="cm"/>
+          <inkml:channel name="F" type="integer" max="32767" units="dev"/>
+        </inkml:traceFormat>
+        <inkml:channelProperties>
+          <inkml:channelProperty channel="X" name="resolution" value="1000" units="1/cm"/>
+          <inkml:channelProperty channel="Y" name="resolution" value="1000" units="1/cm"/>
+          <inkml:channelProperty channel="F" name="resolution" value="0" units="1/dev"/>
+        </inkml:channelProperties>
+      </inkml:inkSource>
+      <inkml:timestamp xml:id="ts0" timeString="2023-09-20T15:01:27.301"/>
+    </inkml:context>
+    <inkml:brush xml:id="br0">
+      <inkml:brushProperty name="width" value="0.1" units="cm"/>
+      <inkml:brushProperty name="height" value="0.1" units="cm"/>
+      <inkml:brushProperty name="color" value="#008C3A"/>
+    </inkml:brush>
+  </inkml:definitions>
+  <inkml:trace contextRef="#ctx0" brushRef="#br0">1 2675 24575,'18'-65'0,"23"-25"0,-9 28 0,4-4 0,9-12 0,4-4 0,-14 24 0,0-1 0,0-1 0,16-26 0,-1 1 0,-4 6 0,0 4 0,-5 8 0,-1 3 0,-4 8 0,0 3 0,-3 4 0,0 3 0,-2 3 0,-1 2 0,22-33 0,3 1 0,2 1 0,6-2 0,-28 37 0,0 1 0,32-31 0,-4 3 0,-5 6 0,-6 4 0,0 2 0,0-2 0,-1-3 0,-2 0 0,4 0 0,3 3 0,11-1 0,5 2 0,5 6 0,-1 5 0,-3 7 0,-4 4 0,-3 5 0,-2 4 0,-5 4 0,-3 3 0,-7 4 0,-7 4 0,-2 3 0,0 1 0,3 2 0,0 1 0,-9 0 0,-10 0 0,-14 0 0,-4 0 0</inkml:trace>
+</inkml:ink>
+</file>
+
+<file path=ppt/ink/ink33.xml><?xml version="1.0" encoding="utf-8"?>
+<inkml:ink xmlns:inkml="http://www.w3.org/2003/InkML">
+  <inkml:definitions>
+    <inkml:context xml:id="ctx0">
+      <inkml:inkSource xml:id="inkSrc0">
+        <inkml:traceFormat>
+          <inkml:channel name="X" type="integer" min="-2.14748E9" max="2.14748E9" units="cm"/>
+          <inkml:channel name="Y" type="integer" min="-2.14748E9" max="2.14748E9" units="cm"/>
+          <inkml:channel name="F" type="integer" max="32767" units="dev"/>
+        </inkml:traceFormat>
+        <inkml:channelProperties>
+          <inkml:channelProperty channel="X" name="resolution" value="1000" units="1/cm"/>
+          <inkml:channelProperty channel="Y" name="resolution" value="1000" units="1/cm"/>
+          <inkml:channelProperty channel="F" name="resolution" value="0" units="1/dev"/>
+        </inkml:channelProperties>
+      </inkml:inkSource>
+      <inkml:timestamp xml:id="ts0" timeString="2023-09-20T15:01:29.144"/>
+    </inkml:context>
+    <inkml:brush xml:id="br0">
+      <inkml:brushProperty name="width" value="0.1" units="cm"/>
+      <inkml:brushProperty name="height" value="0.1" units="cm"/>
+      <inkml:brushProperty name="color" value="#008C3A"/>
+    </inkml:brush>
+  </inkml:definitions>
+  <inkml:trace contextRef="#ctx0" brushRef="#br0">0 2631 24575,'28'0'0,"14"-9"0,23-15 0,15-22 0,-38 14 0,-1-3 0,-1-2 0,-1-2 0,0-2 0,-2-3 0,0 0 0,-1-2 0,-3 1 0,-1-2 0,0-2 0,-1-2 0,-2 2 0,-1-2 0,-2 0 0,1-1 0,0-2 0,0 0 0,-1 2 0,0 0 0,0 1 0,-1 0 0,-1 4 0,-1 0 0,-1 1 0,0 1 0,17-42 0,-3 2 0,0 2 0,0 7 0,-4 5 0,0 5 0,-3 2 0,1 0 0,1 1 0,1 0 0,2 1 0,0-1 0,-1 2 0,-2 5 0,-3 7 0,-2 7 0,3 2 0,6 3 0,8-1 0,6 1 0,4 3 0,3 5 0,-1 7 0,-7 4 0,-5 6 0,-8 3 0,-4 4 0,-1 3 0,-4 1 0,-1 1 0,-2 0 0,-3 0 0,-5 0 0,-7 0 0,-3 0 0</inkml:trace>
+</inkml:ink>
+</file>
+
+<file path=ppt/ink/ink34.xml><?xml version="1.0" encoding="utf-8"?>
+<inkml:ink xmlns:inkml="http://www.w3.org/2003/InkML">
+  <inkml:definitions>
+    <inkml:context xml:id="ctx0">
+      <inkml:inkSource xml:id="inkSrc0">
+        <inkml:traceFormat>
+          <inkml:channel name="X" type="integer" min="-2.14748E9" max="2.14748E9" units="cm"/>
+          <inkml:channel name="Y" type="integer" min="-2.14748E9" max="2.14748E9" units="cm"/>
+          <inkml:channel name="F" type="integer" max="32767" units="dev"/>
+        </inkml:traceFormat>
+        <inkml:channelProperties>
+          <inkml:channelProperty channel="X" name="resolution" value="1000" units="1/cm"/>
+          <inkml:channelProperty channel="Y" name="resolution" value="1000" units="1/cm"/>
+          <inkml:channelProperty channel="F" name="resolution" value="0" units="1/dev"/>
+        </inkml:channelProperties>
+      </inkml:inkSource>
+      <inkml:timestamp xml:id="ts0" timeString="2023-09-20T15:01:30.822"/>
+    </inkml:context>
+    <inkml:brush xml:id="br0">
+      <inkml:brushProperty name="width" value="0.1" units="cm"/>
+      <inkml:brushProperty name="height" value="0.1" units="cm"/>
+      <inkml:brushProperty name="color" value="#008C3A"/>
+    </inkml:brush>
+  </inkml:definitions>
+  <inkml:trace contextRef="#ctx0" brushRef="#br0">0 2462 24575,'30'0'0,"11"-4"0,15-14 0,19-25 0,-34 11 0,0-4 0,-1-7 0,-1-2 0,-4-3 0,-3 0 0,-3 2 0,-2-1 0,-1 1 0,-1-1 0,0 0 0,-1 0 0,1-1 0,0 0 0,-1 0 0,-1 1 0,19-42 0,-9 6 0,-9 6 0,-7 0 0,-1 1 0,-1 3 0,1 8 0,3 6 0,0 1 0,0-9 0,1-9 0,-2-8 0,4 0 0,3 6 0,3 8 0,1 7 0,-3 7 0,-2 7 0,-1 6 0,0 6 0,2 4 0,6 1 0,3 1 0,2 1 0,0-1 0,-5-1 0,-4 1 0,-4 1 0,-3 6 0,-2 6 0,-3 7 0,-2 6 0,-1 4 0,-6 1 0,-1 0 0</inkml:trace>
+</inkml:ink>
+</file>
+
+<file path=ppt/ink/ink35.xml><?xml version="1.0" encoding="utf-8"?>
+<inkml:ink xmlns:inkml="http://www.w3.org/2003/InkML">
+  <inkml:definitions>
+    <inkml:context xml:id="ctx0">
+      <inkml:inkSource xml:id="inkSrc0">
+        <inkml:traceFormat>
+          <inkml:channel name="X" type="integer" min="-2.14748E9" max="2.14748E9" units="cm"/>
+          <inkml:channel name="Y" type="integer" min="-2.14748E9" max="2.14748E9" units="cm"/>
+          <inkml:channel name="F" type="integer" max="32767" units="dev"/>
+        </inkml:traceFormat>
+        <inkml:channelProperties>
+          <inkml:channelProperty channel="X" name="resolution" value="1000" units="1/cm"/>
+          <inkml:channelProperty channel="Y" name="resolution" value="1000" units="1/cm"/>
+          <inkml:channelProperty channel="F" name="resolution" value="0" units="1/dev"/>
+        </inkml:channelProperties>
+      </inkml:inkSource>
+      <inkml:timestamp xml:id="ts0" timeString="2023-09-20T15:01:32.829"/>
+    </inkml:context>
+    <inkml:brush xml:id="br0">
+      <inkml:brushProperty name="width" value="0.1" units="cm"/>
+      <inkml:brushProperty name="height" value="0.1" units="cm"/>
+      <inkml:brushProperty name="color" value="#008C3A"/>
+    </inkml:brush>
+  </inkml:definitions>
+  <inkml:trace contextRef="#ctx0" brushRef="#br0">0 2509 24575,'24'0'0,"14"0"0,21 0 0,23 0 0,6 0 0,0 0 0,-8-6 0,-13-8 0,-8-13 0,-5-14 0,-1-7 0,4-8 0,9-7 0,8-4 0,-35 33 0,0 0 0,0 0 0,-2 0 0,29-31 0,-12 5 0,-13 0 0,-8 0 0,-3-7 0,-1-7 0,1-2 0,-4 1 0,-2 1 0,1-9 0,0-6 0,3-6 0,-2 2 0,-4 11 0,-2 4 0,-3 7 0,0 5 0,2 2 0,2 1 0,4-2 0,3-5 0,4-1 0,-1 5 0,-1 9 0,-4 12 0,-3 9 0,-2 10 0,-4 6 0,-2 3 0,-2-1 0,4-5 0,5-6 0,2-2 0,1 2 0,-3 5 0,-5 8 0,-2 8 0,-3 5 0,-2 2 0,-5 1 0,-2 0 0</inkml:trace>
+</inkml:ink>
+</file>
+
+<file path=ppt/ink/ink36.xml><?xml version="1.0" encoding="utf-8"?>
+<inkml:ink xmlns:inkml="http://www.w3.org/2003/InkML">
+  <inkml:definitions>
+    <inkml:context xml:id="ctx0">
+      <inkml:inkSource xml:id="inkSrc0">
+        <inkml:traceFormat>
+          <inkml:channel name="X" type="integer" min="-2.14748E9" max="2.14748E9" units="cm"/>
+          <inkml:channel name="Y" type="integer" min="-2.14748E9" max="2.14748E9" units="cm"/>
+          <inkml:channel name="F" type="integer" max="32767" units="dev"/>
+        </inkml:traceFormat>
+        <inkml:channelProperties>
+          <inkml:channelProperty channel="X" name="resolution" value="1000" units="1/cm"/>
+          <inkml:channelProperty channel="Y" name="resolution" value="1000" units="1/cm"/>
+          <inkml:channelProperty channel="F" name="resolution" value="0" units="1/dev"/>
+        </inkml:channelProperties>
+      </inkml:inkSource>
+      <inkml:timestamp xml:id="ts0" timeString="2023-09-20T15:01:53.030"/>
+    </inkml:context>
+    <inkml:brush xml:id="br0">
+      <inkml:brushProperty name="width" value="0.1" units="cm"/>
+      <inkml:brushProperty name="height" value="0.1" units="cm"/>
+      <inkml:brushProperty name="color" value="#008C3A"/>
+    </inkml:brush>
+  </inkml:definitions>
+  <inkml:trace contextRef="#ctx0" brushRef="#br0">1 2480 24575,'0'-18'0,"6"-5"0,11-3 0,9-5 0,31-22 0,-6 9 0,24-19 0,-12 12 0,0-6 0,-4-1 0,0-2 0,0 1 0,2 0 0,0 5 0,-6 6 0,-7 7 0,-4 3 0,3-3 0,3-5 0,2-1 0,-4 2 0,-8 6 0,-3 0 0,0-3 0,2-3 0,0 3 0,-2 1 0,2 0 0,3-6 0,6-10 0,3-3 0,1 0 0,-3 5 0,-5 8 0,-5 5 0,-4 4 0,-2-2 0,-2 0 0,2-3 0,5-5 0,5-5 0,2-6 0,1 0 0,-3 4 0,-1 3 0,1 5 0,0 4 0,-3 7 0,-3 6 0,-3 3 0,-3 2 0,-1 1 0,-1 1 0,0-3 0,1 0 0,-4 2 0,-4 3 0,-7 8 0,-7 6 0,-5 5 0</inkml:trace>
+</inkml:ink>
+</file>
+
+<file path=ppt/ink/ink37.xml><?xml version="1.0" encoding="utf-8"?>
+<inkml:ink xmlns:inkml="http://www.w3.org/2003/InkML">
+  <inkml:definitions>
+    <inkml:context xml:id="ctx0">
+      <inkml:inkSource xml:id="inkSrc0">
+        <inkml:traceFormat>
+          <inkml:channel name="X" type="integer" min="-2.14748E9" max="2.14748E9" units="cm"/>
+          <inkml:channel name="Y" type="integer" min="-2.14748E9" max="2.14748E9" units="cm"/>
+          <inkml:channel name="F" type="integer" max="32767" units="dev"/>
+        </inkml:traceFormat>
+        <inkml:channelProperties>
+          <inkml:channelProperty channel="X" name="resolution" value="1000" units="1/cm"/>
+          <inkml:channelProperty channel="Y" name="resolution" value="1000" units="1/cm"/>
+          <inkml:channelProperty channel="F" name="resolution" value="0" units="1/dev"/>
+        </inkml:channelProperties>
+      </inkml:inkSource>
+      <inkml:timestamp xml:id="ts0" timeString="2023-09-20T15:11:38.467"/>
+    </inkml:context>
+    <inkml:brush xml:id="br0">
+      <inkml:brushProperty name="width" value="0.1" units="cm"/>
+      <inkml:brushProperty name="height" value="0.1" units="cm"/>
+      <inkml:brushProperty name="color" value="#008C3A"/>
+    </inkml:brush>
+  </inkml:definitions>
+  <inkml:trace contextRef="#ctx0" brushRef="#br0">1 1 24575,'0'0'0</inkml:trace>
+</inkml:ink>
+</file>
+
+<file path=ppt/ink/ink38.xml><?xml version="1.0" encoding="utf-8"?>
+<inkml:ink xmlns:inkml="http://www.w3.org/2003/InkML">
+  <inkml:definitions>
+    <inkml:context xml:id="ctx0">
+      <inkml:inkSource xml:id="inkSrc0">
+        <inkml:traceFormat>
+          <inkml:channel name="X" type="integer" min="-2.14748E9" max="2.14748E9" units="cm"/>
+          <inkml:channel name="Y" type="integer" min="-2.14748E9" max="2.14748E9" units="cm"/>
+          <inkml:channel name="F" type="integer" max="32767" units="dev"/>
+        </inkml:traceFormat>
+        <inkml:channelProperties>
+          <inkml:channelProperty channel="X" name="resolution" value="1000" units="1/cm"/>
+          <inkml:channelProperty channel="Y" name="resolution" value="1000" units="1/cm"/>
+          <inkml:channelProperty channel="F" name="resolution" value="0" units="1/dev"/>
+        </inkml:channelProperties>
+      </inkml:inkSource>
+      <inkml:timestamp xml:id="ts0" timeString="2023-09-20T15:11:39.610"/>
+    </inkml:context>
+    <inkml:brush xml:id="br0">
+      <inkml:brushProperty name="width" value="0.1" units="cm"/>
+      <inkml:brushProperty name="height" value="0.1" units="cm"/>
+      <inkml:brushProperty name="color" value="#008C3A"/>
+    </inkml:brush>
+  </inkml:definitions>
+  <inkml:trace contextRef="#ctx0" brushRef="#br0">1 1 24575,'0'0'0</inkml:trace>
+</inkml:ink>
+</file>
+
+<file path=ppt/ink/ink39.xml><?xml version="1.0" encoding="utf-8"?>
+<inkml:ink xmlns:inkml="http://www.w3.org/2003/InkML">
+  <inkml:definitions>
+    <inkml:context xml:id="ctx0">
+      <inkml:inkSource xml:id="inkSrc0">
+        <inkml:traceFormat>
+          <inkml:channel name="X" type="integer" min="-2.14748E9" max="2.14748E9" units="cm"/>
+          <inkml:channel name="Y" type="integer" min="-2.14748E9" max="2.14748E9" units="cm"/>
+          <inkml:channel name="F" type="integer" max="32767" units="dev"/>
+        </inkml:traceFormat>
+        <inkml:channelProperties>
+          <inkml:channelProperty channel="X" name="resolution" value="1000" units="1/cm"/>
+          <inkml:channelProperty channel="Y" name="resolution" value="1000" units="1/cm"/>
+          <inkml:channelProperty channel="F" name="resolution" value="0" units="1/dev"/>
+        </inkml:channelProperties>
+      </inkml:inkSource>
+      <inkml:timestamp xml:id="ts0" timeString="2023-09-20T15:11:41.061"/>
+    </inkml:context>
+    <inkml:brush xml:id="br0">
+      <inkml:brushProperty name="width" value="0.1" units="cm"/>
+      <inkml:brushProperty name="height" value="0.1" units="cm"/>
+      <inkml:brushProperty name="color" value="#008C3A"/>
+    </inkml:brush>
+  </inkml:definitions>
+  <inkml:trace contextRef="#ctx0" brushRef="#br0">0 0 24575,'0'0'0</inkml:trace>
+</inkml:ink>
+</file>
+
+<file path=ppt/ink/ink4.xml><?xml version="1.0" encoding="utf-8"?>
+<inkml:ink xmlns:inkml="http://www.w3.org/2003/InkML">
+  <inkml:definitions>
+    <inkml:context xml:id="ctx0">
+      <inkml:inkSource xml:id="inkSrc0">
+        <inkml:traceFormat>
+          <inkml:channel name="X" type="integer" min="-2.14748E9" max="2.14748E9" units="cm"/>
+          <inkml:channel name="Y" type="integer" min="-2.14748E9" max="2.14748E9" units="cm"/>
+          <inkml:channel name="F" type="integer" max="32767" units="dev"/>
+        </inkml:traceFormat>
+        <inkml:channelProperties>
+          <inkml:channelProperty channel="X" name="resolution" value="1000" units="1/cm"/>
+          <inkml:channelProperty channel="Y" name="resolution" value="1000" units="1/cm"/>
+          <inkml:channelProperty channel="F" name="resolution" value="0" units="1/dev"/>
+        </inkml:channelProperties>
+      </inkml:inkSource>
+      <inkml:timestamp xml:id="ts0" timeString="2023-09-26T07:22:27.276"/>
+    </inkml:context>
+    <inkml:brush xml:id="br0">
+      <inkml:brushProperty name="width" value="0.1" units="cm"/>
+      <inkml:brushProperty name="height" value="0.1" units="cm"/>
+      <inkml:brushProperty name="color" value="#008C3A"/>
+    </inkml:brush>
+  </inkml:definitions>
+  <inkml:trace contextRef="#ctx0" brushRef="#br0">1 1 24575,'60'0'0,"-14"0"0,31 0 0,-37 0 0,12 0 0,-24 0 0,4 0 0,-9 0 0,-10 0 0,-3 0 0</inkml:trace>
+</inkml:ink>
+</file>
+
+<file path=ppt/ink/ink40.xml><?xml version="1.0" encoding="utf-8"?>
+<inkml:ink xmlns:inkml="http://www.w3.org/2003/InkML">
+  <inkml:definitions>
+    <inkml:context xml:id="ctx0">
+      <inkml:inkSource xml:id="inkSrc0">
+        <inkml:traceFormat>
+          <inkml:channel name="X" type="integer" min="-2.14748E9" max="2.14748E9" units="cm"/>
+          <inkml:channel name="Y" type="integer" min="-2.14748E9" max="2.14748E9" units="cm"/>
+          <inkml:channel name="F" type="integer" max="32767" units="dev"/>
+        </inkml:traceFormat>
+        <inkml:channelProperties>
+          <inkml:channelProperty channel="X" name="resolution" value="1000" units="1/cm"/>
+          <inkml:channelProperty channel="Y" name="resolution" value="1000" units="1/cm"/>
+          <inkml:channelProperty channel="F" name="resolution" value="0" units="1/dev"/>
+        </inkml:channelProperties>
+      </inkml:inkSource>
+      <inkml:timestamp xml:id="ts0" timeString="2023-09-18T14:17:32.452"/>
+    </inkml:context>
+    <inkml:brush xml:id="br0">
+      <inkml:brushProperty name="width" value="0.1" units="cm"/>
+      <inkml:brushProperty name="height" value="0.1" units="cm"/>
+      <inkml:brushProperty name="color" value="#008C3A"/>
+    </inkml:brush>
+  </inkml:definitions>
+  <inkml:trace contextRef="#ctx0" brushRef="#br0">89 1 24575,'0'38'0,"0"14"0,0 13 0,0-3 0,0-17 0,0-17 0,0-8 0,0-4 0,2-4 0,4-9 0,3-14 0,1-6 0,0-7 0,0-4 0,2 5 0,2 1 0,1 6 0,1 6 0,2 4 0,-1 1 0,-2 2 0,2 3 0,1 0 0,4 0 0,4 0 0,6 6 0,4 6 0,3 8 0,-3 5 0,-5 0 0,-6 0 0,-8-1 0,-5 1 0,-7-1 0,-2 0 0,-3 0 0,0-2 0,0-1 0,0 0 0,0 1 0,-4 2 0,-6 1 0,-4-3 0,-6-1 0,-2-5 0,-1-6 0,-4-1 0,2-5 0,-3-1 0,-1 0 0,2-3 0,0 0 0,2 0 0,1 0 0,-2 0 0,-2 0 0,-3 0 0,-5 0 0,-1 0 0,2 0 0,7 0 0,9 0 0,9-2 0,5-1 0,3 0 0,2 1 0</inkml:trace>
+</inkml:ink>
+</file>
+
+<file path=ppt/ink/ink41.xml><?xml version="1.0" encoding="utf-8"?>
+<inkml:ink xmlns:inkml="http://www.w3.org/2003/InkML">
+  <inkml:definitions>
+    <inkml:context xml:id="ctx0">
+      <inkml:inkSource xml:id="inkSrc0">
+        <inkml:traceFormat>
+          <inkml:channel name="X" type="integer" min="-2.14748E9" max="2.14748E9" units="cm"/>
+          <inkml:channel name="Y" type="integer" min="-2.14748E9" max="2.14748E9" units="cm"/>
+          <inkml:channel name="F" type="integer" max="32767" units="dev"/>
+        </inkml:traceFormat>
+        <inkml:channelProperties>
+          <inkml:channelProperty channel="X" name="resolution" value="1000" units="1/cm"/>
+          <inkml:channelProperty channel="Y" name="resolution" value="1000" units="1/cm"/>
+          <inkml:channelProperty channel="F" name="resolution" value="0" units="1/dev"/>
+        </inkml:channelProperties>
+      </inkml:inkSource>
+      <inkml:timestamp xml:id="ts0" timeString="2023-09-18T14:17:33.384"/>
+    </inkml:context>
+    <inkml:brush xml:id="br0">
+      <inkml:brushProperty name="width" value="0.1" units="cm"/>
+      <inkml:brushProperty name="height" value="0.1" units="cm"/>
+      <inkml:brushProperty name="color" value="#008C3A"/>
+    </inkml:brush>
+  </inkml:definitions>
+  <inkml:trace contextRef="#ctx0" brushRef="#br0">0 0 24575,'16'0'0,"8"0"0,7 0 0,9 0 0,-2 0 0,-7 0 0,-6 0 0,7 0 0,10 0 0,10 0 0,6 0 0,-11 0 0,-17 0 0,-14 0 0</inkml:trace>
+</inkml:ink>
+</file>
+
+<file path=ppt/ink/ink42.xml><?xml version="1.0" encoding="utf-8"?>
+<inkml:ink xmlns:inkml="http://www.w3.org/2003/InkML">
+  <inkml:definitions>
+    <inkml:context xml:id="ctx0">
+      <inkml:inkSource xml:id="inkSrc0">
+        <inkml:traceFormat>
+          <inkml:channel name="X" type="integer" min="-2.14748E9" max="2.14748E9" units="cm"/>
+          <inkml:channel name="Y" type="integer" min="-2.14748E9" max="2.14748E9" units="cm"/>
+          <inkml:channel name="F" type="integer" max="32767" units="dev"/>
+        </inkml:traceFormat>
+        <inkml:channelProperties>
+          <inkml:channelProperty channel="X" name="resolution" value="1000" units="1/cm"/>
+          <inkml:channelProperty channel="Y" name="resolution" value="1000" units="1/cm"/>
+          <inkml:channelProperty channel="F" name="resolution" value="0" units="1/dev"/>
+        </inkml:channelProperties>
+      </inkml:inkSource>
+      <inkml:timestamp xml:id="ts0" timeString="2023-09-18T14:17:35.366"/>
+    </inkml:context>
+    <inkml:brush xml:id="br0">
+      <inkml:brushProperty name="width" value="0.1" units="cm"/>
+      <inkml:brushProperty name="height" value="0.1" units="cm"/>
+      <inkml:brushProperty name="color" value="#008C3A"/>
+    </inkml:brush>
+  </inkml:definitions>
+  <inkml:trace contextRef="#ctx0" brushRef="#br0">71 0 24575,'0'52'0,"0"19"0,-4-21 0,-1 2 0,-2-1 0,-1 0 0,-11 46 0,1-16 0,9-23 0,9-18 0,16-25 0,23-11 0,23-7 0,18-1 0,5 0 0,-5 0 0,-9 4 0,-12-3 0,-8-7 0,-10-4 0,-6-6 0,-5-1 0,-10-1 0,-10-3 0,-5 1 0,-5 0 0,0 2 0,0 3 0,0 2 0,-2 4 0,-6 1 0,-9 3 0,-5 4 0,-1 3 0,5 10 0,7 15 0,2 19 0,2 18 0,-1 17 0,1 19 0,5-37 0,0 2 0,1 11 0,0 3 0,0 8 0,2 2 0,-1 4 0,0 0 0,0-2 0,0-1 0,0-8 0,0-5 0,-1-11 0,2-5 0,1 28 0,2-30 0,0-28 0,-1-13 0</inkml:trace>
+</inkml:ink>
+</file>
+
+<file path=ppt/ink/ink43.xml><?xml version="1.0" encoding="utf-8"?>
+<inkml:ink xmlns:inkml="http://www.w3.org/2003/InkML">
+  <inkml:definitions>
+    <inkml:context xml:id="ctx0">
+      <inkml:inkSource xml:id="inkSrc0">
+        <inkml:traceFormat>
+          <inkml:channel name="X" type="integer" min="-2.14748E9" max="2.14748E9" units="cm"/>
+          <inkml:channel name="Y" type="integer" min="-2.14748E9" max="2.14748E9" units="cm"/>
+          <inkml:channel name="F" type="integer" max="32767" units="dev"/>
+        </inkml:traceFormat>
+        <inkml:channelProperties>
+          <inkml:channelProperty channel="X" name="resolution" value="1000" units="1/cm"/>
+          <inkml:channelProperty channel="Y" name="resolution" value="1000" units="1/cm"/>
+          <inkml:channelProperty channel="F" name="resolution" value="0" units="1/dev"/>
+        </inkml:channelProperties>
+      </inkml:inkSource>
+      <inkml:timestamp xml:id="ts0" timeString="2023-09-18T14:17:38.662"/>
+    </inkml:context>
+    <inkml:brush xml:id="br0">
+      <inkml:brushProperty name="width" value="0.1" units="cm"/>
+      <inkml:brushProperty name="height" value="0.1" units="cm"/>
+      <inkml:brushProperty name="color" value="#008C3A"/>
+    </inkml:brush>
+  </inkml:definitions>
+  <inkml:trace contextRef="#ctx0" brushRef="#br0">52 0 24575,'0'38'0,"0"4"0,0 5 0,0-8 0,0-8 0,0-7 0,0-5 0,0-1 0,0-5 0,0-5 0,3-3 0,4-8 0,8-5 0,2-2 0,4-1 0,0-1 0,4-1 0,3-2 0,1 3 0,-2 3 0,-2 3 0,-2 3 0,-4 1 0,-1 2 0,-3 0 0,3 0 0,-1 0 0,-1 0 0,-1 2 0,-3 5 0,-1 7 0,1 6 0,0 4 0,-2 4 0,-1 3 0,-1 1 0,-4 3 0,-1 0 0,-3-2 0,0 2 0,0-3 0,0-4 0,0-1 0,-1-5 0,-5-2 0,-7-2 0,-9-3 0,-6-2 0,-3-1 0,-5-3 0,0 0 0,1-3 0,3-3 0,2 0 0,0-3 0,2 0 0,-3 0 0,2 0 0,0 0 0,3 0 0,8-3 0,3-1 0,6-4 0,5 0 0,2 0 0,2-1 0,0 4 0,0 0 0</inkml:trace>
+</inkml:ink>
+</file>
+
+<file path=ppt/ink/ink44.xml><?xml version="1.0" encoding="utf-8"?>
+<inkml:ink xmlns:inkml="http://www.w3.org/2003/InkML">
+  <inkml:definitions>
+    <inkml:context xml:id="ctx0">
+      <inkml:inkSource xml:id="inkSrc0">
+        <inkml:traceFormat>
+          <inkml:channel name="X" type="integer" min="-2.14748E9" max="2.14748E9" units="cm"/>
+          <inkml:channel name="Y" type="integer" min="-2.14748E9" max="2.14748E9" units="cm"/>
+          <inkml:channel name="F" type="integer" max="32767" units="dev"/>
+        </inkml:traceFormat>
+        <inkml:channelProperties>
+          <inkml:channelProperty channel="X" name="resolution" value="1000" units="1/cm"/>
+          <inkml:channelProperty channel="Y" name="resolution" value="1000" units="1/cm"/>
+          <inkml:channelProperty channel="F" name="resolution" value="0" units="1/dev"/>
+        </inkml:channelProperties>
+      </inkml:inkSource>
+      <inkml:timestamp xml:id="ts0" timeString="2023-09-18T14:17:39.759"/>
+    </inkml:context>
+    <inkml:brush xml:id="br0">
+      <inkml:brushProperty name="width" value="0.1" units="cm"/>
+      <inkml:brushProperty name="height" value="0.1" units="cm"/>
+      <inkml:brushProperty name="color" value="#008C3A"/>
+    </inkml:brush>
+  </inkml:definitions>
+  <inkml:trace contextRef="#ctx0" brushRef="#br0">0 71 24575,'16'0'0,"2"0"0,-2 0 0,1 0 0,0 0 0,6 0 0,8 0 0,10 0 0,5 0 0,-1 0 0,-1-5 0,-4-2 0,-1-1 0,-3 0 0,-7 2 0,-11-1 0,-9-7 0,-6 8 0,-3-3 0</inkml:trace>
+</inkml:ink>
+</file>
+
+<file path=ppt/ink/ink45.xml><?xml version="1.0" encoding="utf-8"?>
+<inkml:ink xmlns:inkml="http://www.w3.org/2003/InkML">
+  <inkml:definitions>
+    <inkml:context xml:id="ctx0">
+      <inkml:inkSource xml:id="inkSrc0">
+        <inkml:traceFormat>
+          <inkml:channel name="X" type="integer" min="-2.14748E9" max="2.14748E9" units="cm"/>
+          <inkml:channel name="Y" type="integer" min="-2.14748E9" max="2.14748E9" units="cm"/>
+          <inkml:channel name="F" type="integer" max="32767" units="dev"/>
+        </inkml:traceFormat>
+        <inkml:channelProperties>
+          <inkml:channelProperty channel="X" name="resolution" value="1000" units="1/cm"/>
+          <inkml:channelProperty channel="Y" name="resolution" value="1000" units="1/cm"/>
+          <inkml:channelProperty channel="F" name="resolution" value="0" units="1/dev"/>
+        </inkml:channelProperties>
+      </inkml:inkSource>
+      <inkml:timestamp xml:id="ts0" timeString="2023-09-18T14:18:08.483"/>
+    </inkml:context>
+    <inkml:brush xml:id="br0">
+      <inkml:brushProperty name="width" value="0.1" units="cm"/>
+      <inkml:brushProperty name="height" value="0.1" units="cm"/>
+      <inkml:brushProperty name="color" value="#008C3A"/>
+    </inkml:brush>
+  </inkml:definitions>
+  <inkml:trace contextRef="#ctx0" brushRef="#br0">1 1 24575,'0'0'0</inkml:trace>
+</inkml:ink>
+</file>
+
+<file path=ppt/ink/ink46.xml><?xml version="1.0" encoding="utf-8"?>
+<inkml:ink xmlns:inkml="http://www.w3.org/2003/InkML">
+  <inkml:definitions>
+    <inkml:context xml:id="ctx0">
+      <inkml:inkSource xml:id="inkSrc0">
+        <inkml:traceFormat>
+          <inkml:channel name="X" type="integer" min="-2.14748E9" max="2.14748E9" units="cm"/>
+          <inkml:channel name="Y" type="integer" min="-2.14748E9" max="2.14748E9" units="cm"/>
+          <inkml:channel name="F" type="integer" max="32767" units="dev"/>
+        </inkml:traceFormat>
+        <inkml:channelProperties>
+          <inkml:channelProperty channel="X" name="resolution" value="1000" units="1/cm"/>
+          <inkml:channelProperty channel="Y" name="resolution" value="1000" units="1/cm"/>
+          <inkml:channelProperty channel="F" name="resolution" value="0" units="1/dev"/>
+        </inkml:channelProperties>
+      </inkml:inkSource>
+      <inkml:timestamp xml:id="ts0" timeString="2023-09-18T14:18:10.209"/>
+    </inkml:context>
+    <inkml:brush xml:id="br0">
+      <inkml:brushProperty name="width" value="0.1" units="cm"/>
+      <inkml:brushProperty name="height" value="0.1" units="cm"/>
+      <inkml:brushProperty name="color" value="#008C3A"/>
+    </inkml:brush>
+  </inkml:definitions>
+  <inkml:trace contextRef="#ctx0" brushRef="#br0">0 1 24575,'18'6'0,"5"-1"0,9-5 0,-3 0 0,-3 0 0,-6 0 0,0 0 0,14 0 0,20 0 0,13 0 0,2 2 0,-15 6 0,-17 6 0,-15 2 0,-11-2 0,-13 6 0,-25 15 0,-26 21 0,15-21 0,-2 2 0,-4 0 0,-1 0 0,-30 27 0,20-15 0,23-16 0,21-14 0,22-11 0,23-6 0,14-2 0,12 0 0,4 0 0,-3 0 0,-6 2 0,-14 4 0,-15 3 0,-7 5 0,-3 4 0,-4 3 0,-2 7 0,-2 0 0,-2 0 0,-2-3 0,-8-8 0,-14-2 0,-29-1 0,-26 4 0,-18 2 0,-1-4 0,20-4 0,25-5 0,24-3 0,15-3 0</inkml:trace>
+</inkml:ink>
+</file>
+
+<file path=ppt/ink/ink47.xml><?xml version="1.0" encoding="utf-8"?>
+<inkml:ink xmlns:inkml="http://www.w3.org/2003/InkML">
+  <inkml:definitions>
+    <inkml:context xml:id="ctx0">
+      <inkml:inkSource xml:id="inkSrc0">
+        <inkml:traceFormat>
+          <inkml:channel name="X" type="integer" min="-2.14748E9" max="2.14748E9" units="cm"/>
+          <inkml:channel name="Y" type="integer" min="-2.14748E9" max="2.14748E9" units="cm"/>
+          <inkml:channel name="F" type="integer" max="32767" units="dev"/>
+        </inkml:traceFormat>
+        <inkml:channelProperties>
+          <inkml:channelProperty channel="X" name="resolution" value="1000" units="1/cm"/>
+          <inkml:channelProperty channel="Y" name="resolution" value="1000" units="1/cm"/>
+          <inkml:channelProperty channel="F" name="resolution" value="0" units="1/dev"/>
+        </inkml:channelProperties>
+      </inkml:inkSource>
+      <inkml:timestamp xml:id="ts0" timeString="2023-09-18T14:18:11.471"/>
+    </inkml:context>
+    <inkml:brush xml:id="br0">
+      <inkml:brushProperty name="width" value="0.1" units="cm"/>
+      <inkml:brushProperty name="height" value="0.1" units="cm"/>
+      <inkml:brushProperty name="color" value="#008C3A"/>
+    </inkml:brush>
+  </inkml:definitions>
+  <inkml:trace contextRef="#ctx0" brushRef="#br0">1 0 24575,'0'21'0,"0"11"0,0 16 0,0-1 0,0 3 0,0 6 0,0 8 0,0 17 0,0-1 0,0-10 0,0-13 0,0-15 0,0-14 0,0-15 0,0-4 0</inkml:trace>
+</inkml:ink>
+</file>
+
+<file path=ppt/ink/ink48.xml><?xml version="1.0" encoding="utf-8"?>
+<inkml:ink xmlns:inkml="http://www.w3.org/2003/InkML">
+  <inkml:definitions>
+    <inkml:context xml:id="ctx0">
+      <inkml:inkSource xml:id="inkSrc0">
+        <inkml:traceFormat>
+          <inkml:channel name="X" type="integer" min="-2.14748E9" max="2.14748E9" units="cm"/>
+          <inkml:channel name="Y" type="integer" min="-2.14748E9" max="2.14748E9" units="cm"/>
+          <inkml:channel name="F" type="integer" max="32767" units="dev"/>
+        </inkml:traceFormat>
+        <inkml:channelProperties>
+          <inkml:channelProperty channel="X" name="resolution" value="1000" units="1/cm"/>
+          <inkml:channelProperty channel="Y" name="resolution" value="1000" units="1/cm"/>
+          <inkml:channelProperty channel="F" name="resolution" value="0" units="1/dev"/>
+        </inkml:channelProperties>
+      </inkml:inkSource>
+      <inkml:timestamp xml:id="ts0" timeString="2023-09-18T14:18:11.925"/>
+    </inkml:context>
+    <inkml:brush xml:id="br0">
+      <inkml:brushProperty name="width" value="0.1" units="cm"/>
+      <inkml:brushProperty name="height" value="0.1" units="cm"/>
+      <inkml:brushProperty name="color" value="#008C3A"/>
+    </inkml:brush>
+  </inkml:definitions>
+  <inkml:trace contextRef="#ctx0" brushRef="#br0">0 0 24575,'0'0'0</inkml:trace>
+</inkml:ink>
+</file>
+
+<file path=ppt/ink/ink49.xml><?xml version="1.0" encoding="utf-8"?>
+<inkml:ink xmlns:inkml="http://www.w3.org/2003/InkML">
+  <inkml:definitions>
+    <inkml:context xml:id="ctx0">
+      <inkml:inkSource xml:id="inkSrc0">
+        <inkml:traceFormat>
+          <inkml:channel name="X" type="integer" min="-2.14748E9" max="2.14748E9" units="cm"/>
+          <inkml:channel name="Y" type="integer" min="-2.14748E9" max="2.14748E9" units="cm"/>
+          <inkml:channel name="F" type="integer" max="32767" units="dev"/>
+        </inkml:traceFormat>
+        <inkml:channelProperties>
+          <inkml:channelProperty channel="X" name="resolution" value="1000" units="1/cm"/>
+          <inkml:channelProperty channel="Y" name="resolution" value="1000" units="1/cm"/>
+          <inkml:channelProperty channel="F" name="resolution" value="0" units="1/dev"/>
+        </inkml:channelProperties>
+      </inkml:inkSource>
+      <inkml:timestamp xml:id="ts0" timeString="2023-09-18T14:18:13.855"/>
+    </inkml:context>
+    <inkml:brush xml:id="br0">
+      <inkml:brushProperty name="width" value="0.1" units="cm"/>
+      <inkml:brushProperty name="height" value="0.1" units="cm"/>
+      <inkml:brushProperty name="color" value="#008C3A"/>
+    </inkml:brush>
+  </inkml:definitions>
+  <inkml:trace contextRef="#ctx0" brushRef="#br0">1 0 24575,'0'48'0,"0"-6"0,0-6 0,0-10 0,0-15 0,2-7 0,6-8 0,1-5 0,6-3 0,-1-2 0,3 3 0,4 2 0,1 4 0,2 1 0,0 1 0,7 1 0,9 2 0,8 0 0,3 0 0,-7 0 0,-10 0 0,-8 0 0,-6 1 0,-5 4 0,-5 3 0,-3 5 0,-1 3 0,1 2 0,2 3 0,0 5 0,3 9 0,1 6 0,-1 2 0,-2-1 0,-4-6 0,-3-5 0,-3-4 0,0-3 0,0 1 0,0-1 0,0 0 0,0-4 0,0-3 0,-2-4 0,-4-3 0,-6-2 0,-5 0 0,-4-2 0,-2-3 0,-2 0 0,4-3 0,1 0 0,3 0 0,0 0 0,-1 0 0,-1-3 0,1-1 0,2-3 0,5-3 0,6 1 0,2-1 0,3 0 0,0 3 0,0 2 0,0 2 0</inkml:trace>
+</inkml:ink>
+</file>
+
+<file path=ppt/ink/ink5.xml><?xml version="1.0" encoding="utf-8"?>
+<inkml:ink xmlns:inkml="http://www.w3.org/2003/InkML">
+  <inkml:definitions>
+    <inkml:context xml:id="ctx0">
+      <inkml:inkSource xml:id="inkSrc0">
+        <inkml:traceFormat>
+          <inkml:channel name="X" type="integer" min="-2.14748E9" max="2.14748E9" units="cm"/>
+          <inkml:channel name="Y" type="integer" min="-2.14748E9" max="2.14748E9" units="cm"/>
+          <inkml:channel name="F" type="integer" max="32767" units="dev"/>
+        </inkml:traceFormat>
+        <inkml:channelProperties>
+          <inkml:channelProperty channel="X" name="resolution" value="1000" units="1/cm"/>
+          <inkml:channelProperty channel="Y" name="resolution" value="1000" units="1/cm"/>
+          <inkml:channelProperty channel="F" name="resolution" value="0" units="1/dev"/>
+        </inkml:channelProperties>
+      </inkml:inkSource>
+      <inkml:timestamp xml:id="ts0" timeString="2023-09-26T07:22:29.171"/>
+    </inkml:context>
+    <inkml:brush xml:id="br0">
+      <inkml:brushProperty name="width" value="0.1" units="cm"/>
+      <inkml:brushProperty name="height" value="0.1" units="cm"/>
+      <inkml:brushProperty name="color" value="#008C3A"/>
+    </inkml:brush>
+  </inkml:definitions>
+  <inkml:trace contextRef="#ctx0" brushRef="#br0">0 1 24575,'12'0'0,"0"0"0,0 0 0,7 0 0,-3 0 0,5 0 0,-7 0 0,-4 0 0,-3 0 0,-2 0 0,0 0 0,1 0 0,-1 0 0,-2 0 0,-1 0 0</inkml:trace>
+</inkml:ink>
+</file>
+
+<file path=ppt/ink/ink50.xml><?xml version="1.0" encoding="utf-8"?>
+<inkml:ink xmlns:inkml="http://www.w3.org/2003/InkML">
+  <inkml:definitions>
+    <inkml:context xml:id="ctx0">
+      <inkml:inkSource xml:id="inkSrc0">
+        <inkml:traceFormat>
+          <inkml:channel name="X" type="integer" min="-2.14748E9" max="2.14748E9" units="cm"/>
+          <inkml:channel name="Y" type="integer" min="-2.14748E9" max="2.14748E9" units="cm"/>
+          <inkml:channel name="F" type="integer" max="32767" units="dev"/>
+        </inkml:traceFormat>
+        <inkml:channelProperties>
+          <inkml:channelProperty channel="X" name="resolution" value="1000" units="1/cm"/>
+          <inkml:channelProperty channel="Y" name="resolution" value="1000" units="1/cm"/>
+          <inkml:channelProperty channel="F" name="resolution" value="0" units="1/dev"/>
+        </inkml:channelProperties>
+      </inkml:inkSource>
+      <inkml:timestamp xml:id="ts0" timeString="2023-09-18T14:18:15.159"/>
+    </inkml:context>
+    <inkml:brush xml:id="br0">
+      <inkml:brushProperty name="width" value="0.1" units="cm"/>
+      <inkml:brushProperty name="height" value="0.1" units="cm"/>
+      <inkml:brushProperty name="color" value="#008C3A"/>
+    </inkml:brush>
+  </inkml:definitions>
+  <inkml:trace contextRef="#ctx0" brushRef="#br0">1 123 24575,'19'0'0,"12"0"0,15 0 0,2 0 0,2 0 0,-4 0 0,-2 0 0,3-3 0,-5-1 0,-6-3 0,-2-2 0,-3-2 0,1-1 0,0-2 0,-4 1 0,-2 2 0,-9 1 0,-7 3 0,-5-3 0,-5 4 0,0 1 0</inkml:trace>
+</inkml:ink>
+</file>
+
+<file path=ppt/ink/ink51.xml><?xml version="1.0" encoding="utf-8"?>
+<inkml:ink xmlns:inkml="http://www.w3.org/2003/InkML">
+  <inkml:definitions>
+    <inkml:context xml:id="ctx0">
+      <inkml:inkSource xml:id="inkSrc0">
+        <inkml:traceFormat>
+          <inkml:channel name="X" type="integer" min="-2.14748E9" max="2.14748E9" units="cm"/>
+          <inkml:channel name="Y" type="integer" min="-2.14748E9" max="2.14748E9" units="cm"/>
+          <inkml:channel name="F" type="integer" max="32767" units="dev"/>
+        </inkml:traceFormat>
+        <inkml:channelProperties>
+          <inkml:channelProperty channel="X" name="resolution" value="1000" units="1/cm"/>
+          <inkml:channelProperty channel="Y" name="resolution" value="1000" units="1/cm"/>
+          <inkml:channelProperty channel="F" name="resolution" value="0" units="1/dev"/>
+        </inkml:channelProperties>
+      </inkml:inkSource>
+      <inkml:timestamp xml:id="ts0" timeString="2023-09-18T14:18:59.799"/>
+    </inkml:context>
+    <inkml:brush xml:id="br0">
+      <inkml:brushProperty name="width" value="0.1" units="cm"/>
+      <inkml:brushProperty name="height" value="0.1" units="cm"/>
+      <inkml:brushProperty name="color" value="#008C3A"/>
+    </inkml:brush>
+  </inkml:definitions>
+  <inkml:trace contextRef="#ctx0" brushRef="#br0">0 0 24575,'49'0'0,"0"0"0,7 0 0,-3 0 0,4 0 0,0 3 0,-7 0 0,-5 3 0,-14 4 0,-10 2 0,-5 6 0,-3 10 0,2 14 0,2 15 0,0 11 0,-3-1 0,-8 1 0,-8 3 0,-23 7 0,6-32 0,-4-1 0,-5 0 0,-1 0 0,-28 35 0,14-16 0,17-23 0,12-16 0,7-11 0,4-5 0,0-1 0,3 6 0,0 4 0,0 4 0,0 2 0,0-2 0,2-7 0,4-7 0,11-5 0,17-3 0,17 0 0,10 0 0,-4-3 0,-11 0 0,-14 0 0,-17 0 0,-5 3 0</inkml:trace>
+</inkml:ink>
+</file>
+
+<file path=ppt/ink/ink52.xml><?xml version="1.0" encoding="utf-8"?>
+<inkml:ink xmlns:inkml="http://www.w3.org/2003/InkML">
+  <inkml:definitions>
+    <inkml:context xml:id="ctx0">
+      <inkml:inkSource xml:id="inkSrc0">
+        <inkml:traceFormat>
+          <inkml:channel name="X" type="integer" min="-2.14748E9" max="2.14748E9" units="cm"/>
+          <inkml:channel name="Y" type="integer" min="-2.14748E9" max="2.14748E9" units="cm"/>
+          <inkml:channel name="F" type="integer" max="32767" units="dev"/>
+        </inkml:traceFormat>
+        <inkml:channelProperties>
+          <inkml:channelProperty channel="X" name="resolution" value="1000" units="1/cm"/>
+          <inkml:channelProperty channel="Y" name="resolution" value="1000" units="1/cm"/>
+          <inkml:channelProperty channel="F" name="resolution" value="0" units="1/dev"/>
+        </inkml:channelProperties>
+      </inkml:inkSource>
+      <inkml:timestamp xml:id="ts0" timeString="2023-09-18T14:19:00.225"/>
+    </inkml:context>
+    <inkml:brush xml:id="br0">
+      <inkml:brushProperty name="width" value="0.1" units="cm"/>
+      <inkml:brushProperty name="height" value="0.1" units="cm"/>
+      <inkml:brushProperty name="color" value="#008C3A"/>
+    </inkml:brush>
+  </inkml:definitions>
+  <inkml:trace contextRef="#ctx0" brushRef="#br0">1 0 24575,'0'0'0</inkml:trace>
+</inkml:ink>
+</file>
+
+<file path=ppt/ink/ink53.xml><?xml version="1.0" encoding="utf-8"?>
+<inkml:ink xmlns:inkml="http://www.w3.org/2003/InkML">
+  <inkml:definitions>
+    <inkml:context xml:id="ctx0">
+      <inkml:inkSource xml:id="inkSrc0">
+        <inkml:traceFormat>
+          <inkml:channel name="X" type="integer" min="-2.14748E9" max="2.14748E9" units="cm"/>
+          <inkml:channel name="Y" type="integer" min="-2.14748E9" max="2.14748E9" units="cm"/>
+          <inkml:channel name="F" type="integer" max="32767" units="dev"/>
+        </inkml:traceFormat>
+        <inkml:channelProperties>
+          <inkml:channelProperty channel="X" name="resolution" value="1000" units="1/cm"/>
+          <inkml:channelProperty channel="Y" name="resolution" value="1000" units="1/cm"/>
+          <inkml:channelProperty channel="F" name="resolution" value="0" units="1/dev"/>
+        </inkml:channelProperties>
+      </inkml:inkSource>
+      <inkml:timestamp xml:id="ts0" timeString="2023-09-18T14:19:01.734"/>
+    </inkml:context>
+    <inkml:brush xml:id="br0">
+      <inkml:brushProperty name="width" value="0.1" units="cm"/>
+      <inkml:brushProperty name="height" value="0.1" units="cm"/>
+      <inkml:brushProperty name="color" value="#008C3A"/>
+    </inkml:brush>
+  </inkml:definitions>
+  <inkml:trace contextRef="#ctx0" brushRef="#br0">0 59 24575,'0'15'0,"0"13"0,0 22 0,0 8 0,0 3 0,0-11 0,0-20 0,0-12 0,3-20 0,5-21 0,7-8 0,13-13 0,16-10 0,13-2 0,8-2 0,-1 10 0,-6 18 0,-4 14 0,1 9 0,7 7 0,5 4 0,1 10 0,-2 12 0,-9 13 0,-10 9 0,-8 2 0,-12-1 0,-11-3 0,-8 3 0,-7 13 0,-1 20 0,0 16 0,-2-45 0,-1-1 0,-8 39 0,-6-21 0,-3-21 0,-5-15 0,-10-5 0,-13-3 0,-11-1 0,4-8 0,10-4 0,17-7 0,14-3 0,10 0 0</inkml:trace>
+</inkml:ink>
+</file>
+
+<file path=ppt/ink/ink54.xml><?xml version="1.0" encoding="utf-8"?>
+<inkml:ink xmlns:inkml="http://www.w3.org/2003/InkML">
+  <inkml:definitions>
+    <inkml:context xml:id="ctx0">
+      <inkml:inkSource xml:id="inkSrc0">
+        <inkml:traceFormat>
+          <inkml:channel name="X" type="integer" min="-2.14748E9" max="2.14748E9" units="cm"/>
+          <inkml:channel name="Y" type="integer" min="-2.14748E9" max="2.14748E9" units="cm"/>
+          <inkml:channel name="F" type="integer" max="32767" units="dev"/>
+        </inkml:traceFormat>
+        <inkml:channelProperties>
+          <inkml:channelProperty channel="X" name="resolution" value="1000" units="1/cm"/>
+          <inkml:channelProperty channel="Y" name="resolution" value="1000" units="1/cm"/>
+          <inkml:channelProperty channel="F" name="resolution" value="0" units="1/dev"/>
+        </inkml:channelProperties>
+      </inkml:inkSource>
+      <inkml:timestamp xml:id="ts0" timeString="2023-09-18T14:19:02.534"/>
+    </inkml:context>
+    <inkml:brush xml:id="br0">
+      <inkml:brushProperty name="width" value="0.1" units="cm"/>
+      <inkml:brushProperty name="height" value="0.1" units="cm"/>
+      <inkml:brushProperty name="color" value="#008C3A"/>
+    </inkml:brush>
+  </inkml:definitions>
+  <inkml:trace contextRef="#ctx0" brushRef="#br0">0 534 24575,'29'-20'0,"19"-18"0,27-23 0,-34 27 0,2-1 0,2 0 0,0-1 0,1 4 0,0 0 0,0 1 0,0 1 0,-1 0 0,-1 2 0,23-14 0,-24 11 0,-23 17 0,-14 9 0</inkml:trace>
+</inkml:ink>
+</file>
+
+<file path=ppt/ink/ink6.xml><?xml version="1.0" encoding="utf-8"?>
+<inkml:ink xmlns:inkml="http://www.w3.org/2003/InkML">
+  <inkml:definitions>
+    <inkml:context xml:id="ctx0">
+      <inkml:inkSource xml:id="inkSrc0">
+        <inkml:traceFormat>
+          <inkml:channel name="X" type="integer" min="-2.14748E9" max="2.14748E9" units="cm"/>
+          <inkml:channel name="Y" type="integer" min="-2.14748E9" max="2.14748E9" units="cm"/>
+          <inkml:channel name="F" type="integer" max="32767" units="dev"/>
+        </inkml:traceFormat>
+        <inkml:channelProperties>
+          <inkml:channelProperty channel="X" name="resolution" value="1000" units="1/cm"/>
+          <inkml:channelProperty channel="Y" name="resolution" value="1000" units="1/cm"/>
+          <inkml:channelProperty channel="F" name="resolution" value="0" units="1/dev"/>
+        </inkml:channelProperties>
+      </inkml:inkSource>
+      <inkml:timestamp xml:id="ts0" timeString="2023-09-26T07:23:09.014"/>
+    </inkml:context>
+    <inkml:brush xml:id="br0">
+      <inkml:brushProperty name="width" value="0.1" units="cm"/>
+      <inkml:brushProperty name="height" value="0.1" units="cm"/>
+      <inkml:brushProperty name="color" value="#008C3A"/>
+    </inkml:brush>
+  </inkml:definitions>
+  <inkml:trace contextRef="#ctx0" brushRef="#br0">329 0 24575,'-11'0'0,"-7"0"0,-6 0 0,-25 0 0,10 0 0,-8 0 0,22 0 0,5 0 0,3 0 0,4 0 0,1 0 0,-1 0 0,2 0 0,-1 0 0,3 0 0,4 0 0,2 0 0</inkml:trace>
+</inkml:ink>
+</file>
+
+<file path=ppt/ink/ink7.xml><?xml version="1.0" encoding="utf-8"?>
+<inkml:ink xmlns:inkml="http://www.w3.org/2003/InkML">
+  <inkml:definitions>
+    <inkml:context xml:id="ctx0">
+      <inkml:inkSource xml:id="inkSrc0">
+        <inkml:traceFormat>
+          <inkml:channel name="X" type="integer" min="-2.14748E9" max="2.14748E9" units="cm"/>
+          <inkml:channel name="Y" type="integer" min="-2.14748E9" max="2.14748E9" units="cm"/>
+          <inkml:channel name="F" type="integer" max="32767" units="dev"/>
+        </inkml:traceFormat>
+        <inkml:channelProperties>
+          <inkml:channelProperty channel="X" name="resolution" value="1000" units="1/cm"/>
+          <inkml:channelProperty channel="Y" name="resolution" value="1000" units="1/cm"/>
+          <inkml:channelProperty channel="F" name="resolution" value="0" units="1/dev"/>
+        </inkml:channelProperties>
+      </inkml:inkSource>
+      <inkml:timestamp xml:id="ts0" timeString="2023-09-26T07:23:14.766"/>
+    </inkml:context>
+    <inkml:brush xml:id="br0">
+      <inkml:brushProperty name="width" value="0.1" units="cm"/>
+      <inkml:brushProperty name="height" value="0.1" units="cm"/>
+      <inkml:brushProperty name="color" value="#008C3A"/>
+    </inkml:brush>
+  </inkml:definitions>
+  <inkml:trace contextRef="#ctx0" brushRef="#br0">1 4589 24575,'7'-57'0,"10"-12"0,20-23 0,4 11 0,3-3 0,-10 20 0,0 0 0,-2 6 0,1-4 0,-2 5 0,0-3 0,-3 5 0,1-1 0,-2 1 0,0 4 0,0 0 0,-1 4 0,0 0 0,0 1 0,0-1 0,2 0 0,1 0 0,1-3 0,1 0 0,0-2 0,1 0 0,1-1 0,0 0 0,0 0 0,0 0 0,-2 2 0,0-1 0,-1 3 0,-1 0 0,-1 3 0,0 1 0,24-39 0,0-1 0,-25 41 0,0-1 0,0-2 0,0-1 0,1-5 0,1 1 0,0-1 0,0-1 0,0 1 0,0 0 0,0-1 0,0 0 0,0 1 0,1 2 0,-2 0 0,1 1 0,-1 2 0,1 1 0,-1 2 0,-1 0 0,1 0 0,1-1 0,1-1 0,0-2 0,2-3 0,-1-1 0,3-3 0,0-2 0,0 0 0,-1 0 0,0 1 0,0 0 0,-3 3 0,0 2 0,-4 5 0,-2 1 0,19-34 0,-10 15 0,-6 9 0,-3 9 0,-3 6 0,-1 4 0,-3 6 0,-2-1 0,-3 3 0,0 0 0,-2 4 0,-2 4 0,0-1 0,-3 7 0,0-1 0,0 7 0,-3 1 0,2 1 0,-1 2 0,-1 2 0,-1 2 0</inkml:trace>
+</inkml:ink>
+</file>
+
+<file path=ppt/ink/ink8.xml><?xml version="1.0" encoding="utf-8"?>
+<inkml:ink xmlns:inkml="http://www.w3.org/2003/InkML">
+  <inkml:definitions>
+    <inkml:context xml:id="ctx0">
+      <inkml:inkSource xml:id="inkSrc0">
+        <inkml:traceFormat>
+          <inkml:channel name="X" type="integer" min="-2.14748E9" max="2.14748E9" units="cm"/>
+          <inkml:channel name="Y" type="integer" min="-2.14748E9" max="2.14748E9" units="cm"/>
+          <inkml:channel name="F" type="integer" max="32767" units="dev"/>
+        </inkml:traceFormat>
+        <inkml:channelProperties>
+          <inkml:channelProperty channel="X" name="resolution" value="1000" units="1/cm"/>
+          <inkml:channelProperty channel="Y" name="resolution" value="1000" units="1/cm"/>
+          <inkml:channelProperty channel="F" name="resolution" value="0" units="1/dev"/>
+        </inkml:channelProperties>
+      </inkml:inkSource>
+      <inkml:timestamp xml:id="ts0" timeString="2023-09-26T07:25:57.973"/>
+    </inkml:context>
+    <inkml:brush xml:id="br0">
+      <inkml:brushProperty name="width" value="0.05" units="cm"/>
+      <inkml:brushProperty name="height" value="0.05" units="cm"/>
+      <inkml:brushProperty name="color" value="#CC0066"/>
+    </inkml:brush>
+  </inkml:definitions>
+  <inkml:trace contextRef="#ctx0" brushRef="#br0">1855 320 24575,'-20'-3'0,"-3"-4"0,-9-8 0,-42-28 0,17 10 0,13 7 0,-2 2 0,-26-7 0,21 11 0,-5 1 0,23 7 0,-4-1 0,0 0 0,-2-2 0,2-1 0,6 5 0,-1-1 0,12 9 0,-1-1 0,5 4 0,-2 0 0,-3 0 0,-4 0 0,0 0 0,-5 0 0,0 0 0,0 2 0,-1 3 0,2 3 0,-2 4 0,-3 1 0,0 1 0,1-1 0,-3 2 0,-1 3 0,0 1 0,-3 5 0,4 3 0,-1 2 0,2-2 0,3 0 0,4-4 0,6 0 0,3-2 0,3-2 0,-2 1 0,0 0 0,1 2 0,1 3 0,1-1 0,3 2 0,2-1 0,4-1 0,3 2 0,1-1 0,2 6 0,0 3 0,0 11 0,0 7 0,0 6 0,0 2 0,0-7 0,0-5 0,0-5 0,0-1 0,0 1 0,0-2 0,0-3 0,0-3 0,0-1 0,0-2 0,0 4 0,0 2 0,-2 2 0,-4-1 0,-3-2 0,-4-3 0,-1-2 0,-1 1 0,-2 4 0,1 1 0,-2 1 0,2-2 0,3-3 0,1 3 0,1 7 0,1 16 0,-2 17 0,2 18 0,5-45 0,0 1 0,-1 48 0,4-14 0,1-20 0,1-18 0,0-13 0,2-3 0,6-3 0,8-1 0,9-2 0,8-3 0,7-1 0,8 0 0,2-1 0,2-1 0,-2-3 0,-1-3 0,2-3 0,3-5 0,6-3 0,5-2 0,3 0 0,-1-2 0,-4-6 0,-7-8 0,-3-7 0,-4-6 0,-3-4 0,-2-2 0,2-5 0,2-2 0,5-5 0,6-5 0,2-3 0,4-4 0,4-1 0,0-1 0,1-2 0,-1 0 0,1-2 0,0-3 0,-3 3 0,-4-1 0,-6 7 0,-6 7 0,-6 5 0,-7 3 0,-3 2 0,-3 0 0,1-1 0,-2-3 0,-1-2 0,-2 2 0,-4 0 0,-1 6 0,-6 3 0,-5 5 0,-3 2 0,-4-1 0,-1 1 0,-3 1 0,-1 1 0,0 1 0,0-1 0,0 0 0,0-2 0,0 2 0,-1 4 0,-3 2 0,-5 3 0,-2 0 0,-5 0 0,-3-3 0,-2-1 0,-2 1 0,4 2 0,2 5 0,4 4 0,2 4 0,3 2 0,-1 1 0,2 0 0,0-3 0,0 2 0,1-2 0,1 0 0,-2-1 0,3-2 0,-1 0 0,0-2 0,1-3 0,-2-1 0,-1-1 0,-1 0 0,1 2 0,-2 1 0,2 2 0,-1 2 0,0 2 0,-1-1 0,-2-1 0,0 1 0,0-1 0,0 1 0,0 2 0,0 2 0,2 1 0,0 0 0,0 0 0,-2 0 0,1 2 0,1 0 0,1 1 0,2 1 0,0 0 0,4 0 0,-1 0 0</inkml:trace>
+</inkml:ink>
+</file>
+
+<file path=ppt/ink/ink9.xml><?xml version="1.0" encoding="utf-8"?>
+<inkml:ink xmlns:inkml="http://www.w3.org/2003/InkML">
+  <inkml:definitions>
+    <inkml:context xml:id="ctx0">
+      <inkml:inkSource xml:id="inkSrc0">
+        <inkml:traceFormat>
+          <inkml:channel name="X" type="integer" min="-2.14748E9" max="2.14748E9" units="cm"/>
+          <inkml:channel name="Y" type="integer" min="-2.14748E9" max="2.14748E9" units="cm"/>
+          <inkml:channel name="F" type="integer" max="32767" units="dev"/>
+        </inkml:traceFormat>
+        <inkml:channelProperties>
+          <inkml:channelProperty channel="X" name="resolution" value="1000" units="1/cm"/>
+          <inkml:channelProperty channel="Y" name="resolution" value="1000" units="1/cm"/>
+          <inkml:channelProperty channel="F" name="resolution" value="0" units="1/dev"/>
+        </inkml:channelProperties>
+      </inkml:inkSource>
+      <inkml:timestamp xml:id="ts0" timeString="2023-09-26T07:27:07.622"/>
+    </inkml:context>
+    <inkml:brush xml:id="br0">
+      <inkml:brushProperty name="width" value="0.05" units="cm"/>
+      <inkml:brushProperty name="height" value="0.05" units="cm"/>
+      <inkml:brushProperty name="color" value="#CC0066"/>
+    </inkml:brush>
+  </inkml:definitions>
+  <inkml:trace contextRef="#ctx0" brushRef="#br0">0 1 24575,'0'9'0,"0"5"0,0 10 0,0 28 0,0-6 0,0 17 0,0-20 0,0-3 0,2-5 0,1-6 0,2-6 0,4 7 0,-2-5 0,2 6 0,-4-8 0,1-4 0,-1 0 0,2 1 0,0 1 0,1 1 0,0-1 0,1-3 0,2-1 0,0-2 0,1-1 0,3 0 0,3-1 0,5 0 0,3-1 0,4-4 0,6-1 0,5-3 0,6 0 0,0 0 0,-2-2 0,-4-1 0,-8-1 0,-5 0 0,-3 0 0,-2 0 0,-1-1 0,-5-2 0,-3-3 0,-3-2 0,-1-1 0,-1-1 0,-1-3 0,1-1 0,0-3 0,-1-2 0,1-5 0,0-2 0,1 0 0,1-2 0,0 1 0,0-3 0,1-3 0,-1 0 0,0 0 0,-2 2 0,-3 2 0,-2 3 0,-2-1 0,-1 0 0,1 0 0,0 1 0,-2 1 0,0 3 0,-4 2 0,-4 5 0,-3 5 0,3 4 0,3 4 0</inkml:trace>
+</inkml:ink>
 </file>
 
 <file path=ppt/slideLayouts/slideLayout1.xml><?xml version="1.0" encoding="utf-8"?>
@@ -1544,7 +4584,7 @@
           <a:p>
             <a:fld id="{54B5EF71-3848-8048-B7D2-636D112955BB}" type="datetimeFigureOut">
               <a:rPr lang="en-AT" smtClean="0"/>
-              <a:t>07.09.23</a:t>
+              <a:t>26.09.23</a:t>
             </a:fld>
             <a:endParaRPr lang="en-AT"/>
           </a:p>
@@ -1714,7 +4754,7 @@
           <a:p>
             <a:fld id="{54B5EF71-3848-8048-B7D2-636D112955BB}" type="datetimeFigureOut">
               <a:rPr lang="en-AT" smtClean="0"/>
-              <a:t>07.09.23</a:t>
+              <a:t>26.09.23</a:t>
             </a:fld>
             <a:endParaRPr lang="en-AT"/>
           </a:p>
@@ -1894,7 +4934,7 @@
           <a:p>
             <a:fld id="{54B5EF71-3848-8048-B7D2-636D112955BB}" type="datetimeFigureOut">
               <a:rPr lang="en-AT" smtClean="0"/>
-              <a:t>07.09.23</a:t>
+              <a:t>26.09.23</a:t>
             </a:fld>
             <a:endParaRPr lang="en-AT"/>
           </a:p>
@@ -2064,7 +5104,7 @@
           <a:p>
             <a:fld id="{54B5EF71-3848-8048-B7D2-636D112955BB}" type="datetimeFigureOut">
               <a:rPr lang="en-AT" smtClean="0"/>
-              <a:t>07.09.23</a:t>
+              <a:t>26.09.23</a:t>
             </a:fld>
             <a:endParaRPr lang="en-AT"/>
           </a:p>
@@ -2308,7 +5348,7 @@
           <a:p>
             <a:fld id="{54B5EF71-3848-8048-B7D2-636D112955BB}" type="datetimeFigureOut">
               <a:rPr lang="en-AT" smtClean="0"/>
-              <a:t>07.09.23</a:t>
+              <a:t>26.09.23</a:t>
             </a:fld>
             <a:endParaRPr lang="en-AT"/>
           </a:p>
@@ -2540,7 +5580,7 @@
           <a:p>
             <a:fld id="{54B5EF71-3848-8048-B7D2-636D112955BB}" type="datetimeFigureOut">
               <a:rPr lang="en-AT" smtClean="0"/>
-              <a:t>07.09.23</a:t>
+              <a:t>26.09.23</a:t>
             </a:fld>
             <a:endParaRPr lang="en-AT"/>
           </a:p>
@@ -2907,7 +5947,7 @@
           <a:p>
             <a:fld id="{54B5EF71-3848-8048-B7D2-636D112955BB}" type="datetimeFigureOut">
               <a:rPr lang="en-AT" smtClean="0"/>
-              <a:t>07.09.23</a:t>
+              <a:t>26.09.23</a:t>
             </a:fld>
             <a:endParaRPr lang="en-AT"/>
           </a:p>
@@ -3025,7 +6065,7 @@
           <a:p>
             <a:fld id="{54B5EF71-3848-8048-B7D2-636D112955BB}" type="datetimeFigureOut">
               <a:rPr lang="en-AT" smtClean="0"/>
-              <a:t>07.09.23</a:t>
+              <a:t>26.09.23</a:t>
             </a:fld>
             <a:endParaRPr lang="en-AT"/>
           </a:p>
@@ -3120,7 +6160,7 @@
           <a:p>
             <a:fld id="{54B5EF71-3848-8048-B7D2-636D112955BB}" type="datetimeFigureOut">
               <a:rPr lang="en-AT" smtClean="0"/>
-              <a:t>07.09.23</a:t>
+              <a:t>26.09.23</a:t>
             </a:fld>
             <a:endParaRPr lang="en-AT"/>
           </a:p>
@@ -3397,7 +6437,7 @@
           <a:p>
             <a:fld id="{54B5EF71-3848-8048-B7D2-636D112955BB}" type="datetimeFigureOut">
               <a:rPr lang="en-AT" smtClean="0"/>
-              <a:t>07.09.23</a:t>
+              <a:t>26.09.23</a:t>
             </a:fld>
             <a:endParaRPr lang="en-AT"/>
           </a:p>
@@ -3654,7 +6694,7 @@
           <a:p>
             <a:fld id="{54B5EF71-3848-8048-B7D2-636D112955BB}" type="datetimeFigureOut">
               <a:rPr lang="en-AT" smtClean="0"/>
-              <a:t>07.09.23</a:t>
+              <a:t>26.09.23</a:t>
             </a:fld>
             <a:endParaRPr lang="en-AT"/>
           </a:p>
@@ -3867,7 +6907,7 @@
           <a:p>
             <a:fld id="{54B5EF71-3848-8048-B7D2-636D112955BB}" type="datetimeFigureOut">
               <a:rPr lang="en-AT" smtClean="0"/>
-              <a:t>07.09.23</a:t>
+              <a:t>26.09.23</a:t>
             </a:fld>
             <a:endParaRPr lang="en-AT"/>
           </a:p>
@@ -4300,6 +7340,9 @@
           <a:prstGeom prst="rect">
             <a:avLst/>
           </a:prstGeom>
+          <a:ln>
+            <a:noFill/>
+          </a:ln>
         </p:spPr>
       </p:pic>
       <p:pic>
@@ -4364,10 +7407,10 @@
       </p:pic>
       <p:pic>
         <p:nvPicPr>
-          <p:cNvPr id="45" name="Picture 44">
+          <p:cNvPr id="49" name="Picture 48">
             <a:extLst>
               <a:ext uri="{FF2B5EF4-FFF2-40B4-BE49-F238E27FC236}">
-                <a16:creationId xmlns:a16="http://schemas.microsoft.com/office/drawing/2014/main" id="{33BCCE85-7CA8-6708-D1F9-F54AD732DCB7}"/>
+                <a16:creationId xmlns:a16="http://schemas.microsoft.com/office/drawing/2014/main" id="{1BAF26D8-A85F-4F54-6890-5F7D6DBBE7A0}"/>
               </a:ext>
             </a:extLst>
           </p:cNvPr>
@@ -4384,36 +7427,6 @@
         </p:blipFill>
         <p:spPr>
           <a:xfrm>
-            <a:off x="0" y="3657600"/>
-            <a:ext cx="4572000" cy="3200400"/>
-          </a:xfrm>
-          <a:prstGeom prst="rect">
-            <a:avLst/>
-          </a:prstGeom>
-        </p:spPr>
-      </p:pic>
-      <p:pic>
-        <p:nvPicPr>
-          <p:cNvPr id="49" name="Picture 48">
-            <a:extLst>
-              <a:ext uri="{FF2B5EF4-FFF2-40B4-BE49-F238E27FC236}">
-                <a16:creationId xmlns:a16="http://schemas.microsoft.com/office/drawing/2014/main" id="{1BAF26D8-A85F-4F54-6890-5F7D6DBBE7A0}"/>
-              </a:ext>
-            </a:extLst>
-          </p:cNvPr>
-          <p:cNvPicPr>
-            <a:picLocks noChangeAspect="1"/>
-          </p:cNvPicPr>
-          <p:nvPr/>
-        </p:nvPicPr>
-        <p:blipFill>
-          <a:blip r:embed="rId6"/>
-          <a:stretch>
-            <a:fillRect/>
-          </a:stretch>
-        </p:blipFill>
-        <p:spPr>
-          <a:xfrm>
             <a:off x="9144000" y="0"/>
             <a:ext cx="2743200" cy="1371600"/>
           </a:xfrm>
@@ -4422,76 +7435,6 @@
           </a:prstGeom>
         </p:spPr>
       </p:pic>
-      <p:sp>
-        <p:nvSpPr>
-          <p:cNvPr id="50" name="TextBox 49">
-            <a:extLst>
-              <a:ext uri="{FF2B5EF4-FFF2-40B4-BE49-F238E27FC236}">
-                <a16:creationId xmlns:a16="http://schemas.microsoft.com/office/drawing/2014/main" id="{313F7F50-87C2-CF68-C3E2-79F1053F8360}"/>
-              </a:ext>
-            </a:extLst>
-          </p:cNvPr>
-          <p:cNvSpPr txBox="1"/>
-          <p:nvPr/>
-        </p:nvSpPr>
-        <p:spPr>
-          <a:xfrm>
-            <a:off x="6249564" y="4672034"/>
-            <a:ext cx="1216872" cy="369332"/>
-          </a:xfrm>
-          <a:prstGeom prst="rect">
-            <a:avLst/>
-          </a:prstGeom>
-          <a:noFill/>
-        </p:spPr>
-        <p:txBody>
-          <a:bodyPr wrap="none" rtlCol="0">
-            <a:spAutoFit/>
-          </a:bodyPr>
-          <a:lstStyle/>
-          <a:p>
-            <a:r>
-              <a:rPr lang="en-AT" dirty="0"/>
-              <a:t>annotation</a:t>
-            </a:r>
-          </a:p>
-        </p:txBody>
-      </p:sp>
-      <p:sp>
-        <p:nvSpPr>
-          <p:cNvPr id="2" name="TextBox 1">
-            <a:extLst>
-              <a:ext uri="{FF2B5EF4-FFF2-40B4-BE49-F238E27FC236}">
-                <a16:creationId xmlns:a16="http://schemas.microsoft.com/office/drawing/2014/main" id="{75998935-6326-9863-7AC2-C28A3705A13C}"/>
-              </a:ext>
-            </a:extLst>
-          </p:cNvPr>
-          <p:cNvSpPr txBox="1"/>
-          <p:nvPr/>
-        </p:nvSpPr>
-        <p:spPr>
-          <a:xfrm>
-            <a:off x="715762" y="7703064"/>
-            <a:ext cx="3140475" cy="369332"/>
-          </a:xfrm>
-          <a:prstGeom prst="rect">
-            <a:avLst/>
-          </a:prstGeom>
-          <a:noFill/>
-        </p:spPr>
-        <p:txBody>
-          <a:bodyPr wrap="none" rtlCol="0">
-            <a:spAutoFit/>
-          </a:bodyPr>
-          <a:lstStyle/>
-          <a:p>
-            <a:r>
-              <a:rPr lang="en-AT" dirty="0"/>
-              <a:t>frequency of presence/absence</a:t>
-            </a:r>
-          </a:p>
-        </p:txBody>
-      </p:sp>
       <p:sp>
         <p:nvSpPr>
           <p:cNvPr id="3" name="TextBox 2">
@@ -4506,7 +7449,7 @@
         </p:nvSpPr>
         <p:spPr>
           <a:xfrm>
-            <a:off x="6139051" y="7703064"/>
+            <a:off x="5671521" y="15389184"/>
             <a:ext cx="1186479" cy="369332"/>
           </a:xfrm>
           <a:prstGeom prst="rect">
@@ -4527,6 +7470,1888 @@
           </a:p>
         </p:txBody>
       </p:sp>
+      <p:pic>
+        <p:nvPicPr>
+          <p:cNvPr id="43" name="Picture 42">
+            <a:extLst>
+              <a:ext uri="{FF2B5EF4-FFF2-40B4-BE49-F238E27FC236}">
+                <a16:creationId xmlns:a16="http://schemas.microsoft.com/office/drawing/2014/main" id="{F69FEBE4-ADFF-E01D-482E-C853F7081EF4}"/>
+              </a:ext>
+            </a:extLst>
+          </p:cNvPr>
+          <p:cNvPicPr>
+            <a:picLocks noChangeAspect="1"/>
+          </p:cNvPicPr>
+          <p:nvPr/>
+        </p:nvPicPr>
+        <p:blipFill>
+          <a:blip r:embed="rId6"/>
+          <a:stretch>
+            <a:fillRect/>
+          </a:stretch>
+        </p:blipFill>
+        <p:spPr>
+          <a:xfrm>
+            <a:off x="14622" y="6389055"/>
+            <a:ext cx="4572000" cy="3200400"/>
+          </a:xfrm>
+          <a:prstGeom prst="rect">
+            <a:avLst/>
+          </a:prstGeom>
+        </p:spPr>
+      </p:pic>
+      <mc:AlternateContent xmlns:mc="http://schemas.openxmlformats.org/markup-compatibility/2006" xmlns:p14="http://schemas.microsoft.com/office/powerpoint/2010/main">
+        <mc:Choice Requires="p14">
+          <p:contentPart p14:bwMode="auto" r:id="rId7">
+            <p14:nvContentPartPr>
+              <p14:cNvPr id="12" name="Ink 11">
+                <a:extLst>
+                  <a:ext uri="{FF2B5EF4-FFF2-40B4-BE49-F238E27FC236}">
+                    <a16:creationId xmlns:a16="http://schemas.microsoft.com/office/drawing/2014/main" id="{70F2B238-E71E-9929-050F-069D6AC7962A}"/>
+                  </a:ext>
+                </a:extLst>
+              </p14:cNvPr>
+              <p14:cNvContentPartPr/>
+              <p14:nvPr/>
+            </p14:nvContentPartPr>
+            <p14:xfrm>
+              <a:off x="-1847723" y="1201185"/>
+              <a:ext cx="360" cy="360"/>
+            </p14:xfrm>
+          </p:contentPart>
+        </mc:Choice>
+        <mc:Fallback xmlns="">
+          <p:pic>
+            <p:nvPicPr>
+              <p:cNvPr id="12" name="Ink 11">
+                <a:extLst>
+                  <a:ext uri="{FF2B5EF4-FFF2-40B4-BE49-F238E27FC236}">
+                    <a16:creationId xmlns:a16="http://schemas.microsoft.com/office/drawing/2014/main" id="{70F2B238-E71E-9929-050F-069D6AC7962A}"/>
+                  </a:ext>
+                </a:extLst>
+              </p:cNvPr>
+              <p:cNvPicPr/>
+              <p:nvPr/>
+            </p:nvPicPr>
+            <p:blipFill>
+              <a:blip r:embed="rId8"/>
+              <a:stretch>
+                <a:fillRect/>
+              </a:stretch>
+            </p:blipFill>
+            <p:spPr>
+              <a:xfrm>
+                <a:off x="-1856363" y="1192185"/>
+                <a:ext cx="18000" cy="18000"/>
+              </a:xfrm>
+              <a:prstGeom prst="rect">
+                <a:avLst/>
+              </a:prstGeom>
+            </p:spPr>
+          </p:pic>
+        </mc:Fallback>
+      </mc:AlternateContent>
+      <p:sp>
+        <p:nvSpPr>
+          <p:cNvPr id="13" name="TextBox 12">
+            <a:extLst>
+              <a:ext uri="{FF2B5EF4-FFF2-40B4-BE49-F238E27FC236}">
+                <a16:creationId xmlns:a16="http://schemas.microsoft.com/office/drawing/2014/main" id="{3A8FB6CF-F116-441B-16DB-27CA48F82EDC}"/>
+              </a:ext>
+            </a:extLst>
+          </p:cNvPr>
+          <p:cNvSpPr txBox="1"/>
+          <p:nvPr/>
+        </p:nvSpPr>
+        <p:spPr>
+          <a:xfrm>
+            <a:off x="13605573" y="1371600"/>
+            <a:ext cx="2282163" cy="2308324"/>
+          </a:xfrm>
+          <a:prstGeom prst="rect">
+            <a:avLst/>
+          </a:prstGeom>
+          <a:noFill/>
+        </p:spPr>
+        <p:txBody>
+          <a:bodyPr wrap="none" rtlCol="0">
+            <a:spAutoFit/>
+          </a:bodyPr>
+          <a:lstStyle/>
+          <a:p>
+            <a:r>
+              <a:rPr lang="en-US" dirty="0"/>
+              <a:t>are they transcribed?</a:t>
+            </a:r>
+          </a:p>
+          <a:p>
+            <a:r>
+              <a:rPr lang="en-US" dirty="0"/>
+              <a:t>uncharacterized…</a:t>
+            </a:r>
+          </a:p>
+          <a:p>
+            <a:endParaRPr lang="en-US" dirty="0"/>
+          </a:p>
+          <a:p>
+            <a:r>
+              <a:rPr lang="en-US" dirty="0" err="1"/>
+              <a:t>yellow+light</a:t>
+            </a:r>
+            <a:r>
+              <a:rPr lang="en-US" dirty="0"/>
+              <a:t> green: DE</a:t>
+            </a:r>
+          </a:p>
+          <a:p>
+            <a:endParaRPr lang="en-US" dirty="0"/>
+          </a:p>
+          <a:p>
+            <a:r>
+              <a:rPr lang="en-US" dirty="0" err="1"/>
+              <a:t>lyrata</a:t>
+            </a:r>
+            <a:r>
+              <a:rPr lang="en-US" dirty="0"/>
+              <a:t>(Haim)</a:t>
+            </a:r>
+          </a:p>
+          <a:p>
+            <a:endParaRPr lang="en-US" dirty="0"/>
+          </a:p>
+          <a:p>
+            <a:r>
+              <a:rPr lang="en-US" dirty="0"/>
+              <a:t>SNP-based phylogeny</a:t>
+            </a:r>
+            <a:endParaRPr lang="en-AT" dirty="0"/>
+          </a:p>
+        </p:txBody>
+      </p:sp>
+      <p:pic>
+        <p:nvPicPr>
+          <p:cNvPr id="15" name="Picture 14">
+            <a:extLst>
+              <a:ext uri="{FF2B5EF4-FFF2-40B4-BE49-F238E27FC236}">
+                <a16:creationId xmlns:a16="http://schemas.microsoft.com/office/drawing/2014/main" id="{D31E7252-898D-7428-587C-BA7317322818}"/>
+              </a:ext>
+            </a:extLst>
+          </p:cNvPr>
+          <p:cNvPicPr>
+            <a:picLocks noChangeAspect="1"/>
+          </p:cNvPicPr>
+          <p:nvPr/>
+        </p:nvPicPr>
+        <p:blipFill>
+          <a:blip r:embed="rId9"/>
+          <a:stretch>
+            <a:fillRect/>
+          </a:stretch>
+        </p:blipFill>
+        <p:spPr>
+          <a:xfrm>
+            <a:off x="7311" y="3645855"/>
+            <a:ext cx="4572000" cy="2743200"/>
+          </a:xfrm>
+          <a:prstGeom prst="rect">
+            <a:avLst/>
+          </a:prstGeom>
+        </p:spPr>
+      </p:pic>
+      <p:pic>
+        <p:nvPicPr>
+          <p:cNvPr id="72" name="Picture 71">
+            <a:extLst>
+              <a:ext uri="{FF2B5EF4-FFF2-40B4-BE49-F238E27FC236}">
+                <a16:creationId xmlns:a16="http://schemas.microsoft.com/office/drawing/2014/main" id="{75F30569-0FB7-17A2-7EDE-A890989CBF11}"/>
+              </a:ext>
+            </a:extLst>
+          </p:cNvPr>
+          <p:cNvPicPr>
+            <a:picLocks noChangeAspect="1"/>
+          </p:cNvPicPr>
+          <p:nvPr/>
+        </p:nvPicPr>
+        <p:blipFill>
+          <a:blip r:embed="rId10"/>
+          <a:stretch>
+            <a:fillRect/>
+          </a:stretch>
+        </p:blipFill>
+        <p:spPr>
+          <a:xfrm>
+            <a:off x="4568344" y="3645854"/>
+            <a:ext cx="2286000" cy="2743200"/>
+          </a:xfrm>
+          <a:prstGeom prst="rect">
+            <a:avLst/>
+          </a:prstGeom>
+        </p:spPr>
+      </p:pic>
+      <mc:AlternateContent xmlns:mc="http://schemas.openxmlformats.org/markup-compatibility/2006" xmlns:p14="http://schemas.microsoft.com/office/powerpoint/2010/main">
+        <mc:Choice Requires="p14">
+          <p:contentPart p14:bwMode="auto" r:id="rId11">
+            <p14:nvContentPartPr>
+              <p14:cNvPr id="9" name="Ink 8">
+                <a:extLst>
+                  <a:ext uri="{FF2B5EF4-FFF2-40B4-BE49-F238E27FC236}">
+                    <a16:creationId xmlns:a16="http://schemas.microsoft.com/office/drawing/2014/main" id="{05DA83DB-0E31-8F74-1490-4FF6BE0315E9}"/>
+                  </a:ext>
+                </a:extLst>
+              </p14:cNvPr>
+              <p14:cNvContentPartPr/>
+              <p14:nvPr/>
+            </p14:nvContentPartPr>
+            <p14:xfrm>
+              <a:off x="7380620" y="4358160"/>
+              <a:ext cx="2912400" cy="2680920"/>
+            </p14:xfrm>
+          </p:contentPart>
+        </mc:Choice>
+        <mc:Fallback xmlns="">
+          <p:pic>
+            <p:nvPicPr>
+              <p:cNvPr id="9" name="Ink 8">
+                <a:extLst>
+                  <a:ext uri="{FF2B5EF4-FFF2-40B4-BE49-F238E27FC236}">
+                    <a16:creationId xmlns:a16="http://schemas.microsoft.com/office/drawing/2014/main" id="{05DA83DB-0E31-8F74-1490-4FF6BE0315E9}"/>
+                  </a:ext>
+                </a:extLst>
+              </p:cNvPr>
+              <p:cNvPicPr/>
+              <p:nvPr/>
+            </p:nvPicPr>
+            <p:blipFill>
+              <a:blip r:embed="rId12"/>
+              <a:stretch>
+                <a:fillRect/>
+              </a:stretch>
+            </p:blipFill>
+            <p:spPr>
+              <a:xfrm>
+                <a:off x="7362980" y="4340520"/>
+                <a:ext cx="2948040" cy="2716560"/>
+              </a:xfrm>
+              <a:prstGeom prst="rect">
+                <a:avLst/>
+              </a:prstGeom>
+            </p:spPr>
+          </p:pic>
+        </mc:Fallback>
+      </mc:AlternateContent>
+      <p:sp>
+        <p:nvSpPr>
+          <p:cNvPr id="11" name="TextBox 10">
+            <a:extLst>
+              <a:ext uri="{FF2B5EF4-FFF2-40B4-BE49-F238E27FC236}">
+                <a16:creationId xmlns:a16="http://schemas.microsoft.com/office/drawing/2014/main" id="{6CA8330B-73C1-09C3-7D7A-803EE5663FB5}"/>
+              </a:ext>
+            </a:extLst>
+          </p:cNvPr>
+          <p:cNvSpPr txBox="1"/>
+          <p:nvPr/>
+        </p:nvSpPr>
+        <p:spPr>
+          <a:xfrm>
+            <a:off x="8285429" y="4442269"/>
+            <a:ext cx="1695208" cy="646331"/>
+          </a:xfrm>
+          <a:prstGeom prst="rect">
+            <a:avLst/>
+          </a:prstGeom>
+          <a:noFill/>
+        </p:spPr>
+        <p:txBody>
+          <a:bodyPr wrap="none" rtlCol="0">
+            <a:spAutoFit/>
+          </a:bodyPr>
+          <a:lstStyle/>
+          <a:p>
+            <a:r>
+              <a:rPr lang="en-AT" dirty="0"/>
+              <a:t>no Expr…</a:t>
+            </a:r>
+          </a:p>
+          <a:p>
+            <a:r>
+              <a:rPr lang="en-AT" dirty="0"/>
+              <a:t>in any accession</a:t>
+            </a:r>
+          </a:p>
+        </p:txBody>
+      </p:sp>
+      <mc:AlternateContent xmlns:mc="http://schemas.openxmlformats.org/markup-compatibility/2006" xmlns:p14="http://schemas.microsoft.com/office/powerpoint/2010/main">
+        <mc:Choice Requires="p14">
+          <p:contentPart p14:bwMode="auto" r:id="rId13">
+            <p14:nvContentPartPr>
+              <p14:cNvPr id="14" name="Ink 13">
+                <a:extLst>
+                  <a:ext uri="{FF2B5EF4-FFF2-40B4-BE49-F238E27FC236}">
+                    <a16:creationId xmlns:a16="http://schemas.microsoft.com/office/drawing/2014/main" id="{5E42F244-3AFD-2E47-4326-B9CA910CD9B1}"/>
+                  </a:ext>
+                </a:extLst>
+              </p14:cNvPr>
+              <p14:cNvContentPartPr/>
+              <p14:nvPr/>
+            </p14:nvContentPartPr>
+            <p14:xfrm>
+              <a:off x="7845380" y="5088600"/>
+              <a:ext cx="2189520" cy="5040"/>
+            </p14:xfrm>
+          </p:contentPart>
+        </mc:Choice>
+        <mc:Fallback xmlns="">
+          <p:pic>
+            <p:nvPicPr>
+              <p:cNvPr id="14" name="Ink 13">
+                <a:extLst>
+                  <a:ext uri="{FF2B5EF4-FFF2-40B4-BE49-F238E27FC236}">
+                    <a16:creationId xmlns:a16="http://schemas.microsoft.com/office/drawing/2014/main" id="{5E42F244-3AFD-2E47-4326-B9CA910CD9B1}"/>
+                  </a:ext>
+                </a:extLst>
+              </p:cNvPr>
+              <p:cNvPicPr/>
+              <p:nvPr/>
+            </p:nvPicPr>
+            <p:blipFill>
+              <a:blip r:embed="rId14"/>
+              <a:stretch>
+                <a:fillRect/>
+              </a:stretch>
+            </p:blipFill>
+            <p:spPr>
+              <a:xfrm>
+                <a:off x="7827740" y="5070600"/>
+                <a:ext cx="2225160" cy="40680"/>
+              </a:xfrm>
+              <a:prstGeom prst="rect">
+                <a:avLst/>
+              </a:prstGeom>
+            </p:spPr>
+          </p:pic>
+        </mc:Fallback>
+      </mc:AlternateContent>
+      <mc:AlternateContent xmlns:mc="http://schemas.openxmlformats.org/markup-compatibility/2006" xmlns:p14="http://schemas.microsoft.com/office/powerpoint/2010/main">
+        <mc:Choice Requires="p14">
+          <p:contentPart p14:bwMode="auto" r:id="rId15">
+            <p14:nvContentPartPr>
+              <p14:cNvPr id="16" name="Ink 15">
+                <a:extLst>
+                  <a:ext uri="{FF2B5EF4-FFF2-40B4-BE49-F238E27FC236}">
+                    <a16:creationId xmlns:a16="http://schemas.microsoft.com/office/drawing/2014/main" id="{0EBB8432-7150-6532-5100-781E8C692405}"/>
+                  </a:ext>
+                </a:extLst>
+              </p14:cNvPr>
+              <p14:cNvContentPartPr/>
+              <p14:nvPr/>
+            </p14:nvContentPartPr>
+            <p14:xfrm>
+              <a:off x="7738460" y="5112000"/>
+              <a:ext cx="137520" cy="360"/>
+            </p14:xfrm>
+          </p:contentPart>
+        </mc:Choice>
+        <mc:Fallback xmlns="">
+          <p:pic>
+            <p:nvPicPr>
+              <p:cNvPr id="16" name="Ink 15">
+                <a:extLst>
+                  <a:ext uri="{FF2B5EF4-FFF2-40B4-BE49-F238E27FC236}">
+                    <a16:creationId xmlns:a16="http://schemas.microsoft.com/office/drawing/2014/main" id="{0EBB8432-7150-6532-5100-781E8C692405}"/>
+                  </a:ext>
+                </a:extLst>
+              </p:cNvPr>
+              <p:cNvPicPr/>
+              <p:nvPr/>
+            </p:nvPicPr>
+            <p:blipFill>
+              <a:blip r:embed="rId16"/>
+              <a:stretch>
+                <a:fillRect/>
+              </a:stretch>
+            </p:blipFill>
+            <p:spPr>
+              <a:xfrm>
+                <a:off x="7720820" y="5094360"/>
+                <a:ext cx="173160" cy="36000"/>
+              </a:xfrm>
+              <a:prstGeom prst="rect">
+                <a:avLst/>
+              </a:prstGeom>
+            </p:spPr>
+          </p:pic>
+        </mc:Fallback>
+      </mc:AlternateContent>
+      <mc:AlternateContent xmlns:mc="http://schemas.openxmlformats.org/markup-compatibility/2006" xmlns:p14="http://schemas.microsoft.com/office/powerpoint/2010/main">
+        <mc:Choice Requires="p14">
+          <p:contentPart p14:bwMode="auto" r:id="rId17">
+            <p14:nvContentPartPr>
+              <p14:cNvPr id="17" name="Ink 16">
+                <a:extLst>
+                  <a:ext uri="{FF2B5EF4-FFF2-40B4-BE49-F238E27FC236}">
+                    <a16:creationId xmlns:a16="http://schemas.microsoft.com/office/drawing/2014/main" id="{5E7AA802-841D-EE2B-CDD6-87940DAB9328}"/>
+                  </a:ext>
+                </a:extLst>
+              </p14:cNvPr>
+              <p14:cNvContentPartPr/>
+              <p14:nvPr/>
+            </p14:nvContentPartPr>
+            <p14:xfrm>
+              <a:off x="10057580" y="5100480"/>
+              <a:ext cx="54000" cy="360"/>
+            </p14:xfrm>
+          </p:contentPart>
+        </mc:Choice>
+        <mc:Fallback xmlns="">
+          <p:pic>
+            <p:nvPicPr>
+              <p:cNvPr id="17" name="Ink 16">
+                <a:extLst>
+                  <a:ext uri="{FF2B5EF4-FFF2-40B4-BE49-F238E27FC236}">
+                    <a16:creationId xmlns:a16="http://schemas.microsoft.com/office/drawing/2014/main" id="{5E7AA802-841D-EE2B-CDD6-87940DAB9328}"/>
+                  </a:ext>
+                </a:extLst>
+              </p:cNvPr>
+              <p:cNvPicPr/>
+              <p:nvPr/>
+            </p:nvPicPr>
+            <p:blipFill>
+              <a:blip r:embed="rId18"/>
+              <a:stretch>
+                <a:fillRect/>
+              </a:stretch>
+            </p:blipFill>
+            <p:spPr>
+              <a:xfrm>
+                <a:off x="10039580" y="5082840"/>
+                <a:ext cx="89640" cy="36000"/>
+              </a:xfrm>
+              <a:prstGeom prst="rect">
+                <a:avLst/>
+              </a:prstGeom>
+            </p:spPr>
+          </p:pic>
+        </mc:Fallback>
+      </mc:AlternateContent>
+      <mc:AlternateContent xmlns:mc="http://schemas.openxmlformats.org/markup-compatibility/2006" xmlns:p14="http://schemas.microsoft.com/office/powerpoint/2010/main">
+        <mc:Choice Requires="p14">
+          <p:contentPart p14:bwMode="auto" r:id="rId19">
+            <p14:nvContentPartPr>
+              <p14:cNvPr id="18" name="Ink 17">
+                <a:extLst>
+                  <a:ext uri="{FF2B5EF4-FFF2-40B4-BE49-F238E27FC236}">
+                    <a16:creationId xmlns:a16="http://schemas.microsoft.com/office/drawing/2014/main" id="{B5C0B82C-5960-C161-0C69-B0C76293F1FE}"/>
+                  </a:ext>
+                </a:extLst>
+              </p14:cNvPr>
+              <p14:cNvContentPartPr/>
+              <p14:nvPr/>
+            </p14:nvContentPartPr>
+            <p14:xfrm>
+              <a:off x="8968580" y="4372920"/>
+              <a:ext cx="118440" cy="360"/>
+            </p14:xfrm>
+          </p:contentPart>
+        </mc:Choice>
+        <mc:Fallback xmlns="">
+          <p:pic>
+            <p:nvPicPr>
+              <p:cNvPr id="18" name="Ink 17">
+                <a:extLst>
+                  <a:ext uri="{FF2B5EF4-FFF2-40B4-BE49-F238E27FC236}">
+                    <a16:creationId xmlns:a16="http://schemas.microsoft.com/office/drawing/2014/main" id="{B5C0B82C-5960-C161-0C69-B0C76293F1FE}"/>
+                  </a:ext>
+                </a:extLst>
+              </p:cNvPr>
+              <p:cNvPicPr/>
+              <p:nvPr/>
+            </p:nvPicPr>
+            <p:blipFill>
+              <a:blip r:embed="rId20"/>
+              <a:stretch>
+                <a:fillRect/>
+              </a:stretch>
+            </p:blipFill>
+            <p:spPr>
+              <a:xfrm>
+                <a:off x="8950940" y="4354920"/>
+                <a:ext cx="154080" cy="36000"/>
+              </a:xfrm>
+              <a:prstGeom prst="rect">
+                <a:avLst/>
+              </a:prstGeom>
+            </p:spPr>
+          </p:pic>
+        </mc:Fallback>
+      </mc:AlternateContent>
+      <mc:AlternateContent xmlns:mc="http://schemas.openxmlformats.org/markup-compatibility/2006" xmlns:p14="http://schemas.microsoft.com/office/powerpoint/2010/main">
+        <mc:Choice Requires="p14">
+          <p:contentPart p14:bwMode="auto" r:id="rId21">
+            <p14:nvContentPartPr>
+              <p14:cNvPr id="19" name="Ink 18">
+                <a:extLst>
+                  <a:ext uri="{FF2B5EF4-FFF2-40B4-BE49-F238E27FC236}">
+                    <a16:creationId xmlns:a16="http://schemas.microsoft.com/office/drawing/2014/main" id="{504E6B48-39D3-8035-2521-BEE3088791FF}"/>
+                  </a:ext>
+                </a:extLst>
+              </p14:cNvPr>
+              <p14:cNvContentPartPr/>
+              <p14:nvPr/>
+            </p14:nvContentPartPr>
+            <p14:xfrm>
+              <a:off x="7780220" y="5132880"/>
+              <a:ext cx="905040" cy="1652400"/>
+            </p14:xfrm>
+          </p:contentPart>
+        </mc:Choice>
+        <mc:Fallback xmlns="">
+          <p:pic>
+            <p:nvPicPr>
+              <p:cNvPr id="19" name="Ink 18">
+                <a:extLst>
+                  <a:ext uri="{FF2B5EF4-FFF2-40B4-BE49-F238E27FC236}">
+                    <a16:creationId xmlns:a16="http://schemas.microsoft.com/office/drawing/2014/main" id="{504E6B48-39D3-8035-2521-BEE3088791FF}"/>
+                  </a:ext>
+                </a:extLst>
+              </p:cNvPr>
+              <p:cNvPicPr/>
+              <p:nvPr/>
+            </p:nvPicPr>
+            <p:blipFill>
+              <a:blip r:embed="rId22"/>
+              <a:stretch>
+                <a:fillRect/>
+              </a:stretch>
+            </p:blipFill>
+            <p:spPr>
+              <a:xfrm>
+                <a:off x="7762580" y="5115240"/>
+                <a:ext cx="940680" cy="1688040"/>
+              </a:xfrm>
+              <a:prstGeom prst="rect">
+                <a:avLst/>
+              </a:prstGeom>
+            </p:spPr>
+          </p:pic>
+        </mc:Fallback>
+      </mc:AlternateContent>
+      <p:sp>
+        <p:nvSpPr>
+          <p:cNvPr id="20" name="TextBox 19">
+            <a:extLst>
+              <a:ext uri="{FF2B5EF4-FFF2-40B4-BE49-F238E27FC236}">
+                <a16:creationId xmlns:a16="http://schemas.microsoft.com/office/drawing/2014/main" id="{D3D538E0-39B6-CBFE-6983-0D8C7350F027}"/>
+              </a:ext>
+            </a:extLst>
+          </p:cNvPr>
+          <p:cNvSpPr txBox="1"/>
+          <p:nvPr/>
+        </p:nvSpPr>
+        <p:spPr>
+          <a:xfrm>
+            <a:off x="7523682" y="5236955"/>
+            <a:ext cx="761747" cy="923330"/>
+          </a:xfrm>
+          <a:prstGeom prst="rect">
+            <a:avLst/>
+          </a:prstGeom>
+          <a:noFill/>
+        </p:spPr>
+        <p:txBody>
+          <a:bodyPr wrap="none" rtlCol="0">
+            <a:spAutoFit/>
+          </a:bodyPr>
+          <a:lstStyle/>
+          <a:p>
+            <a:r>
+              <a:rPr lang="en-AT" dirty="0"/>
+              <a:t>noExp</a:t>
+            </a:r>
+          </a:p>
+          <a:p>
+            <a:r>
+              <a:rPr lang="en-AT" dirty="0"/>
+              <a:t>in </a:t>
+            </a:r>
+          </a:p>
+          <a:p>
+            <a:r>
+              <a:rPr lang="en-AT" dirty="0"/>
+              <a:t>6909</a:t>
+            </a:r>
+          </a:p>
+        </p:txBody>
+      </p:sp>
+      <mc:AlternateContent xmlns:mc="http://schemas.openxmlformats.org/markup-compatibility/2006" xmlns:p14="http://schemas.microsoft.com/office/powerpoint/2010/main">
+        <mc:Choice Requires="p14">
+          <p:contentPart p14:bwMode="auto" r:id="rId23">
+            <p14:nvContentPartPr>
+              <p14:cNvPr id="40" name="Ink 39">
+                <a:extLst>
+                  <a:ext uri="{FF2B5EF4-FFF2-40B4-BE49-F238E27FC236}">
+                    <a16:creationId xmlns:a16="http://schemas.microsoft.com/office/drawing/2014/main" id="{239AA63F-6856-CEB6-04D5-6FCD40555E6A}"/>
+                  </a:ext>
+                </a:extLst>
+              </p14:cNvPr>
+              <p14:cNvContentPartPr/>
+              <p14:nvPr/>
+            </p14:nvContentPartPr>
+            <p14:xfrm>
+              <a:off x="10943540" y="2599920"/>
+              <a:ext cx="865440" cy="987840"/>
+            </p14:xfrm>
+          </p:contentPart>
+        </mc:Choice>
+        <mc:Fallback xmlns="">
+          <p:pic>
+            <p:nvPicPr>
+              <p:cNvPr id="40" name="Ink 39">
+                <a:extLst>
+                  <a:ext uri="{FF2B5EF4-FFF2-40B4-BE49-F238E27FC236}">
+                    <a16:creationId xmlns:a16="http://schemas.microsoft.com/office/drawing/2014/main" id="{239AA63F-6856-CEB6-04D5-6FCD40555E6A}"/>
+                  </a:ext>
+                </a:extLst>
+              </p:cNvPr>
+              <p:cNvPicPr/>
+              <p:nvPr/>
+            </p:nvPicPr>
+            <p:blipFill>
+              <a:blip r:embed="rId24"/>
+              <a:stretch>
+                <a:fillRect/>
+              </a:stretch>
+            </p:blipFill>
+            <p:spPr>
+              <a:xfrm>
+                <a:off x="10934900" y="2590920"/>
+                <a:ext cx="883080" cy="1005480"/>
+              </a:xfrm>
+              <a:prstGeom prst="rect">
+                <a:avLst/>
+              </a:prstGeom>
+            </p:spPr>
+          </p:pic>
+        </mc:Fallback>
+      </mc:AlternateContent>
+      <mc:AlternateContent xmlns:mc="http://schemas.openxmlformats.org/markup-compatibility/2006" xmlns:p14="http://schemas.microsoft.com/office/powerpoint/2010/main">
+        <mc:Choice Requires="p14">
+          <p:contentPart p14:bwMode="auto" r:id="rId25">
+            <p14:nvContentPartPr>
+              <p14:cNvPr id="41" name="Ink 40">
+                <a:extLst>
+                  <a:ext uri="{FF2B5EF4-FFF2-40B4-BE49-F238E27FC236}">
+                    <a16:creationId xmlns:a16="http://schemas.microsoft.com/office/drawing/2014/main" id="{47E3324E-817B-614C-0848-8EA3619C46A3}"/>
+                  </a:ext>
+                </a:extLst>
+              </p14:cNvPr>
+              <p14:cNvContentPartPr/>
+              <p14:nvPr/>
+            </p14:nvContentPartPr>
+            <p14:xfrm>
+              <a:off x="4073400" y="9179968"/>
+              <a:ext cx="302760" cy="272520"/>
+            </p14:xfrm>
+          </p:contentPart>
+        </mc:Choice>
+        <mc:Fallback xmlns="">
+          <p:pic>
+            <p:nvPicPr>
+              <p:cNvPr id="41" name="Ink 40">
+                <a:extLst>
+                  <a:ext uri="{FF2B5EF4-FFF2-40B4-BE49-F238E27FC236}">
+                    <a16:creationId xmlns:a16="http://schemas.microsoft.com/office/drawing/2014/main" id="{47E3324E-817B-614C-0848-8EA3619C46A3}"/>
+                  </a:ext>
+                </a:extLst>
+              </p:cNvPr>
+              <p:cNvPicPr/>
+              <p:nvPr/>
+            </p:nvPicPr>
+            <p:blipFill>
+              <a:blip r:embed="rId26"/>
+              <a:stretch>
+                <a:fillRect/>
+              </a:stretch>
+            </p:blipFill>
+            <p:spPr>
+              <a:xfrm>
+                <a:off x="4064400" y="9171328"/>
+                <a:ext cx="320400" cy="290160"/>
+              </a:xfrm>
+              <a:prstGeom prst="rect">
+                <a:avLst/>
+              </a:prstGeom>
+            </p:spPr>
+          </p:pic>
+        </mc:Fallback>
+      </mc:AlternateContent>
+      <mc:AlternateContent xmlns:mc="http://schemas.openxmlformats.org/markup-compatibility/2006" xmlns:p14="http://schemas.microsoft.com/office/powerpoint/2010/main">
+        <mc:Choice Requires="p14">
+          <p:contentPart p14:bwMode="auto" r:id="rId27">
+            <p14:nvContentPartPr>
+              <p14:cNvPr id="42" name="Ink 41">
+                <a:extLst>
+                  <a:ext uri="{FF2B5EF4-FFF2-40B4-BE49-F238E27FC236}">
+                    <a16:creationId xmlns:a16="http://schemas.microsoft.com/office/drawing/2014/main" id="{B2713B7E-A7F5-7151-94CF-F30E458E668A}"/>
+                  </a:ext>
+                </a:extLst>
+              </p14:cNvPr>
+              <p14:cNvContentPartPr/>
+              <p14:nvPr/>
+            </p14:nvContentPartPr>
+            <p14:xfrm>
+              <a:off x="684720" y="9131008"/>
+              <a:ext cx="328320" cy="357120"/>
+            </p14:xfrm>
+          </p:contentPart>
+        </mc:Choice>
+        <mc:Fallback xmlns="">
+          <p:pic>
+            <p:nvPicPr>
+              <p:cNvPr id="42" name="Ink 41">
+                <a:extLst>
+                  <a:ext uri="{FF2B5EF4-FFF2-40B4-BE49-F238E27FC236}">
+                    <a16:creationId xmlns:a16="http://schemas.microsoft.com/office/drawing/2014/main" id="{B2713B7E-A7F5-7151-94CF-F30E458E668A}"/>
+                  </a:ext>
+                </a:extLst>
+              </p:cNvPr>
+              <p:cNvPicPr/>
+              <p:nvPr/>
+            </p:nvPicPr>
+            <p:blipFill>
+              <a:blip r:embed="rId28"/>
+              <a:stretch>
+                <a:fillRect/>
+              </a:stretch>
+            </p:blipFill>
+            <p:spPr>
+              <a:xfrm>
+                <a:off x="675720" y="9122008"/>
+                <a:ext cx="345960" cy="374760"/>
+              </a:xfrm>
+              <a:prstGeom prst="rect">
+                <a:avLst/>
+              </a:prstGeom>
+            </p:spPr>
+          </p:pic>
+        </mc:Fallback>
+      </mc:AlternateContent>
+      <mc:AlternateContent xmlns:mc="http://schemas.openxmlformats.org/markup-compatibility/2006" xmlns:p14="http://schemas.microsoft.com/office/powerpoint/2010/main">
+        <mc:Choice Requires="p14">
+          <p:contentPart p14:bwMode="auto" r:id="rId29">
+            <p14:nvContentPartPr>
+              <p14:cNvPr id="44" name="Ink 43">
+                <a:extLst>
+                  <a:ext uri="{FF2B5EF4-FFF2-40B4-BE49-F238E27FC236}">
+                    <a16:creationId xmlns:a16="http://schemas.microsoft.com/office/drawing/2014/main" id="{E8EBDCCE-8117-434A-3087-1FD68BEB29F1}"/>
+                  </a:ext>
+                </a:extLst>
+              </p14:cNvPr>
+              <p14:cNvContentPartPr/>
+              <p14:nvPr/>
+            </p14:nvContentPartPr>
+            <p14:xfrm>
+              <a:off x="1679040" y="7205008"/>
+              <a:ext cx="667440" cy="24480"/>
+            </p14:xfrm>
+          </p:contentPart>
+        </mc:Choice>
+        <mc:Fallback xmlns="">
+          <p:pic>
+            <p:nvPicPr>
+              <p:cNvPr id="44" name="Ink 43">
+                <a:extLst>
+                  <a:ext uri="{FF2B5EF4-FFF2-40B4-BE49-F238E27FC236}">
+                    <a16:creationId xmlns:a16="http://schemas.microsoft.com/office/drawing/2014/main" id="{E8EBDCCE-8117-434A-3087-1FD68BEB29F1}"/>
+                  </a:ext>
+                </a:extLst>
+              </p:cNvPr>
+              <p:cNvPicPr/>
+              <p:nvPr/>
+            </p:nvPicPr>
+            <p:blipFill>
+              <a:blip r:embed="rId30"/>
+              <a:stretch>
+                <a:fillRect/>
+              </a:stretch>
+            </p:blipFill>
+            <p:spPr>
+              <a:xfrm>
+                <a:off x="1670040" y="7196368"/>
+                <a:ext cx="685080" cy="42120"/>
+              </a:xfrm>
+              <a:prstGeom prst="rect">
+                <a:avLst/>
+              </a:prstGeom>
+            </p:spPr>
+          </p:pic>
+        </mc:Fallback>
+      </mc:AlternateContent>
+      <mc:AlternateContent xmlns:mc="http://schemas.openxmlformats.org/markup-compatibility/2006" xmlns:p14="http://schemas.microsoft.com/office/powerpoint/2010/main">
+        <mc:Choice Requires="p14">
+          <p:contentPart p14:bwMode="auto" r:id="rId31">
+            <p14:nvContentPartPr>
+              <p14:cNvPr id="45" name="Ink 44">
+                <a:extLst>
+                  <a:ext uri="{FF2B5EF4-FFF2-40B4-BE49-F238E27FC236}">
+                    <a16:creationId xmlns:a16="http://schemas.microsoft.com/office/drawing/2014/main" id="{4620DADF-7CF8-E3E1-BB63-3D9160D7CD84}"/>
+                  </a:ext>
+                </a:extLst>
+              </p14:cNvPr>
+              <p14:cNvContentPartPr/>
+              <p14:nvPr/>
+            </p14:nvContentPartPr>
+            <p14:xfrm>
+              <a:off x="6739560" y="5220613"/>
+              <a:ext cx="288000" cy="126360"/>
+            </p14:xfrm>
+          </p:contentPart>
+        </mc:Choice>
+        <mc:Fallback xmlns="">
+          <p:pic>
+            <p:nvPicPr>
+              <p:cNvPr id="45" name="Ink 44">
+                <a:extLst>
+                  <a:ext uri="{FF2B5EF4-FFF2-40B4-BE49-F238E27FC236}">
+                    <a16:creationId xmlns:a16="http://schemas.microsoft.com/office/drawing/2014/main" id="{4620DADF-7CF8-E3E1-BB63-3D9160D7CD84}"/>
+                  </a:ext>
+                </a:extLst>
+              </p:cNvPr>
+              <p:cNvPicPr/>
+              <p:nvPr/>
+            </p:nvPicPr>
+            <p:blipFill>
+              <a:blip r:embed="rId32"/>
+              <a:stretch>
+                <a:fillRect/>
+              </a:stretch>
+            </p:blipFill>
+            <p:spPr>
+              <a:xfrm>
+                <a:off x="6730920" y="5211613"/>
+                <a:ext cx="305640" cy="144000"/>
+              </a:xfrm>
+              <a:prstGeom prst="rect">
+                <a:avLst/>
+              </a:prstGeom>
+            </p:spPr>
+          </p:pic>
+        </mc:Fallback>
+      </mc:AlternateContent>
+      <p:grpSp>
+        <p:nvGrpSpPr>
+          <p:cNvPr id="47" name="Group 46">
+            <a:extLst>
+              <a:ext uri="{FF2B5EF4-FFF2-40B4-BE49-F238E27FC236}">
+                <a16:creationId xmlns:a16="http://schemas.microsoft.com/office/drawing/2014/main" id="{6C127903-5B03-92DE-2476-5C799082BCC5}"/>
+              </a:ext>
+            </a:extLst>
+          </p:cNvPr>
+          <p:cNvGrpSpPr/>
+          <p:nvPr/>
+        </p:nvGrpSpPr>
+        <p:grpSpPr>
+          <a:xfrm>
+            <a:off x="6896420" y="3891600"/>
+            <a:ext cx="5807880" cy="2620800"/>
+            <a:chOff x="6896420" y="3891600"/>
+            <a:chExt cx="5807880" cy="2620800"/>
+          </a:xfrm>
+        </p:grpSpPr>
+        <mc:AlternateContent xmlns:mc="http://schemas.openxmlformats.org/markup-compatibility/2006" xmlns:p14="http://schemas.microsoft.com/office/powerpoint/2010/main">
+          <mc:Choice Requires="p14">
+            <p:contentPart p14:bwMode="auto" r:id="rId33">
+              <p14:nvContentPartPr>
+                <p14:cNvPr id="21" name="Ink 20">
+                  <a:extLst>
+                    <a:ext uri="{FF2B5EF4-FFF2-40B4-BE49-F238E27FC236}">
+                      <a16:creationId xmlns:a16="http://schemas.microsoft.com/office/drawing/2014/main" id="{47952172-02D8-A3F1-55EB-FBB9DC2C683F}"/>
+                    </a:ext>
+                  </a:extLst>
+                </p14:cNvPr>
+                <p14:cNvContentPartPr/>
+                <p14:nvPr/>
+              </p14:nvContentPartPr>
+              <p14:xfrm>
+                <a:off x="11067380" y="4917240"/>
+                <a:ext cx="360" cy="1353960"/>
+              </p14:xfrm>
+            </p:contentPart>
+          </mc:Choice>
+          <mc:Fallback xmlns="">
+            <p:pic>
+              <p:nvPicPr>
+                <p:cNvPr id="21" name="Ink 20">
+                  <a:extLst>
+                    <a:ext uri="{FF2B5EF4-FFF2-40B4-BE49-F238E27FC236}">
+                      <a16:creationId xmlns:a16="http://schemas.microsoft.com/office/drawing/2014/main" id="{47952172-02D8-A3F1-55EB-FBB9DC2C683F}"/>
+                    </a:ext>
+                  </a:extLst>
+                </p:cNvPr>
+                <p:cNvPicPr/>
+                <p:nvPr/>
+              </p:nvPicPr>
+              <p:blipFill>
+                <a:blip r:embed="rId34"/>
+                <a:stretch>
+                  <a:fillRect/>
+                </a:stretch>
+              </p:blipFill>
+              <p:spPr>
+                <a:xfrm>
+                  <a:off x="11058740" y="4908240"/>
+                  <a:ext cx="18000" cy="1371600"/>
+                </a:xfrm>
+                <a:prstGeom prst="rect">
+                  <a:avLst/>
+                </a:prstGeom>
+              </p:spPr>
+            </p:pic>
+          </mc:Fallback>
+        </mc:AlternateContent>
+        <mc:AlternateContent xmlns:mc="http://schemas.openxmlformats.org/markup-compatibility/2006" xmlns:p14="http://schemas.microsoft.com/office/powerpoint/2010/main">
+          <mc:Choice Requires="p14">
+            <p:contentPart p14:bwMode="auto" r:id="rId35">
+              <p14:nvContentPartPr>
+                <p14:cNvPr id="22" name="Ink 21">
+                  <a:extLst>
+                    <a:ext uri="{FF2B5EF4-FFF2-40B4-BE49-F238E27FC236}">
+                      <a16:creationId xmlns:a16="http://schemas.microsoft.com/office/drawing/2014/main" id="{F7EF22D1-BF6D-BB1F-CE73-161836A10E06}"/>
+                    </a:ext>
+                  </a:extLst>
+                </p14:cNvPr>
+                <p14:cNvContentPartPr/>
+                <p14:nvPr/>
+              </p14:nvContentPartPr>
+              <p14:xfrm>
+                <a:off x="11103740" y="4936680"/>
+                <a:ext cx="240480" cy="1467720"/>
+              </p14:xfrm>
+            </p:contentPart>
+          </mc:Choice>
+          <mc:Fallback xmlns="">
+            <p:pic>
+              <p:nvPicPr>
+                <p:cNvPr id="22" name="Ink 21">
+                  <a:extLst>
+                    <a:ext uri="{FF2B5EF4-FFF2-40B4-BE49-F238E27FC236}">
+                      <a16:creationId xmlns:a16="http://schemas.microsoft.com/office/drawing/2014/main" id="{F7EF22D1-BF6D-BB1F-CE73-161836A10E06}"/>
+                    </a:ext>
+                  </a:extLst>
+                </p:cNvPr>
+                <p:cNvPicPr/>
+                <p:nvPr/>
+              </p:nvPicPr>
+              <p:blipFill>
+                <a:blip r:embed="rId36"/>
+                <a:stretch>
+                  <a:fillRect/>
+                </a:stretch>
+              </p:blipFill>
+              <p:spPr>
+                <a:xfrm>
+                  <a:off x="11095100" y="4927680"/>
+                  <a:ext cx="258120" cy="1485360"/>
+                </a:xfrm>
+                <a:prstGeom prst="rect">
+                  <a:avLst/>
+                </a:prstGeom>
+              </p:spPr>
+            </p:pic>
+          </mc:Fallback>
+        </mc:AlternateContent>
+        <mc:AlternateContent xmlns:mc="http://schemas.openxmlformats.org/markup-compatibility/2006" xmlns:p14="http://schemas.microsoft.com/office/powerpoint/2010/main">
+          <mc:Choice Requires="p14">
+            <p:contentPart p14:bwMode="auto" r:id="rId37">
+              <p14:nvContentPartPr>
+                <p14:cNvPr id="24" name="Ink 23">
+                  <a:extLst>
+                    <a:ext uri="{FF2B5EF4-FFF2-40B4-BE49-F238E27FC236}">
+                      <a16:creationId xmlns:a16="http://schemas.microsoft.com/office/drawing/2014/main" id="{0F949BE6-16A3-291F-1DB4-5C6969402197}"/>
+                    </a:ext>
+                  </a:extLst>
+                </p14:cNvPr>
+                <p14:cNvContentPartPr/>
+                <p14:nvPr/>
+              </p14:nvContentPartPr>
+              <p14:xfrm>
+                <a:off x="11644820" y="4606920"/>
+                <a:ext cx="93960" cy="1526400"/>
+              </p14:xfrm>
+            </p:contentPart>
+          </mc:Choice>
+          <mc:Fallback xmlns="">
+            <p:pic>
+              <p:nvPicPr>
+                <p:cNvPr id="24" name="Ink 23">
+                  <a:extLst>
+                    <a:ext uri="{FF2B5EF4-FFF2-40B4-BE49-F238E27FC236}">
+                      <a16:creationId xmlns:a16="http://schemas.microsoft.com/office/drawing/2014/main" id="{0F949BE6-16A3-291F-1DB4-5C6969402197}"/>
+                    </a:ext>
+                  </a:extLst>
+                </p:cNvPr>
+                <p:cNvPicPr/>
+                <p:nvPr/>
+              </p:nvPicPr>
+              <p:blipFill>
+                <a:blip r:embed="rId38"/>
+                <a:stretch>
+                  <a:fillRect/>
+                </a:stretch>
+              </p:blipFill>
+              <p:spPr>
+                <a:xfrm>
+                  <a:off x="11636180" y="4598280"/>
+                  <a:ext cx="111600" cy="1544040"/>
+                </a:xfrm>
+                <a:prstGeom prst="rect">
+                  <a:avLst/>
+                </a:prstGeom>
+              </p:spPr>
+            </p:pic>
+          </mc:Fallback>
+        </mc:AlternateContent>
+        <mc:AlternateContent xmlns:mc="http://schemas.openxmlformats.org/markup-compatibility/2006" xmlns:p14="http://schemas.microsoft.com/office/powerpoint/2010/main">
+          <mc:Choice Requires="p14">
+            <p:contentPart p14:bwMode="auto" r:id="rId39">
+              <p14:nvContentPartPr>
+                <p14:cNvPr id="25" name="Ink 24">
+                  <a:extLst>
+                    <a:ext uri="{FF2B5EF4-FFF2-40B4-BE49-F238E27FC236}">
+                      <a16:creationId xmlns:a16="http://schemas.microsoft.com/office/drawing/2014/main" id="{DF188CD3-6EAE-6CB3-F257-A4E86673C142}"/>
+                    </a:ext>
+                  </a:extLst>
+                </p14:cNvPr>
+                <p14:cNvContentPartPr/>
+                <p14:nvPr/>
+              </p14:nvContentPartPr>
+              <p14:xfrm>
+                <a:off x="11677580" y="4553280"/>
+                <a:ext cx="305640" cy="1887840"/>
+              </p14:xfrm>
+            </p:contentPart>
+          </mc:Choice>
+          <mc:Fallback xmlns="">
+            <p:pic>
+              <p:nvPicPr>
+                <p:cNvPr id="25" name="Ink 24">
+                  <a:extLst>
+                    <a:ext uri="{FF2B5EF4-FFF2-40B4-BE49-F238E27FC236}">
+                      <a16:creationId xmlns:a16="http://schemas.microsoft.com/office/drawing/2014/main" id="{DF188CD3-6EAE-6CB3-F257-A4E86673C142}"/>
+                    </a:ext>
+                  </a:extLst>
+                </p:cNvPr>
+                <p:cNvPicPr/>
+                <p:nvPr/>
+              </p:nvPicPr>
+              <p:blipFill>
+                <a:blip r:embed="rId40"/>
+                <a:stretch>
+                  <a:fillRect/>
+                </a:stretch>
+              </p:blipFill>
+              <p:spPr>
+                <a:xfrm>
+                  <a:off x="11668940" y="4544640"/>
+                  <a:ext cx="323280" cy="1905480"/>
+                </a:xfrm>
+                <a:prstGeom prst="rect">
+                  <a:avLst/>
+                </a:prstGeom>
+              </p:spPr>
+            </p:pic>
+          </mc:Fallback>
+        </mc:AlternateContent>
+        <mc:AlternateContent xmlns:mc="http://schemas.openxmlformats.org/markup-compatibility/2006" xmlns:p14="http://schemas.microsoft.com/office/powerpoint/2010/main">
+          <mc:Choice Requires="p14">
+            <p:contentPart p14:bwMode="auto" r:id="rId41">
+              <p14:nvContentPartPr>
+                <p14:cNvPr id="27" name="Ink 26">
+                  <a:extLst>
+                    <a:ext uri="{FF2B5EF4-FFF2-40B4-BE49-F238E27FC236}">
+                      <a16:creationId xmlns:a16="http://schemas.microsoft.com/office/drawing/2014/main" id="{7FE62DBA-6FFA-A22F-F32E-0D513226E7EF}"/>
+                    </a:ext>
+                  </a:extLst>
+                </p14:cNvPr>
+                <p14:cNvContentPartPr/>
+                <p14:nvPr/>
+              </p14:nvContentPartPr>
+              <p14:xfrm>
+                <a:off x="12270860" y="4960800"/>
+                <a:ext cx="169920" cy="1339200"/>
+              </p14:xfrm>
+            </p:contentPart>
+          </mc:Choice>
+          <mc:Fallback xmlns="">
+            <p:pic>
+              <p:nvPicPr>
+                <p:cNvPr id="27" name="Ink 26">
+                  <a:extLst>
+                    <a:ext uri="{FF2B5EF4-FFF2-40B4-BE49-F238E27FC236}">
+                      <a16:creationId xmlns:a16="http://schemas.microsoft.com/office/drawing/2014/main" id="{7FE62DBA-6FFA-A22F-F32E-0D513226E7EF}"/>
+                    </a:ext>
+                  </a:extLst>
+                </p:cNvPr>
+                <p:cNvPicPr/>
+                <p:nvPr/>
+              </p:nvPicPr>
+              <p:blipFill>
+                <a:blip r:embed="rId42"/>
+                <a:stretch>
+                  <a:fillRect/>
+                </a:stretch>
+              </p:blipFill>
+              <p:spPr>
+                <a:xfrm>
+                  <a:off x="12262220" y="4951800"/>
+                  <a:ext cx="187560" cy="1356840"/>
+                </a:xfrm>
+                <a:prstGeom prst="rect">
+                  <a:avLst/>
+                </a:prstGeom>
+              </p:spPr>
+            </p:pic>
+          </mc:Fallback>
+        </mc:AlternateContent>
+        <mc:AlternateContent xmlns:mc="http://schemas.openxmlformats.org/markup-compatibility/2006" xmlns:p14="http://schemas.microsoft.com/office/powerpoint/2010/main">
+          <mc:Choice Requires="p14">
+            <p:contentPart p14:bwMode="auto" r:id="rId43">
+              <p14:nvContentPartPr>
+                <p14:cNvPr id="28" name="Ink 27">
+                  <a:extLst>
+                    <a:ext uri="{FF2B5EF4-FFF2-40B4-BE49-F238E27FC236}">
+                      <a16:creationId xmlns:a16="http://schemas.microsoft.com/office/drawing/2014/main" id="{0A7B6E20-BE35-9151-3BB1-585E1E2BEDCE}"/>
+                    </a:ext>
+                  </a:extLst>
+                </p14:cNvPr>
+                <p14:cNvContentPartPr/>
+                <p14:nvPr/>
+              </p14:nvContentPartPr>
+              <p14:xfrm>
+                <a:off x="12291740" y="5002920"/>
+                <a:ext cx="412560" cy="1509480"/>
+              </p14:xfrm>
+            </p:contentPart>
+          </mc:Choice>
+          <mc:Fallback xmlns="">
+            <p:pic>
+              <p:nvPicPr>
+                <p:cNvPr id="28" name="Ink 27">
+                  <a:extLst>
+                    <a:ext uri="{FF2B5EF4-FFF2-40B4-BE49-F238E27FC236}">
+                      <a16:creationId xmlns:a16="http://schemas.microsoft.com/office/drawing/2014/main" id="{0A7B6E20-BE35-9151-3BB1-585E1E2BEDCE}"/>
+                    </a:ext>
+                  </a:extLst>
+                </p:cNvPr>
+                <p:cNvPicPr/>
+                <p:nvPr/>
+              </p:nvPicPr>
+              <p:blipFill>
+                <a:blip r:embed="rId44"/>
+                <a:stretch>
+                  <a:fillRect/>
+                </a:stretch>
+              </p:blipFill>
+              <p:spPr>
+                <a:xfrm>
+                  <a:off x="12282740" y="4994280"/>
+                  <a:ext cx="430200" cy="1527120"/>
+                </a:xfrm>
+                <a:prstGeom prst="rect">
+                  <a:avLst/>
+                </a:prstGeom>
+              </p:spPr>
+            </p:pic>
+          </mc:Fallback>
+        </mc:AlternateContent>
+        <mc:AlternateContent xmlns:mc="http://schemas.openxmlformats.org/markup-compatibility/2006" xmlns:p14="http://schemas.microsoft.com/office/powerpoint/2010/main">
+          <mc:Choice Requires="p14">
+            <p:contentPart p14:bwMode="auto" r:id="rId45">
+              <p14:nvContentPartPr>
+                <p14:cNvPr id="30" name="Ink 29">
+                  <a:extLst>
+                    <a:ext uri="{FF2B5EF4-FFF2-40B4-BE49-F238E27FC236}">
+                      <a16:creationId xmlns:a16="http://schemas.microsoft.com/office/drawing/2014/main" id="{0A63D2F6-00AB-F2BF-93CC-0BBDF61E4B87}"/>
+                    </a:ext>
+                  </a:extLst>
+                </p14:cNvPr>
+                <p14:cNvContentPartPr/>
+                <p14:nvPr/>
+              </p14:nvContentPartPr>
+              <p14:xfrm>
+                <a:off x="6896420" y="3891600"/>
+                <a:ext cx="3639600" cy="766800"/>
+              </p14:xfrm>
+            </p:contentPart>
+          </mc:Choice>
+          <mc:Fallback xmlns="">
+            <p:pic>
+              <p:nvPicPr>
+                <p:cNvPr id="30" name="Ink 29">
+                  <a:extLst>
+                    <a:ext uri="{FF2B5EF4-FFF2-40B4-BE49-F238E27FC236}">
+                      <a16:creationId xmlns:a16="http://schemas.microsoft.com/office/drawing/2014/main" id="{0A63D2F6-00AB-F2BF-93CC-0BBDF61E4B87}"/>
+                    </a:ext>
+                  </a:extLst>
+                </p:cNvPr>
+                <p:cNvPicPr/>
+                <p:nvPr/>
+              </p:nvPicPr>
+              <p:blipFill>
+                <a:blip r:embed="rId46"/>
+                <a:stretch>
+                  <a:fillRect/>
+                </a:stretch>
+              </p:blipFill>
+              <p:spPr>
+                <a:xfrm>
+                  <a:off x="6887780" y="3882960"/>
+                  <a:ext cx="3657240" cy="784440"/>
+                </a:xfrm>
+                <a:prstGeom prst="rect">
+                  <a:avLst/>
+                </a:prstGeom>
+              </p:spPr>
+            </p:pic>
+          </mc:Fallback>
+        </mc:AlternateContent>
+        <mc:AlternateContent xmlns:mc="http://schemas.openxmlformats.org/markup-compatibility/2006" xmlns:p14="http://schemas.microsoft.com/office/powerpoint/2010/main">
+          <mc:Choice Requires="p14">
+            <p:contentPart p14:bwMode="auto" r:id="rId47">
+              <p14:nvContentPartPr>
+                <p14:cNvPr id="33" name="Ink 32">
+                  <a:extLst>
+                    <a:ext uri="{FF2B5EF4-FFF2-40B4-BE49-F238E27FC236}">
+                      <a16:creationId xmlns:a16="http://schemas.microsoft.com/office/drawing/2014/main" id="{63EC90BA-429F-E573-8DCC-B88930F64AA1}"/>
+                    </a:ext>
+                  </a:extLst>
+                </p14:cNvPr>
+                <p14:cNvContentPartPr/>
+                <p14:nvPr/>
+              </p14:nvContentPartPr>
+              <p14:xfrm>
+                <a:off x="9368540" y="4564080"/>
+                <a:ext cx="6120" cy="113400"/>
+              </p14:xfrm>
+            </p:contentPart>
+          </mc:Choice>
+          <mc:Fallback xmlns="">
+            <p:pic>
+              <p:nvPicPr>
+                <p:cNvPr id="33" name="Ink 32">
+                  <a:extLst>
+                    <a:ext uri="{FF2B5EF4-FFF2-40B4-BE49-F238E27FC236}">
+                      <a16:creationId xmlns:a16="http://schemas.microsoft.com/office/drawing/2014/main" id="{63EC90BA-429F-E573-8DCC-B88930F64AA1}"/>
+                    </a:ext>
+                  </a:extLst>
+                </p:cNvPr>
+                <p:cNvPicPr/>
+                <p:nvPr/>
+              </p:nvPicPr>
+              <p:blipFill>
+                <a:blip r:embed="rId48"/>
+                <a:stretch>
+                  <a:fillRect/>
+                </a:stretch>
+              </p:blipFill>
+              <p:spPr>
+                <a:xfrm>
+                  <a:off x="9359900" y="4555440"/>
+                  <a:ext cx="23760" cy="131040"/>
+                </a:xfrm>
+                <a:prstGeom prst="rect">
+                  <a:avLst/>
+                </a:prstGeom>
+              </p:spPr>
+            </p:pic>
+          </mc:Fallback>
+        </mc:AlternateContent>
+        <mc:AlternateContent xmlns:mc="http://schemas.openxmlformats.org/markup-compatibility/2006" xmlns:p14="http://schemas.microsoft.com/office/powerpoint/2010/main">
+          <mc:Choice Requires="p14">
+            <p:contentPart p14:bwMode="auto" r:id="rId49">
+              <p14:nvContentPartPr>
+                <p14:cNvPr id="34" name="Ink 33">
+                  <a:extLst>
+                    <a:ext uri="{FF2B5EF4-FFF2-40B4-BE49-F238E27FC236}">
+                      <a16:creationId xmlns:a16="http://schemas.microsoft.com/office/drawing/2014/main" id="{2FE7C504-02EA-3B80-B425-7727762F1683}"/>
+                    </a:ext>
+                  </a:extLst>
+                </p14:cNvPr>
+                <p14:cNvContentPartPr/>
+                <p14:nvPr/>
+              </p14:nvContentPartPr>
+              <p14:xfrm>
+                <a:off x="8266940" y="5210280"/>
+                <a:ext cx="163440" cy="210600"/>
+              </p14:xfrm>
+            </p:contentPart>
+          </mc:Choice>
+          <mc:Fallback xmlns="">
+            <p:pic>
+              <p:nvPicPr>
+                <p:cNvPr id="34" name="Ink 33">
+                  <a:extLst>
+                    <a:ext uri="{FF2B5EF4-FFF2-40B4-BE49-F238E27FC236}">
+                      <a16:creationId xmlns:a16="http://schemas.microsoft.com/office/drawing/2014/main" id="{2FE7C504-02EA-3B80-B425-7727762F1683}"/>
+                    </a:ext>
+                  </a:extLst>
+                </p:cNvPr>
+                <p:cNvPicPr/>
+                <p:nvPr/>
+              </p:nvPicPr>
+              <p:blipFill>
+                <a:blip r:embed="rId50"/>
+                <a:stretch>
+                  <a:fillRect/>
+                </a:stretch>
+              </p:blipFill>
+              <p:spPr>
+                <a:xfrm>
+                  <a:off x="8258300" y="5201280"/>
+                  <a:ext cx="181080" cy="228240"/>
+                </a:xfrm>
+                <a:prstGeom prst="rect">
+                  <a:avLst/>
+                </a:prstGeom>
+              </p:spPr>
+            </p:pic>
+          </mc:Fallback>
+        </mc:AlternateContent>
+        <mc:AlternateContent xmlns:mc="http://schemas.openxmlformats.org/markup-compatibility/2006">
+          <mc:Choice xmlns:p14="http://schemas.microsoft.com/office/powerpoint/2010/main" Requires="p14">
+            <p:contentPart p14:bwMode="auto" r:id="rId51">
+              <p14:nvContentPartPr>
+                <p14:cNvPr id="35" name="Ink 34">
+                  <a:extLst>
+                    <a:ext uri="{FF2B5EF4-FFF2-40B4-BE49-F238E27FC236}">
+                      <a16:creationId xmlns:a16="http://schemas.microsoft.com/office/drawing/2014/main" id="{D6805F6D-B0EC-E159-E275-BF047E9F299E}"/>
+                    </a:ext>
+                  </a:extLst>
+                </p14:cNvPr>
+                <p14:cNvContentPartPr/>
+                <p14:nvPr/>
+              </p14:nvContentPartPr>
+              <p14:xfrm>
+                <a:off x="8451357" y="5768269"/>
+                <a:ext cx="188640" cy="303480"/>
+              </p14:xfrm>
+            </p:contentPart>
+          </mc:Choice>
+          <mc:Fallback>
+            <p:pic>
+              <p:nvPicPr>
+                <p:cNvPr id="35" name="Ink 34">
+                  <a:extLst>
+                    <a:ext uri="{FF2B5EF4-FFF2-40B4-BE49-F238E27FC236}">
+                      <a16:creationId xmlns:a16="http://schemas.microsoft.com/office/drawing/2014/main" id="{D6805F6D-B0EC-E159-E275-BF047E9F299E}"/>
+                    </a:ext>
+                  </a:extLst>
+                </p:cNvPr>
+                <p:cNvPicPr/>
+                <p:nvPr/>
+              </p:nvPicPr>
+              <p:blipFill>
+                <a:blip r:embed="rId52"/>
+                <a:stretch>
+                  <a:fillRect/>
+                </a:stretch>
+              </p:blipFill>
+              <p:spPr>
+                <a:xfrm>
+                  <a:off x="8442357" y="5759280"/>
+                  <a:ext cx="206280" cy="321099"/>
+                </a:xfrm>
+                <a:prstGeom prst="rect">
+                  <a:avLst/>
+                </a:prstGeom>
+              </p:spPr>
+            </p:pic>
+          </mc:Fallback>
+        </mc:AlternateContent>
+        <mc:AlternateContent xmlns:mc="http://schemas.openxmlformats.org/markup-compatibility/2006" xmlns:p14="http://schemas.microsoft.com/office/powerpoint/2010/main">
+          <mc:Choice Requires="p14">
+            <p:contentPart p14:bwMode="auto" r:id="rId53">
+              <p14:nvContentPartPr>
+                <p14:cNvPr id="37" name="Ink 36">
+                  <a:extLst>
+                    <a:ext uri="{FF2B5EF4-FFF2-40B4-BE49-F238E27FC236}">
+                      <a16:creationId xmlns:a16="http://schemas.microsoft.com/office/drawing/2014/main" id="{D3DA804A-9754-F3A1-660C-680223F1F029}"/>
+                    </a:ext>
+                  </a:extLst>
+                </p14:cNvPr>
+                <p14:cNvContentPartPr/>
+                <p14:nvPr/>
+              </p14:nvContentPartPr>
+              <p14:xfrm>
+                <a:off x="9297260" y="4482360"/>
+                <a:ext cx="93600" cy="217080"/>
+              </p14:xfrm>
+            </p:contentPart>
+          </mc:Choice>
+          <mc:Fallback xmlns="">
+            <p:pic>
+              <p:nvPicPr>
+                <p:cNvPr id="37" name="Ink 36">
+                  <a:extLst>
+                    <a:ext uri="{FF2B5EF4-FFF2-40B4-BE49-F238E27FC236}">
+                      <a16:creationId xmlns:a16="http://schemas.microsoft.com/office/drawing/2014/main" id="{D3DA804A-9754-F3A1-660C-680223F1F029}"/>
+                    </a:ext>
+                  </a:extLst>
+                </p:cNvPr>
+                <p:cNvPicPr/>
+                <p:nvPr/>
+              </p:nvPicPr>
+              <p:blipFill>
+                <a:blip r:embed="rId54"/>
+                <a:stretch>
+                  <a:fillRect/>
+                </a:stretch>
+              </p:blipFill>
+              <p:spPr>
+                <a:xfrm>
+                  <a:off x="9288620" y="4473720"/>
+                  <a:ext cx="111240" cy="234720"/>
+                </a:xfrm>
+                <a:prstGeom prst="rect">
+                  <a:avLst/>
+                </a:prstGeom>
+              </p:spPr>
+            </p:pic>
+          </mc:Fallback>
+        </mc:AlternateContent>
+        <mc:AlternateContent xmlns:mc="http://schemas.openxmlformats.org/markup-compatibility/2006" xmlns:p14="http://schemas.microsoft.com/office/powerpoint/2010/main">
+          <mc:Choice Requires="p14">
+            <p:contentPart p14:bwMode="auto" r:id="rId55">
+              <p14:nvContentPartPr>
+                <p14:cNvPr id="38" name="Ink 37">
+                  <a:extLst>
+                    <a:ext uri="{FF2B5EF4-FFF2-40B4-BE49-F238E27FC236}">
+                      <a16:creationId xmlns:a16="http://schemas.microsoft.com/office/drawing/2014/main" id="{F1EAB231-DB74-DF8E-9A47-CC84FD0F05C8}"/>
+                    </a:ext>
+                  </a:extLst>
+                </p14:cNvPr>
+                <p14:cNvContentPartPr/>
+                <p14:nvPr/>
+              </p14:nvContentPartPr>
+              <p14:xfrm>
+                <a:off x="9310580" y="4712760"/>
+                <a:ext cx="109800" cy="360"/>
+              </p14:xfrm>
+            </p:contentPart>
+          </mc:Choice>
+          <mc:Fallback xmlns="">
+            <p:pic>
+              <p:nvPicPr>
+                <p:cNvPr id="38" name="Ink 37">
+                  <a:extLst>
+                    <a:ext uri="{FF2B5EF4-FFF2-40B4-BE49-F238E27FC236}">
+                      <a16:creationId xmlns:a16="http://schemas.microsoft.com/office/drawing/2014/main" id="{F1EAB231-DB74-DF8E-9A47-CC84FD0F05C8}"/>
+                    </a:ext>
+                  </a:extLst>
+                </p:cNvPr>
+                <p:cNvPicPr/>
+                <p:nvPr/>
+              </p:nvPicPr>
+              <p:blipFill>
+                <a:blip r:embed="rId56"/>
+                <a:stretch>
+                  <a:fillRect/>
+                </a:stretch>
+              </p:blipFill>
+              <p:spPr>
+                <a:xfrm>
+                  <a:off x="9301580" y="4704120"/>
+                  <a:ext cx="127440" cy="18000"/>
+                </a:xfrm>
+                <a:prstGeom prst="rect">
+                  <a:avLst/>
+                </a:prstGeom>
+              </p:spPr>
+            </p:pic>
+          </mc:Fallback>
+        </mc:AlternateContent>
+        <mc:AlternateContent xmlns:mc="http://schemas.openxmlformats.org/markup-compatibility/2006" xmlns:p14="http://schemas.microsoft.com/office/powerpoint/2010/main">
+          <mc:Choice Requires="p14">
+            <p:contentPart p14:bwMode="auto" r:id="rId57">
+              <p14:nvContentPartPr>
+                <p14:cNvPr id="46" name="Ink 45">
+                  <a:extLst>
+                    <a:ext uri="{FF2B5EF4-FFF2-40B4-BE49-F238E27FC236}">
+                      <a16:creationId xmlns:a16="http://schemas.microsoft.com/office/drawing/2014/main" id="{D42C66D2-1757-2A9F-72DD-FA858497A6A9}"/>
+                    </a:ext>
+                  </a:extLst>
+                </p14:cNvPr>
+                <p14:cNvContentPartPr/>
+                <p14:nvPr/>
+              </p14:nvContentPartPr>
+              <p14:xfrm>
+                <a:off x="10362435" y="4448861"/>
+                <a:ext cx="211320" cy="121320"/>
+              </p14:xfrm>
+            </p:contentPart>
+          </mc:Choice>
+          <mc:Fallback xmlns="">
+            <p:pic>
+              <p:nvPicPr>
+                <p:cNvPr id="46" name="Ink 45">
+                  <a:extLst>
+                    <a:ext uri="{FF2B5EF4-FFF2-40B4-BE49-F238E27FC236}">
+                      <a16:creationId xmlns:a16="http://schemas.microsoft.com/office/drawing/2014/main" id="{D42C66D2-1757-2A9F-72DD-FA858497A6A9}"/>
+                    </a:ext>
+                  </a:extLst>
+                </p:cNvPr>
+                <p:cNvPicPr/>
+                <p:nvPr/>
+              </p:nvPicPr>
+              <p:blipFill>
+                <a:blip r:embed="rId58"/>
+                <a:stretch>
+                  <a:fillRect/>
+                </a:stretch>
+              </p:blipFill>
+              <p:spPr>
+                <a:xfrm>
+                  <a:off x="10353795" y="4440221"/>
+                  <a:ext cx="228960" cy="138960"/>
+                </a:xfrm>
+                <a:prstGeom prst="rect">
+                  <a:avLst/>
+                </a:prstGeom>
+              </p:spPr>
+            </p:pic>
+          </mc:Fallback>
+        </mc:AlternateContent>
+      </p:grpSp>
+      <mc:AlternateContent xmlns:mc="http://schemas.openxmlformats.org/markup-compatibility/2006">
+        <mc:Choice xmlns:p14="http://schemas.microsoft.com/office/powerpoint/2010/main" Requires="p14">
+          <p:contentPart p14:bwMode="auto" r:id="rId59">
+            <p14:nvContentPartPr>
+              <p14:cNvPr id="5" name="Ink 4">
+                <a:extLst>
+                  <a:ext uri="{FF2B5EF4-FFF2-40B4-BE49-F238E27FC236}">
+                    <a16:creationId xmlns:a16="http://schemas.microsoft.com/office/drawing/2014/main" id="{92DE555D-4C47-57BA-C389-90AC0F68E18F}"/>
+                  </a:ext>
+                </a:extLst>
+              </p14:cNvPr>
+              <p14:cNvContentPartPr/>
+              <p14:nvPr/>
+            </p14:nvContentPartPr>
+            <p14:xfrm>
+              <a:off x="7611994" y="6130646"/>
+              <a:ext cx="398520" cy="5040"/>
+            </p14:xfrm>
+          </p:contentPart>
+        </mc:Choice>
+        <mc:Fallback>
+          <p:pic>
+            <p:nvPicPr>
+              <p:cNvPr id="5" name="Ink 4">
+                <a:extLst>
+                  <a:ext uri="{FF2B5EF4-FFF2-40B4-BE49-F238E27FC236}">
+                    <a16:creationId xmlns:a16="http://schemas.microsoft.com/office/drawing/2014/main" id="{92DE555D-4C47-57BA-C389-90AC0F68E18F}"/>
+                  </a:ext>
+                </a:extLst>
+              </p:cNvPr>
+              <p:cNvPicPr/>
+              <p:nvPr/>
+            </p:nvPicPr>
+            <p:blipFill>
+              <a:blip r:embed="rId60"/>
+              <a:stretch>
+                <a:fillRect/>
+              </a:stretch>
+            </p:blipFill>
+            <p:spPr>
+              <a:xfrm>
+                <a:off x="7602994" y="6121646"/>
+                <a:ext cx="416160" cy="22680"/>
+              </a:xfrm>
+              <a:prstGeom prst="rect">
+                <a:avLst/>
+              </a:prstGeom>
+            </p:spPr>
+          </p:pic>
+        </mc:Fallback>
+      </mc:AlternateContent>
+      <mc:AlternateContent xmlns:mc="http://schemas.openxmlformats.org/markup-compatibility/2006">
+        <mc:Choice xmlns:p14="http://schemas.microsoft.com/office/powerpoint/2010/main" Requires="p14">
+          <p:contentPart p14:bwMode="auto" r:id="rId61">
+            <p14:nvContentPartPr>
+              <p14:cNvPr id="6" name="Ink 5">
+                <a:extLst>
+                  <a:ext uri="{FF2B5EF4-FFF2-40B4-BE49-F238E27FC236}">
+                    <a16:creationId xmlns:a16="http://schemas.microsoft.com/office/drawing/2014/main" id="{DBEC3E16-BA86-0CDC-4D4F-BC6A9264ECBE}"/>
+                  </a:ext>
+                </a:extLst>
+              </p14:cNvPr>
+              <p14:cNvContentPartPr/>
+              <p14:nvPr/>
+            </p14:nvContentPartPr>
+            <p14:xfrm>
+              <a:off x="8720794" y="5105726"/>
+              <a:ext cx="444600" cy="1879920"/>
+            </p14:xfrm>
+          </p:contentPart>
+        </mc:Choice>
+        <mc:Fallback>
+          <p:pic>
+            <p:nvPicPr>
+              <p:cNvPr id="6" name="Ink 5">
+                <a:extLst>
+                  <a:ext uri="{FF2B5EF4-FFF2-40B4-BE49-F238E27FC236}">
+                    <a16:creationId xmlns:a16="http://schemas.microsoft.com/office/drawing/2014/main" id="{DBEC3E16-BA86-0CDC-4D4F-BC6A9264ECBE}"/>
+                  </a:ext>
+                </a:extLst>
+              </p:cNvPr>
+              <p:cNvPicPr/>
+              <p:nvPr/>
+            </p:nvPicPr>
+            <p:blipFill>
+              <a:blip r:embed="rId62"/>
+              <a:stretch>
+                <a:fillRect/>
+              </a:stretch>
+            </p:blipFill>
+            <p:spPr>
+              <a:xfrm>
+                <a:off x="8711794" y="5097086"/>
+                <a:ext cx="462240" cy="1897560"/>
+              </a:xfrm>
+              <a:prstGeom prst="rect">
+                <a:avLst/>
+              </a:prstGeom>
+            </p:spPr>
+          </p:pic>
+        </mc:Fallback>
+      </mc:AlternateContent>
+      <p:sp>
+        <p:nvSpPr>
+          <p:cNvPr id="51" name="TextBox 50">
+            <a:extLst>
+              <a:ext uri="{FF2B5EF4-FFF2-40B4-BE49-F238E27FC236}">
+                <a16:creationId xmlns:a16="http://schemas.microsoft.com/office/drawing/2014/main" id="{F6281AB6-A030-B5E5-ABDD-F9653384B2B6}"/>
+              </a:ext>
+            </a:extLst>
+          </p:cNvPr>
+          <p:cNvSpPr txBox="1"/>
+          <p:nvPr/>
+        </p:nvSpPr>
+        <p:spPr>
+          <a:xfrm>
+            <a:off x="7957332" y="6419137"/>
+            <a:ext cx="1165704" cy="369332"/>
+          </a:xfrm>
+          <a:prstGeom prst="rect">
+            <a:avLst/>
+          </a:prstGeom>
+          <a:noFill/>
+        </p:spPr>
+        <p:txBody>
+          <a:bodyPr wrap="none" rtlCol="0">
+            <a:spAutoFit/>
+          </a:bodyPr>
+          <a:lstStyle/>
+          <a:p>
+            <a:r>
+              <a:rPr lang="en-AT" dirty="0"/>
+              <a:t>na in 6909</a:t>
+            </a:r>
+          </a:p>
+        </p:txBody>
+      </p:sp>
+      <mc:AlternateContent xmlns:mc="http://schemas.openxmlformats.org/markup-compatibility/2006">
+        <mc:Choice xmlns:p14="http://schemas.microsoft.com/office/powerpoint/2010/main" Requires="p14">
+          <p:contentPart p14:bwMode="auto" r:id="rId63">
+            <p14:nvContentPartPr>
+              <p14:cNvPr id="52" name="Ink 51">
+                <a:extLst>
+                  <a:ext uri="{FF2B5EF4-FFF2-40B4-BE49-F238E27FC236}">
+                    <a16:creationId xmlns:a16="http://schemas.microsoft.com/office/drawing/2014/main" id="{8C2710FD-FB6D-1F68-A9AF-20EE5588FD93}"/>
+                  </a:ext>
+                </a:extLst>
+              </p14:cNvPr>
+              <p14:cNvContentPartPr/>
+              <p14:nvPr/>
+            </p14:nvContentPartPr>
+            <p14:xfrm>
+              <a:off x="8945268" y="5272310"/>
+              <a:ext cx="108360" cy="304200"/>
+            </p14:xfrm>
+          </p:contentPart>
+        </mc:Choice>
+        <mc:Fallback>
+          <p:pic>
+            <p:nvPicPr>
+              <p:cNvPr id="52" name="Ink 51">
+                <a:extLst>
+                  <a:ext uri="{FF2B5EF4-FFF2-40B4-BE49-F238E27FC236}">
+                    <a16:creationId xmlns:a16="http://schemas.microsoft.com/office/drawing/2014/main" id="{8C2710FD-FB6D-1F68-A9AF-20EE5588FD93}"/>
+                  </a:ext>
+                </a:extLst>
+              </p:cNvPr>
+              <p:cNvPicPr/>
+              <p:nvPr/>
+            </p:nvPicPr>
+            <p:blipFill>
+              <a:blip r:embed="rId64"/>
+              <a:stretch>
+                <a:fillRect/>
+              </a:stretch>
+            </p:blipFill>
+            <p:spPr>
+              <a:xfrm>
+                <a:off x="8936628" y="5263310"/>
+                <a:ext cx="126000" cy="321840"/>
+              </a:xfrm>
+              <a:prstGeom prst="rect">
+                <a:avLst/>
+              </a:prstGeom>
+            </p:spPr>
+          </p:pic>
+        </mc:Fallback>
+      </mc:AlternateContent>
+      <p:sp>
+        <p:nvSpPr>
+          <p:cNvPr id="59" name="TextBox 58">
+            <a:extLst>
+              <a:ext uri="{FF2B5EF4-FFF2-40B4-BE49-F238E27FC236}">
+                <a16:creationId xmlns:a16="http://schemas.microsoft.com/office/drawing/2014/main" id="{45E7C264-F129-49CC-C85C-6F601F761F5D}"/>
+              </a:ext>
+            </a:extLst>
+          </p:cNvPr>
+          <p:cNvSpPr txBox="1"/>
+          <p:nvPr/>
+        </p:nvSpPr>
+        <p:spPr>
+          <a:xfrm>
+            <a:off x="9141910" y="5236955"/>
+            <a:ext cx="880369" cy="646331"/>
+          </a:xfrm>
+          <a:prstGeom prst="rect">
+            <a:avLst/>
+          </a:prstGeom>
+          <a:noFill/>
+        </p:spPr>
+        <p:txBody>
+          <a:bodyPr wrap="none" rtlCol="0">
+            <a:spAutoFit/>
+          </a:bodyPr>
+          <a:lstStyle/>
+          <a:p>
+            <a:r>
+              <a:rPr lang="en-AT" dirty="0"/>
+              <a:t>expr </a:t>
+            </a:r>
+          </a:p>
+          <a:p>
+            <a:r>
+              <a:rPr lang="en-AT" dirty="0"/>
+              <a:t>in 6909</a:t>
+            </a:r>
+          </a:p>
+        </p:txBody>
+      </p:sp>
+      <mc:AlternateContent xmlns:mc="http://schemas.openxmlformats.org/markup-compatibility/2006">
+        <mc:Choice xmlns:p14="http://schemas.microsoft.com/office/powerpoint/2010/main" Requires="p14">
+          <p:contentPart p14:bwMode="auto" r:id="rId65">
+            <p14:nvContentPartPr>
+              <p14:cNvPr id="61" name="Ink 60">
+                <a:extLst>
+                  <a:ext uri="{FF2B5EF4-FFF2-40B4-BE49-F238E27FC236}">
+                    <a16:creationId xmlns:a16="http://schemas.microsoft.com/office/drawing/2014/main" id="{6BA87B59-5ACB-9A8E-2D1A-0B209B975848}"/>
+                  </a:ext>
+                </a:extLst>
+              </p14:cNvPr>
+              <p14:cNvContentPartPr/>
+              <p14:nvPr/>
+            </p14:nvContentPartPr>
+            <p14:xfrm>
+              <a:off x="12938447" y="5021546"/>
+              <a:ext cx="293400" cy="1557000"/>
+            </p14:xfrm>
+          </p:contentPart>
+        </mc:Choice>
+        <mc:Fallback>
+          <p:pic>
+            <p:nvPicPr>
+              <p:cNvPr id="61" name="Ink 60">
+                <a:extLst>
+                  <a:ext uri="{FF2B5EF4-FFF2-40B4-BE49-F238E27FC236}">
+                    <a16:creationId xmlns:a16="http://schemas.microsoft.com/office/drawing/2014/main" id="{6BA87B59-5ACB-9A8E-2D1A-0B209B975848}"/>
+                  </a:ext>
+                </a:extLst>
+              </p:cNvPr>
+              <p:cNvPicPr/>
+              <p:nvPr/>
+            </p:nvPicPr>
+            <p:blipFill>
+              <a:blip r:embed="rId66"/>
+              <a:stretch>
+                <a:fillRect/>
+              </a:stretch>
+            </p:blipFill>
+            <p:spPr>
+              <a:xfrm>
+                <a:off x="12929447" y="5012906"/>
+                <a:ext cx="311040" cy="1574640"/>
+              </a:xfrm>
+              <a:prstGeom prst="rect">
+                <a:avLst/>
+              </a:prstGeom>
+            </p:spPr>
+          </p:pic>
+        </mc:Fallback>
+      </mc:AlternateContent>
+      <mc:AlternateContent xmlns:mc="http://schemas.openxmlformats.org/markup-compatibility/2006">
+        <mc:Choice xmlns:p14="http://schemas.microsoft.com/office/powerpoint/2010/main" Requires="p14">
+          <p:contentPart p14:bwMode="auto" r:id="rId67">
+            <p14:nvContentPartPr>
+              <p14:cNvPr id="62" name="Ink 61">
+                <a:extLst>
+                  <a:ext uri="{FF2B5EF4-FFF2-40B4-BE49-F238E27FC236}">
+                    <a16:creationId xmlns:a16="http://schemas.microsoft.com/office/drawing/2014/main" id="{E4298024-7A25-408C-CE7C-0C51EA5BD125}"/>
+                  </a:ext>
+                </a:extLst>
+              </p14:cNvPr>
+              <p14:cNvContentPartPr/>
+              <p14:nvPr/>
+            </p14:nvContentPartPr>
+            <p14:xfrm>
+              <a:off x="8494607" y="5777546"/>
+              <a:ext cx="74160" cy="360"/>
+            </p14:xfrm>
+          </p:contentPart>
+        </mc:Choice>
+        <mc:Fallback>
+          <p:pic>
+            <p:nvPicPr>
+              <p:cNvPr id="62" name="Ink 61">
+                <a:extLst>
+                  <a:ext uri="{FF2B5EF4-FFF2-40B4-BE49-F238E27FC236}">
+                    <a16:creationId xmlns:a16="http://schemas.microsoft.com/office/drawing/2014/main" id="{E4298024-7A25-408C-CE7C-0C51EA5BD125}"/>
+                  </a:ext>
+                </a:extLst>
+              </p:cNvPr>
+              <p:cNvPicPr/>
+              <p:nvPr/>
+            </p:nvPicPr>
+            <p:blipFill>
+              <a:blip r:embed="rId68"/>
+              <a:stretch>
+                <a:fillRect/>
+              </a:stretch>
+            </p:blipFill>
+            <p:spPr>
+              <a:xfrm>
+                <a:off x="8485607" y="5768906"/>
+                <a:ext cx="91800" cy="18000"/>
+              </a:xfrm>
+              <a:prstGeom prst="rect">
+                <a:avLst/>
+              </a:prstGeom>
+            </p:spPr>
+          </p:pic>
+        </mc:Fallback>
+      </mc:AlternateContent>
     </p:spTree>
     <p:extLst>
       <p:ext uri="{BB962C8B-B14F-4D97-AF65-F5344CB8AC3E}">
@@ -4617,6 +9442,696 @@
           </a:prstGeom>
         </p:spPr>
       </p:pic>
+      <p:pic>
+        <p:nvPicPr>
+          <p:cNvPr id="4" name="Picture 3">
+            <a:extLst>
+              <a:ext uri="{FF2B5EF4-FFF2-40B4-BE49-F238E27FC236}">
+                <a16:creationId xmlns:a16="http://schemas.microsoft.com/office/drawing/2014/main" id="{E3CA38C1-3D06-C9B7-D489-2C0C4B1CF18B}"/>
+              </a:ext>
+            </a:extLst>
+          </p:cNvPr>
+          <p:cNvPicPr>
+            <a:picLocks noChangeAspect="1"/>
+          </p:cNvPicPr>
+          <p:nvPr/>
+        </p:nvPicPr>
+        <p:blipFill>
+          <a:blip r:embed="rId4"/>
+          <a:stretch>
+            <a:fillRect/>
+          </a:stretch>
+        </p:blipFill>
+        <p:spPr>
+          <a:xfrm>
+            <a:off x="4572000" y="0"/>
+            <a:ext cx="4572000" cy="2743200"/>
+          </a:xfrm>
+          <a:prstGeom prst="rect">
+            <a:avLst/>
+          </a:prstGeom>
+        </p:spPr>
+      </p:pic>
+      <p:pic>
+        <p:nvPicPr>
+          <p:cNvPr id="6" name="Picture 5">
+            <a:extLst>
+              <a:ext uri="{FF2B5EF4-FFF2-40B4-BE49-F238E27FC236}">
+                <a16:creationId xmlns:a16="http://schemas.microsoft.com/office/drawing/2014/main" id="{ACBDFD58-E430-53EE-CEC3-C07AA7CC00E4}"/>
+              </a:ext>
+            </a:extLst>
+          </p:cNvPr>
+          <p:cNvPicPr>
+            <a:picLocks noChangeAspect="1"/>
+          </p:cNvPicPr>
+          <p:nvPr/>
+        </p:nvPicPr>
+        <p:blipFill>
+          <a:blip r:embed="rId5"/>
+          <a:stretch>
+            <a:fillRect/>
+          </a:stretch>
+        </p:blipFill>
+        <p:spPr>
+          <a:xfrm>
+            <a:off x="4572000" y="2743200"/>
+            <a:ext cx="4572000" cy="3657600"/>
+          </a:xfrm>
+          <a:prstGeom prst="rect">
+            <a:avLst/>
+          </a:prstGeom>
+        </p:spPr>
+      </p:pic>
+      <p:pic>
+        <p:nvPicPr>
+          <p:cNvPr id="8" name="Picture 7">
+            <a:extLst>
+              <a:ext uri="{FF2B5EF4-FFF2-40B4-BE49-F238E27FC236}">
+                <a16:creationId xmlns:a16="http://schemas.microsoft.com/office/drawing/2014/main" id="{1A0D3D69-8FE6-07D3-3F05-130B2D1EFBF3}"/>
+              </a:ext>
+            </a:extLst>
+          </p:cNvPr>
+          <p:cNvPicPr>
+            <a:picLocks noChangeAspect="1"/>
+          </p:cNvPicPr>
+          <p:nvPr/>
+        </p:nvPicPr>
+        <p:blipFill>
+          <a:blip r:embed="rId6"/>
+          <a:stretch>
+            <a:fillRect/>
+          </a:stretch>
+        </p:blipFill>
+        <p:spPr>
+          <a:xfrm>
+            <a:off x="9144000" y="0"/>
+            <a:ext cx="7315200" cy="3657600"/>
+          </a:xfrm>
+          <a:prstGeom prst="rect">
+            <a:avLst/>
+          </a:prstGeom>
+        </p:spPr>
+      </p:pic>
+      <p:pic>
+        <p:nvPicPr>
+          <p:cNvPr id="11" name="Picture 10">
+            <a:extLst>
+              <a:ext uri="{FF2B5EF4-FFF2-40B4-BE49-F238E27FC236}">
+                <a16:creationId xmlns:a16="http://schemas.microsoft.com/office/drawing/2014/main" id="{5AD298ED-8458-FD20-8579-B24DB4B8D6F5}"/>
+              </a:ext>
+            </a:extLst>
+          </p:cNvPr>
+          <p:cNvPicPr>
+            <a:picLocks noChangeAspect="1"/>
+          </p:cNvPicPr>
+          <p:nvPr/>
+        </p:nvPicPr>
+        <p:blipFill>
+          <a:blip r:embed="rId7"/>
+          <a:stretch>
+            <a:fillRect/>
+          </a:stretch>
+        </p:blipFill>
+        <p:spPr>
+          <a:xfrm>
+            <a:off x="9144000" y="3657600"/>
+            <a:ext cx="7315200" cy="2743200"/>
+          </a:xfrm>
+          <a:prstGeom prst="rect">
+            <a:avLst/>
+          </a:prstGeom>
+        </p:spPr>
+      </p:pic>
+      <p:pic>
+        <p:nvPicPr>
+          <p:cNvPr id="14" name="Picture 13">
+            <a:extLst>
+              <a:ext uri="{FF2B5EF4-FFF2-40B4-BE49-F238E27FC236}">
+                <a16:creationId xmlns:a16="http://schemas.microsoft.com/office/drawing/2014/main" id="{44D7C083-026D-AE25-00DA-5D12929BF7CB}"/>
+              </a:ext>
+            </a:extLst>
+          </p:cNvPr>
+          <p:cNvPicPr>
+            <a:picLocks noChangeAspect="1"/>
+          </p:cNvPicPr>
+          <p:nvPr/>
+        </p:nvPicPr>
+        <p:blipFill>
+          <a:blip r:embed="rId8"/>
+          <a:stretch>
+            <a:fillRect/>
+          </a:stretch>
+        </p:blipFill>
+        <p:spPr>
+          <a:xfrm>
+            <a:off x="4572000" y="6400800"/>
+            <a:ext cx="4428331" cy="3657600"/>
+          </a:xfrm>
+          <a:prstGeom prst="rect">
+            <a:avLst/>
+          </a:prstGeom>
+        </p:spPr>
+      </p:pic>
+      <p:sp>
+        <p:nvSpPr>
+          <p:cNvPr id="3" name="TextBox 2">
+            <a:extLst>
+              <a:ext uri="{FF2B5EF4-FFF2-40B4-BE49-F238E27FC236}">
+                <a16:creationId xmlns:a16="http://schemas.microsoft.com/office/drawing/2014/main" id="{2CADAC81-2D67-E84B-EA62-12E279A86ACE}"/>
+              </a:ext>
+            </a:extLst>
+          </p:cNvPr>
+          <p:cNvSpPr txBox="1"/>
+          <p:nvPr/>
+        </p:nvSpPr>
+        <p:spPr>
+          <a:xfrm>
+            <a:off x="7611819" y="104218"/>
+            <a:ext cx="664221" cy="369332"/>
+          </a:xfrm>
+          <a:prstGeom prst="rect">
+            <a:avLst/>
+          </a:prstGeom>
+          <a:noFill/>
+        </p:spPr>
+        <p:txBody>
+          <a:bodyPr wrap="none" rtlCol="0">
+            <a:spAutoFit/>
+          </a:bodyPr>
+          <a:lstStyle/>
+          <a:p>
+            <a:r>
+              <a:rPr lang="en-AT" dirty="0">
+                <a:solidFill>
+                  <a:srgbClr val="FF0000"/>
+                </a:solidFill>
+              </a:rPr>
+              <a:t>EDTA</a:t>
+            </a:r>
+          </a:p>
+        </p:txBody>
+      </p:sp>
+      <mc:AlternateContent xmlns:mc="http://schemas.openxmlformats.org/markup-compatibility/2006" xmlns:p14="http://schemas.microsoft.com/office/powerpoint/2010/main">
+        <mc:Choice Requires="p14">
+          <p:contentPart p14:bwMode="auto" r:id="rId9">
+            <p14:nvContentPartPr>
+              <p14:cNvPr id="9" name="Ink 8">
+                <a:extLst>
+                  <a:ext uri="{FF2B5EF4-FFF2-40B4-BE49-F238E27FC236}">
+                    <a16:creationId xmlns:a16="http://schemas.microsoft.com/office/drawing/2014/main" id="{63E6E49F-585D-DF6A-1465-C9E9E2A5D681}"/>
+                  </a:ext>
+                </a:extLst>
+              </p14:cNvPr>
+              <p14:cNvContentPartPr/>
+              <p14:nvPr/>
+            </p14:nvContentPartPr>
+            <p14:xfrm>
+              <a:off x="13823207" y="1510701"/>
+              <a:ext cx="491400" cy="492840"/>
+            </p14:xfrm>
+          </p:contentPart>
+        </mc:Choice>
+        <mc:Fallback xmlns="">
+          <p:pic>
+            <p:nvPicPr>
+              <p:cNvPr id="9" name="Ink 8">
+                <a:extLst>
+                  <a:ext uri="{FF2B5EF4-FFF2-40B4-BE49-F238E27FC236}">
+                    <a16:creationId xmlns:a16="http://schemas.microsoft.com/office/drawing/2014/main" id="{63E6E49F-585D-DF6A-1465-C9E9E2A5D681}"/>
+                  </a:ext>
+                </a:extLst>
+              </p:cNvPr>
+              <p:cNvPicPr/>
+              <p:nvPr/>
+            </p:nvPicPr>
+            <p:blipFill>
+              <a:blip r:embed="rId10"/>
+              <a:stretch>
+                <a:fillRect/>
+              </a:stretch>
+            </p:blipFill>
+            <p:spPr>
+              <a:xfrm>
+                <a:off x="13787567" y="1439061"/>
+                <a:ext cx="563040" cy="636480"/>
+              </a:xfrm>
+              <a:prstGeom prst="rect">
+                <a:avLst/>
+              </a:prstGeom>
+            </p:spPr>
+          </p:pic>
+        </mc:Fallback>
+      </mc:AlternateContent>
+      <p:grpSp>
+        <p:nvGrpSpPr>
+          <p:cNvPr id="18" name="Group 17">
+            <a:extLst>
+              <a:ext uri="{FF2B5EF4-FFF2-40B4-BE49-F238E27FC236}">
+                <a16:creationId xmlns:a16="http://schemas.microsoft.com/office/drawing/2014/main" id="{BF19A6DC-4EEA-DFA8-047E-DCC6724EF028}"/>
+              </a:ext>
+            </a:extLst>
+          </p:cNvPr>
+          <p:cNvGrpSpPr/>
+          <p:nvPr/>
+        </p:nvGrpSpPr>
+        <p:grpSpPr>
+          <a:xfrm>
+            <a:off x="8424804" y="288884"/>
+            <a:ext cx="957600" cy="1681920"/>
+            <a:chOff x="8424804" y="288884"/>
+            <a:chExt cx="957600" cy="1681920"/>
+          </a:xfrm>
+        </p:grpSpPr>
+        <mc:AlternateContent xmlns:mc="http://schemas.openxmlformats.org/markup-compatibility/2006" xmlns:p14="http://schemas.microsoft.com/office/powerpoint/2010/main">
+          <mc:Choice Requires="p14">
+            <p:contentPart p14:bwMode="auto" r:id="rId11">
+              <p14:nvContentPartPr>
+                <p14:cNvPr id="10" name="Ink 9">
+                  <a:extLst>
+                    <a:ext uri="{FF2B5EF4-FFF2-40B4-BE49-F238E27FC236}">
+                      <a16:creationId xmlns:a16="http://schemas.microsoft.com/office/drawing/2014/main" id="{431736B7-79F1-216A-AB82-62FEEAC186B7}"/>
+                    </a:ext>
+                  </a:extLst>
+                </p14:cNvPr>
+                <p14:cNvContentPartPr/>
+                <p14:nvPr/>
+              </p14:nvContentPartPr>
+              <p14:xfrm>
+                <a:off x="8424804" y="288884"/>
+                <a:ext cx="957600" cy="963000"/>
+              </p14:xfrm>
+            </p:contentPart>
+          </mc:Choice>
+          <mc:Fallback xmlns="">
+            <p:pic>
+              <p:nvPicPr>
+                <p:cNvPr id="10" name="Ink 9">
+                  <a:extLst>
+                    <a:ext uri="{FF2B5EF4-FFF2-40B4-BE49-F238E27FC236}">
+                      <a16:creationId xmlns:a16="http://schemas.microsoft.com/office/drawing/2014/main" id="{431736B7-79F1-216A-AB82-62FEEAC186B7}"/>
+                    </a:ext>
+                  </a:extLst>
+                </p:cNvPr>
+                <p:cNvPicPr/>
+                <p:nvPr/>
+              </p:nvPicPr>
+              <p:blipFill>
+                <a:blip r:embed="rId12"/>
+                <a:stretch>
+                  <a:fillRect/>
+                </a:stretch>
+              </p:blipFill>
+              <p:spPr>
+                <a:xfrm>
+                  <a:off x="8407164" y="271244"/>
+                  <a:ext cx="993240" cy="998640"/>
+                </a:xfrm>
+                <a:prstGeom prst="rect">
+                  <a:avLst/>
+                </a:prstGeom>
+              </p:spPr>
+            </p:pic>
+          </mc:Fallback>
+        </mc:AlternateContent>
+        <mc:AlternateContent xmlns:mc="http://schemas.openxmlformats.org/markup-compatibility/2006" xmlns:p14="http://schemas.microsoft.com/office/powerpoint/2010/main">
+          <mc:Choice Requires="p14">
+            <p:contentPart p14:bwMode="auto" r:id="rId13">
+              <p14:nvContentPartPr>
+                <p14:cNvPr id="12" name="Ink 11">
+                  <a:extLst>
+                    <a:ext uri="{FF2B5EF4-FFF2-40B4-BE49-F238E27FC236}">
+                      <a16:creationId xmlns:a16="http://schemas.microsoft.com/office/drawing/2014/main" id="{ED8AE3B6-33D8-E6A4-B9CF-E721A47DC4EA}"/>
+                    </a:ext>
+                  </a:extLst>
+                </p14:cNvPr>
+                <p14:cNvContentPartPr/>
+                <p14:nvPr/>
+              </p14:nvContentPartPr>
+              <p14:xfrm>
+                <a:off x="8514804" y="548084"/>
+                <a:ext cx="777960" cy="947160"/>
+              </p14:xfrm>
+            </p:contentPart>
+          </mc:Choice>
+          <mc:Fallback xmlns="">
+            <p:pic>
+              <p:nvPicPr>
+                <p:cNvPr id="12" name="Ink 11">
+                  <a:extLst>
+                    <a:ext uri="{FF2B5EF4-FFF2-40B4-BE49-F238E27FC236}">
+                      <a16:creationId xmlns:a16="http://schemas.microsoft.com/office/drawing/2014/main" id="{ED8AE3B6-33D8-E6A4-B9CF-E721A47DC4EA}"/>
+                    </a:ext>
+                  </a:extLst>
+                </p:cNvPr>
+                <p:cNvPicPr/>
+                <p:nvPr/>
+              </p:nvPicPr>
+              <p:blipFill>
+                <a:blip r:embed="rId14"/>
+                <a:stretch>
+                  <a:fillRect/>
+                </a:stretch>
+              </p:blipFill>
+              <p:spPr>
+                <a:xfrm>
+                  <a:off x="8496804" y="530444"/>
+                  <a:ext cx="813600" cy="982800"/>
+                </a:xfrm>
+                <a:prstGeom prst="rect">
+                  <a:avLst/>
+                </a:prstGeom>
+              </p:spPr>
+            </p:pic>
+          </mc:Fallback>
+        </mc:AlternateContent>
+        <mc:AlternateContent xmlns:mc="http://schemas.openxmlformats.org/markup-compatibility/2006" xmlns:p14="http://schemas.microsoft.com/office/powerpoint/2010/main">
+          <mc:Choice Requires="p14">
+            <p:contentPart p14:bwMode="auto" r:id="rId15">
+              <p14:nvContentPartPr>
+                <p14:cNvPr id="15" name="Ink 14">
+                  <a:extLst>
+                    <a:ext uri="{FF2B5EF4-FFF2-40B4-BE49-F238E27FC236}">
+                      <a16:creationId xmlns:a16="http://schemas.microsoft.com/office/drawing/2014/main" id="{4F8C872A-529B-7653-CA97-BB7079A16A77}"/>
+                    </a:ext>
+                  </a:extLst>
+                </p14:cNvPr>
+                <p14:cNvContentPartPr/>
+                <p14:nvPr/>
+              </p14:nvContentPartPr>
+              <p14:xfrm>
+                <a:off x="8657724" y="806924"/>
+                <a:ext cx="530280" cy="886680"/>
+              </p14:xfrm>
+            </p:contentPart>
+          </mc:Choice>
+          <mc:Fallback xmlns="">
+            <p:pic>
+              <p:nvPicPr>
+                <p:cNvPr id="15" name="Ink 14">
+                  <a:extLst>
+                    <a:ext uri="{FF2B5EF4-FFF2-40B4-BE49-F238E27FC236}">
+                      <a16:creationId xmlns:a16="http://schemas.microsoft.com/office/drawing/2014/main" id="{4F8C872A-529B-7653-CA97-BB7079A16A77}"/>
+                    </a:ext>
+                  </a:extLst>
+                </p:cNvPr>
+                <p:cNvPicPr/>
+                <p:nvPr/>
+              </p:nvPicPr>
+              <p:blipFill>
+                <a:blip r:embed="rId16"/>
+                <a:stretch>
+                  <a:fillRect/>
+                </a:stretch>
+              </p:blipFill>
+              <p:spPr>
+                <a:xfrm>
+                  <a:off x="8639724" y="789284"/>
+                  <a:ext cx="565920" cy="922320"/>
+                </a:xfrm>
+                <a:prstGeom prst="rect">
+                  <a:avLst/>
+                </a:prstGeom>
+              </p:spPr>
+            </p:pic>
+          </mc:Fallback>
+        </mc:AlternateContent>
+        <mc:AlternateContent xmlns:mc="http://schemas.openxmlformats.org/markup-compatibility/2006" xmlns:p14="http://schemas.microsoft.com/office/powerpoint/2010/main">
+          <mc:Choice Requires="p14">
+            <p:contentPart p14:bwMode="auto" r:id="rId17">
+              <p14:nvContentPartPr>
+                <p14:cNvPr id="17" name="Ink 16">
+                  <a:extLst>
+                    <a:ext uri="{FF2B5EF4-FFF2-40B4-BE49-F238E27FC236}">
+                      <a16:creationId xmlns:a16="http://schemas.microsoft.com/office/drawing/2014/main" id="{1B16055F-6336-F87A-9B39-F85FF8280078}"/>
+                    </a:ext>
+                  </a:extLst>
+                </p14:cNvPr>
+                <p14:cNvContentPartPr/>
+                <p14:nvPr/>
+              </p14:nvContentPartPr>
+              <p14:xfrm>
+                <a:off x="8535324" y="1067564"/>
+                <a:ext cx="730440" cy="903240"/>
+              </p14:xfrm>
+            </p:contentPart>
+          </mc:Choice>
+          <mc:Fallback xmlns="">
+            <p:pic>
+              <p:nvPicPr>
+                <p:cNvPr id="17" name="Ink 16">
+                  <a:extLst>
+                    <a:ext uri="{FF2B5EF4-FFF2-40B4-BE49-F238E27FC236}">
+                      <a16:creationId xmlns:a16="http://schemas.microsoft.com/office/drawing/2014/main" id="{1B16055F-6336-F87A-9B39-F85FF8280078}"/>
+                    </a:ext>
+                  </a:extLst>
+                </p:cNvPr>
+                <p:cNvPicPr/>
+                <p:nvPr/>
+              </p:nvPicPr>
+              <p:blipFill>
+                <a:blip r:embed="rId18"/>
+                <a:stretch>
+                  <a:fillRect/>
+                </a:stretch>
+              </p:blipFill>
+              <p:spPr>
+                <a:xfrm>
+                  <a:off x="8517324" y="1049924"/>
+                  <a:ext cx="766080" cy="938880"/>
+                </a:xfrm>
+                <a:prstGeom prst="rect">
+                  <a:avLst/>
+                </a:prstGeom>
+              </p:spPr>
+            </p:pic>
+          </mc:Fallback>
+        </mc:AlternateContent>
+      </p:grpSp>
+      <mc:AlternateContent xmlns:mc="http://schemas.openxmlformats.org/markup-compatibility/2006" xmlns:p14="http://schemas.microsoft.com/office/powerpoint/2010/main">
+        <mc:Choice Requires="p14">
+          <p:contentPart p14:bwMode="auto" r:id="rId19">
+            <p14:nvContentPartPr>
+              <p14:cNvPr id="19" name="Ink 18">
+                <a:extLst>
+                  <a:ext uri="{FF2B5EF4-FFF2-40B4-BE49-F238E27FC236}">
+                    <a16:creationId xmlns:a16="http://schemas.microsoft.com/office/drawing/2014/main" id="{424939BE-59F8-D5D9-A5FD-8EC87B0CC460}"/>
+                  </a:ext>
+                </a:extLst>
+              </p14:cNvPr>
+              <p14:cNvContentPartPr/>
+              <p14:nvPr/>
+            </p14:nvContentPartPr>
+            <p14:xfrm>
+              <a:off x="14463804" y="1571924"/>
+              <a:ext cx="865800" cy="893160"/>
+            </p14:xfrm>
+          </p:contentPart>
+        </mc:Choice>
+        <mc:Fallback xmlns="">
+          <p:pic>
+            <p:nvPicPr>
+              <p:cNvPr id="19" name="Ink 18">
+                <a:extLst>
+                  <a:ext uri="{FF2B5EF4-FFF2-40B4-BE49-F238E27FC236}">
+                    <a16:creationId xmlns:a16="http://schemas.microsoft.com/office/drawing/2014/main" id="{424939BE-59F8-D5D9-A5FD-8EC87B0CC460}"/>
+                  </a:ext>
+                </a:extLst>
+              </p:cNvPr>
+              <p:cNvPicPr/>
+              <p:nvPr/>
+            </p:nvPicPr>
+            <p:blipFill>
+              <a:blip r:embed="rId20"/>
+              <a:stretch>
+                <a:fillRect/>
+              </a:stretch>
+            </p:blipFill>
+            <p:spPr>
+              <a:xfrm>
+                <a:off x="14446164" y="1553924"/>
+                <a:ext cx="901440" cy="928800"/>
+              </a:xfrm>
+              <a:prstGeom prst="rect">
+                <a:avLst/>
+              </a:prstGeom>
+            </p:spPr>
+          </p:pic>
+        </mc:Fallback>
+      </mc:AlternateContent>
+      <p:grpSp>
+        <p:nvGrpSpPr>
+          <p:cNvPr id="22" name="Group 21">
+            <a:extLst>
+              <a:ext uri="{FF2B5EF4-FFF2-40B4-BE49-F238E27FC236}">
+                <a16:creationId xmlns:a16="http://schemas.microsoft.com/office/drawing/2014/main" id="{7415A52E-CCF8-B296-E71C-211D29547CD3}"/>
+              </a:ext>
+            </a:extLst>
+          </p:cNvPr>
+          <p:cNvGrpSpPr/>
+          <p:nvPr/>
+        </p:nvGrpSpPr>
+        <p:grpSpPr>
+          <a:xfrm>
+            <a:off x="11298506" y="2904162"/>
+            <a:ext cx="165240" cy="15840"/>
+            <a:chOff x="11298506" y="2904162"/>
+            <a:chExt cx="165240" cy="15840"/>
+          </a:xfrm>
+        </p:grpSpPr>
+        <mc:AlternateContent xmlns:mc="http://schemas.openxmlformats.org/markup-compatibility/2006" xmlns:p14="http://schemas.microsoft.com/office/powerpoint/2010/main">
+          <mc:Choice Requires="p14">
+            <p:contentPart p14:bwMode="auto" r:id="rId21">
+              <p14:nvContentPartPr>
+                <p14:cNvPr id="20" name="Ink 19">
+                  <a:extLst>
+                    <a:ext uri="{FF2B5EF4-FFF2-40B4-BE49-F238E27FC236}">
+                      <a16:creationId xmlns:a16="http://schemas.microsoft.com/office/drawing/2014/main" id="{02CB39BA-A62E-F5C0-C6BA-CF6C1283BBA3}"/>
+                    </a:ext>
+                  </a:extLst>
+                </p14:cNvPr>
+                <p14:cNvContentPartPr/>
+                <p14:nvPr/>
+              </p14:nvContentPartPr>
+              <p14:xfrm>
+                <a:off x="11298506" y="2904162"/>
+                <a:ext cx="360" cy="360"/>
+              </p14:xfrm>
+            </p:contentPart>
+          </mc:Choice>
+          <mc:Fallback xmlns="">
+            <p:pic>
+              <p:nvPicPr>
+                <p:cNvPr id="20" name="Ink 19">
+                  <a:extLst>
+                    <a:ext uri="{FF2B5EF4-FFF2-40B4-BE49-F238E27FC236}">
+                      <a16:creationId xmlns:a16="http://schemas.microsoft.com/office/drawing/2014/main" id="{02CB39BA-A62E-F5C0-C6BA-CF6C1283BBA3}"/>
+                    </a:ext>
+                  </a:extLst>
+                </p:cNvPr>
+                <p:cNvPicPr/>
+                <p:nvPr/>
+              </p:nvPicPr>
+              <p:blipFill>
+                <a:blip r:embed="rId22"/>
+                <a:stretch>
+                  <a:fillRect/>
+                </a:stretch>
+              </p:blipFill>
+              <p:spPr>
+                <a:xfrm>
+                  <a:off x="11280866" y="2886522"/>
+                  <a:ext cx="36000" cy="36000"/>
+                </a:xfrm>
+                <a:prstGeom prst="rect">
+                  <a:avLst/>
+                </a:prstGeom>
+              </p:spPr>
+            </p:pic>
+          </mc:Fallback>
+        </mc:AlternateContent>
+        <mc:AlternateContent xmlns:mc="http://schemas.openxmlformats.org/markup-compatibility/2006" xmlns:p14="http://schemas.microsoft.com/office/powerpoint/2010/main">
+          <mc:Choice Requires="p14">
+            <p:contentPart p14:bwMode="auto" r:id="rId23">
+              <p14:nvContentPartPr>
+                <p14:cNvPr id="21" name="Ink 20">
+                  <a:extLst>
+                    <a:ext uri="{FF2B5EF4-FFF2-40B4-BE49-F238E27FC236}">
+                      <a16:creationId xmlns:a16="http://schemas.microsoft.com/office/drawing/2014/main" id="{CD743D92-BB8C-72E9-7A23-9686FF632208}"/>
+                    </a:ext>
+                  </a:extLst>
+                </p14:cNvPr>
+                <p14:cNvContentPartPr/>
+                <p14:nvPr/>
+              </p14:nvContentPartPr>
+              <p14:xfrm>
+                <a:off x="11463386" y="2919642"/>
+                <a:ext cx="360" cy="360"/>
+              </p14:xfrm>
+            </p:contentPart>
+          </mc:Choice>
+          <mc:Fallback xmlns="">
+            <p:pic>
+              <p:nvPicPr>
+                <p:cNvPr id="21" name="Ink 20">
+                  <a:extLst>
+                    <a:ext uri="{FF2B5EF4-FFF2-40B4-BE49-F238E27FC236}">
+                      <a16:creationId xmlns:a16="http://schemas.microsoft.com/office/drawing/2014/main" id="{CD743D92-BB8C-72E9-7A23-9686FF632208}"/>
+                    </a:ext>
+                  </a:extLst>
+                </p:cNvPr>
+                <p:cNvPicPr/>
+                <p:nvPr/>
+              </p:nvPicPr>
+              <p:blipFill>
+                <a:blip r:embed="rId22"/>
+                <a:stretch>
+                  <a:fillRect/>
+                </a:stretch>
+              </p:blipFill>
+              <p:spPr>
+                <a:xfrm>
+                  <a:off x="11445746" y="2902002"/>
+                  <a:ext cx="36000" cy="36000"/>
+                </a:xfrm>
+                <a:prstGeom prst="rect">
+                  <a:avLst/>
+                </a:prstGeom>
+              </p:spPr>
+            </p:pic>
+          </mc:Fallback>
+        </mc:AlternateContent>
+      </p:grpSp>
+      <mc:AlternateContent xmlns:mc="http://schemas.openxmlformats.org/markup-compatibility/2006" xmlns:p14="http://schemas.microsoft.com/office/powerpoint/2010/main">
+        <mc:Choice Requires="p14">
+          <p:contentPart p14:bwMode="auto" r:id="rId24">
+            <p14:nvContentPartPr>
+              <p14:cNvPr id="23" name="Ink 22">
+                <a:extLst>
+                  <a:ext uri="{FF2B5EF4-FFF2-40B4-BE49-F238E27FC236}">
+                    <a16:creationId xmlns:a16="http://schemas.microsoft.com/office/drawing/2014/main" id="{82583154-C4EA-D0E7-89D7-6C13D78088A5}"/>
+                  </a:ext>
+                </a:extLst>
+              </p14:cNvPr>
+              <p14:cNvContentPartPr/>
+              <p14:nvPr/>
+            </p14:nvContentPartPr>
+            <p14:xfrm>
+              <a:off x="9354146" y="2860962"/>
+              <a:ext cx="360" cy="360"/>
+            </p14:xfrm>
+          </p:contentPart>
+        </mc:Choice>
+        <mc:Fallback xmlns="">
+          <p:pic>
+            <p:nvPicPr>
+              <p:cNvPr id="23" name="Ink 22">
+                <a:extLst>
+                  <a:ext uri="{FF2B5EF4-FFF2-40B4-BE49-F238E27FC236}">
+                    <a16:creationId xmlns:a16="http://schemas.microsoft.com/office/drawing/2014/main" id="{82583154-C4EA-D0E7-89D7-6C13D78088A5}"/>
+                  </a:ext>
+                </a:extLst>
+              </p:cNvPr>
+              <p:cNvPicPr/>
+              <p:nvPr/>
+            </p:nvPicPr>
+            <p:blipFill>
+              <a:blip r:embed="rId22"/>
+              <a:stretch>
+                <a:fillRect/>
+              </a:stretch>
+            </p:blipFill>
+            <p:spPr>
+              <a:xfrm>
+                <a:off x="9336146" y="2842962"/>
+                <a:ext cx="36000" cy="36000"/>
+              </a:xfrm>
+              <a:prstGeom prst="rect">
+                <a:avLst/>
+              </a:prstGeom>
+            </p:spPr>
+          </p:pic>
+        </mc:Fallback>
+      </mc:AlternateContent>
     </p:spTree>
     <p:extLst>
       <p:ext uri="{BB962C8B-B14F-4D97-AF65-F5344CB8AC3E}">
@@ -4649,10 +10164,939 @@
       </p:grpSpPr>
       <p:pic>
         <p:nvPicPr>
-          <p:cNvPr id="8" name="Picture 7">
+          <p:cNvPr id="2" name="Picture 1">
             <a:extLst>
               <a:ext uri="{FF2B5EF4-FFF2-40B4-BE49-F238E27FC236}">
-                <a16:creationId xmlns:a16="http://schemas.microsoft.com/office/drawing/2014/main" id="{78C5AEB0-F6CC-1AB9-E0CE-9F4D43A2CFDA}"/>
+                <a16:creationId xmlns:a16="http://schemas.microsoft.com/office/drawing/2014/main" id="{CC0ACFD5-1E70-3445-D7BD-B06294097730}"/>
+              </a:ext>
+            </a:extLst>
+          </p:cNvPr>
+          <p:cNvPicPr>
+            <a:picLocks noChangeAspect="1"/>
+          </p:cNvPicPr>
+          <p:nvPr/>
+        </p:nvPicPr>
+        <p:blipFill rotWithShape="1">
+          <a:blip r:embed="rId2"/>
+          <a:srcRect l="3538" t="1201"/>
+          <a:stretch/>
+        </p:blipFill>
+        <p:spPr>
+          <a:xfrm>
+            <a:off x="1978429" y="2543695"/>
+            <a:ext cx="7497460" cy="5615111"/>
+          </a:xfrm>
+          <a:prstGeom prst="rect">
+            <a:avLst/>
+          </a:prstGeom>
+        </p:spPr>
+      </p:pic>
+      <p:grpSp>
+        <p:nvGrpSpPr>
+          <p:cNvPr id="5" name="Group 4">
+            <a:extLst>
+              <a:ext uri="{FF2B5EF4-FFF2-40B4-BE49-F238E27FC236}">
+                <a16:creationId xmlns:a16="http://schemas.microsoft.com/office/drawing/2014/main" id="{CDAAE080-CCB4-BCCB-67C8-75F4BE603F36}"/>
+              </a:ext>
+            </a:extLst>
+          </p:cNvPr>
+          <p:cNvGrpSpPr/>
+          <p:nvPr/>
+        </p:nvGrpSpPr>
+        <p:grpSpPr>
+          <a:xfrm>
+            <a:off x="2988491" y="2061589"/>
+            <a:ext cx="227880" cy="299880"/>
+            <a:chOff x="2988491" y="2061589"/>
+            <a:chExt cx="227880" cy="299880"/>
+          </a:xfrm>
+        </p:grpSpPr>
+        <mc:AlternateContent xmlns:mc="http://schemas.openxmlformats.org/markup-compatibility/2006" xmlns:p14="http://schemas.microsoft.com/office/powerpoint/2010/main">
+          <mc:Choice Requires="p14">
+            <p:contentPart p14:bwMode="auto" r:id="rId3">
+              <p14:nvContentPartPr>
+                <p14:cNvPr id="3" name="Ink 2">
+                  <a:extLst>
+                    <a:ext uri="{FF2B5EF4-FFF2-40B4-BE49-F238E27FC236}">
+                      <a16:creationId xmlns:a16="http://schemas.microsoft.com/office/drawing/2014/main" id="{FC97B648-D3A5-7381-D694-6358CF87DD7E}"/>
+                    </a:ext>
+                  </a:extLst>
+                </p14:cNvPr>
+                <p14:cNvContentPartPr/>
+                <p14:nvPr/>
+              </p14:nvContentPartPr>
+              <p14:xfrm>
+                <a:off x="2988491" y="2132869"/>
+                <a:ext cx="202680" cy="228600"/>
+              </p14:xfrm>
+            </p:contentPart>
+          </mc:Choice>
+          <mc:Fallback xmlns="">
+            <p:pic>
+              <p:nvPicPr>
+                <p:cNvPr id="3" name="Ink 2">
+                  <a:extLst>
+                    <a:ext uri="{FF2B5EF4-FFF2-40B4-BE49-F238E27FC236}">
+                      <a16:creationId xmlns:a16="http://schemas.microsoft.com/office/drawing/2014/main" id="{FC97B648-D3A5-7381-D694-6358CF87DD7E}"/>
+                    </a:ext>
+                  </a:extLst>
+                </p:cNvPr>
+                <p:cNvPicPr/>
+                <p:nvPr/>
+              </p:nvPicPr>
+              <p:blipFill>
+                <a:blip r:embed="rId4"/>
+                <a:stretch>
+                  <a:fillRect/>
+                </a:stretch>
+              </p:blipFill>
+              <p:spPr>
+                <a:xfrm>
+                  <a:off x="2970491" y="2115229"/>
+                  <a:ext cx="238320" cy="264240"/>
+                </a:xfrm>
+                <a:prstGeom prst="rect">
+                  <a:avLst/>
+                </a:prstGeom>
+              </p:spPr>
+            </p:pic>
+          </mc:Fallback>
+        </mc:AlternateContent>
+        <mc:AlternateContent xmlns:mc="http://schemas.openxmlformats.org/markup-compatibility/2006" xmlns:p14="http://schemas.microsoft.com/office/powerpoint/2010/main">
+          <mc:Choice Requires="p14">
+            <p:contentPart p14:bwMode="auto" r:id="rId5">
+              <p14:nvContentPartPr>
+                <p14:cNvPr id="4" name="Ink 3">
+                  <a:extLst>
+                    <a:ext uri="{FF2B5EF4-FFF2-40B4-BE49-F238E27FC236}">
+                      <a16:creationId xmlns:a16="http://schemas.microsoft.com/office/drawing/2014/main" id="{D17BFA34-AB08-79BE-475E-69250301FD02}"/>
+                    </a:ext>
+                  </a:extLst>
+                </p14:cNvPr>
+                <p14:cNvContentPartPr/>
+                <p14:nvPr/>
+              </p14:nvContentPartPr>
+              <p14:xfrm>
+                <a:off x="3042491" y="2061589"/>
+                <a:ext cx="173880" cy="360"/>
+              </p14:xfrm>
+            </p:contentPart>
+          </mc:Choice>
+          <mc:Fallback xmlns="">
+            <p:pic>
+              <p:nvPicPr>
+                <p:cNvPr id="4" name="Ink 3">
+                  <a:extLst>
+                    <a:ext uri="{FF2B5EF4-FFF2-40B4-BE49-F238E27FC236}">
+                      <a16:creationId xmlns:a16="http://schemas.microsoft.com/office/drawing/2014/main" id="{D17BFA34-AB08-79BE-475E-69250301FD02}"/>
+                    </a:ext>
+                  </a:extLst>
+                </p:cNvPr>
+                <p:cNvPicPr/>
+                <p:nvPr/>
+              </p:nvPicPr>
+              <p:blipFill>
+                <a:blip r:embed="rId6"/>
+                <a:stretch>
+                  <a:fillRect/>
+                </a:stretch>
+              </p:blipFill>
+              <p:spPr>
+                <a:xfrm>
+                  <a:off x="3024491" y="2043589"/>
+                  <a:ext cx="209520" cy="36000"/>
+                </a:xfrm>
+                <a:prstGeom prst="rect">
+                  <a:avLst/>
+                </a:prstGeom>
+              </p:spPr>
+            </p:pic>
+          </mc:Fallback>
+        </mc:AlternateContent>
+      </p:grpSp>
+      <mc:AlternateContent xmlns:mc="http://schemas.openxmlformats.org/markup-compatibility/2006" xmlns:p14="http://schemas.microsoft.com/office/powerpoint/2010/main">
+        <mc:Choice Requires="p14">
+          <p:contentPart p14:bwMode="auto" r:id="rId7">
+            <p14:nvContentPartPr>
+              <p14:cNvPr id="6" name="Ink 5">
+                <a:extLst>
+                  <a:ext uri="{FF2B5EF4-FFF2-40B4-BE49-F238E27FC236}">
+                    <a16:creationId xmlns:a16="http://schemas.microsoft.com/office/drawing/2014/main" id="{B7532DD1-A825-7917-F423-EE2115E30734}"/>
+                  </a:ext>
+                </a:extLst>
+              </p14:cNvPr>
+              <p14:cNvContentPartPr/>
+              <p14:nvPr/>
+            </p14:nvContentPartPr>
+            <p14:xfrm>
+              <a:off x="1400531" y="3166789"/>
+              <a:ext cx="246600" cy="680040"/>
+            </p14:xfrm>
+          </p:contentPart>
+        </mc:Choice>
+        <mc:Fallback xmlns="">
+          <p:pic>
+            <p:nvPicPr>
+              <p:cNvPr id="6" name="Ink 5">
+                <a:extLst>
+                  <a:ext uri="{FF2B5EF4-FFF2-40B4-BE49-F238E27FC236}">
+                    <a16:creationId xmlns:a16="http://schemas.microsoft.com/office/drawing/2014/main" id="{B7532DD1-A825-7917-F423-EE2115E30734}"/>
+                  </a:ext>
+                </a:extLst>
+              </p:cNvPr>
+              <p:cNvPicPr/>
+              <p:nvPr/>
+            </p:nvPicPr>
+            <p:blipFill>
+              <a:blip r:embed="rId8"/>
+              <a:stretch>
+                <a:fillRect/>
+              </a:stretch>
+            </p:blipFill>
+            <p:spPr>
+              <a:xfrm>
+                <a:off x="1382891" y="3148789"/>
+                <a:ext cx="282240" cy="715680"/>
+              </a:xfrm>
+              <a:prstGeom prst="rect">
+                <a:avLst/>
+              </a:prstGeom>
+            </p:spPr>
+          </p:pic>
+        </mc:Fallback>
+      </mc:AlternateContent>
+      <p:grpSp>
+        <p:nvGrpSpPr>
+          <p:cNvPr id="9" name="Group 8">
+            <a:extLst>
+              <a:ext uri="{FF2B5EF4-FFF2-40B4-BE49-F238E27FC236}">
+                <a16:creationId xmlns:a16="http://schemas.microsoft.com/office/drawing/2014/main" id="{1521F520-039E-78F7-CDA2-9F88630E03BC}"/>
+              </a:ext>
+            </a:extLst>
+          </p:cNvPr>
+          <p:cNvGrpSpPr/>
+          <p:nvPr/>
+        </p:nvGrpSpPr>
+        <p:grpSpPr>
+          <a:xfrm>
+            <a:off x="6037331" y="2099389"/>
+            <a:ext cx="204840" cy="313560"/>
+            <a:chOff x="6037331" y="2099389"/>
+            <a:chExt cx="204840" cy="313560"/>
+          </a:xfrm>
+        </p:grpSpPr>
+        <mc:AlternateContent xmlns:mc="http://schemas.openxmlformats.org/markup-compatibility/2006" xmlns:p14="http://schemas.microsoft.com/office/powerpoint/2010/main">
+          <mc:Choice Requires="p14">
+            <p:contentPart p14:bwMode="auto" r:id="rId9">
+              <p14:nvContentPartPr>
+                <p14:cNvPr id="7" name="Ink 6">
+                  <a:extLst>
+                    <a:ext uri="{FF2B5EF4-FFF2-40B4-BE49-F238E27FC236}">
+                      <a16:creationId xmlns:a16="http://schemas.microsoft.com/office/drawing/2014/main" id="{2B0BF627-9207-D7D3-EC89-6E540B68AFF8}"/>
+                    </a:ext>
+                  </a:extLst>
+                </p14:cNvPr>
+                <p14:cNvContentPartPr/>
+                <p14:nvPr/>
+              </p14:nvContentPartPr>
+              <p14:xfrm>
+                <a:off x="6037331" y="2163109"/>
+                <a:ext cx="177480" cy="249840"/>
+              </p14:xfrm>
+            </p:contentPart>
+          </mc:Choice>
+          <mc:Fallback xmlns="">
+            <p:pic>
+              <p:nvPicPr>
+                <p:cNvPr id="7" name="Ink 6">
+                  <a:extLst>
+                    <a:ext uri="{FF2B5EF4-FFF2-40B4-BE49-F238E27FC236}">
+                      <a16:creationId xmlns:a16="http://schemas.microsoft.com/office/drawing/2014/main" id="{2B0BF627-9207-D7D3-EC89-6E540B68AFF8}"/>
+                    </a:ext>
+                  </a:extLst>
+                </p:cNvPr>
+                <p:cNvPicPr/>
+                <p:nvPr/>
+              </p:nvPicPr>
+              <p:blipFill>
+                <a:blip r:embed="rId10"/>
+                <a:stretch>
+                  <a:fillRect/>
+                </a:stretch>
+              </p:blipFill>
+              <p:spPr>
+                <a:xfrm>
+                  <a:off x="6019691" y="2145109"/>
+                  <a:ext cx="213120" cy="285480"/>
+                </a:xfrm>
+                <a:prstGeom prst="rect">
+                  <a:avLst/>
+                </a:prstGeom>
+              </p:spPr>
+            </p:pic>
+          </mc:Fallback>
+        </mc:AlternateContent>
+        <mc:AlternateContent xmlns:mc="http://schemas.openxmlformats.org/markup-compatibility/2006" xmlns:p14="http://schemas.microsoft.com/office/powerpoint/2010/main">
+          <mc:Choice Requires="p14">
+            <p:contentPart p14:bwMode="auto" r:id="rId11">
+              <p14:nvContentPartPr>
+                <p14:cNvPr id="8" name="Ink 7">
+                  <a:extLst>
+                    <a:ext uri="{FF2B5EF4-FFF2-40B4-BE49-F238E27FC236}">
+                      <a16:creationId xmlns:a16="http://schemas.microsoft.com/office/drawing/2014/main" id="{2E2939BC-B2FC-2265-CC47-1B56C91B1B5C}"/>
+                    </a:ext>
+                  </a:extLst>
+                </p14:cNvPr>
+                <p14:cNvContentPartPr/>
+                <p14:nvPr/>
+              </p14:nvContentPartPr>
+              <p14:xfrm>
+                <a:off x="6066131" y="2099389"/>
+                <a:ext cx="176040" cy="25560"/>
+              </p14:xfrm>
+            </p:contentPart>
+          </mc:Choice>
+          <mc:Fallback xmlns="">
+            <p:pic>
+              <p:nvPicPr>
+                <p:cNvPr id="8" name="Ink 7">
+                  <a:extLst>
+                    <a:ext uri="{FF2B5EF4-FFF2-40B4-BE49-F238E27FC236}">
+                      <a16:creationId xmlns:a16="http://schemas.microsoft.com/office/drawing/2014/main" id="{2E2939BC-B2FC-2265-CC47-1B56C91B1B5C}"/>
+                    </a:ext>
+                  </a:extLst>
+                </p:cNvPr>
+                <p:cNvPicPr/>
+                <p:nvPr/>
+              </p:nvPicPr>
+              <p:blipFill>
+                <a:blip r:embed="rId12"/>
+                <a:stretch>
+                  <a:fillRect/>
+                </a:stretch>
+              </p:blipFill>
+              <p:spPr>
+                <a:xfrm>
+                  <a:off x="6048131" y="2081749"/>
+                  <a:ext cx="211680" cy="61200"/>
+                </a:xfrm>
+                <a:prstGeom prst="rect">
+                  <a:avLst/>
+                </a:prstGeom>
+              </p:spPr>
+            </p:pic>
+          </mc:Fallback>
+        </mc:AlternateContent>
+      </p:grpSp>
+      <p:grpSp>
+        <p:nvGrpSpPr>
+          <p:cNvPr id="12" name="Group 11">
+            <a:extLst>
+              <a:ext uri="{FF2B5EF4-FFF2-40B4-BE49-F238E27FC236}">
+                <a16:creationId xmlns:a16="http://schemas.microsoft.com/office/drawing/2014/main" id="{A4E4438F-77FF-AB1F-51EE-DBB1D9FEC24E}"/>
+              </a:ext>
+            </a:extLst>
+          </p:cNvPr>
+          <p:cNvGrpSpPr/>
+          <p:nvPr/>
+        </p:nvGrpSpPr>
+        <p:grpSpPr>
+          <a:xfrm>
+            <a:off x="8167091" y="2143669"/>
+            <a:ext cx="211680" cy="326520"/>
+            <a:chOff x="8167091" y="2143669"/>
+            <a:chExt cx="211680" cy="326520"/>
+          </a:xfrm>
+        </p:grpSpPr>
+        <mc:AlternateContent xmlns:mc="http://schemas.openxmlformats.org/markup-compatibility/2006" xmlns:p14="http://schemas.microsoft.com/office/powerpoint/2010/main">
+          <mc:Choice Requires="p14">
+            <p:contentPart p14:bwMode="auto" r:id="rId13">
+              <p14:nvContentPartPr>
+                <p14:cNvPr id="10" name="Ink 9">
+                  <a:extLst>
+                    <a:ext uri="{FF2B5EF4-FFF2-40B4-BE49-F238E27FC236}">
+                      <a16:creationId xmlns:a16="http://schemas.microsoft.com/office/drawing/2014/main" id="{A418AFA3-67A3-36FD-4DDB-4C9EBA41E43B}"/>
+                    </a:ext>
+                  </a:extLst>
+                </p14:cNvPr>
+                <p14:cNvContentPartPr/>
+                <p14:nvPr/>
+              </p14:nvContentPartPr>
+              <p14:xfrm>
+                <a:off x="8167091" y="2143669"/>
+                <a:ext cx="360" cy="360"/>
+              </p14:xfrm>
+            </p:contentPart>
+          </mc:Choice>
+          <mc:Fallback xmlns="">
+            <p:pic>
+              <p:nvPicPr>
+                <p:cNvPr id="10" name="Ink 9">
+                  <a:extLst>
+                    <a:ext uri="{FF2B5EF4-FFF2-40B4-BE49-F238E27FC236}">
+                      <a16:creationId xmlns:a16="http://schemas.microsoft.com/office/drawing/2014/main" id="{A418AFA3-67A3-36FD-4DDB-4C9EBA41E43B}"/>
+                    </a:ext>
+                  </a:extLst>
+                </p:cNvPr>
+                <p:cNvPicPr/>
+                <p:nvPr/>
+              </p:nvPicPr>
+              <p:blipFill>
+                <a:blip r:embed="rId14"/>
+                <a:stretch>
+                  <a:fillRect/>
+                </a:stretch>
+              </p:blipFill>
+              <p:spPr>
+                <a:xfrm>
+                  <a:off x="8149451" y="2126029"/>
+                  <a:ext cx="36000" cy="36000"/>
+                </a:xfrm>
+                <a:prstGeom prst="rect">
+                  <a:avLst/>
+                </a:prstGeom>
+              </p:spPr>
+            </p:pic>
+          </mc:Fallback>
+        </mc:AlternateContent>
+        <mc:AlternateContent xmlns:mc="http://schemas.openxmlformats.org/markup-compatibility/2006" xmlns:p14="http://schemas.microsoft.com/office/powerpoint/2010/main">
+          <mc:Choice Requires="p14">
+            <p:contentPart p14:bwMode="auto" r:id="rId15">
+              <p14:nvContentPartPr>
+                <p14:cNvPr id="11" name="Ink 10">
+                  <a:extLst>
+                    <a:ext uri="{FF2B5EF4-FFF2-40B4-BE49-F238E27FC236}">
+                      <a16:creationId xmlns:a16="http://schemas.microsoft.com/office/drawing/2014/main" id="{541211C6-E122-FFA0-AE41-4C8A97FF2947}"/>
+                    </a:ext>
+                  </a:extLst>
+                </p14:cNvPr>
+                <p14:cNvContentPartPr/>
+                <p14:nvPr/>
+              </p14:nvContentPartPr>
+              <p14:xfrm>
+                <a:off x="8173931" y="2181469"/>
+                <a:ext cx="204840" cy="288720"/>
+              </p14:xfrm>
+            </p:contentPart>
+          </mc:Choice>
+          <mc:Fallback xmlns="">
+            <p:pic>
+              <p:nvPicPr>
+                <p:cNvPr id="11" name="Ink 10">
+                  <a:extLst>
+                    <a:ext uri="{FF2B5EF4-FFF2-40B4-BE49-F238E27FC236}">
+                      <a16:creationId xmlns:a16="http://schemas.microsoft.com/office/drawing/2014/main" id="{541211C6-E122-FFA0-AE41-4C8A97FF2947}"/>
+                    </a:ext>
+                  </a:extLst>
+                </p:cNvPr>
+                <p:cNvPicPr/>
+                <p:nvPr/>
+              </p:nvPicPr>
+              <p:blipFill>
+                <a:blip r:embed="rId16"/>
+                <a:stretch>
+                  <a:fillRect/>
+                </a:stretch>
+              </p:blipFill>
+              <p:spPr>
+                <a:xfrm>
+                  <a:off x="8155931" y="2163829"/>
+                  <a:ext cx="240480" cy="324360"/>
+                </a:xfrm>
+                <a:prstGeom prst="rect">
+                  <a:avLst/>
+                </a:prstGeom>
+              </p:spPr>
+            </p:pic>
+          </mc:Fallback>
+        </mc:AlternateContent>
+      </p:grpSp>
+      <p:grpSp>
+        <p:nvGrpSpPr>
+          <p:cNvPr id="18" name="Group 17">
+            <a:extLst>
+              <a:ext uri="{FF2B5EF4-FFF2-40B4-BE49-F238E27FC236}">
+                <a16:creationId xmlns:a16="http://schemas.microsoft.com/office/drawing/2014/main" id="{ED10AF6E-1F23-1B7F-730C-1DC9047B4AC6}"/>
+              </a:ext>
+            </a:extLst>
+          </p:cNvPr>
+          <p:cNvGrpSpPr/>
+          <p:nvPr/>
+        </p:nvGrpSpPr>
+        <p:grpSpPr>
+          <a:xfrm>
+            <a:off x="9803291" y="2513029"/>
+            <a:ext cx="491040" cy="378720"/>
+            <a:chOff x="9803291" y="2513029"/>
+            <a:chExt cx="491040" cy="378720"/>
+          </a:xfrm>
+        </p:grpSpPr>
+        <mc:AlternateContent xmlns:mc="http://schemas.openxmlformats.org/markup-compatibility/2006" xmlns:p14="http://schemas.microsoft.com/office/powerpoint/2010/main">
+          <mc:Choice Requires="p14">
+            <p:contentPart p14:bwMode="auto" r:id="rId17">
+              <p14:nvContentPartPr>
+                <p14:cNvPr id="13" name="Ink 12">
+                  <a:extLst>
+                    <a:ext uri="{FF2B5EF4-FFF2-40B4-BE49-F238E27FC236}">
+                      <a16:creationId xmlns:a16="http://schemas.microsoft.com/office/drawing/2014/main" id="{9F968AB2-FDC5-BDB0-C36A-9FDCF9B48826}"/>
+                    </a:ext>
+                  </a:extLst>
+                </p14:cNvPr>
+                <p14:cNvContentPartPr/>
+                <p14:nvPr/>
+              </p14:nvContentPartPr>
+              <p14:xfrm>
+                <a:off x="9803291" y="2631829"/>
+                <a:ext cx="360" cy="251640"/>
+              </p14:xfrm>
+            </p:contentPart>
+          </mc:Choice>
+          <mc:Fallback xmlns="">
+            <p:pic>
+              <p:nvPicPr>
+                <p:cNvPr id="13" name="Ink 12">
+                  <a:extLst>
+                    <a:ext uri="{FF2B5EF4-FFF2-40B4-BE49-F238E27FC236}">
+                      <a16:creationId xmlns:a16="http://schemas.microsoft.com/office/drawing/2014/main" id="{9F968AB2-FDC5-BDB0-C36A-9FDCF9B48826}"/>
+                    </a:ext>
+                  </a:extLst>
+                </p:cNvPr>
+                <p:cNvPicPr/>
+                <p:nvPr/>
+              </p:nvPicPr>
+              <p:blipFill>
+                <a:blip r:embed="rId18"/>
+                <a:stretch>
+                  <a:fillRect/>
+                </a:stretch>
+              </p:blipFill>
+              <p:spPr>
+                <a:xfrm>
+                  <a:off x="9785651" y="2613829"/>
+                  <a:ext cx="36000" cy="287280"/>
+                </a:xfrm>
+                <a:prstGeom prst="rect">
+                  <a:avLst/>
+                </a:prstGeom>
+              </p:spPr>
+            </p:pic>
+          </mc:Fallback>
+        </mc:AlternateContent>
+        <mc:AlternateContent xmlns:mc="http://schemas.openxmlformats.org/markup-compatibility/2006" xmlns:p14="http://schemas.microsoft.com/office/powerpoint/2010/main">
+          <mc:Choice Requires="p14">
+            <p:contentPart p14:bwMode="auto" r:id="rId19">
+              <p14:nvContentPartPr>
+                <p14:cNvPr id="14" name="Ink 13">
+                  <a:extLst>
+                    <a:ext uri="{FF2B5EF4-FFF2-40B4-BE49-F238E27FC236}">
+                      <a16:creationId xmlns:a16="http://schemas.microsoft.com/office/drawing/2014/main" id="{32C3D588-30A4-D287-440A-03B82DADF8EC}"/>
+                    </a:ext>
+                  </a:extLst>
+                </p14:cNvPr>
+                <p14:cNvContentPartPr/>
+                <p14:nvPr/>
+              </p14:nvContentPartPr>
+              <p14:xfrm>
+                <a:off x="9968171" y="2891389"/>
+                <a:ext cx="360" cy="360"/>
+              </p14:xfrm>
+            </p:contentPart>
+          </mc:Choice>
+          <mc:Fallback xmlns="">
+            <p:pic>
+              <p:nvPicPr>
+                <p:cNvPr id="14" name="Ink 13">
+                  <a:extLst>
+                    <a:ext uri="{FF2B5EF4-FFF2-40B4-BE49-F238E27FC236}">
+                      <a16:creationId xmlns:a16="http://schemas.microsoft.com/office/drawing/2014/main" id="{32C3D588-30A4-D287-440A-03B82DADF8EC}"/>
+                    </a:ext>
+                  </a:extLst>
+                </p:cNvPr>
+                <p:cNvPicPr/>
+                <p:nvPr/>
+              </p:nvPicPr>
+              <p:blipFill>
+                <a:blip r:embed="rId14"/>
+                <a:stretch>
+                  <a:fillRect/>
+                </a:stretch>
+              </p:blipFill>
+              <p:spPr>
+                <a:xfrm>
+                  <a:off x="9950171" y="2873389"/>
+                  <a:ext cx="36000" cy="36000"/>
+                </a:xfrm>
+                <a:prstGeom prst="rect">
+                  <a:avLst/>
+                </a:prstGeom>
+              </p:spPr>
+            </p:pic>
+          </mc:Fallback>
+        </mc:AlternateContent>
+        <mc:AlternateContent xmlns:mc="http://schemas.openxmlformats.org/markup-compatibility/2006" xmlns:p14="http://schemas.microsoft.com/office/powerpoint/2010/main">
+          <mc:Choice Requires="p14">
+            <p:contentPart p14:bwMode="auto" r:id="rId20">
+              <p14:nvContentPartPr>
+                <p14:cNvPr id="15" name="Ink 14">
+                  <a:extLst>
+                    <a:ext uri="{FF2B5EF4-FFF2-40B4-BE49-F238E27FC236}">
+                      <a16:creationId xmlns:a16="http://schemas.microsoft.com/office/drawing/2014/main" id="{17A00EFB-56E5-168D-D39B-330BE95D1C44}"/>
+                    </a:ext>
+                  </a:extLst>
+                </p14:cNvPr>
+                <p14:cNvContentPartPr/>
+                <p14:nvPr/>
+              </p14:nvContentPartPr>
+              <p14:xfrm>
+                <a:off x="10038011" y="2603389"/>
+                <a:ext cx="205200" cy="231480"/>
+              </p14:xfrm>
+            </p:contentPart>
+          </mc:Choice>
+          <mc:Fallback xmlns="">
+            <p:pic>
+              <p:nvPicPr>
+                <p:cNvPr id="15" name="Ink 14">
+                  <a:extLst>
+                    <a:ext uri="{FF2B5EF4-FFF2-40B4-BE49-F238E27FC236}">
+                      <a16:creationId xmlns:a16="http://schemas.microsoft.com/office/drawing/2014/main" id="{17A00EFB-56E5-168D-D39B-330BE95D1C44}"/>
+                    </a:ext>
+                  </a:extLst>
+                </p:cNvPr>
+                <p:cNvPicPr/>
+                <p:nvPr/>
+              </p:nvPicPr>
+              <p:blipFill>
+                <a:blip r:embed="rId21"/>
+                <a:stretch>
+                  <a:fillRect/>
+                </a:stretch>
+              </p:blipFill>
+              <p:spPr>
+                <a:xfrm>
+                  <a:off x="10020371" y="2585389"/>
+                  <a:ext cx="240840" cy="267120"/>
+                </a:xfrm>
+                <a:prstGeom prst="rect">
+                  <a:avLst/>
+                </a:prstGeom>
+              </p:spPr>
+            </p:pic>
+          </mc:Fallback>
+        </mc:AlternateContent>
+        <mc:AlternateContent xmlns:mc="http://schemas.openxmlformats.org/markup-compatibility/2006" xmlns:p14="http://schemas.microsoft.com/office/powerpoint/2010/main">
+          <mc:Choice Requires="p14">
+            <p:contentPart p14:bwMode="auto" r:id="rId22">
+              <p14:nvContentPartPr>
+                <p14:cNvPr id="17" name="Ink 16">
+                  <a:extLst>
+                    <a:ext uri="{FF2B5EF4-FFF2-40B4-BE49-F238E27FC236}">
+                      <a16:creationId xmlns:a16="http://schemas.microsoft.com/office/drawing/2014/main" id="{1570457C-ACDC-30FC-081C-6D56F801FB7E}"/>
+                    </a:ext>
+                  </a:extLst>
+                </p14:cNvPr>
+                <p14:cNvContentPartPr/>
+                <p14:nvPr/>
+              </p14:nvContentPartPr>
+              <p14:xfrm>
+                <a:off x="10069331" y="2513029"/>
+                <a:ext cx="225000" cy="44280"/>
+              </p14:xfrm>
+            </p:contentPart>
+          </mc:Choice>
+          <mc:Fallback xmlns="">
+            <p:pic>
+              <p:nvPicPr>
+                <p:cNvPr id="17" name="Ink 16">
+                  <a:extLst>
+                    <a:ext uri="{FF2B5EF4-FFF2-40B4-BE49-F238E27FC236}">
+                      <a16:creationId xmlns:a16="http://schemas.microsoft.com/office/drawing/2014/main" id="{1570457C-ACDC-30FC-081C-6D56F801FB7E}"/>
+                    </a:ext>
+                  </a:extLst>
+                </p:cNvPr>
+                <p:cNvPicPr/>
+                <p:nvPr/>
+              </p:nvPicPr>
+              <p:blipFill>
+                <a:blip r:embed="rId23"/>
+                <a:stretch>
+                  <a:fillRect/>
+                </a:stretch>
+              </p:blipFill>
+              <p:spPr>
+                <a:xfrm>
+                  <a:off x="10051691" y="2495389"/>
+                  <a:ext cx="260640" cy="79920"/>
+                </a:xfrm>
+                <a:prstGeom prst="rect">
+                  <a:avLst/>
+                </a:prstGeom>
+              </p:spPr>
+            </p:pic>
+          </mc:Fallback>
+        </mc:AlternateContent>
+      </p:grpSp>
+      <mc:AlternateContent xmlns:mc="http://schemas.openxmlformats.org/markup-compatibility/2006" xmlns:p14="http://schemas.microsoft.com/office/powerpoint/2010/main">
+        <mc:Choice Requires="p14">
+          <p:contentPart p14:bwMode="auto" r:id="rId24">
+            <p14:nvContentPartPr>
+              <p14:cNvPr id="19" name="Ink 18">
+                <a:extLst>
+                  <a:ext uri="{FF2B5EF4-FFF2-40B4-BE49-F238E27FC236}">
+                    <a16:creationId xmlns:a16="http://schemas.microsoft.com/office/drawing/2014/main" id="{AB049068-E5DD-0315-C175-7F5588715F5C}"/>
+                  </a:ext>
+                </a:extLst>
+              </p14:cNvPr>
+              <p14:cNvContentPartPr/>
+              <p14:nvPr/>
+            </p14:nvContentPartPr>
+            <p14:xfrm>
+              <a:off x="9993731" y="3722629"/>
+              <a:ext cx="222480" cy="388440"/>
+            </p14:xfrm>
+          </p:contentPart>
+        </mc:Choice>
+        <mc:Fallback xmlns="">
+          <p:pic>
+            <p:nvPicPr>
+              <p:cNvPr id="19" name="Ink 18">
+                <a:extLst>
+                  <a:ext uri="{FF2B5EF4-FFF2-40B4-BE49-F238E27FC236}">
+                    <a16:creationId xmlns:a16="http://schemas.microsoft.com/office/drawing/2014/main" id="{AB049068-E5DD-0315-C175-7F5588715F5C}"/>
+                  </a:ext>
+                </a:extLst>
+              </p:cNvPr>
+              <p:cNvPicPr/>
+              <p:nvPr/>
+            </p:nvPicPr>
+            <p:blipFill>
+              <a:blip r:embed="rId25"/>
+              <a:stretch>
+                <a:fillRect/>
+              </a:stretch>
+            </p:blipFill>
+            <p:spPr>
+              <a:xfrm>
+                <a:off x="9975731" y="3704629"/>
+                <a:ext cx="258120" cy="424080"/>
+              </a:xfrm>
+              <a:prstGeom prst="rect">
+                <a:avLst/>
+              </a:prstGeom>
+            </p:spPr>
+          </p:pic>
+        </mc:Fallback>
+      </mc:AlternateContent>
+      <mc:AlternateContent xmlns:mc="http://schemas.openxmlformats.org/markup-compatibility/2006" xmlns:p14="http://schemas.microsoft.com/office/powerpoint/2010/main">
+        <mc:Choice Requires="p14">
+          <p:contentPart p14:bwMode="auto" r:id="rId26">
+            <p14:nvContentPartPr>
+              <p14:cNvPr id="20" name="Ink 19">
+                <a:extLst>
+                  <a:ext uri="{FF2B5EF4-FFF2-40B4-BE49-F238E27FC236}">
+                    <a16:creationId xmlns:a16="http://schemas.microsoft.com/office/drawing/2014/main" id="{766EB02D-8E01-565F-D008-D236010CFF97}"/>
+                  </a:ext>
+                </a:extLst>
+              </p14:cNvPr>
+              <p14:cNvContentPartPr/>
+              <p14:nvPr/>
+            </p14:nvContentPartPr>
+            <p14:xfrm>
+              <a:off x="10418891" y="4090549"/>
+              <a:ext cx="360" cy="360"/>
+            </p14:xfrm>
+          </p:contentPart>
+        </mc:Choice>
+        <mc:Fallback xmlns="">
+          <p:pic>
+            <p:nvPicPr>
+              <p:cNvPr id="20" name="Ink 19">
+                <a:extLst>
+                  <a:ext uri="{FF2B5EF4-FFF2-40B4-BE49-F238E27FC236}">
+                    <a16:creationId xmlns:a16="http://schemas.microsoft.com/office/drawing/2014/main" id="{766EB02D-8E01-565F-D008-D236010CFF97}"/>
+                  </a:ext>
+                </a:extLst>
+              </p:cNvPr>
+              <p:cNvPicPr/>
+              <p:nvPr/>
+            </p:nvPicPr>
+            <p:blipFill>
+              <a:blip r:embed="rId14"/>
+              <a:stretch>
+                <a:fillRect/>
+              </a:stretch>
+            </p:blipFill>
+            <p:spPr>
+              <a:xfrm>
+                <a:off x="10401251" y="4072549"/>
+                <a:ext cx="36000" cy="36000"/>
+              </a:xfrm>
+              <a:prstGeom prst="rect">
+                <a:avLst/>
+              </a:prstGeom>
+            </p:spPr>
+          </p:pic>
+        </mc:Fallback>
+      </mc:AlternateContent>
+      <p:grpSp>
+        <p:nvGrpSpPr>
+          <p:cNvPr id="23" name="Group 22">
+            <a:extLst>
+              <a:ext uri="{FF2B5EF4-FFF2-40B4-BE49-F238E27FC236}">
+                <a16:creationId xmlns:a16="http://schemas.microsoft.com/office/drawing/2014/main" id="{464443A2-532E-C6DD-9B54-CF671E820082}"/>
+              </a:ext>
+            </a:extLst>
+          </p:cNvPr>
+          <p:cNvGrpSpPr/>
+          <p:nvPr/>
+        </p:nvGrpSpPr>
+        <p:grpSpPr>
+          <a:xfrm>
+            <a:off x="10499891" y="3410869"/>
+            <a:ext cx="327600" cy="554760"/>
+            <a:chOff x="10499891" y="3410869"/>
+            <a:chExt cx="327600" cy="554760"/>
+          </a:xfrm>
+        </p:grpSpPr>
+        <mc:AlternateContent xmlns:mc="http://schemas.openxmlformats.org/markup-compatibility/2006" xmlns:p14="http://schemas.microsoft.com/office/powerpoint/2010/main">
+          <mc:Choice Requires="p14">
+            <p:contentPart p14:bwMode="auto" r:id="rId27">
+              <p14:nvContentPartPr>
+                <p14:cNvPr id="21" name="Ink 20">
+                  <a:extLst>
+                    <a:ext uri="{FF2B5EF4-FFF2-40B4-BE49-F238E27FC236}">
+                      <a16:creationId xmlns:a16="http://schemas.microsoft.com/office/drawing/2014/main" id="{9CBA4B11-1B23-E36D-2AE9-1B828FE645F8}"/>
+                    </a:ext>
+                  </a:extLst>
+                </p14:cNvPr>
+                <p14:cNvContentPartPr/>
+                <p14:nvPr/>
+              </p14:nvContentPartPr>
+              <p14:xfrm>
+                <a:off x="10499891" y="3591949"/>
+                <a:ext cx="327600" cy="373680"/>
+              </p14:xfrm>
+            </p:contentPart>
+          </mc:Choice>
+          <mc:Fallback xmlns="">
+            <p:pic>
+              <p:nvPicPr>
+                <p:cNvPr id="21" name="Ink 20">
+                  <a:extLst>
+                    <a:ext uri="{FF2B5EF4-FFF2-40B4-BE49-F238E27FC236}">
+                      <a16:creationId xmlns:a16="http://schemas.microsoft.com/office/drawing/2014/main" id="{9CBA4B11-1B23-E36D-2AE9-1B828FE645F8}"/>
+                    </a:ext>
+                  </a:extLst>
+                </p:cNvPr>
+                <p:cNvPicPr/>
+                <p:nvPr/>
+              </p:nvPicPr>
+              <p:blipFill>
+                <a:blip r:embed="rId28"/>
+                <a:stretch>
+                  <a:fillRect/>
+                </a:stretch>
+              </p:blipFill>
+              <p:spPr>
+                <a:xfrm>
+                  <a:off x="10481891" y="3573949"/>
+                  <a:ext cx="363240" cy="409320"/>
+                </a:xfrm>
+                <a:prstGeom prst="rect">
+                  <a:avLst/>
+                </a:prstGeom>
+              </p:spPr>
+            </p:pic>
+          </mc:Fallback>
+        </mc:AlternateContent>
+        <mc:AlternateContent xmlns:mc="http://schemas.openxmlformats.org/markup-compatibility/2006" xmlns:p14="http://schemas.microsoft.com/office/powerpoint/2010/main">
+          <mc:Choice Requires="p14">
+            <p:contentPart p14:bwMode="auto" r:id="rId29">
+              <p14:nvContentPartPr>
+                <p14:cNvPr id="22" name="Ink 21">
+                  <a:extLst>
+                    <a:ext uri="{FF2B5EF4-FFF2-40B4-BE49-F238E27FC236}">
+                      <a16:creationId xmlns:a16="http://schemas.microsoft.com/office/drawing/2014/main" id="{83A8D080-7F0C-1FC7-3067-D1367E58CCF8}"/>
+                    </a:ext>
+                  </a:extLst>
+                </p14:cNvPr>
+                <p14:cNvContentPartPr/>
+                <p14:nvPr/>
+              </p14:nvContentPartPr>
+              <p14:xfrm>
+                <a:off x="10503851" y="3410869"/>
+                <a:ext cx="264960" cy="192600"/>
+              </p14:xfrm>
+            </p:contentPart>
+          </mc:Choice>
+          <mc:Fallback xmlns="">
+            <p:pic>
+              <p:nvPicPr>
+                <p:cNvPr id="22" name="Ink 21">
+                  <a:extLst>
+                    <a:ext uri="{FF2B5EF4-FFF2-40B4-BE49-F238E27FC236}">
+                      <a16:creationId xmlns:a16="http://schemas.microsoft.com/office/drawing/2014/main" id="{83A8D080-7F0C-1FC7-3067-D1367E58CCF8}"/>
+                    </a:ext>
+                  </a:extLst>
+                </p:cNvPr>
+                <p:cNvPicPr/>
+                <p:nvPr/>
+              </p:nvPicPr>
+              <p:blipFill>
+                <a:blip r:embed="rId30"/>
+                <a:stretch>
+                  <a:fillRect/>
+                </a:stretch>
+              </p:blipFill>
+              <p:spPr>
+                <a:xfrm>
+                  <a:off x="10485851" y="3392869"/>
+                  <a:ext cx="300600" cy="228240"/>
+                </a:xfrm>
+                <a:prstGeom prst="rect">
+                  <a:avLst/>
+                </a:prstGeom>
+              </p:spPr>
+            </p:pic>
+          </mc:Fallback>
+        </mc:AlternateContent>
+      </p:grpSp>
+    </p:spTree>
+    <p:extLst>
+      <p:ext uri="{BB962C8B-B14F-4D97-AF65-F5344CB8AC3E}">
+        <p14:creationId xmlns:p14="http://schemas.microsoft.com/office/powerpoint/2010/main" val="3839781994"/>
+      </p:ext>
+    </p:extLst>
+  </p:cSld>
+  <p:clrMapOvr>
+    <a:masterClrMapping/>
+  </p:clrMapOvr>
+</p:sld>
+</file>
+
+<file path=ppt/slides/slide4.xml><?xml version="1.0" encoding="utf-8"?>
+<p:sld xmlns:a="http://schemas.openxmlformats.org/drawingml/2006/main" xmlns:r="http://schemas.openxmlformats.org/officeDocument/2006/relationships" xmlns:p="http://schemas.openxmlformats.org/presentationml/2006/main">
+  <p:cSld>
+    <p:spTree>
+      <p:nvGrpSpPr>
+        <p:cNvPr id="1" name=""/>
+        <p:cNvGrpSpPr/>
+        <p:nvPr/>
+      </p:nvGrpSpPr>
+      <p:grpSpPr>
+        <a:xfrm>
+          <a:off x="0" y="0"/>
+          <a:ext cx="0" cy="0"/>
+          <a:chOff x="0" y="0"/>
+          <a:chExt cx="0" cy="0"/>
+        </a:xfrm>
+      </p:grpSpPr>
+      <p:pic>
+        <p:nvPicPr>
+          <p:cNvPr id="2" name="Picture 1">
+            <a:extLst>
+              <a:ext uri="{FF2B5EF4-FFF2-40B4-BE49-F238E27FC236}">
+                <a16:creationId xmlns:a16="http://schemas.microsoft.com/office/drawing/2014/main" id="{70DF0519-7FC0-B92C-CF19-6A14F2CD23B7}"/>
               </a:ext>
             </a:extLst>
           </p:cNvPr>
@@ -4669,97 +11113,7 @@
         </p:blipFill>
         <p:spPr>
           <a:xfrm>
-            <a:off x="2743200" y="0"/>
-            <a:ext cx="4572000" cy="3657600"/>
-          </a:xfrm>
-          <a:prstGeom prst="rect">
-            <a:avLst/>
-          </a:prstGeom>
-        </p:spPr>
-      </p:pic>
-      <p:pic>
-        <p:nvPicPr>
-          <p:cNvPr id="9" name="Picture 8">
-            <a:extLst>
-              <a:ext uri="{FF2B5EF4-FFF2-40B4-BE49-F238E27FC236}">
-                <a16:creationId xmlns:a16="http://schemas.microsoft.com/office/drawing/2014/main" id="{B3CD9E71-3BFB-6731-C575-81AED1D8E2E9}"/>
-              </a:ext>
-            </a:extLst>
-          </p:cNvPr>
-          <p:cNvPicPr>
-            <a:picLocks noChangeAspect="1"/>
-          </p:cNvPicPr>
-          <p:nvPr/>
-        </p:nvPicPr>
-        <p:blipFill>
-          <a:blip r:embed="rId3"/>
-          <a:stretch>
-            <a:fillRect/>
-          </a:stretch>
-        </p:blipFill>
-        <p:spPr>
-          <a:xfrm>
-            <a:off x="0" y="0"/>
-            <a:ext cx="2743200" cy="1828800"/>
-          </a:xfrm>
-          <a:prstGeom prst="rect">
-            <a:avLst/>
-          </a:prstGeom>
-        </p:spPr>
-      </p:pic>
-      <p:pic>
-        <p:nvPicPr>
-          <p:cNvPr id="25" name="Picture 24">
-            <a:extLst>
-              <a:ext uri="{FF2B5EF4-FFF2-40B4-BE49-F238E27FC236}">
-                <a16:creationId xmlns:a16="http://schemas.microsoft.com/office/drawing/2014/main" id="{460C3260-45B0-8C14-C323-A9A48CFC37B0}"/>
-              </a:ext>
-            </a:extLst>
-          </p:cNvPr>
-          <p:cNvPicPr>
-            <a:picLocks noChangeAspect="1"/>
-          </p:cNvPicPr>
-          <p:nvPr/>
-        </p:nvPicPr>
-        <p:blipFill>
-          <a:blip r:embed="rId4"/>
-          <a:stretch>
-            <a:fillRect/>
-          </a:stretch>
-        </p:blipFill>
-        <p:spPr>
-          <a:xfrm>
-            <a:off x="0" y="1828800"/>
-            <a:ext cx="2743200" cy="1828800"/>
-          </a:xfrm>
-          <a:prstGeom prst="rect">
-            <a:avLst/>
-          </a:prstGeom>
-        </p:spPr>
-      </p:pic>
-      <p:pic>
-        <p:nvPicPr>
-          <p:cNvPr id="2" name="Picture 1">
-            <a:extLst>
-              <a:ext uri="{FF2B5EF4-FFF2-40B4-BE49-F238E27FC236}">
-                <a16:creationId xmlns:a16="http://schemas.microsoft.com/office/drawing/2014/main" id="{70DF0519-7FC0-B92C-CF19-6A14F2CD23B7}"/>
-              </a:ext>
-            </a:extLst>
-          </p:cNvPr>
-          <p:cNvPicPr>
-            <a:picLocks noChangeAspect="1"/>
-          </p:cNvPicPr>
-          <p:nvPr/>
-        </p:nvPicPr>
-        <p:blipFill>
-          <a:blip r:embed="rId5"/>
-          <a:stretch>
-            <a:fillRect/>
-          </a:stretch>
-        </p:blipFill>
-        <p:spPr>
-          <a:xfrm>
-            <a:off x="0" y="5486400"/>
+            <a:off x="0" y="6836899"/>
             <a:ext cx="3657600" cy="3657600"/>
           </a:xfrm>
           <a:prstGeom prst="rect">
@@ -4782,14 +11136,14 @@
           <p:nvPr/>
         </p:nvPicPr>
         <p:blipFill>
-          <a:blip r:embed="rId6"/>
+          <a:blip r:embed="rId3"/>
           <a:stretch>
             <a:fillRect/>
           </a:stretch>
         </p:blipFill>
         <p:spPr>
           <a:xfrm>
-            <a:off x="3657600" y="5489039"/>
+            <a:off x="3657600" y="6839538"/>
             <a:ext cx="3657600" cy="3657600"/>
           </a:xfrm>
           <a:prstGeom prst="rect">
@@ -4812,14 +11166,14 @@
           <p:nvPr/>
         </p:nvPicPr>
         <p:blipFill>
-          <a:blip r:embed="rId7"/>
+          <a:blip r:embed="rId4"/>
           <a:stretch>
             <a:fillRect/>
           </a:stretch>
         </p:blipFill>
         <p:spPr>
           <a:xfrm>
-            <a:off x="7315200" y="5491678"/>
+            <a:off x="7315200" y="6842177"/>
             <a:ext cx="2286000" cy="3657600"/>
           </a:xfrm>
           <a:prstGeom prst="rect">
@@ -4842,14 +11196,14 @@
           <p:nvPr/>
         </p:nvPicPr>
         <p:blipFill>
-          <a:blip r:embed="rId8"/>
+          <a:blip r:embed="rId5"/>
           <a:stretch>
             <a:fillRect/>
           </a:stretch>
         </p:blipFill>
         <p:spPr>
           <a:xfrm>
-            <a:off x="9601200" y="5486400"/>
+            <a:off x="9601200" y="6836899"/>
             <a:ext cx="2286000" cy="3657600"/>
           </a:xfrm>
           <a:prstGeom prst="rect">
@@ -4872,14 +11226,14 @@
           <p:nvPr/>
         </p:nvPicPr>
         <p:blipFill>
-          <a:blip r:embed="rId9"/>
+          <a:blip r:embed="rId6"/>
           <a:stretch>
             <a:fillRect/>
           </a:stretch>
         </p:blipFill>
         <p:spPr>
           <a:xfrm>
-            <a:off x="12722087" y="159026"/>
+            <a:off x="9000331" y="0"/>
             <a:ext cx="2743200" cy="1828800"/>
           </a:xfrm>
           <a:prstGeom prst="rect">
@@ -4902,6 +11256,96 @@
           <p:nvPr/>
         </p:nvPicPr>
         <p:blipFill>
+          <a:blip r:embed="rId7"/>
+          <a:stretch>
+            <a:fillRect/>
+          </a:stretch>
+        </p:blipFill>
+        <p:spPr>
+          <a:xfrm>
+            <a:off x="9000331" y="1828800"/>
+            <a:ext cx="4572000" cy="3657600"/>
+          </a:xfrm>
+          <a:prstGeom prst="rect">
+            <a:avLst/>
+          </a:prstGeom>
+        </p:spPr>
+      </p:pic>
+      <p:pic>
+        <p:nvPicPr>
+          <p:cNvPr id="7" name="Picture 6">
+            <a:extLst>
+              <a:ext uri="{FF2B5EF4-FFF2-40B4-BE49-F238E27FC236}">
+                <a16:creationId xmlns:a16="http://schemas.microsoft.com/office/drawing/2014/main" id="{30B05F9B-8499-A960-AF39-1A36656D9B13}"/>
+              </a:ext>
+            </a:extLst>
+          </p:cNvPr>
+          <p:cNvPicPr>
+            <a:picLocks noChangeAspect="1"/>
+          </p:cNvPicPr>
+          <p:nvPr/>
+        </p:nvPicPr>
+        <p:blipFill>
+          <a:blip r:embed="rId8"/>
+          <a:stretch>
+            <a:fillRect/>
+          </a:stretch>
+        </p:blipFill>
+        <p:spPr>
+          <a:xfrm>
+            <a:off x="2743200" y="0"/>
+            <a:ext cx="4572000" cy="3657600"/>
+          </a:xfrm>
+          <a:prstGeom prst="rect">
+            <a:avLst/>
+          </a:prstGeom>
+        </p:spPr>
+      </p:pic>
+      <p:pic>
+        <p:nvPicPr>
+          <p:cNvPr id="12" name="Picture 11">
+            <a:extLst>
+              <a:ext uri="{FF2B5EF4-FFF2-40B4-BE49-F238E27FC236}">
+                <a16:creationId xmlns:a16="http://schemas.microsoft.com/office/drawing/2014/main" id="{5035152E-3365-44FA-0881-9E1C86137C53}"/>
+              </a:ext>
+            </a:extLst>
+          </p:cNvPr>
+          <p:cNvPicPr>
+            <a:picLocks noChangeAspect="1"/>
+          </p:cNvPicPr>
+          <p:nvPr/>
+        </p:nvPicPr>
+        <p:blipFill>
+          <a:blip r:embed="rId9"/>
+          <a:stretch>
+            <a:fillRect/>
+          </a:stretch>
+        </p:blipFill>
+        <p:spPr>
+          <a:xfrm>
+            <a:off x="0" y="0"/>
+            <a:ext cx="2743200" cy="1828800"/>
+          </a:xfrm>
+          <a:prstGeom prst="rect">
+            <a:avLst/>
+          </a:prstGeom>
+        </p:spPr>
+      </p:pic>
+      <p:pic>
+        <p:nvPicPr>
+          <p:cNvPr id="13" name="Picture 12">
+            <a:extLst>
+              <a:ext uri="{FF2B5EF4-FFF2-40B4-BE49-F238E27FC236}">
+                <a16:creationId xmlns:a16="http://schemas.microsoft.com/office/drawing/2014/main" id="{6807A128-ED8D-B65A-5E62-D22B913F3652}"/>
+              </a:ext>
+            </a:extLst>
+          </p:cNvPr>
+          <p:cNvPicPr>
+            <a:picLocks noChangeAspect="1"/>
+          </p:cNvPicPr>
+          <p:nvPr/>
+        </p:nvPicPr>
+        <p:blipFill>
           <a:blip r:embed="rId10"/>
           <a:stretch>
             <a:fillRect/>
@@ -4909,8 +11353,8 @@
         </p:blipFill>
         <p:spPr>
           <a:xfrm>
-            <a:off x="12722087" y="1987826"/>
-            <a:ext cx="4572000" cy="3657600"/>
+            <a:off x="0" y="1828800"/>
+            <a:ext cx="2743200" cy="1828800"/>
           </a:xfrm>
           <a:prstGeom prst="rect">
             <a:avLst/>
